--- a/Recap_SW5_Ineichen_Stecher.pptx
+++ b/Recap_SW5_Ineichen_Stecher.pptx
@@ -6,6 +6,10 @@
   </p:sldMasterIdLst>
   <p:sldIdLst>
     <p:sldId id="256" r:id="rId2"/>
+    <p:sldId id="257" r:id="rId3"/>
+    <p:sldId id="258" r:id="rId4"/>
+    <p:sldId id="259" r:id="rId5"/>
+    <p:sldId id="260" r:id="rId6"/>
   </p:sldIdLst>
   <p:sldSz cx="12192000" cy="6858000"/>
   <p:notesSz cx="6858000" cy="9144000"/>
@@ -104,6 +108,11 @@
       </a:defRPr>
     </a:lvl9pPr>
   </p:defaultTextStyle>
+  <p:extLst>
+    <p:ext uri="{EFAFB233-063F-42B5-8137-9DF3F51BA10A}">
+      <p15:sldGuideLst xmlns:p15="http://schemas.microsoft.com/office/powerpoint/2012/main"/>
+    </p:ext>
+  </p:extLst>
 </p:presentation>
 </file>
 
@@ -238,7 +247,7 @@
           <a:p>
             <a:fld id="{CFF0E3E0-6B59-4FD8-AEDD-9E53307F786E}" type="datetimeFigureOut">
               <a:rPr lang="de-CH" smtClean="0"/>
-              <a:t>20.10.2016</a:t>
+              <a:t>21.10.2016</a:t>
             </a:fld>
             <a:endParaRPr lang="de-CH"/>
           </a:p>
@@ -408,7 +417,7 @@
           <a:p>
             <a:fld id="{CFF0E3E0-6B59-4FD8-AEDD-9E53307F786E}" type="datetimeFigureOut">
               <a:rPr lang="de-CH" smtClean="0"/>
-              <a:t>20.10.2016</a:t>
+              <a:t>21.10.2016</a:t>
             </a:fld>
             <a:endParaRPr lang="de-CH"/>
           </a:p>
@@ -588,7 +597,7 @@
           <a:p>
             <a:fld id="{CFF0E3E0-6B59-4FD8-AEDD-9E53307F786E}" type="datetimeFigureOut">
               <a:rPr lang="de-CH" smtClean="0"/>
-              <a:t>20.10.2016</a:t>
+              <a:t>21.10.2016</a:t>
             </a:fld>
             <a:endParaRPr lang="de-CH"/>
           </a:p>
@@ -758,7 +767,7 @@
           <a:p>
             <a:fld id="{CFF0E3E0-6B59-4FD8-AEDD-9E53307F786E}" type="datetimeFigureOut">
               <a:rPr lang="de-CH" smtClean="0"/>
-              <a:t>20.10.2016</a:t>
+              <a:t>21.10.2016</a:t>
             </a:fld>
             <a:endParaRPr lang="de-CH"/>
           </a:p>
@@ -1004,7 +1013,7 @@
           <a:p>
             <a:fld id="{CFF0E3E0-6B59-4FD8-AEDD-9E53307F786E}" type="datetimeFigureOut">
               <a:rPr lang="de-CH" smtClean="0"/>
-              <a:t>20.10.2016</a:t>
+              <a:t>21.10.2016</a:t>
             </a:fld>
             <a:endParaRPr lang="de-CH"/>
           </a:p>
@@ -1236,7 +1245,7 @@
           <a:p>
             <a:fld id="{CFF0E3E0-6B59-4FD8-AEDD-9E53307F786E}" type="datetimeFigureOut">
               <a:rPr lang="de-CH" smtClean="0"/>
-              <a:t>20.10.2016</a:t>
+              <a:t>21.10.2016</a:t>
             </a:fld>
             <a:endParaRPr lang="de-CH"/>
           </a:p>
@@ -1603,7 +1612,7 @@
           <a:p>
             <a:fld id="{CFF0E3E0-6B59-4FD8-AEDD-9E53307F786E}" type="datetimeFigureOut">
               <a:rPr lang="de-CH" smtClean="0"/>
-              <a:t>20.10.2016</a:t>
+              <a:t>21.10.2016</a:t>
             </a:fld>
             <a:endParaRPr lang="de-CH"/>
           </a:p>
@@ -1721,7 +1730,7 @@
           <a:p>
             <a:fld id="{CFF0E3E0-6B59-4FD8-AEDD-9E53307F786E}" type="datetimeFigureOut">
               <a:rPr lang="de-CH" smtClean="0"/>
-              <a:t>20.10.2016</a:t>
+              <a:t>21.10.2016</a:t>
             </a:fld>
             <a:endParaRPr lang="de-CH"/>
           </a:p>
@@ -1816,7 +1825,7 @@
           <a:p>
             <a:fld id="{CFF0E3E0-6B59-4FD8-AEDD-9E53307F786E}" type="datetimeFigureOut">
               <a:rPr lang="de-CH" smtClean="0"/>
-              <a:t>20.10.2016</a:t>
+              <a:t>21.10.2016</a:t>
             </a:fld>
             <a:endParaRPr lang="de-CH"/>
           </a:p>
@@ -2093,7 +2102,7 @@
           <a:p>
             <a:fld id="{CFF0E3E0-6B59-4FD8-AEDD-9E53307F786E}" type="datetimeFigureOut">
               <a:rPr lang="de-CH" smtClean="0"/>
-              <a:t>20.10.2016</a:t>
+              <a:t>21.10.2016</a:t>
             </a:fld>
             <a:endParaRPr lang="de-CH"/>
           </a:p>
@@ -2346,7 +2355,7 @@
           <a:p>
             <a:fld id="{CFF0E3E0-6B59-4FD8-AEDD-9E53307F786E}" type="datetimeFigureOut">
               <a:rPr lang="de-CH" smtClean="0"/>
-              <a:t>20.10.2016</a:t>
+              <a:t>21.10.2016</a:t>
             </a:fld>
             <a:endParaRPr lang="de-CH"/>
           </a:p>
@@ -2559,7 +2568,7 @@
           <a:p>
             <a:fld id="{CFF0E3E0-6B59-4FD8-AEDD-9E53307F786E}" type="datetimeFigureOut">
               <a:rPr lang="de-CH" smtClean="0"/>
-              <a:t>20.10.2016</a:t>
+              <a:t>21.10.2016</a:t>
             </a:fld>
             <a:endParaRPr lang="de-CH"/>
           </a:p>
@@ -2979,7 +2988,11 @@
           <a:bodyPr/>
           <a:lstStyle/>
           <a:p>
-            <a:endParaRPr lang="de-CH"/>
+            <a:r>
+              <a:rPr lang="en-CA" dirty="0"/>
+              <a:t>Recap SW5	- RTOS</a:t>
+            </a:r>
+            <a:endParaRPr lang="de-CH" dirty="0"/>
           </a:p>
         </p:txBody>
       </p:sp>
@@ -2998,7 +3011,19 @@
           <a:bodyPr/>
           <a:lstStyle/>
           <a:p>
-            <a:endParaRPr lang="de-CH"/>
+            <a:r>
+              <a:rPr lang="en-CA" dirty="0"/>
+              <a:t>Kilian </a:t>
+            </a:r>
+            <a:r>
+              <a:rPr lang="en-CA" dirty="0" err="1"/>
+              <a:t>Ineichen</a:t>
+            </a:r>
+            <a:r>
+              <a:rPr lang="en-CA" dirty="0"/>
+              <a:t> und Silvano Stecher</a:t>
+            </a:r>
+            <a:endParaRPr lang="de-CH" dirty="0"/>
           </a:p>
         </p:txBody>
       </p:sp>
@@ -3006,6 +3031,607 @@
     <p:extLst>
       <p:ext uri="{BB962C8B-B14F-4D97-AF65-F5344CB8AC3E}">
         <p14:creationId xmlns:p14="http://schemas.microsoft.com/office/powerpoint/2010/main" val="264425684"/>
+      </p:ext>
+    </p:extLst>
+  </p:cSld>
+  <p:clrMapOvr>
+    <a:masterClrMapping/>
+  </p:clrMapOvr>
+</p:sld>
+</file>
+
+<file path=ppt/slides/slide2.xml><?xml version="1.0" encoding="utf-8"?>
+<p:sld xmlns:a="http://schemas.openxmlformats.org/drawingml/2006/main" xmlns:r="http://schemas.openxmlformats.org/officeDocument/2006/relationships" xmlns:p="http://schemas.openxmlformats.org/presentationml/2006/main">
+  <p:cSld>
+    <p:spTree>
+      <p:nvGrpSpPr>
+        <p:cNvPr id="1" name=""/>
+        <p:cNvGrpSpPr/>
+        <p:nvPr/>
+      </p:nvGrpSpPr>
+      <p:grpSpPr>
+        <a:xfrm>
+          <a:off x="0" y="0"/>
+          <a:ext cx="0" cy="0"/>
+          <a:chOff x="0" y="0"/>
+          <a:chExt cx="0" cy="0"/>
+        </a:xfrm>
+      </p:grpSpPr>
+      <p:sp>
+        <p:nvSpPr>
+          <p:cNvPr id="2" name="Titel 1"/>
+          <p:cNvSpPr>
+            <a:spLocks noGrp="1"/>
+          </p:cNvSpPr>
+          <p:nvPr>
+            <p:ph type="title"/>
+          </p:nvPr>
+        </p:nvSpPr>
+        <p:spPr/>
+        <p:txBody>
+          <a:bodyPr/>
+          <a:lstStyle/>
+          <a:p>
+            <a:r>
+              <a:rPr lang="en-CA" dirty="0" err="1"/>
+              <a:t>Wieso</a:t>
+            </a:r>
+            <a:r>
+              <a:rPr lang="en-CA" dirty="0"/>
+              <a:t> RTOS?</a:t>
+            </a:r>
+            <a:endParaRPr lang="de-CH" dirty="0"/>
+          </a:p>
+        </p:txBody>
+      </p:sp>
+      <p:sp>
+        <p:nvSpPr>
+          <p:cNvPr id="3" name="Inhaltsplatzhalter 2"/>
+          <p:cNvSpPr>
+            <a:spLocks noGrp="1"/>
+          </p:cNvSpPr>
+          <p:nvPr>
+            <p:ph idx="1"/>
+          </p:nvPr>
+        </p:nvSpPr>
+        <p:spPr/>
+        <p:txBody>
+          <a:bodyPr/>
+          <a:lstStyle/>
+          <a:p>
+            <a:r>
+              <a:rPr lang="en-CA" dirty="0"/>
+              <a:t>Synchronisation</a:t>
+            </a:r>
+          </a:p>
+          <a:p>
+            <a:r>
+              <a:rPr lang="en-CA" dirty="0" err="1"/>
+              <a:t>Quasigleichzeitig</a:t>
+            </a:r>
+            <a:r>
+              <a:rPr lang="en-CA" dirty="0"/>
+              <a:t> </a:t>
+            </a:r>
+          </a:p>
+          <a:p>
+            <a:r>
+              <a:rPr lang="en-CA" dirty="0" err="1"/>
+              <a:t>Hardwarenahe</a:t>
+            </a:r>
+            <a:r>
+              <a:rPr lang="en-CA" dirty="0"/>
+              <a:t> </a:t>
+            </a:r>
+            <a:r>
+              <a:rPr lang="en-CA" dirty="0">
+                <a:sym typeface="Wingdings" panose="05000000000000000000" pitchFamily="2" charset="2"/>
+              </a:rPr>
+              <a:t> </a:t>
+            </a:r>
+            <a:r>
+              <a:rPr lang="en-CA" dirty="0" err="1">
+                <a:sym typeface="Wingdings" panose="05000000000000000000" pitchFamily="2" charset="2"/>
+              </a:rPr>
+              <a:t>bessere</a:t>
+            </a:r>
+            <a:r>
+              <a:rPr lang="en-CA" dirty="0">
+                <a:sym typeface="Wingdings" panose="05000000000000000000" pitchFamily="2" charset="2"/>
+              </a:rPr>
+              <a:t> Performance</a:t>
+            </a:r>
+          </a:p>
+          <a:p>
+            <a:pPr lvl="1"/>
+            <a:r>
+              <a:rPr lang="en-CA" dirty="0">
+                <a:sym typeface="Wingdings" panose="05000000000000000000" pitchFamily="2" charset="2"/>
+              </a:rPr>
+              <a:t>OS </a:t>
+            </a:r>
+            <a:r>
+              <a:rPr lang="en-CA" dirty="0" err="1">
+                <a:sym typeface="Wingdings" panose="05000000000000000000" pitchFamily="2" charset="2"/>
+              </a:rPr>
+              <a:t>würde</a:t>
+            </a:r>
+            <a:r>
+              <a:rPr lang="en-CA" dirty="0">
+                <a:sym typeface="Wingdings" panose="05000000000000000000" pitchFamily="2" charset="2"/>
+              </a:rPr>
+              <a:t> </a:t>
+            </a:r>
+            <a:r>
+              <a:rPr lang="en-CA" dirty="0" err="1">
+                <a:sym typeface="Wingdings" panose="05000000000000000000" pitchFamily="2" charset="2"/>
+              </a:rPr>
+              <a:t>Treiber</a:t>
+            </a:r>
+            <a:r>
+              <a:rPr lang="en-CA" dirty="0">
+                <a:sym typeface="Wingdings" panose="05000000000000000000" pitchFamily="2" charset="2"/>
+              </a:rPr>
+              <a:t> </a:t>
+            </a:r>
+            <a:r>
+              <a:rPr lang="en-CA" dirty="0" err="1">
+                <a:sym typeface="Wingdings" panose="05000000000000000000" pitchFamily="2" charset="2"/>
+              </a:rPr>
+              <a:t>benötigen</a:t>
+            </a:r>
+            <a:endParaRPr lang="en-CA" dirty="0">
+              <a:sym typeface="Wingdings" panose="05000000000000000000" pitchFamily="2" charset="2"/>
+            </a:endParaRPr>
+          </a:p>
+          <a:p>
+            <a:pPr lvl="1"/>
+            <a:r>
+              <a:rPr lang="en-CA" dirty="0">
+                <a:sym typeface="Wingdings" panose="05000000000000000000" pitchFamily="2" charset="2"/>
+              </a:rPr>
+              <a:t>RTOS </a:t>
+            </a:r>
+            <a:r>
+              <a:rPr lang="en-CA" dirty="0" err="1">
+                <a:sym typeface="Wingdings" panose="05000000000000000000" pitchFamily="2" charset="2"/>
+              </a:rPr>
+              <a:t>direkt</a:t>
+            </a:r>
+            <a:r>
+              <a:rPr lang="en-CA" dirty="0">
+                <a:sym typeface="Wingdings" panose="05000000000000000000" pitchFamily="2" charset="2"/>
+              </a:rPr>
+              <a:t> </a:t>
+            </a:r>
+            <a:r>
+              <a:rPr lang="en-CA" dirty="0" err="1">
+                <a:sym typeface="Wingdings" panose="05000000000000000000" pitchFamily="2" charset="2"/>
+              </a:rPr>
+              <a:t>mit</a:t>
+            </a:r>
+            <a:r>
+              <a:rPr lang="en-CA" dirty="0">
+                <a:sym typeface="Wingdings" panose="05000000000000000000" pitchFamily="2" charset="2"/>
+              </a:rPr>
+              <a:t> Hardware</a:t>
+            </a:r>
+          </a:p>
+          <a:p>
+            <a:r>
+              <a:rPr lang="en-CA" dirty="0">
+                <a:sym typeface="Wingdings" panose="05000000000000000000" pitchFamily="2" charset="2"/>
+              </a:rPr>
+              <a:t>Low Power und </a:t>
+            </a:r>
+            <a:r>
+              <a:rPr lang="en-CA" dirty="0" err="1">
+                <a:sym typeface="Wingdings" panose="05000000000000000000" pitchFamily="2" charset="2"/>
+              </a:rPr>
+              <a:t>geringe</a:t>
+            </a:r>
+            <a:r>
+              <a:rPr lang="en-CA" dirty="0">
+                <a:sym typeface="Wingdings" panose="05000000000000000000" pitchFamily="2" charset="2"/>
+              </a:rPr>
+              <a:t> </a:t>
+            </a:r>
+            <a:r>
+              <a:rPr lang="en-CA" dirty="0" err="1">
+                <a:sym typeface="Wingdings" panose="05000000000000000000" pitchFamily="2" charset="2"/>
+              </a:rPr>
+              <a:t>Bootzeit</a:t>
+            </a:r>
+            <a:endParaRPr lang="en-CA" dirty="0"/>
+          </a:p>
+          <a:p>
+            <a:endParaRPr lang="de-CH" dirty="0"/>
+          </a:p>
+        </p:txBody>
+      </p:sp>
+    </p:spTree>
+    <p:extLst>
+      <p:ext uri="{BB962C8B-B14F-4D97-AF65-F5344CB8AC3E}">
+        <p14:creationId xmlns:p14="http://schemas.microsoft.com/office/powerpoint/2010/main" val="1777177950"/>
+      </p:ext>
+    </p:extLst>
+  </p:cSld>
+  <p:clrMapOvr>
+    <a:masterClrMapping/>
+  </p:clrMapOvr>
+</p:sld>
+</file>
+
+<file path=ppt/slides/slide3.xml><?xml version="1.0" encoding="utf-8"?>
+<p:sld xmlns:a="http://schemas.openxmlformats.org/drawingml/2006/main" xmlns:r="http://schemas.openxmlformats.org/officeDocument/2006/relationships" xmlns:p="http://schemas.openxmlformats.org/presentationml/2006/main">
+  <p:cSld>
+    <p:spTree>
+      <p:nvGrpSpPr>
+        <p:cNvPr id="1" name=""/>
+        <p:cNvGrpSpPr/>
+        <p:nvPr/>
+      </p:nvGrpSpPr>
+      <p:grpSpPr>
+        <a:xfrm>
+          <a:off x="0" y="0"/>
+          <a:ext cx="0" cy="0"/>
+          <a:chOff x="0" y="0"/>
+          <a:chExt cx="0" cy="0"/>
+        </a:xfrm>
+      </p:grpSpPr>
+      <p:sp>
+        <p:nvSpPr>
+          <p:cNvPr id="2" name="Titel 1"/>
+          <p:cNvSpPr>
+            <a:spLocks noGrp="1"/>
+          </p:cNvSpPr>
+          <p:nvPr>
+            <p:ph type="title"/>
+          </p:nvPr>
+        </p:nvSpPr>
+        <p:spPr/>
+        <p:txBody>
+          <a:bodyPr/>
+          <a:lstStyle/>
+          <a:p>
+            <a:r>
+              <a:rPr lang="en-CA" dirty="0"/>
+              <a:t>Scheduler</a:t>
+            </a:r>
+            <a:endParaRPr lang="de-CH" dirty="0"/>
+          </a:p>
+        </p:txBody>
+      </p:sp>
+      <p:pic>
+        <p:nvPicPr>
+          <p:cNvPr id="4" name="Inhaltsplatzhalter 3"/>
+          <p:cNvPicPr>
+            <a:picLocks noGrp="1" noChangeAspect="1"/>
+          </p:cNvPicPr>
+          <p:nvPr>
+            <p:ph idx="1"/>
+          </p:nvPr>
+        </p:nvPicPr>
+        <p:blipFill>
+          <a:blip r:embed="rId2"/>
+          <a:stretch>
+            <a:fillRect/>
+          </a:stretch>
+        </p:blipFill>
+        <p:spPr>
+          <a:xfrm>
+            <a:off x="1843341" y="1428751"/>
+            <a:ext cx="8505317" cy="3817902"/>
+          </a:xfrm>
+          <a:prstGeom prst="rect">
+            <a:avLst/>
+          </a:prstGeom>
+        </p:spPr>
+      </p:pic>
+    </p:spTree>
+    <p:extLst>
+      <p:ext uri="{BB962C8B-B14F-4D97-AF65-F5344CB8AC3E}">
+        <p14:creationId xmlns:p14="http://schemas.microsoft.com/office/powerpoint/2010/main" val="1916690929"/>
+      </p:ext>
+    </p:extLst>
+  </p:cSld>
+  <p:clrMapOvr>
+    <a:masterClrMapping/>
+  </p:clrMapOvr>
+</p:sld>
+</file>
+
+<file path=ppt/slides/slide4.xml><?xml version="1.0" encoding="utf-8"?>
+<p:sld xmlns:a="http://schemas.openxmlformats.org/drawingml/2006/main" xmlns:r="http://schemas.openxmlformats.org/officeDocument/2006/relationships" xmlns:p="http://schemas.openxmlformats.org/presentationml/2006/main">
+  <p:cSld>
+    <p:spTree>
+      <p:nvGrpSpPr>
+        <p:cNvPr id="1" name=""/>
+        <p:cNvGrpSpPr/>
+        <p:nvPr/>
+      </p:nvGrpSpPr>
+      <p:grpSpPr>
+        <a:xfrm>
+          <a:off x="0" y="0"/>
+          <a:ext cx="0" cy="0"/>
+          <a:chOff x="0" y="0"/>
+          <a:chExt cx="0" cy="0"/>
+        </a:xfrm>
+      </p:grpSpPr>
+      <p:sp>
+        <p:nvSpPr>
+          <p:cNvPr id="2" name="Titel 1"/>
+          <p:cNvSpPr>
+            <a:spLocks noGrp="1"/>
+          </p:cNvSpPr>
+          <p:nvPr>
+            <p:ph type="title"/>
+          </p:nvPr>
+        </p:nvSpPr>
+        <p:spPr/>
+        <p:txBody>
+          <a:bodyPr/>
+          <a:lstStyle/>
+          <a:p>
+            <a:r>
+              <a:rPr lang="en-CA" dirty="0"/>
+              <a:t>OS Process States</a:t>
+            </a:r>
+            <a:endParaRPr lang="de-CH" dirty="0"/>
+          </a:p>
+        </p:txBody>
+      </p:sp>
+      <p:pic>
+        <p:nvPicPr>
+          <p:cNvPr id="4" name="Inhaltsplatzhalter 3"/>
+          <p:cNvPicPr>
+            <a:picLocks noGrp="1" noChangeAspect="1"/>
+          </p:cNvPicPr>
+          <p:nvPr>
+            <p:ph idx="1"/>
+          </p:nvPr>
+        </p:nvPicPr>
+        <p:blipFill>
+          <a:blip r:embed="rId2"/>
+          <a:stretch>
+            <a:fillRect/>
+          </a:stretch>
+        </p:blipFill>
+        <p:spPr>
+          <a:xfrm>
+            <a:off x="2222549" y="1690688"/>
+            <a:ext cx="7390823" cy="4122186"/>
+          </a:xfrm>
+          <a:prstGeom prst="rect">
+            <a:avLst/>
+          </a:prstGeom>
+        </p:spPr>
+      </p:pic>
+    </p:spTree>
+    <p:extLst>
+      <p:ext uri="{BB962C8B-B14F-4D97-AF65-F5344CB8AC3E}">
+        <p14:creationId xmlns:p14="http://schemas.microsoft.com/office/powerpoint/2010/main" val="178852882"/>
+      </p:ext>
+    </p:extLst>
+  </p:cSld>
+  <p:clrMapOvr>
+    <a:masterClrMapping/>
+  </p:clrMapOvr>
+</p:sld>
+</file>
+
+<file path=ppt/slides/slide5.xml><?xml version="1.0" encoding="utf-8"?>
+<p:sld xmlns:a="http://schemas.openxmlformats.org/drawingml/2006/main" xmlns:r="http://schemas.openxmlformats.org/officeDocument/2006/relationships" xmlns:p="http://schemas.openxmlformats.org/presentationml/2006/main">
+  <p:cSld>
+    <p:spTree>
+      <p:nvGrpSpPr>
+        <p:cNvPr id="1" name=""/>
+        <p:cNvGrpSpPr/>
+        <p:nvPr/>
+      </p:nvGrpSpPr>
+      <p:grpSpPr>
+        <a:xfrm>
+          <a:off x="0" y="0"/>
+          <a:ext cx="0" cy="0"/>
+          <a:chOff x="0" y="0"/>
+          <a:chExt cx="0" cy="0"/>
+        </a:xfrm>
+      </p:grpSpPr>
+      <p:sp>
+        <p:nvSpPr>
+          <p:cNvPr id="2" name="Titel 1"/>
+          <p:cNvSpPr>
+            <a:spLocks noGrp="1"/>
+          </p:cNvSpPr>
+          <p:nvPr>
+            <p:ph type="title"/>
+          </p:nvPr>
+        </p:nvSpPr>
+        <p:spPr/>
+        <p:txBody>
+          <a:bodyPr/>
+          <a:lstStyle/>
+          <a:p>
+            <a:r>
+              <a:rPr lang="en-CA" dirty="0" err="1"/>
+              <a:t>Fragen</a:t>
+            </a:r>
+            <a:r>
+              <a:rPr lang="en-CA" dirty="0"/>
+              <a:t>:</a:t>
+            </a:r>
+            <a:endParaRPr lang="de-CH" dirty="0"/>
+          </a:p>
+        </p:txBody>
+      </p:sp>
+      <p:sp>
+        <p:nvSpPr>
+          <p:cNvPr id="3" name="Inhaltsplatzhalter 2"/>
+          <p:cNvSpPr>
+            <a:spLocks noGrp="1"/>
+          </p:cNvSpPr>
+          <p:nvPr>
+            <p:ph idx="1"/>
+          </p:nvPr>
+        </p:nvSpPr>
+        <p:spPr/>
+        <p:txBody>
+          <a:bodyPr/>
+          <a:lstStyle/>
+          <a:p>
+            <a:pPr marL="0" indent="0">
+              <a:buNone/>
+            </a:pPr>
+            <a:r>
+              <a:rPr lang="en-CA" dirty="0"/>
+              <a:t>PREN </a:t>
+            </a:r>
+            <a:r>
+              <a:rPr lang="en-CA" dirty="0">
+                <a:sym typeface="Wingdings" panose="05000000000000000000" pitchFamily="2" charset="2"/>
+              </a:rPr>
+              <a:t> </a:t>
+            </a:r>
+            <a:r>
+              <a:rPr lang="en-CA" dirty="0" err="1">
+                <a:sym typeface="Wingdings" panose="05000000000000000000" pitchFamily="2" charset="2"/>
+              </a:rPr>
+              <a:t>wieso</a:t>
+            </a:r>
+            <a:r>
+              <a:rPr lang="en-CA" dirty="0">
+                <a:sym typeface="Wingdings" panose="05000000000000000000" pitchFamily="2" charset="2"/>
+              </a:rPr>
+              <a:t> </a:t>
+            </a:r>
+            <a:r>
+              <a:rPr lang="en-CA" dirty="0" err="1">
+                <a:sym typeface="Wingdings" panose="05000000000000000000" pitchFamily="2" charset="2"/>
+              </a:rPr>
+              <a:t>sollte</a:t>
+            </a:r>
+            <a:r>
+              <a:rPr lang="en-CA" dirty="0">
+                <a:sym typeface="Wingdings" panose="05000000000000000000" pitchFamily="2" charset="2"/>
+              </a:rPr>
+              <a:t> </a:t>
+            </a:r>
+            <a:r>
+              <a:rPr lang="en-CA" dirty="0" err="1">
+                <a:sym typeface="Wingdings" panose="05000000000000000000" pitchFamily="2" charset="2"/>
+              </a:rPr>
+              <a:t>ein</a:t>
+            </a:r>
+            <a:r>
+              <a:rPr lang="en-CA" dirty="0">
+                <a:sym typeface="Wingdings" panose="05000000000000000000" pitchFamily="2" charset="2"/>
+              </a:rPr>
+              <a:t> OS </a:t>
+            </a:r>
+            <a:r>
+              <a:rPr lang="en-CA" dirty="0" err="1">
+                <a:sym typeface="Wingdings" panose="05000000000000000000" pitchFamily="2" charset="2"/>
+              </a:rPr>
+              <a:t>oder</a:t>
+            </a:r>
+            <a:r>
+              <a:rPr lang="en-CA" dirty="0">
+                <a:sym typeface="Wingdings" panose="05000000000000000000" pitchFamily="2" charset="2"/>
+              </a:rPr>
+              <a:t> </a:t>
+            </a:r>
+            <a:r>
+              <a:rPr lang="en-CA" dirty="0" err="1">
+                <a:sym typeface="Wingdings" panose="05000000000000000000" pitchFamily="2" charset="2"/>
+              </a:rPr>
+              <a:t>wiso</a:t>
+            </a:r>
+            <a:r>
+              <a:rPr lang="en-CA" dirty="0">
+                <a:sym typeface="Wingdings" panose="05000000000000000000" pitchFamily="2" charset="2"/>
+              </a:rPr>
+              <a:t> </a:t>
+            </a:r>
+            <a:r>
+              <a:rPr lang="en-CA" dirty="0" err="1">
+                <a:sym typeface="Wingdings" panose="05000000000000000000" pitchFamily="2" charset="2"/>
+              </a:rPr>
+              <a:t>sollte</a:t>
+            </a:r>
+            <a:r>
+              <a:rPr lang="en-CA" dirty="0">
+                <a:sym typeface="Wingdings" panose="05000000000000000000" pitchFamily="2" charset="2"/>
+              </a:rPr>
+              <a:t> </a:t>
+            </a:r>
+            <a:r>
+              <a:rPr lang="en-CA" dirty="0" err="1">
+                <a:sym typeface="Wingdings" panose="05000000000000000000" pitchFamily="2" charset="2"/>
+              </a:rPr>
+              <a:t>ein</a:t>
+            </a:r>
+            <a:r>
+              <a:rPr lang="en-CA" dirty="0">
+                <a:sym typeface="Wingdings" panose="05000000000000000000" pitchFamily="2" charset="2"/>
+              </a:rPr>
+              <a:t> RTOS </a:t>
+            </a:r>
+            <a:r>
+              <a:rPr lang="en-CA" dirty="0" err="1">
+                <a:sym typeface="Wingdings" panose="05000000000000000000" pitchFamily="2" charset="2"/>
+              </a:rPr>
+              <a:t>verwendet</a:t>
+            </a:r>
+            <a:r>
+              <a:rPr lang="en-CA" dirty="0">
+                <a:sym typeface="Wingdings" panose="05000000000000000000" pitchFamily="2" charset="2"/>
+              </a:rPr>
+              <a:t> warden? Was </a:t>
+            </a:r>
+            <a:r>
+              <a:rPr lang="en-CA" dirty="0" err="1">
+                <a:sym typeface="Wingdings" panose="05000000000000000000" pitchFamily="2" charset="2"/>
+              </a:rPr>
+              <a:t>spricht</a:t>
+            </a:r>
+            <a:r>
+              <a:rPr lang="en-CA" dirty="0">
+                <a:sym typeface="Wingdings" panose="05000000000000000000" pitchFamily="2" charset="2"/>
+              </a:rPr>
+              <a:t> </a:t>
+            </a:r>
+            <a:r>
+              <a:rPr lang="en-CA" dirty="0" err="1">
+                <a:sym typeface="Wingdings" panose="05000000000000000000" pitchFamily="2" charset="2"/>
+              </a:rPr>
+              <a:t>dagegen</a:t>
+            </a:r>
+            <a:r>
+              <a:rPr lang="en-CA" dirty="0">
+                <a:sym typeface="Wingdings" panose="05000000000000000000" pitchFamily="2" charset="2"/>
+              </a:rPr>
+              <a:t> was </a:t>
+            </a:r>
+            <a:r>
+              <a:rPr lang="en-CA" dirty="0" err="1">
+                <a:sym typeface="Wingdings" panose="05000000000000000000" pitchFamily="2" charset="2"/>
+              </a:rPr>
+              <a:t>dafür</a:t>
+            </a:r>
+            <a:r>
+              <a:rPr lang="en-CA" dirty="0">
+                <a:sym typeface="Wingdings" panose="05000000000000000000" pitchFamily="2" charset="2"/>
+              </a:rPr>
+              <a:t>. </a:t>
+            </a:r>
+            <a:endParaRPr lang="de-CH" dirty="0"/>
+          </a:p>
+        </p:txBody>
+      </p:sp>
+    </p:spTree>
+    <p:extLst>
+      <p:ext uri="{BB962C8B-B14F-4D97-AF65-F5344CB8AC3E}">
+        <p14:creationId xmlns:p14="http://schemas.microsoft.com/office/powerpoint/2010/main" val="2611258350"/>
       </p:ext>
     </p:extLst>
   </p:cSld>

--- a/Recap_SW5_Ineichen_Stecher.pptx
+++ b/Recap_SW5_Ineichen_Stecher.pptx
@@ -2,22 +2,31 @@
 <file path=ppt/presentation.xml><?xml version="1.0" encoding="utf-8"?>
 <p:presentation xmlns:a="http://schemas.openxmlformats.org/drawingml/2006/main" xmlns:r="http://schemas.openxmlformats.org/officeDocument/2006/relationships" xmlns:p="http://schemas.openxmlformats.org/presentationml/2006/main" saveSubsetFonts="1">
   <p:sldMasterIdLst>
-    <p:sldMasterId id="2147483648" r:id="rId1"/>
+    <p:sldMasterId id="2147483660" r:id="rId1"/>
   </p:sldMasterIdLst>
   <p:sldIdLst>
     <p:sldId id="256" r:id="rId2"/>
     <p:sldId id="257" r:id="rId3"/>
     <p:sldId id="258" r:id="rId4"/>
     <p:sldId id="259" r:id="rId5"/>
-    <p:sldId id="260" r:id="rId6"/>
+    <p:sldId id="261" r:id="rId6"/>
+    <p:sldId id="262" r:id="rId7"/>
+    <p:sldId id="263" r:id="rId8"/>
+    <p:sldId id="264" r:id="rId9"/>
+    <p:sldId id="265" r:id="rId10"/>
+    <p:sldId id="266" r:id="rId11"/>
+    <p:sldId id="267" r:id="rId12"/>
+    <p:sldId id="268" r:id="rId13"/>
+    <p:sldId id="269" r:id="rId14"/>
+    <p:sldId id="260" r:id="rId15"/>
   </p:sldIdLst>
   <p:sldSz cx="12192000" cy="6858000"/>
   <p:notesSz cx="6858000" cy="9144000"/>
   <p:defaultTextStyle>
     <a:defPPr>
-      <a:defRPr lang="de-DE"/>
+      <a:defRPr lang="en-US"/>
     </a:defPPr>
-    <a:lvl1pPr marL="0" algn="l" defTabSz="914400" rtl="0" eaLnBrk="1" latinLnBrk="0" hangingPunct="1">
+    <a:lvl1pPr marL="0" algn="l" defTabSz="457200" rtl="0" eaLnBrk="1" latinLnBrk="0" hangingPunct="1">
       <a:defRPr sz="1800" kern="1200">
         <a:solidFill>
           <a:schemeClr val="tx1"/>
@@ -27,7 +36,7 @@
         <a:cs typeface="+mn-cs"/>
       </a:defRPr>
     </a:lvl1pPr>
-    <a:lvl2pPr marL="457200" algn="l" defTabSz="914400" rtl="0" eaLnBrk="1" latinLnBrk="0" hangingPunct="1">
+    <a:lvl2pPr marL="457200" algn="l" defTabSz="457200" rtl="0" eaLnBrk="1" latinLnBrk="0" hangingPunct="1">
       <a:defRPr sz="1800" kern="1200">
         <a:solidFill>
           <a:schemeClr val="tx1"/>
@@ -37,7 +46,7 @@
         <a:cs typeface="+mn-cs"/>
       </a:defRPr>
     </a:lvl2pPr>
-    <a:lvl3pPr marL="914400" algn="l" defTabSz="914400" rtl="0" eaLnBrk="1" latinLnBrk="0" hangingPunct="1">
+    <a:lvl3pPr marL="914400" algn="l" defTabSz="457200" rtl="0" eaLnBrk="1" latinLnBrk="0" hangingPunct="1">
       <a:defRPr sz="1800" kern="1200">
         <a:solidFill>
           <a:schemeClr val="tx1"/>
@@ -47,7 +56,7 @@
         <a:cs typeface="+mn-cs"/>
       </a:defRPr>
     </a:lvl3pPr>
-    <a:lvl4pPr marL="1371600" algn="l" defTabSz="914400" rtl="0" eaLnBrk="1" latinLnBrk="0" hangingPunct="1">
+    <a:lvl4pPr marL="1371600" algn="l" defTabSz="457200" rtl="0" eaLnBrk="1" latinLnBrk="0" hangingPunct="1">
       <a:defRPr sz="1800" kern="1200">
         <a:solidFill>
           <a:schemeClr val="tx1"/>
@@ -57,7 +66,7 @@
         <a:cs typeface="+mn-cs"/>
       </a:defRPr>
     </a:lvl4pPr>
-    <a:lvl5pPr marL="1828800" algn="l" defTabSz="914400" rtl="0" eaLnBrk="1" latinLnBrk="0" hangingPunct="1">
+    <a:lvl5pPr marL="1828800" algn="l" defTabSz="457200" rtl="0" eaLnBrk="1" latinLnBrk="0" hangingPunct="1">
       <a:defRPr sz="1800" kern="1200">
         <a:solidFill>
           <a:schemeClr val="tx1"/>
@@ -67,7 +76,7 @@
         <a:cs typeface="+mn-cs"/>
       </a:defRPr>
     </a:lvl5pPr>
-    <a:lvl6pPr marL="2286000" algn="l" defTabSz="914400" rtl="0" eaLnBrk="1" latinLnBrk="0" hangingPunct="1">
+    <a:lvl6pPr marL="2286000" algn="l" defTabSz="457200" rtl="0" eaLnBrk="1" latinLnBrk="0" hangingPunct="1">
       <a:defRPr sz="1800" kern="1200">
         <a:solidFill>
           <a:schemeClr val="tx1"/>
@@ -77,7 +86,7 @@
         <a:cs typeface="+mn-cs"/>
       </a:defRPr>
     </a:lvl6pPr>
-    <a:lvl7pPr marL="2743200" algn="l" defTabSz="914400" rtl="0" eaLnBrk="1" latinLnBrk="0" hangingPunct="1">
+    <a:lvl7pPr marL="2743200" algn="l" defTabSz="457200" rtl="0" eaLnBrk="1" latinLnBrk="0" hangingPunct="1">
       <a:defRPr sz="1800" kern="1200">
         <a:solidFill>
           <a:schemeClr val="tx1"/>
@@ -87,7 +96,7 @@
         <a:cs typeface="+mn-cs"/>
       </a:defRPr>
     </a:lvl7pPr>
-    <a:lvl8pPr marL="3200400" algn="l" defTabSz="914400" rtl="0" eaLnBrk="1" latinLnBrk="0" hangingPunct="1">
+    <a:lvl8pPr marL="3200400" algn="l" defTabSz="457200" rtl="0" eaLnBrk="1" latinLnBrk="0" hangingPunct="1">
       <a:defRPr sz="1800" kern="1200">
         <a:solidFill>
           <a:schemeClr val="tx1"/>
@@ -97,7 +106,7 @@
         <a:cs typeface="+mn-cs"/>
       </a:defRPr>
     </a:lvl8pPr>
-    <a:lvl9pPr marL="3657600" algn="l" defTabSz="914400" rtl="0" eaLnBrk="1" latinLnBrk="0" hangingPunct="1">
+    <a:lvl9pPr marL="3657600" algn="l" defTabSz="457200" rtl="0" eaLnBrk="1" latinLnBrk="0" hangingPunct="1">
       <a:defRPr sz="1800" kern="1200">
         <a:solidFill>
           <a:schemeClr val="tx1"/>
@@ -117,7 +126,7 @@
 </file>
 
 <file path=ppt/slideLayouts/slideLayout1.xml><?xml version="1.0" encoding="utf-8"?>
-<p:sldLayout xmlns:a="http://schemas.openxmlformats.org/drawingml/2006/main" xmlns:r="http://schemas.openxmlformats.org/officeDocument/2006/relationships" xmlns:p="http://schemas.openxmlformats.org/presentationml/2006/main" type="title" preserve="1">
+<p:sldLayout xmlns:a="http://schemas.openxmlformats.org/drawingml/2006/main" xmlns:r="http://schemas.openxmlformats.org/officeDocument/2006/relationships" xmlns:p="http://schemas.openxmlformats.org/presentationml/2006/main" showMasterSp="0" type="title" preserve="1">
   <p:cSld name="Titelfolie">
     <p:spTree>
       <p:nvGrpSpPr>
@@ -135,25 +144,113 @@
       </p:grpSpPr>
       <p:sp>
         <p:nvSpPr>
-          <p:cNvPr id="2" name="Titel 1"/>
-          <p:cNvSpPr>
-            <a:spLocks noGrp="1"/>
-          </p:cNvSpPr>
-          <p:nvPr>
-            <p:ph type="ctrTitle"/>
-          </p:nvPr>
+          <p:cNvPr id="7" name="Rectangle 6"/>
+          <p:cNvSpPr/>
+          <p:nvPr/>
         </p:nvSpPr>
         <p:spPr>
           <a:xfrm>
-            <a:off x="1524000" y="1122363"/>
-            <a:ext cx="9144000" cy="2387600"/>
+            <a:off x="3175" y="6400800"/>
+            <a:ext cx="12188825" cy="457200"/>
+          </a:xfrm>
+          <a:prstGeom prst="rect">
+            <a:avLst/>
+          </a:prstGeom>
+          <a:solidFill>
+            <a:schemeClr val="accent2"/>
+          </a:solidFill>
+          <a:ln>
+            <a:noFill/>
+          </a:ln>
+        </p:spPr>
+        <p:style>
+          <a:lnRef idx="2">
+            <a:schemeClr val="accent1">
+              <a:shade val="50000"/>
+            </a:schemeClr>
+          </a:lnRef>
+          <a:fillRef idx="1">
+            <a:schemeClr val="accent1"/>
+          </a:fillRef>
+          <a:effectRef idx="0">
+            <a:schemeClr val="accent1"/>
+          </a:effectRef>
+          <a:fontRef idx="minor">
+            <a:schemeClr val="lt1"/>
+          </a:fontRef>
+        </p:style>
+      </p:sp>
+      <p:sp>
+        <p:nvSpPr>
+          <p:cNvPr id="8" name="Rectangle 7"/>
+          <p:cNvSpPr/>
+          <p:nvPr/>
+        </p:nvSpPr>
+        <p:spPr>
+          <a:xfrm>
+            <a:off x="15" y="6334316"/>
+            <a:ext cx="12188825" cy="64008"/>
+          </a:xfrm>
+          <a:prstGeom prst="rect">
+            <a:avLst/>
+          </a:prstGeom>
+          <a:solidFill>
+            <a:schemeClr val="accent1"/>
+          </a:solidFill>
+          <a:ln>
+            <a:noFill/>
+          </a:ln>
+        </p:spPr>
+        <p:style>
+          <a:lnRef idx="2">
+            <a:schemeClr val="accent1">
+              <a:shade val="50000"/>
+            </a:schemeClr>
+          </a:lnRef>
+          <a:fillRef idx="1">
+            <a:schemeClr val="accent1"/>
+          </a:fillRef>
+          <a:effectRef idx="0">
+            <a:schemeClr val="accent1"/>
+          </a:effectRef>
+          <a:fontRef idx="minor">
+            <a:schemeClr val="lt1"/>
+          </a:fontRef>
+        </p:style>
+      </p:sp>
+      <p:sp>
+        <p:nvSpPr>
+          <p:cNvPr id="2" name="Title 1"/>
+          <p:cNvSpPr>
+            <a:spLocks noGrp="1"/>
+          </p:cNvSpPr>
+          <p:nvPr>
+            <p:ph type="ctrTitle"/>
+          </p:nvPr>
+        </p:nvSpPr>
+        <p:spPr>
+          <a:xfrm>
+            <a:off x="1097280" y="758952"/>
+            <a:ext cx="10058400" cy="3566160"/>
           </a:xfrm>
         </p:spPr>
         <p:txBody>
-          <a:bodyPr anchor="b"/>
+          <a:bodyPr anchor="b">
+            <a:normAutofit/>
+          </a:bodyPr>
           <a:lstStyle>
-            <a:lvl1pPr algn="ctr">
-              <a:defRPr sz="6000"/>
+            <a:lvl1pPr algn="l">
+              <a:lnSpc>
+                <a:spcPct val="85000"/>
+              </a:lnSpc>
+              <a:defRPr sz="8000" spc="-50" baseline="0">
+                <a:solidFill>
+                  <a:schemeClr val="tx1">
+                    <a:lumMod val="85000"/>
+                    <a:lumOff val="15000"/>
+                  </a:schemeClr>
+                </a:solidFill>
+              </a:defRPr>
             </a:lvl1pPr>
           </a:lstStyle>
           <a:p>
@@ -161,13 +258,13 @@
               <a:rPr lang="de-DE"/>
               <a:t>Titelmasterformat durch Klicken bearbeiten</a:t>
             </a:r>
-            <a:endParaRPr lang="de-CH"/>
-          </a:p>
-        </p:txBody>
-      </p:sp>
-      <p:sp>
-        <p:nvSpPr>
-          <p:cNvPr id="3" name="Untertitel 2"/>
+            <a:endParaRPr lang="en-US" dirty="0"/>
+          </a:p>
+        </p:txBody>
+      </p:sp>
+      <p:sp>
+        <p:nvSpPr>
+          <p:cNvPr id="3" name="Subtitle 2"/>
           <p:cNvSpPr>
             <a:spLocks noGrp="1"/>
           </p:cNvSpPr>
@@ -177,48 +274,55 @@
         </p:nvSpPr>
         <p:spPr>
           <a:xfrm>
-            <a:off x="1524000" y="3602038"/>
-            <a:ext cx="9144000" cy="1655762"/>
+            <a:off x="1100051" y="4455620"/>
+            <a:ext cx="10058400" cy="1143000"/>
           </a:xfrm>
         </p:spPr>
         <p:txBody>
-          <a:bodyPr/>
+          <a:bodyPr lIns="91440" rIns="91440">
+            <a:normAutofit/>
+          </a:bodyPr>
           <a:lstStyle>
-            <a:lvl1pPr marL="0" indent="0" algn="ctr">
-              <a:buNone/>
-              <a:defRPr sz="2400"/>
+            <a:lvl1pPr marL="0" indent="0" algn="l">
+              <a:buNone/>
+              <a:defRPr sz="2400" cap="all" spc="200" baseline="0">
+                <a:solidFill>
+                  <a:schemeClr val="tx2"/>
+                </a:solidFill>
+                <a:latin typeface="+mj-lt"/>
+              </a:defRPr>
             </a:lvl1pPr>
             <a:lvl2pPr marL="457200" indent="0" algn="ctr">
               <a:buNone/>
-              <a:defRPr sz="2000"/>
+              <a:defRPr sz="2400"/>
             </a:lvl2pPr>
             <a:lvl3pPr marL="914400" indent="0" algn="ctr">
               <a:buNone/>
-              <a:defRPr sz="1800"/>
+              <a:defRPr sz="2400"/>
             </a:lvl3pPr>
             <a:lvl4pPr marL="1371600" indent="0" algn="ctr">
               <a:buNone/>
-              <a:defRPr sz="1600"/>
+              <a:defRPr sz="2000"/>
             </a:lvl4pPr>
             <a:lvl5pPr marL="1828800" indent="0" algn="ctr">
               <a:buNone/>
-              <a:defRPr sz="1600"/>
+              <a:defRPr sz="2000"/>
             </a:lvl5pPr>
             <a:lvl6pPr marL="2286000" indent="0" algn="ctr">
               <a:buNone/>
-              <a:defRPr sz="1600"/>
+              <a:defRPr sz="2000"/>
             </a:lvl6pPr>
             <a:lvl7pPr marL="2743200" indent="0" algn="ctr">
               <a:buNone/>
-              <a:defRPr sz="1600"/>
+              <a:defRPr sz="2000"/>
             </a:lvl7pPr>
             <a:lvl8pPr marL="3200400" indent="0" algn="ctr">
               <a:buNone/>
-              <a:defRPr sz="1600"/>
+              <a:defRPr sz="2000"/>
             </a:lvl8pPr>
             <a:lvl9pPr marL="3657600" indent="0" algn="ctr">
               <a:buNone/>
-              <a:defRPr sz="1600"/>
+              <a:defRPr sz="2000"/>
             </a:lvl9pPr>
           </a:lstStyle>
           <a:p>
@@ -226,13 +330,13 @@
               <a:rPr lang="de-DE"/>
               <a:t>Formatvorlage des Untertitelmasters durch Klicken bearbeiten</a:t>
             </a:r>
-            <a:endParaRPr lang="de-CH"/>
-          </a:p>
-        </p:txBody>
-      </p:sp>
-      <p:sp>
-        <p:nvSpPr>
-          <p:cNvPr id="4" name="Datumsplatzhalter 3"/>
+            <a:endParaRPr lang="en-US" dirty="0"/>
+          </a:p>
+        </p:txBody>
+      </p:sp>
+      <p:sp>
+        <p:nvSpPr>
+          <p:cNvPr id="4" name="Date Placeholder 3"/>
           <p:cNvSpPr>
             <a:spLocks noGrp="1"/>
           </p:cNvSpPr>
@@ -247,7 +351,7 @@
           <a:p>
             <a:fld id="{CFF0E3E0-6B59-4FD8-AEDD-9E53307F786E}" type="datetimeFigureOut">
               <a:rPr lang="de-CH" smtClean="0"/>
-              <a:t>21.10.2016</a:t>
+              <a:t>23.10.2016</a:t>
             </a:fld>
             <a:endParaRPr lang="de-CH"/>
           </a:p>
@@ -255,7 +359,7 @@
       </p:sp>
       <p:sp>
         <p:nvSpPr>
-          <p:cNvPr id="5" name="Fußzeilenplatzhalter 4"/>
+          <p:cNvPr id="5" name="Footer Placeholder 4"/>
           <p:cNvSpPr>
             <a:spLocks noGrp="1"/>
           </p:cNvSpPr>
@@ -274,7 +378,7 @@
       </p:sp>
       <p:sp>
         <p:nvSpPr>
-          <p:cNvPr id="6" name="Foliennummernplatzhalter 5"/>
+          <p:cNvPr id="6" name="Slide Number Placeholder 5"/>
           <p:cNvSpPr>
             <a:spLocks noGrp="1"/>
           </p:cNvSpPr>
@@ -295,10 +399,48 @@
           </a:p>
         </p:txBody>
       </p:sp>
+      <p:cxnSp>
+        <p:nvCxnSpPr>
+          <p:cNvPr id="9" name="Straight Connector 8"/>
+          <p:cNvCxnSpPr/>
+          <p:nvPr/>
+        </p:nvCxnSpPr>
+        <p:spPr>
+          <a:xfrm>
+            <a:off x="1207658" y="4343400"/>
+            <a:ext cx="9875520" cy="0"/>
+          </a:xfrm>
+          <a:prstGeom prst="line">
+            <a:avLst/>
+          </a:prstGeom>
+          <a:ln w="6350">
+            <a:solidFill>
+              <a:schemeClr val="tx1">
+                <a:lumMod val="50000"/>
+                <a:lumOff val="50000"/>
+              </a:schemeClr>
+            </a:solidFill>
+          </a:ln>
+        </p:spPr>
+        <p:style>
+          <a:lnRef idx="1">
+            <a:schemeClr val="accent1"/>
+          </a:lnRef>
+          <a:fillRef idx="0">
+            <a:schemeClr val="accent1"/>
+          </a:fillRef>
+          <a:effectRef idx="0">
+            <a:schemeClr val="accent1"/>
+          </a:effectRef>
+          <a:fontRef idx="minor">
+            <a:schemeClr val="tx1"/>
+          </a:fontRef>
+        </p:style>
+      </p:cxnSp>
     </p:spTree>
     <p:extLst>
       <p:ext uri="{BB962C8B-B14F-4D97-AF65-F5344CB8AC3E}">
-        <p14:creationId xmlns:p14="http://schemas.microsoft.com/office/powerpoint/2010/main" val="4196634992"/>
+        <p14:creationId xmlns:p14="http://schemas.microsoft.com/office/powerpoint/2010/main" val="1624723276"/>
       </p:ext>
     </p:extLst>
   </p:cSld>
@@ -327,7 +469,7 @@
       </p:grpSpPr>
       <p:sp>
         <p:nvSpPr>
-          <p:cNvPr id="2" name="Titel 1"/>
+          <p:cNvPr id="2" name="Title 1"/>
           <p:cNvSpPr>
             <a:spLocks noGrp="1"/>
           </p:cNvSpPr>
@@ -344,13 +486,13 @@
               <a:rPr lang="de-DE"/>
               <a:t>Titelmasterformat durch Klicken bearbeiten</a:t>
             </a:r>
-            <a:endParaRPr lang="de-CH"/>
-          </a:p>
-        </p:txBody>
-      </p:sp>
-      <p:sp>
-        <p:nvSpPr>
-          <p:cNvPr id="3" name="Vertikaler Textplatzhalter 2"/>
+            <a:endParaRPr lang="en-US" dirty="0"/>
+          </a:p>
+        </p:txBody>
+      </p:sp>
+      <p:sp>
+        <p:nvSpPr>
+          <p:cNvPr id="3" name="Vertical Text Placeholder 2"/>
           <p:cNvSpPr>
             <a:spLocks noGrp="1"/>
           </p:cNvSpPr>
@@ -360,7 +502,7 @@
         </p:nvSpPr>
         <p:spPr/>
         <p:txBody>
-          <a:bodyPr vert="eaVert"/>
+          <a:bodyPr vert="eaVert" lIns="45720" tIns="0" rIns="45720" bIns="0"/>
           <a:lstStyle/>
           <a:p>
             <a:pPr lvl="0"/>
@@ -396,13 +538,13 @@
               <a:rPr lang="de-DE"/>
               <a:t>Fünfte Ebene</a:t>
             </a:r>
-            <a:endParaRPr lang="de-CH"/>
-          </a:p>
-        </p:txBody>
-      </p:sp>
-      <p:sp>
-        <p:nvSpPr>
-          <p:cNvPr id="4" name="Datumsplatzhalter 3"/>
+            <a:endParaRPr lang="en-US" dirty="0"/>
+          </a:p>
+        </p:txBody>
+      </p:sp>
+      <p:sp>
+        <p:nvSpPr>
+          <p:cNvPr id="4" name="Date Placeholder 3"/>
           <p:cNvSpPr>
             <a:spLocks noGrp="1"/>
           </p:cNvSpPr>
@@ -417,7 +559,7 @@
           <a:p>
             <a:fld id="{CFF0E3E0-6B59-4FD8-AEDD-9E53307F786E}" type="datetimeFigureOut">
               <a:rPr lang="de-CH" smtClean="0"/>
-              <a:t>21.10.2016</a:t>
+              <a:t>23.10.2016</a:t>
             </a:fld>
             <a:endParaRPr lang="de-CH"/>
           </a:p>
@@ -425,7 +567,7 @@
       </p:sp>
       <p:sp>
         <p:nvSpPr>
-          <p:cNvPr id="5" name="Fußzeilenplatzhalter 4"/>
+          <p:cNvPr id="5" name="Footer Placeholder 4"/>
           <p:cNvSpPr>
             <a:spLocks noGrp="1"/>
           </p:cNvSpPr>
@@ -444,7 +586,7 @@
       </p:sp>
       <p:sp>
         <p:nvSpPr>
-          <p:cNvPr id="6" name="Foliennummernplatzhalter 5"/>
+          <p:cNvPr id="6" name="Slide Number Placeholder 5"/>
           <p:cNvSpPr>
             <a:spLocks noGrp="1"/>
           </p:cNvSpPr>
@@ -468,7 +610,7 @@
     </p:spTree>
     <p:extLst>
       <p:ext uri="{BB962C8B-B14F-4D97-AF65-F5344CB8AC3E}">
-        <p14:creationId xmlns:p14="http://schemas.microsoft.com/office/powerpoint/2010/main" val="1473942148"/>
+        <p14:creationId xmlns:p14="http://schemas.microsoft.com/office/powerpoint/2010/main" val="1429791997"/>
       </p:ext>
     </p:extLst>
   </p:cSld>
@@ -479,7 +621,7 @@
 </file>
 
 <file path=ppt/slideLayouts/slideLayout11.xml><?xml version="1.0" encoding="utf-8"?>
-<p:sldLayout xmlns:a="http://schemas.openxmlformats.org/drawingml/2006/main" xmlns:r="http://schemas.openxmlformats.org/officeDocument/2006/relationships" xmlns:p="http://schemas.openxmlformats.org/presentationml/2006/main" type="vertTitleAndTx" preserve="1">
+<p:sldLayout xmlns:a="http://schemas.openxmlformats.org/drawingml/2006/main" xmlns:r="http://schemas.openxmlformats.org/officeDocument/2006/relationships" xmlns:p="http://schemas.openxmlformats.org/presentationml/2006/main" showMasterSp="0" type="vertTitleAndTx" preserve="1">
   <p:cSld name="Vertikaler Titel und Text">
     <p:spTree>
       <p:nvGrpSpPr>
@@ -497,18 +639,94 @@
       </p:grpSpPr>
       <p:sp>
         <p:nvSpPr>
-          <p:cNvPr id="2" name="Vertikaler Titel 1"/>
-          <p:cNvSpPr>
-            <a:spLocks noGrp="1"/>
-          </p:cNvSpPr>
-          <p:nvPr>
-            <p:ph type="title" orient="vert"/>
-          </p:nvPr>
+          <p:cNvPr id="7" name="Rectangle 6"/>
+          <p:cNvSpPr/>
+          <p:nvPr/>
         </p:nvSpPr>
         <p:spPr>
           <a:xfrm>
-            <a:off x="8724900" y="365125"/>
-            <a:ext cx="2628900" cy="5811838"/>
+            <a:off x="3175" y="6400800"/>
+            <a:ext cx="12188825" cy="457200"/>
+          </a:xfrm>
+          <a:prstGeom prst="rect">
+            <a:avLst/>
+          </a:prstGeom>
+          <a:solidFill>
+            <a:schemeClr val="accent2"/>
+          </a:solidFill>
+          <a:ln>
+            <a:noFill/>
+          </a:ln>
+        </p:spPr>
+        <p:style>
+          <a:lnRef idx="2">
+            <a:schemeClr val="accent1">
+              <a:shade val="50000"/>
+            </a:schemeClr>
+          </a:lnRef>
+          <a:fillRef idx="1">
+            <a:schemeClr val="accent1"/>
+          </a:fillRef>
+          <a:effectRef idx="0">
+            <a:schemeClr val="accent1"/>
+          </a:effectRef>
+          <a:fontRef idx="minor">
+            <a:schemeClr val="lt1"/>
+          </a:fontRef>
+        </p:style>
+      </p:sp>
+      <p:sp>
+        <p:nvSpPr>
+          <p:cNvPr id="8" name="Rectangle 7"/>
+          <p:cNvSpPr/>
+          <p:nvPr/>
+        </p:nvSpPr>
+        <p:spPr>
+          <a:xfrm>
+            <a:off x="15" y="6334316"/>
+            <a:ext cx="12188825" cy="64008"/>
+          </a:xfrm>
+          <a:prstGeom prst="rect">
+            <a:avLst/>
+          </a:prstGeom>
+          <a:solidFill>
+            <a:schemeClr val="accent1"/>
+          </a:solidFill>
+          <a:ln>
+            <a:noFill/>
+          </a:ln>
+        </p:spPr>
+        <p:style>
+          <a:lnRef idx="2">
+            <a:schemeClr val="accent1">
+              <a:shade val="50000"/>
+            </a:schemeClr>
+          </a:lnRef>
+          <a:fillRef idx="1">
+            <a:schemeClr val="accent1"/>
+          </a:fillRef>
+          <a:effectRef idx="0">
+            <a:schemeClr val="accent1"/>
+          </a:effectRef>
+          <a:fontRef idx="minor">
+            <a:schemeClr val="lt1"/>
+          </a:fontRef>
+        </p:style>
+      </p:sp>
+      <p:sp>
+        <p:nvSpPr>
+          <p:cNvPr id="2" name="Vertical Title 1"/>
+          <p:cNvSpPr>
+            <a:spLocks noGrp="1"/>
+          </p:cNvSpPr>
+          <p:nvPr>
+            <p:ph type="title" orient="vert"/>
+          </p:nvPr>
+        </p:nvSpPr>
+        <p:spPr>
+          <a:xfrm>
+            <a:off x="8724900" y="414778"/>
+            <a:ext cx="2628900" cy="5757421"/>
           </a:xfrm>
         </p:spPr>
         <p:txBody>
@@ -519,13 +737,13 @@
               <a:rPr lang="de-DE"/>
               <a:t>Titelmasterformat durch Klicken bearbeiten</a:t>
             </a:r>
-            <a:endParaRPr lang="de-CH"/>
-          </a:p>
-        </p:txBody>
-      </p:sp>
-      <p:sp>
-        <p:nvSpPr>
-          <p:cNvPr id="3" name="Vertikaler Textplatzhalter 2"/>
+            <a:endParaRPr lang="en-US" dirty="0"/>
+          </a:p>
+        </p:txBody>
+      </p:sp>
+      <p:sp>
+        <p:nvSpPr>
+          <p:cNvPr id="3" name="Vertical Text Placeholder 2"/>
           <p:cNvSpPr>
             <a:spLocks noGrp="1"/>
           </p:cNvSpPr>
@@ -535,12 +753,12 @@
         </p:nvSpPr>
         <p:spPr>
           <a:xfrm>
-            <a:off x="838200" y="365125"/>
-            <a:ext cx="7734300" cy="5811838"/>
+            <a:off x="838200" y="414778"/>
+            <a:ext cx="7734300" cy="5757422"/>
           </a:xfrm>
         </p:spPr>
         <p:txBody>
-          <a:bodyPr vert="eaVert"/>
+          <a:bodyPr vert="eaVert" lIns="45720" tIns="0" rIns="45720" bIns="0"/>
           <a:lstStyle/>
           <a:p>
             <a:pPr lvl="0"/>
@@ -576,13 +794,13 @@
               <a:rPr lang="de-DE"/>
               <a:t>Fünfte Ebene</a:t>
             </a:r>
-            <a:endParaRPr lang="de-CH"/>
-          </a:p>
-        </p:txBody>
-      </p:sp>
-      <p:sp>
-        <p:nvSpPr>
-          <p:cNvPr id="4" name="Datumsplatzhalter 3"/>
+            <a:endParaRPr lang="en-US" dirty="0"/>
+          </a:p>
+        </p:txBody>
+      </p:sp>
+      <p:sp>
+        <p:nvSpPr>
+          <p:cNvPr id="4" name="Date Placeholder 3"/>
           <p:cNvSpPr>
             <a:spLocks noGrp="1"/>
           </p:cNvSpPr>
@@ -597,7 +815,7 @@
           <a:p>
             <a:fld id="{CFF0E3E0-6B59-4FD8-AEDD-9E53307F786E}" type="datetimeFigureOut">
               <a:rPr lang="de-CH" smtClean="0"/>
-              <a:t>21.10.2016</a:t>
+              <a:t>23.10.2016</a:t>
             </a:fld>
             <a:endParaRPr lang="de-CH"/>
           </a:p>
@@ -605,7 +823,7 @@
       </p:sp>
       <p:sp>
         <p:nvSpPr>
-          <p:cNvPr id="5" name="Fußzeilenplatzhalter 4"/>
+          <p:cNvPr id="5" name="Footer Placeholder 4"/>
           <p:cNvSpPr>
             <a:spLocks noGrp="1"/>
           </p:cNvSpPr>
@@ -624,7 +842,7 @@
       </p:sp>
       <p:sp>
         <p:nvSpPr>
-          <p:cNvPr id="6" name="Foliennummernplatzhalter 5"/>
+          <p:cNvPr id="6" name="Slide Number Placeholder 5"/>
           <p:cNvSpPr>
             <a:spLocks noGrp="1"/>
           </p:cNvSpPr>
@@ -648,7 +866,7 @@
     </p:spTree>
     <p:extLst>
       <p:ext uri="{BB962C8B-B14F-4D97-AF65-F5344CB8AC3E}">
-        <p14:creationId xmlns:p14="http://schemas.microsoft.com/office/powerpoint/2010/main" val="1777904215"/>
+        <p14:creationId xmlns:p14="http://schemas.microsoft.com/office/powerpoint/2010/main" val="171635665"/>
       </p:ext>
     </p:extLst>
   </p:cSld>
@@ -677,7 +895,7 @@
       </p:grpSpPr>
       <p:sp>
         <p:nvSpPr>
-          <p:cNvPr id="2" name="Titel 1"/>
+          <p:cNvPr id="2" name="Title 1"/>
           <p:cNvSpPr>
             <a:spLocks noGrp="1"/>
           </p:cNvSpPr>
@@ -688,19 +906,23 @@
         <p:spPr/>
         <p:txBody>
           <a:bodyPr/>
-          <a:lstStyle/>
+          <a:lstStyle>
+            <a:lvl1pPr marL="0">
+              <a:defRPr/>
+            </a:lvl1pPr>
+          </a:lstStyle>
           <a:p>
             <a:r>
               <a:rPr lang="de-DE"/>
               <a:t>Titelmasterformat durch Klicken bearbeiten</a:t>
             </a:r>
-            <a:endParaRPr lang="de-CH"/>
-          </a:p>
-        </p:txBody>
-      </p:sp>
-      <p:sp>
-        <p:nvSpPr>
-          <p:cNvPr id="3" name="Inhaltsplatzhalter 2"/>
+            <a:endParaRPr lang="en-US" dirty="0"/>
+          </a:p>
+        </p:txBody>
+      </p:sp>
+      <p:sp>
+        <p:nvSpPr>
+          <p:cNvPr id="3" name="Content Placeholder 2"/>
           <p:cNvSpPr>
             <a:spLocks noGrp="1"/>
           </p:cNvSpPr>
@@ -746,13 +968,13 @@
               <a:rPr lang="de-DE"/>
               <a:t>Fünfte Ebene</a:t>
             </a:r>
-            <a:endParaRPr lang="de-CH"/>
-          </a:p>
-        </p:txBody>
-      </p:sp>
-      <p:sp>
-        <p:nvSpPr>
-          <p:cNvPr id="4" name="Datumsplatzhalter 3"/>
+            <a:endParaRPr lang="en-US" dirty="0"/>
+          </a:p>
+        </p:txBody>
+      </p:sp>
+      <p:sp>
+        <p:nvSpPr>
+          <p:cNvPr id="4" name="Date Placeholder 3"/>
           <p:cNvSpPr>
             <a:spLocks noGrp="1"/>
           </p:cNvSpPr>
@@ -767,7 +989,7 @@
           <a:p>
             <a:fld id="{CFF0E3E0-6B59-4FD8-AEDD-9E53307F786E}" type="datetimeFigureOut">
               <a:rPr lang="de-CH" smtClean="0"/>
-              <a:t>21.10.2016</a:t>
+              <a:t>23.10.2016</a:t>
             </a:fld>
             <a:endParaRPr lang="de-CH"/>
           </a:p>
@@ -775,7 +997,7 @@
       </p:sp>
       <p:sp>
         <p:nvSpPr>
-          <p:cNvPr id="5" name="Fußzeilenplatzhalter 4"/>
+          <p:cNvPr id="5" name="Footer Placeholder 4"/>
           <p:cNvSpPr>
             <a:spLocks noGrp="1"/>
           </p:cNvSpPr>
@@ -794,7 +1016,7 @@
       </p:sp>
       <p:sp>
         <p:nvSpPr>
-          <p:cNvPr id="6" name="Foliennummernplatzhalter 5"/>
+          <p:cNvPr id="6" name="Slide Number Placeholder 5"/>
           <p:cNvSpPr>
             <a:spLocks noGrp="1"/>
           </p:cNvSpPr>
@@ -818,7 +1040,7 @@
     </p:spTree>
     <p:extLst>
       <p:ext uri="{BB962C8B-B14F-4D97-AF65-F5344CB8AC3E}">
-        <p14:creationId xmlns:p14="http://schemas.microsoft.com/office/powerpoint/2010/main" val="2070619961"/>
+        <p14:creationId xmlns:p14="http://schemas.microsoft.com/office/powerpoint/2010/main" val="4012314275"/>
       </p:ext>
     </p:extLst>
   </p:cSld>
@@ -829,8 +1051,16 @@
 </file>
 
 <file path=ppt/slideLayouts/slideLayout3.xml><?xml version="1.0" encoding="utf-8"?>
-<p:sldLayout xmlns:a="http://schemas.openxmlformats.org/drawingml/2006/main" xmlns:r="http://schemas.openxmlformats.org/officeDocument/2006/relationships" xmlns:p="http://schemas.openxmlformats.org/presentationml/2006/main" type="secHead" preserve="1">
+<p:sldLayout xmlns:a="http://schemas.openxmlformats.org/drawingml/2006/main" xmlns:r="http://schemas.openxmlformats.org/officeDocument/2006/relationships" xmlns:p="http://schemas.openxmlformats.org/presentationml/2006/main" showMasterSp="0" type="secHead" preserve="1">
   <p:cSld name="Abschnitts-&#10;überschrift">
+    <p:bg>
+      <p:bgPr>
+        <a:solidFill>
+          <a:schemeClr val="bg1"/>
+        </a:solidFill>
+        <a:effectLst/>
+      </p:bgPr>
+    </p:bg>
     <p:spTree>
       <p:nvGrpSpPr>
         <p:cNvPr id="1" name=""/>
@@ -847,68 +1077,157 @@
       </p:grpSpPr>
       <p:sp>
         <p:nvSpPr>
-          <p:cNvPr id="2" name="Titel 1"/>
-          <p:cNvSpPr>
-            <a:spLocks noGrp="1"/>
-          </p:cNvSpPr>
-          <p:nvPr>
-            <p:ph type="title"/>
-          </p:nvPr>
+          <p:cNvPr id="7" name="Rectangle 6"/>
+          <p:cNvSpPr/>
+          <p:nvPr/>
         </p:nvSpPr>
         <p:spPr>
           <a:xfrm>
-            <a:off x="831850" y="1709738"/>
-            <a:ext cx="10515600" cy="2852737"/>
+            <a:off x="3175" y="6400800"/>
+            <a:ext cx="12188825" cy="457200"/>
+          </a:xfrm>
+          <a:prstGeom prst="rect">
+            <a:avLst/>
+          </a:prstGeom>
+          <a:solidFill>
+            <a:schemeClr val="accent2"/>
+          </a:solidFill>
+          <a:ln>
+            <a:noFill/>
+          </a:ln>
+        </p:spPr>
+        <p:style>
+          <a:lnRef idx="2">
+            <a:schemeClr val="accent1">
+              <a:shade val="50000"/>
+            </a:schemeClr>
+          </a:lnRef>
+          <a:fillRef idx="1">
+            <a:schemeClr val="accent1"/>
+          </a:fillRef>
+          <a:effectRef idx="0">
+            <a:schemeClr val="accent1"/>
+          </a:effectRef>
+          <a:fontRef idx="minor">
+            <a:schemeClr val="lt1"/>
+          </a:fontRef>
+        </p:style>
+      </p:sp>
+      <p:sp>
+        <p:nvSpPr>
+          <p:cNvPr id="8" name="Rectangle 7"/>
+          <p:cNvSpPr/>
+          <p:nvPr/>
+        </p:nvSpPr>
+        <p:spPr>
+          <a:xfrm>
+            <a:off x="15" y="6334316"/>
+            <a:ext cx="12188825" cy="64008"/>
+          </a:xfrm>
+          <a:prstGeom prst="rect">
+            <a:avLst/>
+          </a:prstGeom>
+          <a:solidFill>
+            <a:schemeClr val="accent1"/>
+          </a:solidFill>
+          <a:ln>
+            <a:noFill/>
+          </a:ln>
+        </p:spPr>
+        <p:style>
+          <a:lnRef idx="2">
+            <a:schemeClr val="accent1">
+              <a:shade val="50000"/>
+            </a:schemeClr>
+          </a:lnRef>
+          <a:fillRef idx="1">
+            <a:schemeClr val="accent1"/>
+          </a:fillRef>
+          <a:effectRef idx="0">
+            <a:schemeClr val="accent1"/>
+          </a:effectRef>
+          <a:fontRef idx="minor">
+            <a:schemeClr val="lt1"/>
+          </a:fontRef>
+        </p:style>
+      </p:sp>
+      <p:sp>
+        <p:nvSpPr>
+          <p:cNvPr id="2" name="Title 1"/>
+          <p:cNvSpPr>
+            <a:spLocks noGrp="1"/>
+          </p:cNvSpPr>
+          <p:nvPr>
+            <p:ph type="title"/>
+          </p:nvPr>
+        </p:nvSpPr>
+        <p:spPr>
+          <a:xfrm>
+            <a:off x="1097280" y="758952"/>
+            <a:ext cx="10058400" cy="3566160"/>
           </a:xfrm>
         </p:spPr>
         <p:txBody>
-          <a:bodyPr anchor="b"/>
+          <a:bodyPr anchor="b" anchorCtr="0">
+            <a:normAutofit/>
+          </a:bodyPr>
           <a:lstStyle>
             <a:lvl1pPr>
-              <a:defRPr sz="6000"/>
-            </a:lvl1pPr>
-          </a:lstStyle>
-          <a:p>
-            <a:r>
-              <a:rPr lang="de-DE"/>
-              <a:t>Titelmasterformat durch Klicken bearbeiten</a:t>
-            </a:r>
-            <a:endParaRPr lang="de-CH"/>
-          </a:p>
-        </p:txBody>
-      </p:sp>
-      <p:sp>
-        <p:nvSpPr>
-          <p:cNvPr id="3" name="Textplatzhalter 2"/>
-          <p:cNvSpPr>
-            <a:spLocks noGrp="1"/>
-          </p:cNvSpPr>
-          <p:nvPr>
-            <p:ph type="body" idx="1"/>
-          </p:nvPr>
-        </p:nvSpPr>
-        <p:spPr>
-          <a:xfrm>
-            <a:off x="831850" y="4589463"/>
-            <a:ext cx="10515600" cy="1500187"/>
-          </a:xfrm>
-        </p:spPr>
-        <p:txBody>
-          <a:bodyPr/>
-          <a:lstStyle>
-            <a:lvl1pPr marL="0" indent="0">
-              <a:buNone/>
-              <a:defRPr sz="2400">
+              <a:lnSpc>
+                <a:spcPct val="85000"/>
+              </a:lnSpc>
+              <a:defRPr sz="8000" b="0">
                 <a:solidFill>
                   <a:schemeClr val="tx1">
-                    <a:tint val="75000"/>
+                    <a:lumMod val="85000"/>
+                    <a:lumOff val="15000"/>
                   </a:schemeClr>
                 </a:solidFill>
               </a:defRPr>
             </a:lvl1pPr>
+          </a:lstStyle>
+          <a:p>
+            <a:r>
+              <a:rPr lang="de-DE"/>
+              <a:t>Titelmasterformat durch Klicken bearbeiten</a:t>
+            </a:r>
+            <a:endParaRPr lang="en-US" dirty="0"/>
+          </a:p>
+        </p:txBody>
+      </p:sp>
+      <p:sp>
+        <p:nvSpPr>
+          <p:cNvPr id="3" name="Text Placeholder 2"/>
+          <p:cNvSpPr>
+            <a:spLocks noGrp="1"/>
+          </p:cNvSpPr>
+          <p:nvPr>
+            <p:ph type="body" idx="1"/>
+          </p:nvPr>
+        </p:nvSpPr>
+        <p:spPr>
+          <a:xfrm>
+            <a:off x="1097280" y="4453128"/>
+            <a:ext cx="10058400" cy="1143000"/>
+          </a:xfrm>
+        </p:spPr>
+        <p:txBody>
+          <a:bodyPr lIns="91440" rIns="91440" anchor="t" anchorCtr="0">
+            <a:normAutofit/>
+          </a:bodyPr>
+          <a:lstStyle>
+            <a:lvl1pPr marL="0" indent="0">
+              <a:buNone/>
+              <a:defRPr sz="2400" cap="all" spc="200" baseline="0">
+                <a:solidFill>
+                  <a:schemeClr val="tx2"/>
+                </a:solidFill>
+                <a:latin typeface="+mj-lt"/>
+              </a:defRPr>
+            </a:lvl1pPr>
             <a:lvl2pPr marL="457200" indent="0">
               <a:buNone/>
-              <a:defRPr sz="2000">
+              <a:defRPr sz="1800">
                 <a:solidFill>
                   <a:schemeClr val="tx1">
                     <a:tint val="75000"/>
@@ -918,7 +1237,7 @@
             </a:lvl2pPr>
             <a:lvl3pPr marL="914400" indent="0">
               <a:buNone/>
-              <a:defRPr sz="1800">
+              <a:defRPr sz="1600">
                 <a:solidFill>
                   <a:schemeClr val="tx1">
                     <a:tint val="75000"/>
@@ -928,7 +1247,7 @@
             </a:lvl3pPr>
             <a:lvl4pPr marL="1371600" indent="0">
               <a:buNone/>
-              <a:defRPr sz="1600">
+              <a:defRPr sz="1400">
                 <a:solidFill>
                   <a:schemeClr val="tx1">
                     <a:tint val="75000"/>
@@ -938,7 +1257,7 @@
             </a:lvl4pPr>
             <a:lvl5pPr marL="1828800" indent="0">
               <a:buNone/>
-              <a:defRPr sz="1600">
+              <a:defRPr sz="1400">
                 <a:solidFill>
                   <a:schemeClr val="tx1">
                     <a:tint val="75000"/>
@@ -948,7 +1267,7 @@
             </a:lvl5pPr>
             <a:lvl6pPr marL="2286000" indent="0">
               <a:buNone/>
-              <a:defRPr sz="1600">
+              <a:defRPr sz="1400">
                 <a:solidFill>
                   <a:schemeClr val="tx1">
                     <a:tint val="75000"/>
@@ -958,7 +1277,7 @@
             </a:lvl6pPr>
             <a:lvl7pPr marL="2743200" indent="0">
               <a:buNone/>
-              <a:defRPr sz="1600">
+              <a:defRPr sz="1400">
                 <a:solidFill>
                   <a:schemeClr val="tx1">
                     <a:tint val="75000"/>
@@ -968,7 +1287,7 @@
             </a:lvl7pPr>
             <a:lvl8pPr marL="3200400" indent="0">
               <a:buNone/>
-              <a:defRPr sz="1600">
+              <a:defRPr sz="1400">
                 <a:solidFill>
                   <a:schemeClr val="tx1">
                     <a:tint val="75000"/>
@@ -978,7 +1297,7 @@
             </a:lvl8pPr>
             <a:lvl9pPr marL="3657600" indent="0">
               <a:buNone/>
-              <a:defRPr sz="1600">
+              <a:defRPr sz="1400">
                 <a:solidFill>
                   <a:schemeClr val="tx1">
                     <a:tint val="75000"/>
@@ -998,7 +1317,7 @@
       </p:sp>
       <p:sp>
         <p:nvSpPr>
-          <p:cNvPr id="4" name="Datumsplatzhalter 3"/>
+          <p:cNvPr id="4" name="Date Placeholder 3"/>
           <p:cNvSpPr>
             <a:spLocks noGrp="1"/>
           </p:cNvSpPr>
@@ -1013,7 +1332,7 @@
           <a:p>
             <a:fld id="{CFF0E3E0-6B59-4FD8-AEDD-9E53307F786E}" type="datetimeFigureOut">
               <a:rPr lang="de-CH" smtClean="0"/>
-              <a:t>21.10.2016</a:t>
+              <a:t>23.10.2016</a:t>
             </a:fld>
             <a:endParaRPr lang="de-CH"/>
           </a:p>
@@ -1021,7 +1340,7 @@
       </p:sp>
       <p:sp>
         <p:nvSpPr>
-          <p:cNvPr id="5" name="Fußzeilenplatzhalter 4"/>
+          <p:cNvPr id="5" name="Footer Placeholder 4"/>
           <p:cNvSpPr>
             <a:spLocks noGrp="1"/>
           </p:cNvSpPr>
@@ -1040,7 +1359,7 @@
       </p:sp>
       <p:sp>
         <p:nvSpPr>
-          <p:cNvPr id="6" name="Foliennummernplatzhalter 5"/>
+          <p:cNvPr id="6" name="Slide Number Placeholder 5"/>
           <p:cNvSpPr>
             <a:spLocks noGrp="1"/>
           </p:cNvSpPr>
@@ -1061,10 +1380,48 @@
           </a:p>
         </p:txBody>
       </p:sp>
+      <p:cxnSp>
+        <p:nvCxnSpPr>
+          <p:cNvPr id="9" name="Straight Connector 8"/>
+          <p:cNvCxnSpPr/>
+          <p:nvPr/>
+        </p:nvCxnSpPr>
+        <p:spPr>
+          <a:xfrm>
+            <a:off x="1207658" y="4343400"/>
+            <a:ext cx="9875520" cy="0"/>
+          </a:xfrm>
+          <a:prstGeom prst="line">
+            <a:avLst/>
+          </a:prstGeom>
+          <a:ln w="6350">
+            <a:solidFill>
+              <a:schemeClr val="tx1">
+                <a:lumMod val="50000"/>
+                <a:lumOff val="50000"/>
+              </a:schemeClr>
+            </a:solidFill>
+          </a:ln>
+        </p:spPr>
+        <p:style>
+          <a:lnRef idx="1">
+            <a:schemeClr val="accent1"/>
+          </a:lnRef>
+          <a:fillRef idx="0">
+            <a:schemeClr val="accent1"/>
+          </a:fillRef>
+          <a:effectRef idx="0">
+            <a:schemeClr val="accent1"/>
+          </a:effectRef>
+          <a:fontRef idx="minor">
+            <a:schemeClr val="tx1"/>
+          </a:fontRef>
+        </p:style>
+      </p:cxnSp>
     </p:spTree>
     <p:extLst>
       <p:ext uri="{BB962C8B-B14F-4D97-AF65-F5344CB8AC3E}">
-        <p14:creationId xmlns:p14="http://schemas.microsoft.com/office/powerpoint/2010/main" val="4106346905"/>
+        <p14:creationId xmlns:p14="http://schemas.microsoft.com/office/powerpoint/2010/main" val="3279039658"/>
       </p:ext>
     </p:extLst>
   </p:cSld>
@@ -1093,7 +1450,7 @@
       </p:grpSpPr>
       <p:sp>
         <p:nvSpPr>
-          <p:cNvPr id="2" name="Titel 1"/>
+          <p:cNvPr id="8" name="Title 7"/>
           <p:cNvSpPr>
             <a:spLocks noGrp="1"/>
           </p:cNvSpPr>
@@ -1101,7 +1458,12 @@
             <p:ph type="title"/>
           </p:nvPr>
         </p:nvSpPr>
-        <p:spPr/>
+        <p:spPr>
+          <a:xfrm>
+            <a:off x="1097280" y="286603"/>
+            <a:ext cx="10058400" cy="1450757"/>
+          </a:xfrm>
+        </p:spPr>
         <p:txBody>
           <a:bodyPr/>
           <a:lstStyle/>
@@ -1110,13 +1472,13 @@
               <a:rPr lang="de-DE"/>
               <a:t>Titelmasterformat durch Klicken bearbeiten</a:t>
             </a:r>
-            <a:endParaRPr lang="de-CH"/>
-          </a:p>
-        </p:txBody>
-      </p:sp>
-      <p:sp>
-        <p:nvSpPr>
-          <p:cNvPr id="3" name="Inhaltsplatzhalter 2"/>
+            <a:endParaRPr lang="en-US" dirty="0"/>
+          </a:p>
+        </p:txBody>
+      </p:sp>
+      <p:sp>
+        <p:nvSpPr>
+          <p:cNvPr id="3" name="Content Placeholder 2"/>
           <p:cNvSpPr>
             <a:spLocks noGrp="1"/>
           </p:cNvSpPr>
@@ -1126,8 +1488,8 @@
         </p:nvSpPr>
         <p:spPr>
           <a:xfrm>
-            <a:off x="838200" y="1825625"/>
-            <a:ext cx="5181600" cy="4351338"/>
+            <a:off x="1097279" y="1845734"/>
+            <a:ext cx="4937760" cy="4023360"/>
           </a:xfrm>
         </p:spPr>
         <p:txBody>
@@ -1167,13 +1529,13 @@
               <a:rPr lang="de-DE"/>
               <a:t>Fünfte Ebene</a:t>
             </a:r>
-            <a:endParaRPr lang="de-CH"/>
-          </a:p>
-        </p:txBody>
-      </p:sp>
-      <p:sp>
-        <p:nvSpPr>
-          <p:cNvPr id="4" name="Inhaltsplatzhalter 3"/>
+            <a:endParaRPr lang="en-US" dirty="0"/>
+          </a:p>
+        </p:txBody>
+      </p:sp>
+      <p:sp>
+        <p:nvSpPr>
+          <p:cNvPr id="4" name="Content Placeholder 3"/>
           <p:cNvSpPr>
             <a:spLocks noGrp="1"/>
           </p:cNvSpPr>
@@ -1183,8 +1545,8 @@
         </p:nvSpPr>
         <p:spPr>
           <a:xfrm>
-            <a:off x="6172200" y="1825625"/>
-            <a:ext cx="5181600" cy="4351338"/>
+            <a:off x="6217920" y="1845735"/>
+            <a:ext cx="4937760" cy="4023360"/>
           </a:xfrm>
         </p:spPr>
         <p:txBody>
@@ -1224,13 +1586,13 @@
               <a:rPr lang="de-DE"/>
               <a:t>Fünfte Ebene</a:t>
             </a:r>
-            <a:endParaRPr lang="de-CH"/>
-          </a:p>
-        </p:txBody>
-      </p:sp>
-      <p:sp>
-        <p:nvSpPr>
-          <p:cNvPr id="5" name="Datumsplatzhalter 4"/>
+            <a:endParaRPr lang="en-US" dirty="0"/>
+          </a:p>
+        </p:txBody>
+      </p:sp>
+      <p:sp>
+        <p:nvSpPr>
+          <p:cNvPr id="5" name="Date Placeholder 4"/>
           <p:cNvSpPr>
             <a:spLocks noGrp="1"/>
           </p:cNvSpPr>
@@ -1245,7 +1607,7 @@
           <a:p>
             <a:fld id="{CFF0E3E0-6B59-4FD8-AEDD-9E53307F786E}" type="datetimeFigureOut">
               <a:rPr lang="de-CH" smtClean="0"/>
-              <a:t>21.10.2016</a:t>
+              <a:t>23.10.2016</a:t>
             </a:fld>
             <a:endParaRPr lang="de-CH"/>
           </a:p>
@@ -1253,7 +1615,7 @@
       </p:sp>
       <p:sp>
         <p:nvSpPr>
-          <p:cNvPr id="6" name="Fußzeilenplatzhalter 5"/>
+          <p:cNvPr id="6" name="Footer Placeholder 5"/>
           <p:cNvSpPr>
             <a:spLocks noGrp="1"/>
           </p:cNvSpPr>
@@ -1272,7 +1634,7 @@
       </p:sp>
       <p:sp>
         <p:nvSpPr>
-          <p:cNvPr id="7" name="Foliennummernplatzhalter 6"/>
+          <p:cNvPr id="7" name="Slide Number Placeholder 6"/>
           <p:cNvSpPr>
             <a:spLocks noGrp="1"/>
           </p:cNvSpPr>
@@ -1296,7 +1658,7 @@
     </p:spTree>
     <p:extLst>
       <p:ext uri="{BB962C8B-B14F-4D97-AF65-F5344CB8AC3E}">
-        <p14:creationId xmlns:p14="http://schemas.microsoft.com/office/powerpoint/2010/main" val="2507691345"/>
+        <p14:creationId xmlns:p14="http://schemas.microsoft.com/office/powerpoint/2010/main" val="2978532526"/>
       </p:ext>
     </p:extLst>
   </p:cSld>
@@ -1325,7 +1687,7 @@
       </p:grpSpPr>
       <p:sp>
         <p:nvSpPr>
-          <p:cNvPr id="2" name="Titel 1"/>
+          <p:cNvPr id="10" name="Title 9"/>
           <p:cNvSpPr>
             <a:spLocks noGrp="1"/>
           </p:cNvSpPr>
@@ -1335,8 +1697,8 @@
         </p:nvSpPr>
         <p:spPr>
           <a:xfrm>
-            <a:off x="839788" y="365125"/>
-            <a:ext cx="10515600" cy="1325563"/>
+            <a:off x="1097280" y="286603"/>
+            <a:ext cx="10058400" cy="1450757"/>
           </a:xfrm>
         </p:spPr>
         <p:txBody>
@@ -1347,13 +1709,13 @@
               <a:rPr lang="de-DE"/>
               <a:t>Titelmasterformat durch Klicken bearbeiten</a:t>
             </a:r>
-            <a:endParaRPr lang="de-CH"/>
-          </a:p>
-        </p:txBody>
-      </p:sp>
-      <p:sp>
-        <p:nvSpPr>
-          <p:cNvPr id="3" name="Textplatzhalter 2"/>
+            <a:endParaRPr lang="en-US" dirty="0"/>
+          </a:p>
+        </p:txBody>
+      </p:sp>
+      <p:sp>
+        <p:nvSpPr>
+          <p:cNvPr id="3" name="Text Placeholder 2"/>
           <p:cNvSpPr>
             <a:spLocks noGrp="1"/>
           </p:cNvSpPr>
@@ -1363,16 +1725,22 @@
         </p:nvSpPr>
         <p:spPr>
           <a:xfrm>
-            <a:off x="839788" y="1681163"/>
-            <a:ext cx="5157787" cy="823912"/>
+            <a:off x="1097280" y="1846052"/>
+            <a:ext cx="4937760" cy="736282"/>
           </a:xfrm>
         </p:spPr>
         <p:txBody>
-          <a:bodyPr anchor="b"/>
+          <a:bodyPr lIns="91440" rIns="91440" anchor="ctr">
+            <a:normAutofit/>
+          </a:bodyPr>
           <a:lstStyle>
             <a:lvl1pPr marL="0" indent="0">
               <a:buNone/>
-              <a:defRPr sz="2400" b="1"/>
+              <a:defRPr sz="2000" b="0" cap="all" baseline="0">
+                <a:solidFill>
+                  <a:schemeClr val="tx2"/>
+                </a:solidFill>
+              </a:defRPr>
             </a:lvl1pPr>
             <a:lvl2pPr marL="457200" indent="0">
               <a:buNone/>
@@ -1418,7 +1786,7 @@
       </p:sp>
       <p:sp>
         <p:nvSpPr>
-          <p:cNvPr id="4" name="Inhaltsplatzhalter 3"/>
+          <p:cNvPr id="4" name="Content Placeholder 3"/>
           <p:cNvSpPr>
             <a:spLocks noGrp="1"/>
           </p:cNvSpPr>
@@ -1428,8 +1796,8 @@
         </p:nvSpPr>
         <p:spPr>
           <a:xfrm>
-            <a:off x="839788" y="2505075"/>
-            <a:ext cx="5157787" cy="3684588"/>
+            <a:off x="1097280" y="2582334"/>
+            <a:ext cx="4937760" cy="3378200"/>
           </a:xfrm>
         </p:spPr>
         <p:txBody>
@@ -1469,13 +1837,13 @@
               <a:rPr lang="de-DE"/>
               <a:t>Fünfte Ebene</a:t>
             </a:r>
-            <a:endParaRPr lang="de-CH"/>
-          </a:p>
-        </p:txBody>
-      </p:sp>
-      <p:sp>
-        <p:nvSpPr>
-          <p:cNvPr id="5" name="Textplatzhalter 4"/>
+            <a:endParaRPr lang="en-US" dirty="0"/>
+          </a:p>
+        </p:txBody>
+      </p:sp>
+      <p:sp>
+        <p:nvSpPr>
+          <p:cNvPr id="5" name="Text Placeholder 4"/>
           <p:cNvSpPr>
             <a:spLocks noGrp="1"/>
           </p:cNvSpPr>
@@ -1485,16 +1853,22 @@
         </p:nvSpPr>
         <p:spPr>
           <a:xfrm>
-            <a:off x="6172200" y="1681163"/>
-            <a:ext cx="5183188" cy="823912"/>
+            <a:off x="6217920" y="1846052"/>
+            <a:ext cx="4937760" cy="736282"/>
           </a:xfrm>
         </p:spPr>
         <p:txBody>
-          <a:bodyPr anchor="b"/>
+          <a:bodyPr lIns="91440" rIns="91440" anchor="ctr">
+            <a:normAutofit/>
+          </a:bodyPr>
           <a:lstStyle>
             <a:lvl1pPr marL="0" indent="0">
               <a:buNone/>
-              <a:defRPr sz="2400" b="1"/>
+              <a:defRPr sz="2000" b="0" cap="all" baseline="0">
+                <a:solidFill>
+                  <a:schemeClr val="tx2"/>
+                </a:solidFill>
+              </a:defRPr>
             </a:lvl1pPr>
             <a:lvl2pPr marL="457200" indent="0">
               <a:buNone/>
@@ -1540,7 +1914,7 @@
       </p:sp>
       <p:sp>
         <p:nvSpPr>
-          <p:cNvPr id="6" name="Inhaltsplatzhalter 5"/>
+          <p:cNvPr id="6" name="Content Placeholder 5"/>
           <p:cNvSpPr>
             <a:spLocks noGrp="1"/>
           </p:cNvSpPr>
@@ -1550,8 +1924,8 @@
         </p:nvSpPr>
         <p:spPr>
           <a:xfrm>
-            <a:off x="6172200" y="2505075"/>
-            <a:ext cx="5183188" cy="3684588"/>
+            <a:off x="6217920" y="2582334"/>
+            <a:ext cx="4937760" cy="3378200"/>
           </a:xfrm>
         </p:spPr>
         <p:txBody>
@@ -1591,13 +1965,13 @@
               <a:rPr lang="de-DE"/>
               <a:t>Fünfte Ebene</a:t>
             </a:r>
-            <a:endParaRPr lang="de-CH"/>
-          </a:p>
-        </p:txBody>
-      </p:sp>
-      <p:sp>
-        <p:nvSpPr>
-          <p:cNvPr id="7" name="Datumsplatzhalter 6"/>
+            <a:endParaRPr lang="en-US" dirty="0"/>
+          </a:p>
+        </p:txBody>
+      </p:sp>
+      <p:sp>
+        <p:nvSpPr>
+          <p:cNvPr id="7" name="Date Placeholder 6"/>
           <p:cNvSpPr>
             <a:spLocks noGrp="1"/>
           </p:cNvSpPr>
@@ -1612,7 +1986,7 @@
           <a:p>
             <a:fld id="{CFF0E3E0-6B59-4FD8-AEDD-9E53307F786E}" type="datetimeFigureOut">
               <a:rPr lang="de-CH" smtClean="0"/>
-              <a:t>21.10.2016</a:t>
+              <a:t>23.10.2016</a:t>
             </a:fld>
             <a:endParaRPr lang="de-CH"/>
           </a:p>
@@ -1620,7 +1994,7 @@
       </p:sp>
       <p:sp>
         <p:nvSpPr>
-          <p:cNvPr id="8" name="Fußzeilenplatzhalter 7"/>
+          <p:cNvPr id="8" name="Footer Placeholder 7"/>
           <p:cNvSpPr>
             <a:spLocks noGrp="1"/>
           </p:cNvSpPr>
@@ -1639,7 +2013,7 @@
       </p:sp>
       <p:sp>
         <p:nvSpPr>
-          <p:cNvPr id="9" name="Foliennummernplatzhalter 8"/>
+          <p:cNvPr id="9" name="Slide Number Placeholder 8"/>
           <p:cNvSpPr>
             <a:spLocks noGrp="1"/>
           </p:cNvSpPr>
@@ -1663,7 +2037,7 @@
     </p:spTree>
     <p:extLst>
       <p:ext uri="{BB962C8B-B14F-4D97-AF65-F5344CB8AC3E}">
-        <p14:creationId xmlns:p14="http://schemas.microsoft.com/office/powerpoint/2010/main" val="1809964726"/>
+        <p14:creationId xmlns:p14="http://schemas.microsoft.com/office/powerpoint/2010/main" val="2012156625"/>
       </p:ext>
     </p:extLst>
   </p:cSld>
@@ -1692,7 +2066,7 @@
       </p:grpSpPr>
       <p:sp>
         <p:nvSpPr>
-          <p:cNvPr id="2" name="Titel 1"/>
+          <p:cNvPr id="2" name="Title 1"/>
           <p:cNvSpPr>
             <a:spLocks noGrp="1"/>
           </p:cNvSpPr>
@@ -1709,13 +2083,13 @@
               <a:rPr lang="de-DE"/>
               <a:t>Titelmasterformat durch Klicken bearbeiten</a:t>
             </a:r>
-            <a:endParaRPr lang="de-CH"/>
-          </a:p>
-        </p:txBody>
-      </p:sp>
-      <p:sp>
-        <p:nvSpPr>
-          <p:cNvPr id="3" name="Datumsplatzhalter 2"/>
+            <a:endParaRPr lang="en-US" dirty="0"/>
+          </a:p>
+        </p:txBody>
+      </p:sp>
+      <p:sp>
+        <p:nvSpPr>
+          <p:cNvPr id="3" name="Date Placeholder 2"/>
           <p:cNvSpPr>
             <a:spLocks noGrp="1"/>
           </p:cNvSpPr>
@@ -1730,7 +2104,7 @@
           <a:p>
             <a:fld id="{CFF0E3E0-6B59-4FD8-AEDD-9E53307F786E}" type="datetimeFigureOut">
               <a:rPr lang="de-CH" smtClean="0"/>
-              <a:t>21.10.2016</a:t>
+              <a:t>23.10.2016</a:t>
             </a:fld>
             <a:endParaRPr lang="de-CH"/>
           </a:p>
@@ -1738,7 +2112,7 @@
       </p:sp>
       <p:sp>
         <p:nvSpPr>
-          <p:cNvPr id="4" name="Fußzeilenplatzhalter 3"/>
+          <p:cNvPr id="4" name="Footer Placeholder 3"/>
           <p:cNvSpPr>
             <a:spLocks noGrp="1"/>
           </p:cNvSpPr>
@@ -1757,7 +2131,7 @@
       </p:sp>
       <p:sp>
         <p:nvSpPr>
-          <p:cNvPr id="5" name="Foliennummernplatzhalter 4"/>
+          <p:cNvPr id="5" name="Slide Number Placeholder 4"/>
           <p:cNvSpPr>
             <a:spLocks noGrp="1"/>
           </p:cNvSpPr>
@@ -1781,7 +2155,7 @@
     </p:spTree>
     <p:extLst>
       <p:ext uri="{BB962C8B-B14F-4D97-AF65-F5344CB8AC3E}">
-        <p14:creationId xmlns:p14="http://schemas.microsoft.com/office/powerpoint/2010/main" val="1143084802"/>
+        <p14:creationId xmlns:p14="http://schemas.microsoft.com/office/powerpoint/2010/main" val="941317081"/>
       </p:ext>
     </p:extLst>
   </p:cSld>
@@ -1792,7 +2166,7 @@
 </file>
 
 <file path=ppt/slideLayouts/slideLayout7.xml><?xml version="1.0" encoding="utf-8"?>
-<p:sldLayout xmlns:a="http://schemas.openxmlformats.org/drawingml/2006/main" xmlns:r="http://schemas.openxmlformats.org/officeDocument/2006/relationships" xmlns:p="http://schemas.openxmlformats.org/presentationml/2006/main" type="blank" preserve="1">
+<p:sldLayout xmlns:a="http://schemas.openxmlformats.org/drawingml/2006/main" xmlns:r="http://schemas.openxmlformats.org/officeDocument/2006/relationships" xmlns:p="http://schemas.openxmlformats.org/presentationml/2006/main" showMasterSp="0" type="blank" preserve="1">
   <p:cSld name="Leer">
     <p:spTree>
       <p:nvGrpSpPr>
@@ -1810,7 +2184,83 @@
       </p:grpSpPr>
       <p:sp>
         <p:nvSpPr>
-          <p:cNvPr id="2" name="Datumsplatzhalter 1"/>
+          <p:cNvPr id="5" name="Rectangle 4"/>
+          <p:cNvSpPr/>
+          <p:nvPr/>
+        </p:nvSpPr>
+        <p:spPr>
+          <a:xfrm>
+            <a:off x="3175" y="6400800"/>
+            <a:ext cx="12188825" cy="457200"/>
+          </a:xfrm>
+          <a:prstGeom prst="rect">
+            <a:avLst/>
+          </a:prstGeom>
+          <a:solidFill>
+            <a:schemeClr val="accent2"/>
+          </a:solidFill>
+          <a:ln>
+            <a:noFill/>
+          </a:ln>
+        </p:spPr>
+        <p:style>
+          <a:lnRef idx="2">
+            <a:schemeClr val="accent1">
+              <a:shade val="50000"/>
+            </a:schemeClr>
+          </a:lnRef>
+          <a:fillRef idx="1">
+            <a:schemeClr val="accent1"/>
+          </a:fillRef>
+          <a:effectRef idx="0">
+            <a:schemeClr val="accent1"/>
+          </a:effectRef>
+          <a:fontRef idx="minor">
+            <a:schemeClr val="lt1"/>
+          </a:fontRef>
+        </p:style>
+      </p:sp>
+      <p:sp>
+        <p:nvSpPr>
+          <p:cNvPr id="6" name="Rectangle 5"/>
+          <p:cNvSpPr/>
+          <p:nvPr/>
+        </p:nvSpPr>
+        <p:spPr>
+          <a:xfrm>
+            <a:off x="15" y="6334316"/>
+            <a:ext cx="12188825" cy="64008"/>
+          </a:xfrm>
+          <a:prstGeom prst="rect">
+            <a:avLst/>
+          </a:prstGeom>
+          <a:solidFill>
+            <a:schemeClr val="accent1"/>
+          </a:solidFill>
+          <a:ln>
+            <a:noFill/>
+          </a:ln>
+        </p:spPr>
+        <p:style>
+          <a:lnRef idx="2">
+            <a:schemeClr val="accent1">
+              <a:shade val="50000"/>
+            </a:schemeClr>
+          </a:lnRef>
+          <a:fillRef idx="1">
+            <a:schemeClr val="accent1"/>
+          </a:fillRef>
+          <a:effectRef idx="0">
+            <a:schemeClr val="accent1"/>
+          </a:effectRef>
+          <a:fontRef idx="minor">
+            <a:schemeClr val="lt1"/>
+          </a:fontRef>
+        </p:style>
+      </p:sp>
+      <p:sp>
+        <p:nvSpPr>
+          <p:cNvPr id="7" name="Date Placeholder 6"/>
           <p:cNvSpPr>
             <a:spLocks noGrp="1"/>
           </p:cNvSpPr>
@@ -1825,7 +2275,7 @@
           <a:p>
             <a:fld id="{CFF0E3E0-6B59-4FD8-AEDD-9E53307F786E}" type="datetimeFigureOut">
               <a:rPr lang="de-CH" smtClean="0"/>
-              <a:t>21.10.2016</a:t>
+              <a:t>23.10.2016</a:t>
             </a:fld>
             <a:endParaRPr lang="de-CH"/>
           </a:p>
@@ -1833,7 +2283,7 @@
       </p:sp>
       <p:sp>
         <p:nvSpPr>
-          <p:cNvPr id="3" name="Fußzeilenplatzhalter 2"/>
+          <p:cNvPr id="8" name="Footer Placeholder 7"/>
           <p:cNvSpPr>
             <a:spLocks noGrp="1"/>
           </p:cNvSpPr>
@@ -1844,7 +2294,15 @@
         <p:spPr/>
         <p:txBody>
           <a:bodyPr/>
-          <a:lstStyle/>
+          <a:lstStyle>
+            <a:lvl1pPr>
+              <a:defRPr>
+                <a:solidFill>
+                  <a:srgbClr val="FFFFFF"/>
+                </a:solidFill>
+              </a:defRPr>
+            </a:lvl1pPr>
+          </a:lstStyle>
           <a:p>
             <a:endParaRPr lang="de-CH"/>
           </a:p>
@@ -1852,7 +2310,7 @@
       </p:sp>
       <p:sp>
         <p:nvSpPr>
-          <p:cNvPr id="4" name="Foliennummernplatzhalter 3"/>
+          <p:cNvPr id="9" name="Slide Number Placeholder 8"/>
           <p:cNvSpPr>
             <a:spLocks noGrp="1"/>
           </p:cNvSpPr>
@@ -1876,7 +2334,7 @@
     </p:spTree>
     <p:extLst>
       <p:ext uri="{BB962C8B-B14F-4D97-AF65-F5344CB8AC3E}">
-        <p14:creationId xmlns:p14="http://schemas.microsoft.com/office/powerpoint/2010/main" val="1600226458"/>
+        <p14:creationId xmlns:p14="http://schemas.microsoft.com/office/powerpoint/2010/main" val="693215829"/>
       </p:ext>
     </p:extLst>
   </p:cSld>
@@ -1887,7 +2345,7 @@
 </file>
 
 <file path=ppt/slideLayouts/slideLayout8.xml><?xml version="1.0" encoding="utf-8"?>
-<p:sldLayout xmlns:a="http://schemas.openxmlformats.org/drawingml/2006/main" xmlns:r="http://schemas.openxmlformats.org/officeDocument/2006/relationships" xmlns:p="http://schemas.openxmlformats.org/presentationml/2006/main" type="objTx" preserve="1">
+<p:sldLayout xmlns:a="http://schemas.openxmlformats.org/drawingml/2006/main" xmlns:r="http://schemas.openxmlformats.org/officeDocument/2006/relationships" xmlns:p="http://schemas.openxmlformats.org/presentationml/2006/main" showMasterSp="0" type="objTx" preserve="1">
   <p:cSld name="Inhalt mit Überschrift">
     <p:spTree>
       <p:nvGrpSpPr>
@@ -1905,25 +2363,107 @@
       </p:grpSpPr>
       <p:sp>
         <p:nvSpPr>
-          <p:cNvPr id="2" name="Titel 1"/>
-          <p:cNvSpPr>
-            <a:spLocks noGrp="1"/>
-          </p:cNvSpPr>
-          <p:nvPr>
-            <p:ph type="title"/>
-          </p:nvPr>
+          <p:cNvPr id="8" name="Rectangle 7"/>
+          <p:cNvSpPr/>
+          <p:nvPr/>
         </p:nvSpPr>
         <p:spPr>
           <a:xfrm>
-            <a:off x="839788" y="457200"/>
-            <a:ext cx="3932237" cy="1600200"/>
+            <a:off x="16" y="0"/>
+            <a:ext cx="4050791" cy="6858000"/>
+          </a:xfrm>
+          <a:prstGeom prst="rect">
+            <a:avLst/>
+          </a:prstGeom>
+          <a:solidFill>
+            <a:schemeClr val="accent2"/>
+          </a:solidFill>
+          <a:ln>
+            <a:noFill/>
+          </a:ln>
+        </p:spPr>
+        <p:style>
+          <a:lnRef idx="2">
+            <a:schemeClr val="accent1">
+              <a:shade val="50000"/>
+            </a:schemeClr>
+          </a:lnRef>
+          <a:fillRef idx="1">
+            <a:schemeClr val="accent1"/>
+          </a:fillRef>
+          <a:effectRef idx="0">
+            <a:schemeClr val="accent1"/>
+          </a:effectRef>
+          <a:fontRef idx="minor">
+            <a:schemeClr val="lt1"/>
+          </a:fontRef>
+        </p:style>
+      </p:sp>
+      <p:sp>
+        <p:nvSpPr>
+          <p:cNvPr id="9" name="Rectangle 8"/>
+          <p:cNvSpPr/>
+          <p:nvPr/>
+        </p:nvSpPr>
+        <p:spPr>
+          <a:xfrm>
+            <a:off x="4040071" y="0"/>
+            <a:ext cx="64008" cy="6858000"/>
+          </a:xfrm>
+          <a:prstGeom prst="rect">
+            <a:avLst/>
+          </a:prstGeom>
+          <a:solidFill>
+            <a:schemeClr val="accent1"/>
+          </a:solidFill>
+          <a:ln>
+            <a:noFill/>
+          </a:ln>
+        </p:spPr>
+        <p:style>
+          <a:lnRef idx="2">
+            <a:schemeClr val="accent1">
+              <a:shade val="50000"/>
+            </a:schemeClr>
+          </a:lnRef>
+          <a:fillRef idx="1">
+            <a:schemeClr val="accent1"/>
+          </a:fillRef>
+          <a:effectRef idx="0">
+            <a:schemeClr val="accent1"/>
+          </a:effectRef>
+          <a:fontRef idx="minor">
+            <a:schemeClr val="lt1"/>
+          </a:fontRef>
+        </p:style>
+      </p:sp>
+      <p:sp>
+        <p:nvSpPr>
+          <p:cNvPr id="2" name="Title 1"/>
+          <p:cNvSpPr>
+            <a:spLocks noGrp="1"/>
+          </p:cNvSpPr>
+          <p:nvPr>
+            <p:ph type="title"/>
+          </p:nvPr>
+        </p:nvSpPr>
+        <p:spPr>
+          <a:xfrm>
+            <a:off x="457200" y="594359"/>
+            <a:ext cx="3200400" cy="2286000"/>
           </a:xfrm>
         </p:spPr>
         <p:txBody>
-          <a:bodyPr anchor="b"/>
+          <a:bodyPr anchor="b">
+            <a:normAutofit/>
+          </a:bodyPr>
           <a:lstStyle>
             <a:lvl1pPr>
-              <a:defRPr sz="3200"/>
+              <a:defRPr sz="3600" b="0">
+                <a:solidFill>
+                  <a:srgbClr val="FFFFFF"/>
+                </a:solidFill>
+              </a:defRPr>
             </a:lvl1pPr>
           </a:lstStyle>
           <a:p>
@@ -1931,13 +2471,13 @@
               <a:rPr lang="de-DE"/>
               <a:t>Titelmasterformat durch Klicken bearbeiten</a:t>
             </a:r>
-            <a:endParaRPr lang="de-CH"/>
-          </a:p>
-        </p:txBody>
-      </p:sp>
-      <p:sp>
-        <p:nvSpPr>
-          <p:cNvPr id="3" name="Inhaltsplatzhalter 2"/>
+            <a:endParaRPr lang="en-US" dirty="0"/>
+          </a:p>
+        </p:txBody>
+      </p:sp>
+      <p:sp>
+        <p:nvSpPr>
+          <p:cNvPr id="3" name="Content Placeholder 2"/>
           <p:cNvSpPr>
             <a:spLocks noGrp="1"/>
           </p:cNvSpPr>
@@ -1947,200 +2487,208 @@
         </p:nvSpPr>
         <p:spPr>
           <a:xfrm>
-            <a:off x="5183188" y="987425"/>
-            <a:ext cx="6172200" cy="4873625"/>
+            <a:off x="4800600" y="731520"/>
+            <a:ext cx="6492240" cy="5257800"/>
           </a:xfrm>
         </p:spPr>
         <p:txBody>
           <a:bodyPr/>
+          <a:lstStyle/>
+          <a:p>
+            <a:pPr lvl="0"/>
+            <a:r>
+              <a:rPr lang="de-DE"/>
+              <a:t>Formatvorlagen des Textmasters bearbeiten</a:t>
+            </a:r>
+          </a:p>
+          <a:p>
+            <a:pPr lvl="1"/>
+            <a:r>
+              <a:rPr lang="de-DE"/>
+              <a:t>Zweite Ebene</a:t>
+            </a:r>
+          </a:p>
+          <a:p>
+            <a:pPr lvl="2"/>
+            <a:r>
+              <a:rPr lang="de-DE"/>
+              <a:t>Dritte Ebene</a:t>
+            </a:r>
+          </a:p>
+          <a:p>
+            <a:pPr lvl="3"/>
+            <a:r>
+              <a:rPr lang="de-DE"/>
+              <a:t>Vierte Ebene</a:t>
+            </a:r>
+          </a:p>
+          <a:p>
+            <a:pPr lvl="4"/>
+            <a:r>
+              <a:rPr lang="de-DE"/>
+              <a:t>Fünfte Ebene</a:t>
+            </a:r>
+            <a:endParaRPr lang="en-US" dirty="0"/>
+          </a:p>
+        </p:txBody>
+      </p:sp>
+      <p:sp>
+        <p:nvSpPr>
+          <p:cNvPr id="4" name="Text Placeholder 3"/>
+          <p:cNvSpPr>
+            <a:spLocks noGrp="1"/>
+          </p:cNvSpPr>
+          <p:nvPr>
+            <p:ph type="body" sz="half" idx="2"/>
+          </p:nvPr>
+        </p:nvSpPr>
+        <p:spPr>
+          <a:xfrm>
+            <a:off x="457200" y="2926080"/>
+            <a:ext cx="3200400" cy="3379124"/>
+          </a:xfrm>
+        </p:spPr>
+        <p:txBody>
+          <a:bodyPr lIns="91440" rIns="91440">
+            <a:normAutofit/>
+          </a:bodyPr>
+          <a:lstStyle>
+            <a:lvl1pPr marL="0" indent="0">
+              <a:buNone/>
+              <a:defRPr sz="1500">
+                <a:solidFill>
+                  <a:srgbClr val="FFFFFF"/>
+                </a:solidFill>
+              </a:defRPr>
+            </a:lvl1pPr>
+            <a:lvl2pPr marL="457200" indent="0">
+              <a:buNone/>
+              <a:defRPr sz="1200"/>
+            </a:lvl2pPr>
+            <a:lvl3pPr marL="914400" indent="0">
+              <a:buNone/>
+              <a:defRPr sz="1000"/>
+            </a:lvl3pPr>
+            <a:lvl4pPr marL="1371600" indent="0">
+              <a:buNone/>
+              <a:defRPr sz="900"/>
+            </a:lvl4pPr>
+            <a:lvl5pPr marL="1828800" indent="0">
+              <a:buNone/>
+              <a:defRPr sz="900"/>
+            </a:lvl5pPr>
+            <a:lvl6pPr marL="2286000" indent="0">
+              <a:buNone/>
+              <a:defRPr sz="900"/>
+            </a:lvl6pPr>
+            <a:lvl7pPr marL="2743200" indent="0">
+              <a:buNone/>
+              <a:defRPr sz="900"/>
+            </a:lvl7pPr>
+            <a:lvl8pPr marL="3200400" indent="0">
+              <a:buNone/>
+              <a:defRPr sz="900"/>
+            </a:lvl8pPr>
+            <a:lvl9pPr marL="3657600" indent="0">
+              <a:buNone/>
+              <a:defRPr sz="900"/>
+            </a:lvl9pPr>
+          </a:lstStyle>
+          <a:p>
+            <a:pPr lvl="0"/>
+            <a:r>
+              <a:rPr lang="de-DE"/>
+              <a:t>Formatvorlagen des Textmasters bearbeiten</a:t>
+            </a:r>
+          </a:p>
+        </p:txBody>
+      </p:sp>
+      <p:sp>
+        <p:nvSpPr>
+          <p:cNvPr id="5" name="Date Placeholder 4"/>
+          <p:cNvSpPr>
+            <a:spLocks noGrp="1"/>
+          </p:cNvSpPr>
+          <p:nvPr>
+            <p:ph type="dt" sz="half" idx="10"/>
+          </p:nvPr>
+        </p:nvSpPr>
+        <p:spPr>
+          <a:xfrm>
+            <a:off x="465512" y="6459785"/>
+            <a:ext cx="2618510" cy="365125"/>
+          </a:xfrm>
+        </p:spPr>
+        <p:txBody>
+          <a:bodyPr/>
+          <a:lstStyle>
+            <a:lvl1pPr algn="l">
+              <a:defRPr/>
+            </a:lvl1pPr>
+          </a:lstStyle>
+          <a:p>
+            <a:fld id="{CFF0E3E0-6B59-4FD8-AEDD-9E53307F786E}" type="datetimeFigureOut">
+              <a:rPr lang="de-CH" smtClean="0"/>
+              <a:t>23.10.2016</a:t>
+            </a:fld>
+            <a:endParaRPr lang="de-CH"/>
+          </a:p>
+        </p:txBody>
+      </p:sp>
+      <p:sp>
+        <p:nvSpPr>
+          <p:cNvPr id="6" name="Footer Placeholder 5"/>
+          <p:cNvSpPr>
+            <a:spLocks noGrp="1"/>
+          </p:cNvSpPr>
+          <p:nvPr>
+            <p:ph type="ftr" sz="quarter" idx="11"/>
+          </p:nvPr>
+        </p:nvSpPr>
+        <p:spPr>
+          <a:xfrm>
+            <a:off x="4800600" y="6459785"/>
+            <a:ext cx="4648200" cy="365125"/>
+          </a:xfrm>
+        </p:spPr>
+        <p:txBody>
+          <a:bodyPr/>
+          <a:lstStyle>
+            <a:lvl1pPr algn="l">
+              <a:defRPr>
+                <a:solidFill>
+                  <a:schemeClr val="tx2"/>
+                </a:solidFill>
+              </a:defRPr>
+            </a:lvl1pPr>
+          </a:lstStyle>
+          <a:p>
+            <a:endParaRPr lang="de-CH"/>
+          </a:p>
+        </p:txBody>
+      </p:sp>
+      <p:sp>
+        <p:nvSpPr>
+          <p:cNvPr id="7" name="Slide Number Placeholder 6"/>
+          <p:cNvSpPr>
+            <a:spLocks noGrp="1"/>
+          </p:cNvSpPr>
+          <p:nvPr>
+            <p:ph type="sldNum" sz="quarter" idx="12"/>
+          </p:nvPr>
+        </p:nvSpPr>
+        <p:spPr/>
+        <p:txBody>
+          <a:bodyPr/>
           <a:lstStyle>
             <a:lvl1pPr>
-              <a:defRPr sz="3200"/>
+              <a:defRPr>
+                <a:solidFill>
+                  <a:schemeClr val="tx2"/>
+                </a:solidFill>
+              </a:defRPr>
             </a:lvl1pPr>
-            <a:lvl2pPr>
-              <a:defRPr sz="2800"/>
-            </a:lvl2pPr>
-            <a:lvl3pPr>
-              <a:defRPr sz="2400"/>
-            </a:lvl3pPr>
-            <a:lvl4pPr>
-              <a:defRPr sz="2000"/>
-            </a:lvl4pPr>
-            <a:lvl5pPr>
-              <a:defRPr sz="2000"/>
-            </a:lvl5pPr>
-            <a:lvl6pPr>
-              <a:defRPr sz="2000"/>
-            </a:lvl6pPr>
-            <a:lvl7pPr>
-              <a:defRPr sz="2000"/>
-            </a:lvl7pPr>
-            <a:lvl8pPr>
-              <a:defRPr sz="2000"/>
-            </a:lvl8pPr>
-            <a:lvl9pPr>
-              <a:defRPr sz="2000"/>
-            </a:lvl9pPr>
           </a:lstStyle>
-          <a:p>
-            <a:pPr lvl="0"/>
-            <a:r>
-              <a:rPr lang="de-DE"/>
-              <a:t>Formatvorlagen des Textmasters bearbeiten</a:t>
-            </a:r>
-          </a:p>
-          <a:p>
-            <a:pPr lvl="1"/>
-            <a:r>
-              <a:rPr lang="de-DE"/>
-              <a:t>Zweite Ebene</a:t>
-            </a:r>
-          </a:p>
-          <a:p>
-            <a:pPr lvl="2"/>
-            <a:r>
-              <a:rPr lang="de-DE"/>
-              <a:t>Dritte Ebene</a:t>
-            </a:r>
-          </a:p>
-          <a:p>
-            <a:pPr lvl="3"/>
-            <a:r>
-              <a:rPr lang="de-DE"/>
-              <a:t>Vierte Ebene</a:t>
-            </a:r>
-          </a:p>
-          <a:p>
-            <a:pPr lvl="4"/>
-            <a:r>
-              <a:rPr lang="de-DE"/>
-              <a:t>Fünfte Ebene</a:t>
-            </a:r>
-            <a:endParaRPr lang="de-CH"/>
-          </a:p>
-        </p:txBody>
-      </p:sp>
-      <p:sp>
-        <p:nvSpPr>
-          <p:cNvPr id="4" name="Textplatzhalter 3"/>
-          <p:cNvSpPr>
-            <a:spLocks noGrp="1"/>
-          </p:cNvSpPr>
-          <p:nvPr>
-            <p:ph type="body" sz="half" idx="2"/>
-          </p:nvPr>
-        </p:nvSpPr>
-        <p:spPr>
-          <a:xfrm>
-            <a:off x="839788" y="2057400"/>
-            <a:ext cx="3932237" cy="3811588"/>
-          </a:xfrm>
-        </p:spPr>
-        <p:txBody>
-          <a:bodyPr/>
-          <a:lstStyle>
-            <a:lvl1pPr marL="0" indent="0">
-              <a:buNone/>
-              <a:defRPr sz="1600"/>
-            </a:lvl1pPr>
-            <a:lvl2pPr marL="457200" indent="0">
-              <a:buNone/>
-              <a:defRPr sz="1400"/>
-            </a:lvl2pPr>
-            <a:lvl3pPr marL="914400" indent="0">
-              <a:buNone/>
-              <a:defRPr sz="1200"/>
-            </a:lvl3pPr>
-            <a:lvl4pPr marL="1371600" indent="0">
-              <a:buNone/>
-              <a:defRPr sz="1000"/>
-            </a:lvl4pPr>
-            <a:lvl5pPr marL="1828800" indent="0">
-              <a:buNone/>
-              <a:defRPr sz="1000"/>
-            </a:lvl5pPr>
-            <a:lvl6pPr marL="2286000" indent="0">
-              <a:buNone/>
-              <a:defRPr sz="1000"/>
-            </a:lvl6pPr>
-            <a:lvl7pPr marL="2743200" indent="0">
-              <a:buNone/>
-              <a:defRPr sz="1000"/>
-            </a:lvl7pPr>
-            <a:lvl8pPr marL="3200400" indent="0">
-              <a:buNone/>
-              <a:defRPr sz="1000"/>
-            </a:lvl8pPr>
-            <a:lvl9pPr marL="3657600" indent="0">
-              <a:buNone/>
-              <a:defRPr sz="1000"/>
-            </a:lvl9pPr>
-          </a:lstStyle>
-          <a:p>
-            <a:pPr lvl="0"/>
-            <a:r>
-              <a:rPr lang="de-DE"/>
-              <a:t>Formatvorlagen des Textmasters bearbeiten</a:t>
-            </a:r>
-          </a:p>
-        </p:txBody>
-      </p:sp>
-      <p:sp>
-        <p:nvSpPr>
-          <p:cNvPr id="5" name="Datumsplatzhalter 4"/>
-          <p:cNvSpPr>
-            <a:spLocks noGrp="1"/>
-          </p:cNvSpPr>
-          <p:nvPr>
-            <p:ph type="dt" sz="half" idx="10"/>
-          </p:nvPr>
-        </p:nvSpPr>
-        <p:spPr/>
-        <p:txBody>
-          <a:bodyPr/>
-          <a:lstStyle/>
-          <a:p>
-            <a:fld id="{CFF0E3E0-6B59-4FD8-AEDD-9E53307F786E}" type="datetimeFigureOut">
-              <a:rPr lang="de-CH" smtClean="0"/>
-              <a:t>21.10.2016</a:t>
-            </a:fld>
-            <a:endParaRPr lang="de-CH"/>
-          </a:p>
-        </p:txBody>
-      </p:sp>
-      <p:sp>
-        <p:nvSpPr>
-          <p:cNvPr id="6" name="Fußzeilenplatzhalter 5"/>
-          <p:cNvSpPr>
-            <a:spLocks noGrp="1"/>
-          </p:cNvSpPr>
-          <p:nvPr>
-            <p:ph type="ftr" sz="quarter" idx="11"/>
-          </p:nvPr>
-        </p:nvSpPr>
-        <p:spPr/>
-        <p:txBody>
-          <a:bodyPr/>
-          <a:lstStyle/>
-          <a:p>
-            <a:endParaRPr lang="de-CH"/>
-          </a:p>
-        </p:txBody>
-      </p:sp>
-      <p:sp>
-        <p:nvSpPr>
-          <p:cNvPr id="7" name="Foliennummernplatzhalter 6"/>
-          <p:cNvSpPr>
-            <a:spLocks noGrp="1"/>
-          </p:cNvSpPr>
-          <p:nvPr>
-            <p:ph type="sldNum" sz="quarter" idx="12"/>
-          </p:nvPr>
-        </p:nvSpPr>
-        <p:spPr/>
-        <p:txBody>
-          <a:bodyPr/>
-          <a:lstStyle/>
           <a:p>
             <a:fld id="{BD52F552-3B54-4E80-892D-57E838C8C789}" type="slidenum">
               <a:rPr lang="de-CH" smtClean="0"/>
@@ -2153,7 +2701,7 @@
     </p:spTree>
     <p:extLst>
       <p:ext uri="{BB962C8B-B14F-4D97-AF65-F5344CB8AC3E}">
-        <p14:creationId xmlns:p14="http://schemas.microsoft.com/office/powerpoint/2010/main" val="2499328143"/>
+        <p14:creationId xmlns:p14="http://schemas.microsoft.com/office/powerpoint/2010/main" val="3202058828"/>
       </p:ext>
     </p:extLst>
   </p:cSld>
@@ -2164,7 +2712,7 @@
 </file>
 
 <file path=ppt/slideLayouts/slideLayout9.xml><?xml version="1.0" encoding="utf-8"?>
-<p:sldLayout xmlns:a="http://schemas.openxmlformats.org/drawingml/2006/main" xmlns:r="http://schemas.openxmlformats.org/officeDocument/2006/relationships" xmlns:p="http://schemas.openxmlformats.org/presentationml/2006/main" type="picTx" preserve="1">
+<p:sldLayout xmlns:a="http://schemas.openxmlformats.org/drawingml/2006/main" xmlns:r="http://schemas.openxmlformats.org/officeDocument/2006/relationships" xmlns:p="http://schemas.openxmlformats.org/presentationml/2006/main" showMasterSp="0" type="picTx" preserve="1">
   <p:cSld name="Bild mit Überschrift">
     <p:spTree>
       <p:nvGrpSpPr>
@@ -2182,25 +2730,107 @@
       </p:grpSpPr>
       <p:sp>
         <p:nvSpPr>
-          <p:cNvPr id="2" name="Titel 1"/>
-          <p:cNvSpPr>
-            <a:spLocks noGrp="1"/>
-          </p:cNvSpPr>
-          <p:nvPr>
-            <p:ph type="title"/>
-          </p:nvPr>
+          <p:cNvPr id="8" name="Rectangle 7"/>
+          <p:cNvSpPr/>
+          <p:nvPr/>
         </p:nvSpPr>
         <p:spPr>
           <a:xfrm>
-            <a:off x="839788" y="457200"/>
-            <a:ext cx="3932237" cy="1600200"/>
+            <a:off x="0" y="4953000"/>
+            <a:ext cx="12188825" cy="1905000"/>
+          </a:xfrm>
+          <a:prstGeom prst="rect">
+            <a:avLst/>
+          </a:prstGeom>
+          <a:solidFill>
+            <a:schemeClr val="accent2"/>
+          </a:solidFill>
+          <a:ln>
+            <a:noFill/>
+          </a:ln>
+        </p:spPr>
+        <p:style>
+          <a:lnRef idx="2">
+            <a:schemeClr val="accent1">
+              <a:shade val="50000"/>
+            </a:schemeClr>
+          </a:lnRef>
+          <a:fillRef idx="1">
+            <a:schemeClr val="accent1"/>
+          </a:fillRef>
+          <a:effectRef idx="0">
+            <a:schemeClr val="accent1"/>
+          </a:effectRef>
+          <a:fontRef idx="minor">
+            <a:schemeClr val="lt1"/>
+          </a:fontRef>
+        </p:style>
+      </p:sp>
+      <p:sp>
+        <p:nvSpPr>
+          <p:cNvPr id="9" name="Rectangle 8"/>
+          <p:cNvSpPr/>
+          <p:nvPr/>
+        </p:nvSpPr>
+        <p:spPr>
+          <a:xfrm>
+            <a:off x="15" y="4915076"/>
+            <a:ext cx="12188825" cy="64008"/>
+          </a:xfrm>
+          <a:prstGeom prst="rect">
+            <a:avLst/>
+          </a:prstGeom>
+          <a:solidFill>
+            <a:schemeClr val="accent1"/>
+          </a:solidFill>
+          <a:ln>
+            <a:noFill/>
+          </a:ln>
+        </p:spPr>
+        <p:style>
+          <a:lnRef idx="2">
+            <a:schemeClr val="accent1">
+              <a:shade val="50000"/>
+            </a:schemeClr>
+          </a:lnRef>
+          <a:fillRef idx="1">
+            <a:schemeClr val="accent1"/>
+          </a:fillRef>
+          <a:effectRef idx="0">
+            <a:schemeClr val="accent1"/>
+          </a:effectRef>
+          <a:fontRef idx="minor">
+            <a:schemeClr val="lt1"/>
+          </a:fontRef>
+        </p:style>
+      </p:sp>
+      <p:sp>
+        <p:nvSpPr>
+          <p:cNvPr id="2" name="Title 1"/>
+          <p:cNvSpPr>
+            <a:spLocks noGrp="1"/>
+          </p:cNvSpPr>
+          <p:nvPr>
+            <p:ph type="title"/>
+          </p:nvPr>
+        </p:nvSpPr>
+        <p:spPr>
+          <a:xfrm>
+            <a:off x="1097280" y="5074920"/>
+            <a:ext cx="10113264" cy="822960"/>
           </a:xfrm>
         </p:spPr>
         <p:txBody>
-          <a:bodyPr anchor="b"/>
+          <a:bodyPr lIns="91440" tIns="0" rIns="91440" bIns="0" anchor="b">
+            <a:noAutofit/>
+          </a:bodyPr>
           <a:lstStyle>
             <a:lvl1pPr>
-              <a:defRPr sz="3200"/>
+              <a:defRPr sz="3600" b="0">
+                <a:solidFill>
+                  <a:srgbClr val="FFFFFF"/>
+                </a:solidFill>
+              </a:defRPr>
             </a:lvl1pPr>
           </a:lstStyle>
           <a:p>
@@ -2208,15 +2838,15 @@
               <a:rPr lang="de-DE"/>
               <a:t>Titelmasterformat durch Klicken bearbeiten</a:t>
             </a:r>
-            <a:endParaRPr lang="de-CH"/>
-          </a:p>
-        </p:txBody>
-      </p:sp>
-      <p:sp>
-        <p:nvSpPr>
-          <p:cNvPr id="3" name="Bildplatzhalter 2"/>
-          <p:cNvSpPr>
-            <a:spLocks noGrp="1"/>
+            <a:endParaRPr lang="en-US" dirty="0"/>
+          </a:p>
+        </p:txBody>
+      </p:sp>
+      <p:sp>
+        <p:nvSpPr>
+          <p:cNvPr id="3" name="Picture Placeholder 2"/>
+          <p:cNvSpPr>
+            <a:spLocks noGrp="1" noChangeAspect="1"/>
           </p:cNvSpPr>
           <p:nvPr>
             <p:ph type="pic" idx="1"/>
@@ -2224,16 +2854,26 @@
         </p:nvSpPr>
         <p:spPr>
           <a:xfrm>
-            <a:off x="5183188" y="987425"/>
-            <a:ext cx="6172200" cy="4873625"/>
+            <a:off x="15" y="0"/>
+            <a:ext cx="12191985" cy="4915076"/>
           </a:xfrm>
+          <a:blipFill>
+            <a:blip r:embed="rId2"/>
+            <a:stretch>
+              <a:fillRect/>
+            </a:stretch>
+          </a:blipFill>
         </p:spPr>
         <p:txBody>
-          <a:bodyPr/>
+          <a:bodyPr lIns="457200" tIns="457200" anchor="t"/>
           <a:lstStyle>
             <a:lvl1pPr marL="0" indent="0">
               <a:buNone/>
-              <a:defRPr sz="3200"/>
+              <a:defRPr sz="3200">
+                <a:solidFill>
+                  <a:schemeClr val="bg1"/>
+                </a:solidFill>
+              </a:defRPr>
             </a:lvl1pPr>
             <a:lvl2pPr marL="457200" indent="0">
               <a:buNone/>
@@ -2269,13 +2909,17 @@
             </a:lvl9pPr>
           </a:lstStyle>
           <a:p>
-            <a:endParaRPr lang="de-CH"/>
-          </a:p>
-        </p:txBody>
-      </p:sp>
-      <p:sp>
-        <p:nvSpPr>
-          <p:cNvPr id="4" name="Textplatzhalter 3"/>
+            <a:r>
+              <a:rPr lang="de-DE"/>
+              <a:t>Bild durch Klicken auf Symbol hinzufügen</a:t>
+            </a:r>
+            <a:endParaRPr lang="en-US" dirty="0"/>
+          </a:p>
+        </p:txBody>
+      </p:sp>
+      <p:sp>
+        <p:nvSpPr>
+          <p:cNvPr id="4" name="Text Placeholder 3"/>
           <p:cNvSpPr>
             <a:spLocks noGrp="1"/>
           </p:cNvSpPr>
@@ -2285,48 +2929,60 @@
         </p:nvSpPr>
         <p:spPr>
           <a:xfrm>
-            <a:off x="839788" y="2057400"/>
-            <a:ext cx="3932237" cy="3811588"/>
+            <a:off x="1097280" y="5907023"/>
+            <a:ext cx="10113264" cy="594360"/>
           </a:xfrm>
         </p:spPr>
         <p:txBody>
-          <a:bodyPr/>
+          <a:bodyPr lIns="91440" tIns="0" rIns="91440" bIns="0">
+            <a:normAutofit/>
+          </a:bodyPr>
           <a:lstStyle>
             <a:lvl1pPr marL="0" indent="0">
-              <a:buNone/>
-              <a:defRPr sz="1600"/>
+              <a:spcBef>
+                <a:spcPts val="0"/>
+              </a:spcBef>
+              <a:spcAft>
+                <a:spcPts val="600"/>
+              </a:spcAft>
+              <a:buNone/>
+              <a:defRPr sz="1500">
+                <a:solidFill>
+                  <a:srgbClr val="FFFFFF"/>
+                </a:solidFill>
+              </a:defRPr>
             </a:lvl1pPr>
             <a:lvl2pPr marL="457200" indent="0">
               <a:buNone/>
-              <a:defRPr sz="1400"/>
+              <a:defRPr sz="1200"/>
             </a:lvl2pPr>
             <a:lvl3pPr marL="914400" indent="0">
               <a:buNone/>
-              <a:defRPr sz="1200"/>
+              <a:defRPr sz="1000"/>
             </a:lvl3pPr>
             <a:lvl4pPr marL="1371600" indent="0">
               <a:buNone/>
-              <a:defRPr sz="1000"/>
+              <a:defRPr sz="900"/>
             </a:lvl4pPr>
             <a:lvl5pPr marL="1828800" indent="0">
               <a:buNone/>
-              <a:defRPr sz="1000"/>
+              <a:defRPr sz="900"/>
             </a:lvl5pPr>
             <a:lvl6pPr marL="2286000" indent="0">
               <a:buNone/>
-              <a:defRPr sz="1000"/>
+              <a:defRPr sz="900"/>
             </a:lvl6pPr>
             <a:lvl7pPr marL="2743200" indent="0">
               <a:buNone/>
-              <a:defRPr sz="1000"/>
+              <a:defRPr sz="900"/>
             </a:lvl7pPr>
             <a:lvl8pPr marL="3200400" indent="0">
               <a:buNone/>
-              <a:defRPr sz="1000"/>
+              <a:defRPr sz="900"/>
             </a:lvl8pPr>
             <a:lvl9pPr marL="3657600" indent="0">
               <a:buNone/>
-              <a:defRPr sz="1000"/>
+              <a:defRPr sz="900"/>
             </a:lvl9pPr>
           </a:lstStyle>
           <a:p>
@@ -2340,7 +2996,7 @@
       </p:sp>
       <p:sp>
         <p:nvSpPr>
-          <p:cNvPr id="5" name="Datumsplatzhalter 4"/>
+          <p:cNvPr id="5" name="Date Placeholder 4"/>
           <p:cNvSpPr>
             <a:spLocks noGrp="1"/>
           </p:cNvSpPr>
@@ -2355,7 +3011,7 @@
           <a:p>
             <a:fld id="{CFF0E3E0-6B59-4FD8-AEDD-9E53307F786E}" type="datetimeFigureOut">
               <a:rPr lang="de-CH" smtClean="0"/>
-              <a:t>21.10.2016</a:t>
+              <a:t>23.10.2016</a:t>
             </a:fld>
             <a:endParaRPr lang="de-CH"/>
           </a:p>
@@ -2363,7 +3019,7 @@
       </p:sp>
       <p:sp>
         <p:nvSpPr>
-          <p:cNvPr id="6" name="Fußzeilenplatzhalter 5"/>
+          <p:cNvPr id="6" name="Footer Placeholder 5"/>
           <p:cNvSpPr>
             <a:spLocks noGrp="1"/>
           </p:cNvSpPr>
@@ -2382,7 +3038,7 @@
       </p:sp>
       <p:sp>
         <p:nvSpPr>
-          <p:cNvPr id="7" name="Foliennummernplatzhalter 6"/>
+          <p:cNvPr id="7" name="Slide Number Placeholder 6"/>
           <p:cNvSpPr>
             <a:spLocks noGrp="1"/>
           </p:cNvSpPr>
@@ -2406,7 +3062,7 @@
     </p:spTree>
     <p:extLst>
       <p:ext uri="{BB962C8B-B14F-4D97-AF65-F5344CB8AC3E}">
-        <p14:creationId xmlns:p14="http://schemas.microsoft.com/office/powerpoint/2010/main" val="2106172401"/>
+        <p14:creationId xmlns:p14="http://schemas.microsoft.com/office/powerpoint/2010/main" val="172891847"/>
       </p:ext>
     </p:extLst>
   </p:cSld>
@@ -2440,25 +3096,101 @@
       </p:grpSpPr>
       <p:sp>
         <p:nvSpPr>
-          <p:cNvPr id="2" name="Titelplatzhalter 1"/>
-          <p:cNvSpPr>
-            <a:spLocks noGrp="1"/>
-          </p:cNvSpPr>
-          <p:nvPr>
-            <p:ph type="title"/>
-          </p:nvPr>
+          <p:cNvPr id="7" name="Rectangle 6"/>
+          <p:cNvSpPr/>
+          <p:nvPr/>
         </p:nvSpPr>
         <p:spPr>
           <a:xfrm>
-            <a:off x="838200" y="365125"/>
-            <a:ext cx="10515600" cy="1325563"/>
+            <a:off x="1" y="6400800"/>
+            <a:ext cx="12192000" cy="457200"/>
+          </a:xfrm>
+          <a:prstGeom prst="rect">
+            <a:avLst/>
+          </a:prstGeom>
+          <a:solidFill>
+            <a:schemeClr val="accent2"/>
+          </a:solidFill>
+          <a:ln>
+            <a:noFill/>
+          </a:ln>
+        </p:spPr>
+        <p:style>
+          <a:lnRef idx="2">
+            <a:schemeClr val="accent1">
+              <a:shade val="50000"/>
+            </a:schemeClr>
+          </a:lnRef>
+          <a:fillRef idx="1">
+            <a:schemeClr val="accent1"/>
+          </a:fillRef>
+          <a:effectRef idx="0">
+            <a:schemeClr val="accent1"/>
+          </a:effectRef>
+          <a:fontRef idx="minor">
+            <a:schemeClr val="lt1"/>
+          </a:fontRef>
+        </p:style>
+      </p:sp>
+      <p:sp>
+        <p:nvSpPr>
+          <p:cNvPr id="9" name="Rectangle 8"/>
+          <p:cNvSpPr/>
+          <p:nvPr/>
+        </p:nvSpPr>
+        <p:spPr>
+          <a:xfrm>
+            <a:off x="0" y="6334316"/>
+            <a:ext cx="12192001" cy="65998"/>
+          </a:xfrm>
+          <a:prstGeom prst="rect">
+            <a:avLst/>
+          </a:prstGeom>
+          <a:solidFill>
+            <a:schemeClr val="accent1"/>
+          </a:solidFill>
+          <a:ln>
+            <a:noFill/>
+          </a:ln>
+        </p:spPr>
+        <p:style>
+          <a:lnRef idx="2">
+            <a:schemeClr val="accent1">
+              <a:shade val="50000"/>
+            </a:schemeClr>
+          </a:lnRef>
+          <a:fillRef idx="1">
+            <a:schemeClr val="accent1"/>
+          </a:fillRef>
+          <a:effectRef idx="0">
+            <a:schemeClr val="accent1"/>
+          </a:effectRef>
+          <a:fontRef idx="minor">
+            <a:schemeClr val="lt1"/>
+          </a:fontRef>
+        </p:style>
+      </p:sp>
+      <p:sp>
+        <p:nvSpPr>
+          <p:cNvPr id="2" name="Title Placeholder 1"/>
+          <p:cNvSpPr>
+            <a:spLocks noGrp="1"/>
+          </p:cNvSpPr>
+          <p:nvPr>
+            <p:ph type="title"/>
+          </p:nvPr>
+        </p:nvSpPr>
+        <p:spPr>
+          <a:xfrm>
+            <a:off x="1097280" y="286603"/>
+            <a:ext cx="10058400" cy="1450757"/>
           </a:xfrm>
           <a:prstGeom prst="rect">
             <a:avLst/>
           </a:prstGeom>
         </p:spPr>
         <p:txBody>
-          <a:bodyPr vert="horz" lIns="91440" tIns="45720" rIns="91440" bIns="45720" rtlCol="0" anchor="ctr">
+          <a:bodyPr vert="horz" lIns="91440" tIns="45720" rIns="91440" bIns="45720" rtlCol="0" anchor="b">
             <a:normAutofit/>
           </a:bodyPr>
           <a:lstStyle/>
@@ -2467,13 +3199,13 @@
               <a:rPr lang="de-DE"/>
               <a:t>Titelmasterformat durch Klicken bearbeiten</a:t>
             </a:r>
-            <a:endParaRPr lang="de-CH"/>
-          </a:p>
-        </p:txBody>
-      </p:sp>
-      <p:sp>
-        <p:nvSpPr>
-          <p:cNvPr id="3" name="Textplatzhalter 2"/>
+            <a:endParaRPr lang="en-US" dirty="0"/>
+          </a:p>
+        </p:txBody>
+      </p:sp>
+      <p:sp>
+        <p:nvSpPr>
+          <p:cNvPr id="3" name="Text Placeholder 2"/>
           <p:cNvSpPr>
             <a:spLocks noGrp="1"/>
           </p:cNvSpPr>
@@ -2483,15 +3215,15 @@
         </p:nvSpPr>
         <p:spPr>
           <a:xfrm>
-            <a:off x="838200" y="1825625"/>
-            <a:ext cx="10515600" cy="4351338"/>
+            <a:off x="1097280" y="1845734"/>
+            <a:ext cx="10058400" cy="4023360"/>
           </a:xfrm>
           <a:prstGeom prst="rect">
             <a:avLst/>
           </a:prstGeom>
         </p:spPr>
         <p:txBody>
-          <a:bodyPr vert="horz" lIns="91440" tIns="45720" rIns="91440" bIns="45720" rtlCol="0">
+          <a:bodyPr vert="horz" lIns="0" tIns="45720" rIns="0" bIns="45720" rtlCol="0">
             <a:normAutofit/>
           </a:bodyPr>
           <a:lstStyle/>
@@ -2529,13 +3261,13 @@
               <a:rPr lang="de-DE"/>
               <a:t>Fünfte Ebene</a:t>
             </a:r>
-            <a:endParaRPr lang="de-CH"/>
-          </a:p>
-        </p:txBody>
-      </p:sp>
-      <p:sp>
-        <p:nvSpPr>
-          <p:cNvPr id="4" name="Datumsplatzhalter 3"/>
+            <a:endParaRPr lang="en-US" dirty="0"/>
+          </a:p>
+        </p:txBody>
+      </p:sp>
+      <p:sp>
+        <p:nvSpPr>
+          <p:cNvPr id="4" name="Date Placeholder 3"/>
           <p:cNvSpPr>
             <a:spLocks noGrp="1"/>
           </p:cNvSpPr>
@@ -2545,8 +3277,8 @@
         </p:nvSpPr>
         <p:spPr>
           <a:xfrm>
-            <a:off x="838200" y="6356350"/>
-            <a:ext cx="2743200" cy="365125"/>
+            <a:off x="1097280" y="6459785"/>
+            <a:ext cx="2472271" cy="365125"/>
           </a:xfrm>
           <a:prstGeom prst="rect">
             <a:avLst/>
@@ -2556,11 +3288,9 @@
           <a:bodyPr vert="horz" lIns="91440" tIns="45720" rIns="91440" bIns="45720" rtlCol="0" anchor="ctr"/>
           <a:lstStyle>
             <a:lvl1pPr algn="l">
-              <a:defRPr sz="1200">
+              <a:defRPr sz="900">
                 <a:solidFill>
-                  <a:schemeClr val="tx1">
-                    <a:tint val="75000"/>
-                  </a:schemeClr>
+                  <a:srgbClr val="FFFFFF"/>
                 </a:solidFill>
               </a:defRPr>
             </a:lvl1pPr>
@@ -2568,7 +3298,7 @@
           <a:p>
             <a:fld id="{CFF0E3E0-6B59-4FD8-AEDD-9E53307F786E}" type="datetimeFigureOut">
               <a:rPr lang="de-CH" smtClean="0"/>
-              <a:t>21.10.2016</a:t>
+              <a:t>23.10.2016</a:t>
             </a:fld>
             <a:endParaRPr lang="de-CH"/>
           </a:p>
@@ -2576,7 +3306,7 @@
       </p:sp>
       <p:sp>
         <p:nvSpPr>
-          <p:cNvPr id="5" name="Fußzeilenplatzhalter 4"/>
+          <p:cNvPr id="5" name="Footer Placeholder 4"/>
           <p:cNvSpPr>
             <a:spLocks noGrp="1"/>
           </p:cNvSpPr>
@@ -2586,8 +3316,8 @@
         </p:nvSpPr>
         <p:spPr>
           <a:xfrm>
-            <a:off x="4038600" y="6356350"/>
-            <a:ext cx="4114800" cy="365125"/>
+            <a:off x="3686185" y="6459785"/>
+            <a:ext cx="4822804" cy="365125"/>
           </a:xfrm>
           <a:prstGeom prst="rect">
             <a:avLst/>
@@ -2597,11 +3327,9 @@
           <a:bodyPr vert="horz" lIns="91440" tIns="45720" rIns="91440" bIns="45720" rtlCol="0" anchor="ctr"/>
           <a:lstStyle>
             <a:lvl1pPr algn="ctr">
-              <a:defRPr sz="1200">
+              <a:defRPr sz="900" cap="all" baseline="0">
                 <a:solidFill>
-                  <a:schemeClr val="tx1">
-                    <a:tint val="75000"/>
-                  </a:schemeClr>
+                  <a:srgbClr val="FFFFFF"/>
                 </a:solidFill>
               </a:defRPr>
             </a:lvl1pPr>
@@ -2613,7 +3341,7 @@
       </p:sp>
       <p:sp>
         <p:nvSpPr>
-          <p:cNvPr id="6" name="Foliennummernplatzhalter 5"/>
+          <p:cNvPr id="6" name="Slide Number Placeholder 5"/>
           <p:cNvSpPr>
             <a:spLocks noGrp="1"/>
           </p:cNvSpPr>
@@ -2623,8 +3351,8 @@
         </p:nvSpPr>
         <p:spPr>
           <a:xfrm>
-            <a:off x="8610600" y="6356350"/>
-            <a:ext cx="2743200" cy="365125"/>
+            <a:off x="9900458" y="6459785"/>
+            <a:ext cx="1312025" cy="365125"/>
           </a:xfrm>
           <a:prstGeom prst="rect">
             <a:avLst/>
@@ -2634,11 +3362,9 @@
           <a:bodyPr vert="horz" lIns="91440" tIns="45720" rIns="91440" bIns="45720" rtlCol="0" anchor="ctr"/>
           <a:lstStyle>
             <a:lvl1pPr algn="r">
-              <a:defRPr sz="1200">
+              <a:defRPr sz="1050">
                 <a:solidFill>
-                  <a:schemeClr val="tx1">
-                    <a:tint val="75000"/>
-                  </a:schemeClr>
+                  <a:srgbClr val="FFFFFF"/>
                 </a:solidFill>
               </a:defRPr>
             </a:lvl1pPr>
@@ -2652,40 +3378,81 @@
           </a:p>
         </p:txBody>
       </p:sp>
+      <p:cxnSp>
+        <p:nvCxnSpPr>
+          <p:cNvPr id="10" name="Straight Connector 9"/>
+          <p:cNvCxnSpPr/>
+          <p:nvPr/>
+        </p:nvCxnSpPr>
+        <p:spPr>
+          <a:xfrm>
+            <a:off x="1193532" y="1737845"/>
+            <a:ext cx="9966960" cy="0"/>
+          </a:xfrm>
+          <a:prstGeom prst="line">
+            <a:avLst/>
+          </a:prstGeom>
+          <a:ln w="6350">
+            <a:solidFill>
+              <a:schemeClr val="tx1">
+                <a:lumMod val="50000"/>
+                <a:lumOff val="50000"/>
+              </a:schemeClr>
+            </a:solidFill>
+          </a:ln>
+        </p:spPr>
+        <p:style>
+          <a:lnRef idx="1">
+            <a:schemeClr val="accent1"/>
+          </a:lnRef>
+          <a:fillRef idx="0">
+            <a:schemeClr val="accent1"/>
+          </a:fillRef>
+          <a:effectRef idx="0">
+            <a:schemeClr val="accent1"/>
+          </a:effectRef>
+          <a:fontRef idx="minor">
+            <a:schemeClr val="tx1"/>
+          </a:fontRef>
+        </p:style>
+      </p:cxnSp>
     </p:spTree>
     <p:extLst>
       <p:ext uri="{BB962C8B-B14F-4D97-AF65-F5344CB8AC3E}">
-        <p14:creationId xmlns:p14="http://schemas.microsoft.com/office/powerpoint/2010/main" val="100076922"/>
+        <p14:creationId xmlns:p14="http://schemas.microsoft.com/office/powerpoint/2010/main" val="3547721882"/>
       </p:ext>
     </p:extLst>
   </p:cSld>
   <p:clrMap bg1="lt1" tx1="dk1" bg2="lt2" tx2="dk2" accent1="accent1" accent2="accent2" accent3="accent3" accent4="accent4" accent5="accent5" accent6="accent6" hlink="hlink" folHlink="folHlink"/>
   <p:sldLayoutIdLst>
-    <p:sldLayoutId id="2147483649" r:id="rId1"/>
-    <p:sldLayoutId id="2147483650" r:id="rId2"/>
-    <p:sldLayoutId id="2147483651" r:id="rId3"/>
-    <p:sldLayoutId id="2147483652" r:id="rId4"/>
-    <p:sldLayoutId id="2147483653" r:id="rId5"/>
-    <p:sldLayoutId id="2147483654" r:id="rId6"/>
-    <p:sldLayoutId id="2147483655" r:id="rId7"/>
-    <p:sldLayoutId id="2147483656" r:id="rId8"/>
-    <p:sldLayoutId id="2147483657" r:id="rId9"/>
-    <p:sldLayoutId id="2147483658" r:id="rId10"/>
-    <p:sldLayoutId id="2147483659" r:id="rId11"/>
+    <p:sldLayoutId id="2147483661" r:id="rId1"/>
+    <p:sldLayoutId id="2147483662" r:id="rId2"/>
+    <p:sldLayoutId id="2147483663" r:id="rId3"/>
+    <p:sldLayoutId id="2147483664" r:id="rId4"/>
+    <p:sldLayoutId id="2147483665" r:id="rId5"/>
+    <p:sldLayoutId id="2147483666" r:id="rId6"/>
+    <p:sldLayoutId id="2147483667" r:id="rId7"/>
+    <p:sldLayoutId id="2147483668" r:id="rId8"/>
+    <p:sldLayoutId id="2147483669" r:id="rId9"/>
+    <p:sldLayoutId id="2147483670" r:id="rId10"/>
+    <p:sldLayoutId id="2147483671" r:id="rId11"/>
   </p:sldLayoutIdLst>
   <p:txStyles>
     <p:titleStyle>
       <a:lvl1pPr algn="l" defTabSz="914400" rtl="0" eaLnBrk="1" latinLnBrk="0" hangingPunct="1">
         <a:lnSpc>
-          <a:spcPct val="90000"/>
+          <a:spcPct val="85000"/>
         </a:lnSpc>
         <a:spcBef>
           <a:spcPct val="0"/>
         </a:spcBef>
         <a:buNone/>
-        <a:defRPr sz="4400" kern="1200">
+        <a:defRPr sz="4800" kern="1200" spc="-50" baseline="0">
           <a:solidFill>
-            <a:schemeClr val="tx1"/>
+            <a:schemeClr val="tx1">
+              <a:lumMod val="75000"/>
+              <a:lumOff val="25000"/>
+            </a:schemeClr>
           </a:solidFill>
           <a:latin typeface="+mj-lt"/>
           <a:ea typeface="+mj-ea"/>
@@ -2694,162 +3461,244 @@
       </a:lvl1pPr>
     </p:titleStyle>
     <p:bodyStyle>
-      <a:lvl1pPr marL="228600" indent="-228600" algn="l" defTabSz="914400" rtl="0" eaLnBrk="1" latinLnBrk="0" hangingPunct="1">
+      <a:lvl1pPr marL="91440" indent="-91440" algn="l" defTabSz="914400" rtl="0" eaLnBrk="1" latinLnBrk="0" hangingPunct="1">
         <a:lnSpc>
           <a:spcPct val="90000"/>
         </a:lnSpc>
         <a:spcBef>
-          <a:spcPts val="1000"/>
+          <a:spcPts val="1200"/>
         </a:spcBef>
-        <a:buFont typeface="Arial" panose="020B0604020202020204" pitchFamily="34" charset="0"/>
-        <a:buChar char="•"/>
-        <a:defRPr sz="2800" kern="1200">
+        <a:spcAft>
+          <a:spcPts val="200"/>
+        </a:spcAft>
+        <a:buClr>
+          <a:schemeClr val="accent1"/>
+        </a:buClr>
+        <a:buSzPct val="100000"/>
+        <a:buFont typeface="Calibri" panose="020F0502020204030204" pitchFamily="34" charset="0"/>
+        <a:buChar char=" "/>
+        <a:defRPr sz="2000" kern="1200">
           <a:solidFill>
-            <a:schemeClr val="tx1"/>
+            <a:schemeClr val="tx1">
+              <a:lumMod val="75000"/>
+              <a:lumOff val="25000"/>
+            </a:schemeClr>
           </a:solidFill>
           <a:latin typeface="+mn-lt"/>
           <a:ea typeface="+mn-ea"/>
           <a:cs typeface="+mn-cs"/>
         </a:defRPr>
       </a:lvl1pPr>
-      <a:lvl2pPr marL="685800" indent="-228600" algn="l" defTabSz="914400" rtl="0" eaLnBrk="1" latinLnBrk="0" hangingPunct="1">
+      <a:lvl2pPr marL="384048" indent="-182880" algn="l" defTabSz="914400" rtl="0" eaLnBrk="1" latinLnBrk="0" hangingPunct="1">
         <a:lnSpc>
           <a:spcPct val="90000"/>
         </a:lnSpc>
         <a:spcBef>
-          <a:spcPts val="500"/>
+          <a:spcPts val="200"/>
         </a:spcBef>
-        <a:buFont typeface="Arial" panose="020B0604020202020204" pitchFamily="34" charset="0"/>
-        <a:buChar char="•"/>
-        <a:defRPr sz="2400" kern="1200">
+        <a:spcAft>
+          <a:spcPts val="400"/>
+        </a:spcAft>
+        <a:buClr>
+          <a:schemeClr val="accent1"/>
+        </a:buClr>
+        <a:buFont typeface="Calibri" pitchFamily="34" charset="0"/>
+        <a:buChar char="◦"/>
+        <a:defRPr sz="1800" kern="1200">
           <a:solidFill>
-            <a:schemeClr val="tx1"/>
+            <a:schemeClr val="tx1">
+              <a:lumMod val="75000"/>
+              <a:lumOff val="25000"/>
+            </a:schemeClr>
           </a:solidFill>
           <a:latin typeface="+mn-lt"/>
           <a:ea typeface="+mn-ea"/>
           <a:cs typeface="+mn-cs"/>
         </a:defRPr>
       </a:lvl2pPr>
-      <a:lvl3pPr marL="1143000" indent="-228600" algn="l" defTabSz="914400" rtl="0" eaLnBrk="1" latinLnBrk="0" hangingPunct="1">
+      <a:lvl3pPr marL="566928" indent="-182880" algn="l" defTabSz="914400" rtl="0" eaLnBrk="1" latinLnBrk="0" hangingPunct="1">
         <a:lnSpc>
           <a:spcPct val="90000"/>
         </a:lnSpc>
         <a:spcBef>
-          <a:spcPts val="500"/>
+          <a:spcPts val="200"/>
         </a:spcBef>
-        <a:buFont typeface="Arial" panose="020B0604020202020204" pitchFamily="34" charset="0"/>
-        <a:buChar char="•"/>
-        <a:defRPr sz="2000" kern="1200">
+        <a:spcAft>
+          <a:spcPts val="400"/>
+        </a:spcAft>
+        <a:buClr>
+          <a:schemeClr val="accent1"/>
+        </a:buClr>
+        <a:buFont typeface="Calibri" pitchFamily="34" charset="0"/>
+        <a:buChar char="◦"/>
+        <a:defRPr sz="1400" kern="1200">
           <a:solidFill>
-            <a:schemeClr val="tx1"/>
+            <a:schemeClr val="tx1">
+              <a:lumMod val="75000"/>
+              <a:lumOff val="25000"/>
+            </a:schemeClr>
           </a:solidFill>
           <a:latin typeface="+mn-lt"/>
           <a:ea typeface="+mn-ea"/>
           <a:cs typeface="+mn-cs"/>
         </a:defRPr>
       </a:lvl3pPr>
-      <a:lvl4pPr marL="1600200" indent="-228600" algn="l" defTabSz="914400" rtl="0" eaLnBrk="1" latinLnBrk="0" hangingPunct="1">
+      <a:lvl4pPr marL="749808" indent="-182880" algn="l" defTabSz="914400" rtl="0" eaLnBrk="1" latinLnBrk="0" hangingPunct="1">
         <a:lnSpc>
           <a:spcPct val="90000"/>
         </a:lnSpc>
         <a:spcBef>
-          <a:spcPts val="500"/>
+          <a:spcPts val="200"/>
         </a:spcBef>
-        <a:buFont typeface="Arial" panose="020B0604020202020204" pitchFamily="34" charset="0"/>
-        <a:buChar char="•"/>
-        <a:defRPr sz="1800" kern="1200">
+        <a:spcAft>
+          <a:spcPts val="400"/>
+        </a:spcAft>
+        <a:buClr>
+          <a:schemeClr val="accent1"/>
+        </a:buClr>
+        <a:buFont typeface="Calibri" pitchFamily="34" charset="0"/>
+        <a:buChar char="◦"/>
+        <a:defRPr sz="1400" kern="1200">
           <a:solidFill>
-            <a:schemeClr val="tx1"/>
+            <a:schemeClr val="tx1">
+              <a:lumMod val="75000"/>
+              <a:lumOff val="25000"/>
+            </a:schemeClr>
           </a:solidFill>
           <a:latin typeface="+mn-lt"/>
           <a:ea typeface="+mn-ea"/>
           <a:cs typeface="+mn-cs"/>
         </a:defRPr>
       </a:lvl4pPr>
-      <a:lvl5pPr marL="2057400" indent="-228600" algn="l" defTabSz="914400" rtl="0" eaLnBrk="1" latinLnBrk="0" hangingPunct="1">
+      <a:lvl5pPr marL="932688" indent="-182880" algn="l" defTabSz="914400" rtl="0" eaLnBrk="1" latinLnBrk="0" hangingPunct="1">
         <a:lnSpc>
           <a:spcPct val="90000"/>
         </a:lnSpc>
         <a:spcBef>
-          <a:spcPts val="500"/>
+          <a:spcPts val="200"/>
         </a:spcBef>
-        <a:buFont typeface="Arial" panose="020B0604020202020204" pitchFamily="34" charset="0"/>
-        <a:buChar char="•"/>
-        <a:defRPr sz="1800" kern="1200">
+        <a:spcAft>
+          <a:spcPts val="400"/>
+        </a:spcAft>
+        <a:buClr>
+          <a:schemeClr val="accent1"/>
+        </a:buClr>
+        <a:buFont typeface="Calibri" pitchFamily="34" charset="0"/>
+        <a:buChar char="◦"/>
+        <a:defRPr sz="1400" kern="1200">
           <a:solidFill>
-            <a:schemeClr val="tx1"/>
+            <a:schemeClr val="tx1">
+              <a:lumMod val="75000"/>
+              <a:lumOff val="25000"/>
+            </a:schemeClr>
           </a:solidFill>
           <a:latin typeface="+mn-lt"/>
           <a:ea typeface="+mn-ea"/>
           <a:cs typeface="+mn-cs"/>
         </a:defRPr>
       </a:lvl5pPr>
-      <a:lvl6pPr marL="2514600" indent="-228600" algn="l" defTabSz="914400" rtl="0" eaLnBrk="1" latinLnBrk="0" hangingPunct="1">
+      <a:lvl6pPr marL="1100000" indent="-228600" algn="l" defTabSz="914400" rtl="0" eaLnBrk="1" latinLnBrk="0" hangingPunct="1">
         <a:lnSpc>
           <a:spcPct val="90000"/>
         </a:lnSpc>
         <a:spcBef>
-          <a:spcPts val="500"/>
+          <a:spcPts val="200"/>
         </a:spcBef>
-        <a:buFont typeface="Arial" panose="020B0604020202020204" pitchFamily="34" charset="0"/>
-        <a:buChar char="•"/>
-        <a:defRPr sz="1800" kern="1200">
+        <a:spcAft>
+          <a:spcPts val="400"/>
+        </a:spcAft>
+        <a:buClr>
+          <a:schemeClr val="accent1"/>
+        </a:buClr>
+        <a:buFont typeface="Calibri" pitchFamily="34" charset="0"/>
+        <a:buChar char="◦"/>
+        <a:defRPr sz="1400" kern="1200">
           <a:solidFill>
-            <a:schemeClr val="tx1"/>
+            <a:schemeClr val="tx1">
+              <a:lumMod val="75000"/>
+              <a:lumOff val="25000"/>
+            </a:schemeClr>
           </a:solidFill>
           <a:latin typeface="+mn-lt"/>
           <a:ea typeface="+mn-ea"/>
           <a:cs typeface="+mn-cs"/>
         </a:defRPr>
       </a:lvl6pPr>
-      <a:lvl7pPr marL="2971800" indent="-228600" algn="l" defTabSz="914400" rtl="0" eaLnBrk="1" latinLnBrk="0" hangingPunct="1">
+      <a:lvl7pPr marL="1300000" indent="-228600" algn="l" defTabSz="914400" rtl="0" eaLnBrk="1" latinLnBrk="0" hangingPunct="1">
         <a:lnSpc>
           <a:spcPct val="90000"/>
         </a:lnSpc>
         <a:spcBef>
-          <a:spcPts val="500"/>
+          <a:spcPts val="200"/>
         </a:spcBef>
-        <a:buFont typeface="Arial" panose="020B0604020202020204" pitchFamily="34" charset="0"/>
-        <a:buChar char="•"/>
-        <a:defRPr sz="1800" kern="1200">
+        <a:spcAft>
+          <a:spcPts val="400"/>
+        </a:spcAft>
+        <a:buClr>
+          <a:schemeClr val="accent1"/>
+        </a:buClr>
+        <a:buFont typeface="Calibri" pitchFamily="34" charset="0"/>
+        <a:buChar char="◦"/>
+        <a:defRPr sz="1400" kern="1200">
           <a:solidFill>
-            <a:schemeClr val="tx1"/>
+            <a:schemeClr val="tx1">
+              <a:lumMod val="75000"/>
+              <a:lumOff val="25000"/>
+            </a:schemeClr>
           </a:solidFill>
           <a:latin typeface="+mn-lt"/>
           <a:ea typeface="+mn-ea"/>
           <a:cs typeface="+mn-cs"/>
         </a:defRPr>
       </a:lvl7pPr>
-      <a:lvl8pPr marL="3429000" indent="-228600" algn="l" defTabSz="914400" rtl="0" eaLnBrk="1" latinLnBrk="0" hangingPunct="1">
+      <a:lvl8pPr marL="1500000" indent="-228600" algn="l" defTabSz="914400" rtl="0" eaLnBrk="1" latinLnBrk="0" hangingPunct="1">
         <a:lnSpc>
           <a:spcPct val="90000"/>
         </a:lnSpc>
         <a:spcBef>
-          <a:spcPts val="500"/>
+          <a:spcPts val="200"/>
         </a:spcBef>
-        <a:buFont typeface="Arial" panose="020B0604020202020204" pitchFamily="34" charset="0"/>
-        <a:buChar char="•"/>
-        <a:defRPr sz="1800" kern="1200">
+        <a:spcAft>
+          <a:spcPts val="400"/>
+        </a:spcAft>
+        <a:buClr>
+          <a:schemeClr val="accent1"/>
+        </a:buClr>
+        <a:buFont typeface="Calibri" pitchFamily="34" charset="0"/>
+        <a:buChar char="◦"/>
+        <a:defRPr sz="1400" kern="1200">
           <a:solidFill>
-            <a:schemeClr val="tx1"/>
+            <a:schemeClr val="tx1">
+              <a:lumMod val="75000"/>
+              <a:lumOff val="25000"/>
+            </a:schemeClr>
           </a:solidFill>
           <a:latin typeface="+mn-lt"/>
           <a:ea typeface="+mn-ea"/>
           <a:cs typeface="+mn-cs"/>
         </a:defRPr>
       </a:lvl8pPr>
-      <a:lvl9pPr marL="3886200" indent="-228600" algn="l" defTabSz="914400" rtl="0" eaLnBrk="1" latinLnBrk="0" hangingPunct="1">
+      <a:lvl9pPr marL="1700000" indent="-228600" algn="l" defTabSz="914400" rtl="0" eaLnBrk="1" latinLnBrk="0" hangingPunct="1">
         <a:lnSpc>
           <a:spcPct val="90000"/>
         </a:lnSpc>
         <a:spcBef>
-          <a:spcPts val="500"/>
+          <a:spcPts val="200"/>
         </a:spcBef>
-        <a:buFont typeface="Arial" panose="020B0604020202020204" pitchFamily="34" charset="0"/>
-        <a:buChar char="•"/>
-        <a:defRPr sz="1800" kern="1200">
+        <a:spcAft>
+          <a:spcPts val="400"/>
+        </a:spcAft>
+        <a:buClr>
+          <a:schemeClr val="accent1"/>
+        </a:buClr>
+        <a:buFont typeface="Calibri" pitchFamily="34" charset="0"/>
+        <a:buChar char="◦"/>
+        <a:defRPr sz="1400" kern="1200">
           <a:solidFill>
-            <a:schemeClr val="tx1"/>
+            <a:schemeClr val="tx1">
+              <a:lumMod val="75000"/>
+              <a:lumOff val="25000"/>
+            </a:schemeClr>
           </a:solidFill>
           <a:latin typeface="+mn-lt"/>
           <a:ea typeface="+mn-ea"/>
@@ -2859,7 +3708,7 @@
     </p:bodyStyle>
     <p:otherStyle>
       <a:defPPr>
-        <a:defRPr lang="de-DE"/>
+        <a:defRPr lang="en-US"/>
       </a:defPPr>
       <a:lvl1pPr marL="0" algn="l" defTabSz="914400" rtl="0" eaLnBrk="1" latinLnBrk="0" hangingPunct="1">
         <a:defRPr sz="1800" kern="1200">
@@ -3040,6 +3889,880 @@
 </p:sld>
 </file>
 
+<file path=ppt/slides/slide10.xml><?xml version="1.0" encoding="utf-8"?>
+<p:sld xmlns:a="http://schemas.openxmlformats.org/drawingml/2006/main" xmlns:r="http://schemas.openxmlformats.org/officeDocument/2006/relationships" xmlns:p="http://schemas.openxmlformats.org/presentationml/2006/main">
+  <p:cSld>
+    <p:spTree>
+      <p:nvGrpSpPr>
+        <p:cNvPr id="1" name=""/>
+        <p:cNvGrpSpPr/>
+        <p:nvPr/>
+      </p:nvGrpSpPr>
+      <p:grpSpPr>
+        <a:xfrm>
+          <a:off x="0" y="0"/>
+          <a:ext cx="0" cy="0"/>
+          <a:chOff x="0" y="0"/>
+          <a:chExt cx="0" cy="0"/>
+        </a:xfrm>
+      </p:grpSpPr>
+      <p:sp>
+        <p:nvSpPr>
+          <p:cNvPr id="2" name="Titel 1"/>
+          <p:cNvSpPr>
+            <a:spLocks noGrp="1"/>
+          </p:cNvSpPr>
+          <p:nvPr>
+            <p:ph type="title"/>
+          </p:nvPr>
+        </p:nvSpPr>
+        <p:spPr/>
+        <p:txBody>
+          <a:bodyPr/>
+          <a:lstStyle/>
+          <a:p>
+            <a:r>
+              <a:rPr lang="de-CH" b="1" dirty="0" err="1"/>
+              <a:t>FreeRTOS</a:t>
+            </a:r>
+            <a:r>
+              <a:rPr lang="de-CH" dirty="0"/>
+              <a:t> Kernel Control	</a:t>
+            </a:r>
+            <a:endParaRPr lang="de-CH" dirty="0"/>
+          </a:p>
+        </p:txBody>
+      </p:sp>
+      <p:sp>
+        <p:nvSpPr>
+          <p:cNvPr id="3" name="Inhaltsplatzhalter 2"/>
+          <p:cNvSpPr>
+            <a:spLocks noGrp="1"/>
+          </p:cNvSpPr>
+          <p:nvPr>
+            <p:ph idx="1"/>
+          </p:nvPr>
+        </p:nvSpPr>
+        <p:spPr/>
+        <p:txBody>
+          <a:bodyPr/>
+          <a:lstStyle/>
+          <a:p>
+            <a:endParaRPr lang="de-CH" dirty="0"/>
+          </a:p>
+          <a:p>
+            <a:endParaRPr lang="de-CH" dirty="0"/>
+          </a:p>
+          <a:p>
+            <a:pPr>
+              <a:buFont typeface="Arial" panose="020B0604020202020204" pitchFamily="34" charset="0"/>
+              <a:buChar char="•"/>
+            </a:pPr>
+            <a:r>
+              <a:rPr lang="de-CH" dirty="0"/>
+              <a:t>Starts </a:t>
+            </a:r>
+            <a:r>
+              <a:rPr lang="de-CH" dirty="0" err="1"/>
+              <a:t>the</a:t>
+            </a:r>
+            <a:r>
+              <a:rPr lang="de-CH" dirty="0"/>
+              <a:t> </a:t>
+            </a:r>
+            <a:r>
+              <a:rPr lang="de-CH" dirty="0" err="1"/>
+              <a:t>scheduler</a:t>
+            </a:r>
+            <a:r>
+              <a:rPr lang="de-CH" dirty="0"/>
+              <a:t> ( </a:t>
+            </a:r>
+            <a:r>
+              <a:rPr lang="de-CH" dirty="0" err="1"/>
+              <a:t>Init</a:t>
+            </a:r>
+            <a:r>
+              <a:rPr lang="de-CH" dirty="0"/>
+              <a:t> -&gt; </a:t>
+            </a:r>
+            <a:r>
+              <a:rPr lang="de-CH" dirty="0" err="1"/>
+              <a:t>Running</a:t>
+            </a:r>
+            <a:r>
+              <a:rPr lang="de-CH" dirty="0"/>
+              <a:t>)</a:t>
+            </a:r>
+          </a:p>
+          <a:p>
+            <a:pPr>
+              <a:buFont typeface="Arial" panose="020B0604020202020204" pitchFamily="34" charset="0"/>
+              <a:buChar char="•"/>
+            </a:pPr>
+            <a:r>
+              <a:rPr lang="de-CH" dirty="0" err="1"/>
+              <a:t>Creates</a:t>
+            </a:r>
+            <a:r>
+              <a:rPr lang="de-CH" dirty="0"/>
+              <a:t> IDLE </a:t>
+            </a:r>
+            <a:r>
+              <a:rPr lang="de-CH" dirty="0" err="1"/>
+              <a:t>task</a:t>
+            </a:r>
+            <a:r>
+              <a:rPr lang="de-CH" dirty="0"/>
+              <a:t> (</a:t>
+            </a:r>
+            <a:r>
+              <a:rPr lang="de-CH" dirty="0" err="1"/>
+              <a:t>configMINIMAL_STACK_SIZE</a:t>
+            </a:r>
+            <a:r>
+              <a:rPr lang="de-CH" dirty="0"/>
+              <a:t>, </a:t>
+            </a:r>
+            <a:r>
+              <a:rPr lang="de-CH" dirty="0" err="1"/>
+              <a:t>tskIDLE_PRIORITY</a:t>
+            </a:r>
+            <a:r>
+              <a:rPr lang="de-CH" dirty="0"/>
+              <a:t>)</a:t>
+            </a:r>
+          </a:p>
+          <a:p>
+            <a:pPr>
+              <a:buFont typeface="Arial" panose="020B0604020202020204" pitchFamily="34" charset="0"/>
+              <a:buChar char="•"/>
+            </a:pPr>
+            <a:r>
+              <a:rPr lang="en-US" dirty="0"/>
+              <a:t>Runs the highest priority task</a:t>
+            </a:r>
+            <a:endParaRPr lang="de-CH" dirty="0"/>
+          </a:p>
+          <a:p>
+            <a:endParaRPr lang="de-CH" dirty="0"/>
+          </a:p>
+          <a:p>
+            <a:endParaRPr lang="de-CH" dirty="0"/>
+          </a:p>
+        </p:txBody>
+      </p:sp>
+      <p:pic>
+        <p:nvPicPr>
+          <p:cNvPr id="5" name="Grafik 4"/>
+          <p:cNvPicPr>
+            <a:picLocks noChangeAspect="1"/>
+          </p:cNvPicPr>
+          <p:nvPr/>
+        </p:nvPicPr>
+        <p:blipFill>
+          <a:blip r:embed="rId2"/>
+          <a:stretch>
+            <a:fillRect/>
+          </a:stretch>
+        </p:blipFill>
+        <p:spPr>
+          <a:xfrm>
+            <a:off x="1097280" y="1845734"/>
+            <a:ext cx="9829800" cy="676275"/>
+          </a:xfrm>
+          <a:prstGeom prst="rect">
+            <a:avLst/>
+          </a:prstGeom>
+        </p:spPr>
+      </p:pic>
+      <p:pic>
+        <p:nvPicPr>
+          <p:cNvPr id="6" name="Grafik 5"/>
+          <p:cNvPicPr>
+            <a:picLocks noChangeAspect="1"/>
+          </p:cNvPicPr>
+          <p:nvPr/>
+        </p:nvPicPr>
+        <p:blipFill>
+          <a:blip r:embed="rId3"/>
+          <a:stretch>
+            <a:fillRect/>
+          </a:stretch>
+        </p:blipFill>
+        <p:spPr>
+          <a:xfrm>
+            <a:off x="1078230" y="4603886"/>
+            <a:ext cx="9867900" cy="714375"/>
+          </a:xfrm>
+          <a:prstGeom prst="rect">
+            <a:avLst/>
+          </a:prstGeom>
+        </p:spPr>
+      </p:pic>
+    </p:spTree>
+    <p:extLst>
+      <p:ext uri="{BB962C8B-B14F-4D97-AF65-F5344CB8AC3E}">
+        <p14:creationId xmlns:p14="http://schemas.microsoft.com/office/powerpoint/2010/main" val="4169378302"/>
+      </p:ext>
+    </p:extLst>
+  </p:cSld>
+  <p:clrMapOvr>
+    <a:masterClrMapping/>
+  </p:clrMapOvr>
+</p:sld>
+</file>
+
+<file path=ppt/slides/slide11.xml><?xml version="1.0" encoding="utf-8"?>
+<p:sld xmlns:a="http://schemas.openxmlformats.org/drawingml/2006/main" xmlns:r="http://schemas.openxmlformats.org/officeDocument/2006/relationships" xmlns:p="http://schemas.openxmlformats.org/presentationml/2006/main">
+  <p:cSld>
+    <p:spTree>
+      <p:nvGrpSpPr>
+        <p:cNvPr id="1" name=""/>
+        <p:cNvGrpSpPr/>
+        <p:nvPr/>
+      </p:nvGrpSpPr>
+      <p:grpSpPr>
+        <a:xfrm>
+          <a:off x="0" y="0"/>
+          <a:ext cx="0" cy="0"/>
+          <a:chOff x="0" y="0"/>
+          <a:chExt cx="0" cy="0"/>
+        </a:xfrm>
+      </p:grpSpPr>
+      <p:sp>
+        <p:nvSpPr>
+          <p:cNvPr id="2" name="Titel 1"/>
+          <p:cNvSpPr>
+            <a:spLocks noGrp="1"/>
+          </p:cNvSpPr>
+          <p:nvPr>
+            <p:ph type="title"/>
+          </p:nvPr>
+        </p:nvSpPr>
+        <p:spPr/>
+        <p:txBody>
+          <a:bodyPr/>
+          <a:lstStyle/>
+          <a:p>
+            <a:r>
+              <a:rPr lang="de-CH" b="1" dirty="0" err="1"/>
+              <a:t>FreeRTOS</a:t>
+            </a:r>
+            <a:r>
+              <a:rPr lang="de-CH" dirty="0"/>
+              <a:t> Kernel Control	</a:t>
+            </a:r>
+            <a:endParaRPr lang="de-CH" dirty="0"/>
+          </a:p>
+        </p:txBody>
+      </p:sp>
+      <p:sp>
+        <p:nvSpPr>
+          <p:cNvPr id="3" name="Inhaltsplatzhalter 2"/>
+          <p:cNvSpPr>
+            <a:spLocks noGrp="1"/>
+          </p:cNvSpPr>
+          <p:nvPr>
+            <p:ph idx="1"/>
+          </p:nvPr>
+        </p:nvSpPr>
+        <p:spPr/>
+        <p:txBody>
+          <a:bodyPr/>
+          <a:lstStyle/>
+          <a:p>
+            <a:endParaRPr lang="en-US" dirty="0"/>
+          </a:p>
+          <a:p>
+            <a:endParaRPr lang="en-US" dirty="0"/>
+          </a:p>
+          <a:p>
+            <a:pPr>
+              <a:buFont typeface="Arial" panose="020B0604020202020204" pitchFamily="34" charset="0"/>
+              <a:buChar char="•"/>
+            </a:pPr>
+            <a:r>
+              <a:rPr lang="en-US" dirty="0"/>
+              <a:t>Puts the kernel from Active to Suspended state</a:t>
+            </a:r>
+          </a:p>
+          <a:p>
+            <a:endParaRPr lang="de-CH" dirty="0"/>
+          </a:p>
+          <a:p>
+            <a:endParaRPr lang="de-CH" dirty="0"/>
+          </a:p>
+          <a:p>
+            <a:endParaRPr lang="de-CH" dirty="0"/>
+          </a:p>
+          <a:p>
+            <a:pPr>
+              <a:buFont typeface="Arial" panose="020B0604020202020204" pitchFamily="34" charset="0"/>
+              <a:buChar char="•"/>
+            </a:pPr>
+            <a:r>
+              <a:rPr lang="en-US" dirty="0"/>
+              <a:t>Puts the kernel from Suspended to Active state</a:t>
+            </a:r>
+            <a:endParaRPr lang="de-CH" dirty="0"/>
+          </a:p>
+        </p:txBody>
+      </p:sp>
+      <p:pic>
+        <p:nvPicPr>
+          <p:cNvPr id="4" name="Grafik 3"/>
+          <p:cNvPicPr>
+            <a:picLocks noChangeAspect="1"/>
+          </p:cNvPicPr>
+          <p:nvPr/>
+        </p:nvPicPr>
+        <p:blipFill>
+          <a:blip r:embed="rId2"/>
+          <a:stretch>
+            <a:fillRect/>
+          </a:stretch>
+        </p:blipFill>
+        <p:spPr>
+          <a:xfrm>
+            <a:off x="1097280" y="1890965"/>
+            <a:ext cx="9867900" cy="714375"/>
+          </a:xfrm>
+          <a:prstGeom prst="rect">
+            <a:avLst/>
+          </a:prstGeom>
+        </p:spPr>
+      </p:pic>
+      <p:pic>
+        <p:nvPicPr>
+          <p:cNvPr id="5" name="Grafik 4"/>
+          <p:cNvPicPr>
+            <a:picLocks noChangeAspect="1"/>
+          </p:cNvPicPr>
+          <p:nvPr/>
+        </p:nvPicPr>
+        <p:blipFill>
+          <a:blip r:embed="rId3"/>
+          <a:stretch>
+            <a:fillRect/>
+          </a:stretch>
+        </p:blipFill>
+        <p:spPr>
+          <a:xfrm>
+            <a:off x="1097280" y="3686428"/>
+            <a:ext cx="9877425" cy="781050"/>
+          </a:xfrm>
+          <a:prstGeom prst="rect">
+            <a:avLst/>
+          </a:prstGeom>
+        </p:spPr>
+      </p:pic>
+    </p:spTree>
+    <p:extLst>
+      <p:ext uri="{BB962C8B-B14F-4D97-AF65-F5344CB8AC3E}">
+        <p14:creationId xmlns:p14="http://schemas.microsoft.com/office/powerpoint/2010/main" val="4215636376"/>
+      </p:ext>
+    </p:extLst>
+  </p:cSld>
+  <p:clrMapOvr>
+    <a:masterClrMapping/>
+  </p:clrMapOvr>
+</p:sld>
+</file>
+
+<file path=ppt/slides/slide12.xml><?xml version="1.0" encoding="utf-8"?>
+<p:sld xmlns:a="http://schemas.openxmlformats.org/drawingml/2006/main" xmlns:r="http://schemas.openxmlformats.org/officeDocument/2006/relationships" xmlns:p="http://schemas.openxmlformats.org/presentationml/2006/main">
+  <p:cSld>
+    <p:spTree>
+      <p:nvGrpSpPr>
+        <p:cNvPr id="1" name=""/>
+        <p:cNvGrpSpPr/>
+        <p:nvPr/>
+      </p:nvGrpSpPr>
+      <p:grpSpPr>
+        <a:xfrm>
+          <a:off x="0" y="0"/>
+          <a:ext cx="0" cy="0"/>
+          <a:chOff x="0" y="0"/>
+          <a:chExt cx="0" cy="0"/>
+        </a:xfrm>
+      </p:grpSpPr>
+      <p:sp>
+        <p:nvSpPr>
+          <p:cNvPr id="2" name="Titel 1"/>
+          <p:cNvSpPr>
+            <a:spLocks noGrp="1"/>
+          </p:cNvSpPr>
+          <p:nvPr>
+            <p:ph type="title"/>
+          </p:nvPr>
+        </p:nvSpPr>
+        <p:spPr/>
+        <p:txBody>
+          <a:bodyPr/>
+          <a:lstStyle/>
+          <a:p>
+            <a:r>
+              <a:rPr lang="de-CH" b="1" dirty="0" err="1"/>
+              <a:t>FreeRTOS</a:t>
+            </a:r>
+            <a:r>
+              <a:rPr lang="de-CH" dirty="0"/>
+              <a:t> Kernel Control	</a:t>
+            </a:r>
+            <a:endParaRPr lang="de-CH" dirty="0"/>
+          </a:p>
+        </p:txBody>
+      </p:sp>
+      <p:pic>
+        <p:nvPicPr>
+          <p:cNvPr id="4" name="Inhaltsplatzhalter 3"/>
+          <p:cNvPicPr>
+            <a:picLocks noGrp="1" noChangeAspect="1"/>
+          </p:cNvPicPr>
+          <p:nvPr>
+            <p:ph idx="1"/>
+          </p:nvPr>
+        </p:nvPicPr>
+        <p:blipFill>
+          <a:blip r:embed="rId2"/>
+          <a:stretch>
+            <a:fillRect/>
+          </a:stretch>
+        </p:blipFill>
+        <p:spPr>
+          <a:xfrm>
+            <a:off x="1167612" y="2094996"/>
+            <a:ext cx="5181600" cy="933450"/>
+          </a:xfrm>
+          <a:prstGeom prst="rect">
+            <a:avLst/>
+          </a:prstGeom>
+        </p:spPr>
+      </p:pic>
+      <p:pic>
+        <p:nvPicPr>
+          <p:cNvPr id="5" name="Grafik 4"/>
+          <p:cNvPicPr>
+            <a:picLocks noChangeAspect="1"/>
+          </p:cNvPicPr>
+          <p:nvPr/>
+        </p:nvPicPr>
+        <p:blipFill>
+          <a:blip r:embed="rId3"/>
+          <a:stretch>
+            <a:fillRect/>
+          </a:stretch>
+        </p:blipFill>
+        <p:spPr>
+          <a:xfrm>
+            <a:off x="1167612" y="3250831"/>
+            <a:ext cx="5876925" cy="828675"/>
+          </a:xfrm>
+          <a:prstGeom prst="rect">
+            <a:avLst/>
+          </a:prstGeom>
+        </p:spPr>
+      </p:pic>
+      <p:sp>
+        <p:nvSpPr>
+          <p:cNvPr id="6" name="Rechteck 5"/>
+          <p:cNvSpPr/>
+          <p:nvPr/>
+        </p:nvSpPr>
+        <p:spPr>
+          <a:xfrm>
+            <a:off x="1167612" y="4348799"/>
+            <a:ext cx="6096000" cy="923330"/>
+          </a:xfrm>
+          <a:prstGeom prst="rect">
+            <a:avLst/>
+          </a:prstGeom>
+        </p:spPr>
+        <p:txBody>
+          <a:bodyPr>
+            <a:spAutoFit/>
+          </a:bodyPr>
+          <a:lstStyle/>
+          <a:p>
+            <a:r>
+              <a:rPr lang="de-CH" b="1" dirty="0" err="1"/>
+              <a:t>taskYield</a:t>
+            </a:r>
+            <a:endParaRPr lang="de-CH" b="1" dirty="0"/>
+          </a:p>
+          <a:p>
+            <a:pPr marL="742950" lvl="1" indent="-285750">
+              <a:buFont typeface="Arial" panose="020B0604020202020204" pitchFamily="34" charset="0"/>
+              <a:buChar char="•"/>
+            </a:pPr>
+            <a:r>
+              <a:rPr lang="en-US" dirty="0"/>
+              <a:t>Forces a context switch with Software Interrupt</a:t>
+            </a:r>
+          </a:p>
+          <a:p>
+            <a:pPr marL="742950" lvl="1" indent="-285750">
+              <a:buFont typeface="Arial" panose="020B0604020202020204" pitchFamily="34" charset="0"/>
+              <a:buChar char="•"/>
+            </a:pPr>
+            <a:r>
+              <a:rPr lang="en-US" dirty="0"/>
+              <a:t>I Required for cooperative multitasking</a:t>
+            </a:r>
+            <a:endParaRPr lang="de-CH" dirty="0"/>
+          </a:p>
+        </p:txBody>
+      </p:sp>
+    </p:spTree>
+    <p:extLst>
+      <p:ext uri="{BB962C8B-B14F-4D97-AF65-F5344CB8AC3E}">
+        <p14:creationId xmlns:p14="http://schemas.microsoft.com/office/powerpoint/2010/main" val="738134327"/>
+      </p:ext>
+    </p:extLst>
+  </p:cSld>
+  <p:clrMapOvr>
+    <a:masterClrMapping/>
+  </p:clrMapOvr>
+</p:sld>
+</file>
+
+<file path=ppt/slides/slide13.xml><?xml version="1.0" encoding="utf-8"?>
+<p:sld xmlns:a="http://schemas.openxmlformats.org/drawingml/2006/main" xmlns:r="http://schemas.openxmlformats.org/officeDocument/2006/relationships" xmlns:p="http://schemas.openxmlformats.org/presentationml/2006/main">
+  <p:cSld>
+    <p:spTree>
+      <p:nvGrpSpPr>
+        <p:cNvPr id="1" name=""/>
+        <p:cNvGrpSpPr/>
+        <p:nvPr/>
+      </p:nvGrpSpPr>
+      <p:grpSpPr>
+        <a:xfrm>
+          <a:off x="0" y="0"/>
+          <a:ext cx="0" cy="0"/>
+          <a:chOff x="0" y="0"/>
+          <a:chExt cx="0" cy="0"/>
+        </a:xfrm>
+      </p:grpSpPr>
+      <p:sp>
+        <p:nvSpPr>
+          <p:cNvPr id="2" name="Titel 1"/>
+          <p:cNvSpPr>
+            <a:spLocks noGrp="1"/>
+          </p:cNvSpPr>
+          <p:nvPr>
+            <p:ph type="title"/>
+          </p:nvPr>
+        </p:nvSpPr>
+        <p:spPr/>
+        <p:txBody>
+          <a:bodyPr/>
+          <a:lstStyle/>
+          <a:p>
+            <a:r>
+              <a:rPr lang="de-CH" b="1" dirty="0" err="1"/>
+              <a:t>FreeRTOS</a:t>
+            </a:r>
+            <a:r>
+              <a:rPr lang="de-CH" dirty="0"/>
+              <a:t> Tasks</a:t>
+            </a:r>
+            <a:endParaRPr lang="de-CH" dirty="0"/>
+          </a:p>
+        </p:txBody>
+      </p:sp>
+      <p:sp>
+        <p:nvSpPr>
+          <p:cNvPr id="3" name="Inhaltsplatzhalter 2"/>
+          <p:cNvSpPr>
+            <a:spLocks noGrp="1"/>
+          </p:cNvSpPr>
+          <p:nvPr>
+            <p:ph idx="1"/>
+          </p:nvPr>
+        </p:nvSpPr>
+        <p:spPr/>
+        <p:txBody>
+          <a:bodyPr/>
+          <a:lstStyle/>
+          <a:p>
+            <a:r>
+              <a:rPr lang="de-CH" b="1" dirty="0" err="1"/>
+              <a:t>Preemptive</a:t>
+            </a:r>
+            <a:r>
+              <a:rPr lang="de-CH" b="1" dirty="0"/>
+              <a:t> </a:t>
+            </a:r>
+            <a:r>
+              <a:rPr lang="de-CH" b="1" dirty="0" err="1"/>
+              <a:t>Scheduling</a:t>
+            </a:r>
+            <a:endParaRPr lang="de-CH" b="1" dirty="0"/>
+          </a:p>
+          <a:p>
+            <a:endParaRPr lang="de-CH" b="1" dirty="0"/>
+          </a:p>
+        </p:txBody>
+      </p:sp>
+      <p:pic>
+        <p:nvPicPr>
+          <p:cNvPr id="4" name="Grafik 3"/>
+          <p:cNvPicPr>
+            <a:picLocks noChangeAspect="1"/>
+          </p:cNvPicPr>
+          <p:nvPr/>
+        </p:nvPicPr>
+        <p:blipFill>
+          <a:blip r:embed="rId2"/>
+          <a:stretch>
+            <a:fillRect/>
+          </a:stretch>
+        </p:blipFill>
+        <p:spPr>
+          <a:xfrm>
+            <a:off x="1194343" y="3542429"/>
+            <a:ext cx="7752828" cy="2326665"/>
+          </a:xfrm>
+          <a:prstGeom prst="rect">
+            <a:avLst/>
+          </a:prstGeom>
+        </p:spPr>
+      </p:pic>
+    </p:spTree>
+    <p:extLst>
+      <p:ext uri="{BB962C8B-B14F-4D97-AF65-F5344CB8AC3E}">
+        <p14:creationId xmlns:p14="http://schemas.microsoft.com/office/powerpoint/2010/main" val="424869207"/>
+      </p:ext>
+    </p:extLst>
+  </p:cSld>
+  <p:clrMapOvr>
+    <a:masterClrMapping/>
+  </p:clrMapOvr>
+</p:sld>
+</file>
+
+<file path=ppt/slides/slide14.xml><?xml version="1.0" encoding="utf-8"?>
+<p:sld xmlns:a="http://schemas.openxmlformats.org/drawingml/2006/main" xmlns:r="http://schemas.openxmlformats.org/officeDocument/2006/relationships" xmlns:p="http://schemas.openxmlformats.org/presentationml/2006/main">
+  <p:cSld>
+    <p:spTree>
+      <p:nvGrpSpPr>
+        <p:cNvPr id="1" name=""/>
+        <p:cNvGrpSpPr/>
+        <p:nvPr/>
+      </p:nvGrpSpPr>
+      <p:grpSpPr>
+        <a:xfrm>
+          <a:off x="0" y="0"/>
+          <a:ext cx="0" cy="0"/>
+          <a:chOff x="0" y="0"/>
+          <a:chExt cx="0" cy="0"/>
+        </a:xfrm>
+      </p:grpSpPr>
+      <p:sp>
+        <p:nvSpPr>
+          <p:cNvPr id="2" name="Titel 1"/>
+          <p:cNvSpPr>
+            <a:spLocks noGrp="1"/>
+          </p:cNvSpPr>
+          <p:nvPr>
+            <p:ph type="title"/>
+          </p:nvPr>
+        </p:nvSpPr>
+        <p:spPr/>
+        <p:txBody>
+          <a:bodyPr/>
+          <a:lstStyle/>
+          <a:p>
+            <a:r>
+              <a:rPr lang="en-CA" dirty="0" err="1"/>
+              <a:t>Fragen</a:t>
+            </a:r>
+            <a:r>
+              <a:rPr lang="en-CA" dirty="0"/>
+              <a:t>:</a:t>
+            </a:r>
+            <a:endParaRPr lang="de-CH" dirty="0"/>
+          </a:p>
+        </p:txBody>
+      </p:sp>
+      <p:sp>
+        <p:nvSpPr>
+          <p:cNvPr id="3" name="Inhaltsplatzhalter 2"/>
+          <p:cNvSpPr>
+            <a:spLocks noGrp="1"/>
+          </p:cNvSpPr>
+          <p:nvPr>
+            <p:ph idx="1"/>
+          </p:nvPr>
+        </p:nvSpPr>
+        <p:spPr/>
+        <p:txBody>
+          <a:bodyPr/>
+          <a:lstStyle/>
+          <a:p>
+            <a:pPr marL="0" indent="0">
+              <a:buNone/>
+            </a:pPr>
+            <a:r>
+              <a:rPr lang="en-CA" dirty="0"/>
+              <a:t>PREN </a:t>
+            </a:r>
+            <a:r>
+              <a:rPr lang="en-CA" dirty="0">
+                <a:sym typeface="Wingdings" panose="05000000000000000000" pitchFamily="2" charset="2"/>
+              </a:rPr>
+              <a:t> </a:t>
+            </a:r>
+            <a:r>
+              <a:rPr lang="en-CA" dirty="0" err="1">
+                <a:sym typeface="Wingdings" panose="05000000000000000000" pitchFamily="2" charset="2"/>
+              </a:rPr>
+              <a:t>wieso</a:t>
+            </a:r>
+            <a:r>
+              <a:rPr lang="en-CA" dirty="0">
+                <a:sym typeface="Wingdings" panose="05000000000000000000" pitchFamily="2" charset="2"/>
+              </a:rPr>
+              <a:t> </a:t>
+            </a:r>
+            <a:r>
+              <a:rPr lang="en-CA" dirty="0" err="1">
+                <a:sym typeface="Wingdings" panose="05000000000000000000" pitchFamily="2" charset="2"/>
+              </a:rPr>
+              <a:t>sollte</a:t>
+            </a:r>
+            <a:r>
+              <a:rPr lang="en-CA" dirty="0">
+                <a:sym typeface="Wingdings" panose="05000000000000000000" pitchFamily="2" charset="2"/>
+              </a:rPr>
+              <a:t> </a:t>
+            </a:r>
+            <a:r>
+              <a:rPr lang="en-CA" dirty="0" err="1">
+                <a:sym typeface="Wingdings" panose="05000000000000000000" pitchFamily="2" charset="2"/>
+              </a:rPr>
+              <a:t>ein</a:t>
+            </a:r>
+            <a:r>
+              <a:rPr lang="en-CA" dirty="0">
+                <a:sym typeface="Wingdings" panose="05000000000000000000" pitchFamily="2" charset="2"/>
+              </a:rPr>
+              <a:t> OS </a:t>
+            </a:r>
+            <a:r>
+              <a:rPr lang="en-CA" dirty="0" err="1">
+                <a:sym typeface="Wingdings" panose="05000000000000000000" pitchFamily="2" charset="2"/>
+              </a:rPr>
+              <a:t>oder</a:t>
+            </a:r>
+            <a:r>
+              <a:rPr lang="en-CA" dirty="0">
+                <a:sym typeface="Wingdings" panose="05000000000000000000" pitchFamily="2" charset="2"/>
+              </a:rPr>
+              <a:t> </a:t>
+            </a:r>
+            <a:r>
+              <a:rPr lang="en-CA" dirty="0" err="1">
+                <a:sym typeface="Wingdings" panose="05000000000000000000" pitchFamily="2" charset="2"/>
+              </a:rPr>
+              <a:t>wiso</a:t>
+            </a:r>
+            <a:r>
+              <a:rPr lang="en-CA" dirty="0">
+                <a:sym typeface="Wingdings" panose="05000000000000000000" pitchFamily="2" charset="2"/>
+              </a:rPr>
+              <a:t> </a:t>
+            </a:r>
+            <a:r>
+              <a:rPr lang="en-CA" dirty="0" err="1">
+                <a:sym typeface="Wingdings" panose="05000000000000000000" pitchFamily="2" charset="2"/>
+              </a:rPr>
+              <a:t>sollte</a:t>
+            </a:r>
+            <a:r>
+              <a:rPr lang="en-CA" dirty="0">
+                <a:sym typeface="Wingdings" panose="05000000000000000000" pitchFamily="2" charset="2"/>
+              </a:rPr>
+              <a:t> </a:t>
+            </a:r>
+            <a:r>
+              <a:rPr lang="en-CA" dirty="0" err="1">
+                <a:sym typeface="Wingdings" panose="05000000000000000000" pitchFamily="2" charset="2"/>
+              </a:rPr>
+              <a:t>ein</a:t>
+            </a:r>
+            <a:r>
+              <a:rPr lang="en-CA" dirty="0">
+                <a:sym typeface="Wingdings" panose="05000000000000000000" pitchFamily="2" charset="2"/>
+              </a:rPr>
+              <a:t> RTOS </a:t>
+            </a:r>
+            <a:r>
+              <a:rPr lang="en-CA" dirty="0" err="1">
+                <a:sym typeface="Wingdings" panose="05000000000000000000" pitchFamily="2" charset="2"/>
+              </a:rPr>
+              <a:t>verwendet</a:t>
+            </a:r>
+            <a:r>
+              <a:rPr lang="en-CA" dirty="0">
+                <a:sym typeface="Wingdings" panose="05000000000000000000" pitchFamily="2" charset="2"/>
+              </a:rPr>
+              <a:t> warden? Was </a:t>
+            </a:r>
+            <a:r>
+              <a:rPr lang="en-CA" dirty="0" err="1">
+                <a:sym typeface="Wingdings" panose="05000000000000000000" pitchFamily="2" charset="2"/>
+              </a:rPr>
+              <a:t>spricht</a:t>
+            </a:r>
+            <a:r>
+              <a:rPr lang="en-CA" dirty="0">
+                <a:sym typeface="Wingdings" panose="05000000000000000000" pitchFamily="2" charset="2"/>
+              </a:rPr>
+              <a:t> </a:t>
+            </a:r>
+            <a:r>
+              <a:rPr lang="en-CA" dirty="0" err="1">
+                <a:sym typeface="Wingdings" panose="05000000000000000000" pitchFamily="2" charset="2"/>
+              </a:rPr>
+              <a:t>dagegen</a:t>
+            </a:r>
+            <a:r>
+              <a:rPr lang="en-CA" dirty="0">
+                <a:sym typeface="Wingdings" panose="05000000000000000000" pitchFamily="2" charset="2"/>
+              </a:rPr>
+              <a:t> was </a:t>
+            </a:r>
+            <a:r>
+              <a:rPr lang="en-CA" dirty="0" err="1">
+                <a:sym typeface="Wingdings" panose="05000000000000000000" pitchFamily="2" charset="2"/>
+              </a:rPr>
+              <a:t>dafür</a:t>
+            </a:r>
+            <a:r>
+              <a:rPr lang="en-CA" dirty="0">
+                <a:sym typeface="Wingdings" panose="05000000000000000000" pitchFamily="2" charset="2"/>
+              </a:rPr>
+              <a:t>. </a:t>
+            </a:r>
+            <a:endParaRPr lang="de-CH" dirty="0"/>
+          </a:p>
+        </p:txBody>
+      </p:sp>
+    </p:spTree>
+    <p:extLst>
+      <p:ext uri="{BB962C8B-B14F-4D97-AF65-F5344CB8AC3E}">
+        <p14:creationId xmlns:p14="http://schemas.microsoft.com/office/powerpoint/2010/main" val="2611258350"/>
+      </p:ext>
+    </p:extLst>
+  </p:cSld>
+  <p:clrMapOvr>
+    <a:masterClrMapping/>
+  </p:clrMapOvr>
+</p:sld>
+</file>
+
 <file path=ppt/slides/slide2.xml><?xml version="1.0" encoding="utf-8"?>
 <p:sld xmlns:a="http://schemas.openxmlformats.org/drawingml/2006/main" xmlns:r="http://schemas.openxmlformats.org/officeDocument/2006/relationships" xmlns:p="http://schemas.openxmlformats.org/presentationml/2006/main">
   <p:cSld>
@@ -3453,12 +5176,16 @@
           <a:lstStyle/>
           <a:p>
             <a:r>
-              <a:rPr lang="en-CA" dirty="0" err="1"/>
-              <a:t>Fragen</a:t>
-            </a:r>
-            <a:r>
-              <a:rPr lang="en-CA" dirty="0"/>
-              <a:t>:</a:t>
+              <a:rPr lang="de-CH" b="1" dirty="0" err="1"/>
+              <a:t>FreeRTOS</a:t>
+            </a:r>
+            <a:r>
+              <a:rPr lang="de-CH" dirty="0"/>
+              <a:t> </a:t>
+            </a:r>
+            <a:r>
+              <a:rPr lang="de-CH" dirty="0" err="1"/>
+              <a:t>Introduction</a:t>
             </a:r>
             <a:endParaRPr lang="de-CH" dirty="0"/>
           </a:p>
@@ -3479,150 +5206,93 @@
           <a:bodyPr/>
           <a:lstStyle/>
           <a:p>
-            <a:pPr marL="0" indent="0">
+            <a:r>
+              <a:rPr lang="de-CH" dirty="0"/>
+              <a:t>Open Source, </a:t>
+            </a:r>
+            <a:r>
+              <a:rPr lang="de-CH" dirty="0" err="1"/>
+              <a:t>free</a:t>
+            </a:r>
+            <a:r>
+              <a:rPr lang="de-CH" dirty="0"/>
+              <a:t>-</a:t>
+            </a:r>
+            <a:r>
+              <a:rPr lang="de-CH" dirty="0" err="1"/>
+              <a:t>of</a:t>
+            </a:r>
+            <a:r>
+              <a:rPr lang="de-CH" dirty="0"/>
+              <a:t>-charge</a:t>
+            </a:r>
+          </a:p>
+          <a:p>
+            <a:pPr lvl="1"/>
+            <a:r>
+              <a:rPr lang="de-CH" b="1" dirty="0" err="1"/>
+              <a:t>OpenRTOS</a:t>
+            </a:r>
+            <a:r>
+              <a:rPr lang="de-CH" dirty="0"/>
+              <a:t>: </a:t>
+            </a:r>
+            <a:r>
+              <a:rPr lang="de-CH" dirty="0" err="1"/>
+              <a:t>commercial</a:t>
+            </a:r>
+            <a:r>
+              <a:rPr lang="de-CH" dirty="0"/>
+              <a:t> </a:t>
+            </a:r>
+            <a:r>
+              <a:rPr lang="de-CH" dirty="0" err="1"/>
+              <a:t>supported</a:t>
+            </a:r>
+            <a:r>
+              <a:rPr lang="de-CH" dirty="0"/>
+              <a:t> </a:t>
+            </a:r>
+            <a:r>
+              <a:rPr lang="de-CH" dirty="0" err="1"/>
+              <a:t>version</a:t>
+            </a:r>
+            <a:endParaRPr lang="de-CH" dirty="0"/>
+          </a:p>
+          <a:p>
+            <a:pPr lvl="1"/>
+            <a:r>
+              <a:rPr lang="en-US" b="1" dirty="0" err="1"/>
+              <a:t>SafeRTOS</a:t>
+            </a:r>
+            <a:r>
+              <a:rPr lang="en-US" dirty="0"/>
+              <a:t>: special version dedicated to safety critical </a:t>
+            </a:r>
+            <a:r>
+              <a:rPr lang="de-CH" dirty="0" err="1"/>
+              <a:t>systems</a:t>
+            </a:r>
+            <a:endParaRPr lang="de-CH" dirty="0"/>
+          </a:p>
+          <a:p>
+            <a:pPr marL="457200" lvl="1" indent="0">
               <a:buNone/>
             </a:pPr>
-            <a:r>
-              <a:rPr lang="en-CA" dirty="0"/>
-              <a:t>PREN </a:t>
-            </a:r>
-            <a:r>
-              <a:rPr lang="en-CA" dirty="0">
-                <a:sym typeface="Wingdings" panose="05000000000000000000" pitchFamily="2" charset="2"/>
-              </a:rPr>
-              <a:t> </a:t>
-            </a:r>
-            <a:r>
-              <a:rPr lang="en-CA" dirty="0" err="1">
-                <a:sym typeface="Wingdings" panose="05000000000000000000" pitchFamily="2" charset="2"/>
-              </a:rPr>
-              <a:t>wieso</a:t>
-            </a:r>
-            <a:r>
-              <a:rPr lang="en-CA" dirty="0">
-                <a:sym typeface="Wingdings" panose="05000000000000000000" pitchFamily="2" charset="2"/>
-              </a:rPr>
-              <a:t> </a:t>
-            </a:r>
-            <a:r>
-              <a:rPr lang="en-CA" dirty="0" err="1">
-                <a:sym typeface="Wingdings" panose="05000000000000000000" pitchFamily="2" charset="2"/>
-              </a:rPr>
-              <a:t>sollte</a:t>
-            </a:r>
-            <a:r>
-              <a:rPr lang="en-CA" dirty="0">
-                <a:sym typeface="Wingdings" panose="05000000000000000000" pitchFamily="2" charset="2"/>
-              </a:rPr>
-              <a:t> </a:t>
-            </a:r>
-            <a:r>
-              <a:rPr lang="en-CA" dirty="0" err="1">
-                <a:sym typeface="Wingdings" panose="05000000000000000000" pitchFamily="2" charset="2"/>
-              </a:rPr>
-              <a:t>ein</a:t>
-            </a:r>
-            <a:r>
-              <a:rPr lang="en-CA" dirty="0">
-                <a:sym typeface="Wingdings" panose="05000000000000000000" pitchFamily="2" charset="2"/>
-              </a:rPr>
-              <a:t> OS </a:t>
-            </a:r>
-            <a:r>
-              <a:rPr lang="en-CA" dirty="0" err="1">
-                <a:sym typeface="Wingdings" panose="05000000000000000000" pitchFamily="2" charset="2"/>
-              </a:rPr>
-              <a:t>oder</a:t>
-            </a:r>
-            <a:r>
-              <a:rPr lang="en-CA" dirty="0">
-                <a:sym typeface="Wingdings" panose="05000000000000000000" pitchFamily="2" charset="2"/>
-              </a:rPr>
-              <a:t> </a:t>
-            </a:r>
-            <a:r>
-              <a:rPr lang="en-CA" dirty="0" err="1">
-                <a:sym typeface="Wingdings" panose="05000000000000000000" pitchFamily="2" charset="2"/>
-              </a:rPr>
-              <a:t>wiso</a:t>
-            </a:r>
-            <a:r>
-              <a:rPr lang="en-CA" dirty="0">
-                <a:sym typeface="Wingdings" panose="05000000000000000000" pitchFamily="2" charset="2"/>
-              </a:rPr>
-              <a:t> </a:t>
-            </a:r>
-            <a:r>
-              <a:rPr lang="en-CA" dirty="0" err="1">
-                <a:sym typeface="Wingdings" panose="05000000000000000000" pitchFamily="2" charset="2"/>
-              </a:rPr>
-              <a:t>sollte</a:t>
-            </a:r>
-            <a:r>
-              <a:rPr lang="en-CA" dirty="0">
-                <a:sym typeface="Wingdings" panose="05000000000000000000" pitchFamily="2" charset="2"/>
-              </a:rPr>
-              <a:t> </a:t>
-            </a:r>
-            <a:r>
-              <a:rPr lang="en-CA" dirty="0" err="1">
-                <a:sym typeface="Wingdings" panose="05000000000000000000" pitchFamily="2" charset="2"/>
-              </a:rPr>
-              <a:t>ein</a:t>
-            </a:r>
-            <a:r>
-              <a:rPr lang="en-CA" dirty="0">
-                <a:sym typeface="Wingdings" panose="05000000000000000000" pitchFamily="2" charset="2"/>
-              </a:rPr>
-              <a:t> RTOS </a:t>
-            </a:r>
-            <a:r>
-              <a:rPr lang="en-CA" dirty="0" err="1">
-                <a:sym typeface="Wingdings" panose="05000000000000000000" pitchFamily="2" charset="2"/>
-              </a:rPr>
-              <a:t>verwendet</a:t>
-            </a:r>
-            <a:r>
-              <a:rPr lang="en-CA" dirty="0">
-                <a:sym typeface="Wingdings" panose="05000000000000000000" pitchFamily="2" charset="2"/>
-              </a:rPr>
-              <a:t> warden? Was </a:t>
-            </a:r>
-            <a:r>
-              <a:rPr lang="en-CA" dirty="0" err="1">
-                <a:sym typeface="Wingdings" panose="05000000000000000000" pitchFamily="2" charset="2"/>
-              </a:rPr>
-              <a:t>spricht</a:t>
-            </a:r>
-            <a:r>
-              <a:rPr lang="en-CA" dirty="0">
-                <a:sym typeface="Wingdings" panose="05000000000000000000" pitchFamily="2" charset="2"/>
-              </a:rPr>
-              <a:t> </a:t>
-            </a:r>
-            <a:r>
-              <a:rPr lang="en-CA" dirty="0" err="1">
-                <a:sym typeface="Wingdings" panose="05000000000000000000" pitchFamily="2" charset="2"/>
-              </a:rPr>
-              <a:t>dagegen</a:t>
-            </a:r>
-            <a:r>
-              <a:rPr lang="en-CA" dirty="0">
-                <a:sym typeface="Wingdings" panose="05000000000000000000" pitchFamily="2" charset="2"/>
-              </a:rPr>
-              <a:t> was </a:t>
-            </a:r>
-            <a:r>
-              <a:rPr lang="en-CA" dirty="0" err="1">
-                <a:sym typeface="Wingdings" panose="05000000000000000000" pitchFamily="2" charset="2"/>
-              </a:rPr>
-              <a:t>dafür</a:t>
-            </a:r>
-            <a:r>
-              <a:rPr lang="en-CA" dirty="0">
-                <a:sym typeface="Wingdings" panose="05000000000000000000" pitchFamily="2" charset="2"/>
-              </a:rPr>
-              <a:t>. </a:t>
+            <a:endParaRPr lang="de-CH" dirty="0"/>
+          </a:p>
+          <a:p>
+            <a:r>
+              <a:rPr lang="de-CH" dirty="0" err="1"/>
+              <a:t>Processor</a:t>
+            </a:r>
+            <a:r>
+              <a:rPr lang="de-CH" dirty="0"/>
+              <a:t> Expert </a:t>
+            </a:r>
+            <a:r>
+              <a:rPr lang="de-CH" dirty="0" err="1"/>
+              <a:t>component</a:t>
             </a:r>
             <a:endParaRPr lang="de-CH" dirty="0"/>
           </a:p>
@@ -3631,7 +5301,625 @@
     </p:spTree>
     <p:extLst>
       <p:ext uri="{BB962C8B-B14F-4D97-AF65-F5344CB8AC3E}">
-        <p14:creationId xmlns:p14="http://schemas.microsoft.com/office/powerpoint/2010/main" val="2611258350"/>
+        <p14:creationId xmlns:p14="http://schemas.microsoft.com/office/powerpoint/2010/main" val="1487994313"/>
+      </p:ext>
+    </p:extLst>
+  </p:cSld>
+  <p:clrMapOvr>
+    <a:masterClrMapping/>
+  </p:clrMapOvr>
+</p:sld>
+</file>
+
+<file path=ppt/slides/slide6.xml><?xml version="1.0" encoding="utf-8"?>
+<p:sld xmlns:a="http://schemas.openxmlformats.org/drawingml/2006/main" xmlns:r="http://schemas.openxmlformats.org/officeDocument/2006/relationships" xmlns:p="http://schemas.openxmlformats.org/presentationml/2006/main">
+  <p:cSld>
+    <p:spTree>
+      <p:nvGrpSpPr>
+        <p:cNvPr id="1" name=""/>
+        <p:cNvGrpSpPr/>
+        <p:nvPr/>
+      </p:nvGrpSpPr>
+      <p:grpSpPr>
+        <a:xfrm>
+          <a:off x="0" y="0"/>
+          <a:ext cx="0" cy="0"/>
+          <a:chOff x="0" y="0"/>
+          <a:chExt cx="0" cy="0"/>
+        </a:xfrm>
+      </p:grpSpPr>
+      <p:sp>
+        <p:nvSpPr>
+          <p:cNvPr id="2" name="Titel 1"/>
+          <p:cNvSpPr>
+            <a:spLocks noGrp="1"/>
+          </p:cNvSpPr>
+          <p:nvPr>
+            <p:ph type="title"/>
+          </p:nvPr>
+        </p:nvSpPr>
+        <p:spPr/>
+        <p:txBody>
+          <a:bodyPr/>
+          <a:lstStyle/>
+          <a:p>
+            <a:r>
+              <a:rPr lang="de-CH" b="1" dirty="0" err="1"/>
+              <a:t>FreeRTOS</a:t>
+            </a:r>
+            <a:r>
+              <a:rPr lang="de-CH" dirty="0"/>
+              <a:t> </a:t>
+            </a:r>
+            <a:r>
+              <a:rPr lang="de-CH" dirty="0" err="1"/>
+              <a:t>Architecture</a:t>
+            </a:r>
+            <a:endParaRPr lang="de-CH" dirty="0"/>
+          </a:p>
+        </p:txBody>
+      </p:sp>
+      <p:sp>
+        <p:nvSpPr>
+          <p:cNvPr id="3" name="Inhaltsplatzhalter 2"/>
+          <p:cNvSpPr>
+            <a:spLocks noGrp="1"/>
+          </p:cNvSpPr>
+          <p:nvPr>
+            <p:ph idx="1"/>
+          </p:nvPr>
+        </p:nvSpPr>
+        <p:spPr/>
+        <p:txBody>
+          <a:bodyPr/>
+          <a:lstStyle/>
+          <a:p>
+            <a:r>
+              <a:rPr lang="en-US" b="1" dirty="0"/>
+              <a:t>Kernel</a:t>
+            </a:r>
+            <a:endParaRPr lang="en-US" dirty="0"/>
+          </a:p>
+          <a:p>
+            <a:pPr lvl="1"/>
+            <a:r>
+              <a:rPr lang="en-US" dirty="0"/>
+              <a:t>Small Kernel, </a:t>
+            </a:r>
+            <a:r>
+              <a:rPr lang="en-US" b="1" dirty="0"/>
+              <a:t>implemented in C</a:t>
+            </a:r>
+          </a:p>
+          <a:p>
+            <a:pPr lvl="1"/>
+            <a:endParaRPr lang="en-US" dirty="0"/>
+          </a:p>
+          <a:p>
+            <a:pPr lvl="1"/>
+            <a:r>
+              <a:rPr lang="en-US" dirty="0"/>
+              <a:t>Preemptive or cooperative scheduler mode (at compile </a:t>
+            </a:r>
+            <a:r>
+              <a:rPr lang="de-CH" dirty="0"/>
+              <a:t>time)</a:t>
+            </a:r>
+          </a:p>
+          <a:p>
+            <a:pPr lvl="1"/>
+            <a:endParaRPr lang="de-CH" dirty="0"/>
+          </a:p>
+          <a:p>
+            <a:pPr lvl="1"/>
+            <a:r>
+              <a:rPr lang="en-US" dirty="0"/>
+              <a:t>Kernel only needs </a:t>
+            </a:r>
+            <a:r>
+              <a:rPr lang="en-US" b="1" dirty="0"/>
+              <a:t>tick interrupt </a:t>
+            </a:r>
+            <a:r>
+              <a:rPr lang="en-US" dirty="0"/>
+              <a:t>and </a:t>
+            </a:r>
+            <a:r>
+              <a:rPr lang="en-US" b="1" dirty="0"/>
+              <a:t>software interrupt</a:t>
+            </a:r>
+          </a:p>
+          <a:p>
+            <a:pPr lvl="1"/>
+            <a:endParaRPr lang="en-US" b="1" dirty="0"/>
+          </a:p>
+          <a:p>
+            <a:pPr lvl="1"/>
+            <a:r>
+              <a:rPr lang="en-US" dirty="0"/>
+              <a:t>’Ticks’ provide time base for RTOS (Typically 10 </a:t>
+            </a:r>
+            <a:r>
+              <a:rPr lang="en-US" dirty="0" err="1"/>
+              <a:t>ms</a:t>
+            </a:r>
+            <a:r>
+              <a:rPr lang="en-US" dirty="0"/>
+              <a:t> or 1 </a:t>
+            </a:r>
+            <a:r>
+              <a:rPr lang="en-US" dirty="0" err="1"/>
+              <a:t>ms</a:t>
+            </a:r>
+            <a:r>
+              <a:rPr lang="en-US" dirty="0"/>
+              <a:t> tick period)</a:t>
+            </a:r>
+            <a:endParaRPr lang="en-US" b="1" dirty="0"/>
+          </a:p>
+          <a:p>
+            <a:pPr lvl="1"/>
+            <a:endParaRPr lang="en-US" b="1" dirty="0"/>
+          </a:p>
+          <a:p>
+            <a:pPr lvl="1"/>
+            <a:r>
+              <a:rPr lang="en-US" dirty="0"/>
+              <a:t>RTOS creates and runs in IDLE task</a:t>
+            </a:r>
+            <a:endParaRPr lang="de-CH" dirty="0"/>
+          </a:p>
+        </p:txBody>
+      </p:sp>
+    </p:spTree>
+    <p:extLst>
+      <p:ext uri="{BB962C8B-B14F-4D97-AF65-F5344CB8AC3E}">
+        <p14:creationId xmlns:p14="http://schemas.microsoft.com/office/powerpoint/2010/main" val="2675177845"/>
+      </p:ext>
+    </p:extLst>
+  </p:cSld>
+  <p:clrMapOvr>
+    <a:masterClrMapping/>
+  </p:clrMapOvr>
+</p:sld>
+</file>
+
+<file path=ppt/slides/slide7.xml><?xml version="1.0" encoding="utf-8"?>
+<p:sld xmlns:a="http://schemas.openxmlformats.org/drawingml/2006/main" xmlns:r="http://schemas.openxmlformats.org/officeDocument/2006/relationships" xmlns:p="http://schemas.openxmlformats.org/presentationml/2006/main">
+  <p:cSld>
+    <p:spTree>
+      <p:nvGrpSpPr>
+        <p:cNvPr id="1" name=""/>
+        <p:cNvGrpSpPr/>
+        <p:nvPr/>
+      </p:nvGrpSpPr>
+      <p:grpSpPr>
+        <a:xfrm>
+          <a:off x="0" y="0"/>
+          <a:ext cx="0" cy="0"/>
+          <a:chOff x="0" y="0"/>
+          <a:chExt cx="0" cy="0"/>
+        </a:xfrm>
+      </p:grpSpPr>
+      <p:sp>
+        <p:nvSpPr>
+          <p:cNvPr id="2" name="Titel 1"/>
+          <p:cNvSpPr>
+            <a:spLocks noGrp="1"/>
+          </p:cNvSpPr>
+          <p:nvPr>
+            <p:ph type="title"/>
+          </p:nvPr>
+        </p:nvSpPr>
+        <p:spPr/>
+        <p:txBody>
+          <a:bodyPr/>
+          <a:lstStyle/>
+          <a:p>
+            <a:r>
+              <a:rPr lang="de-CH" b="1" dirty="0" err="1"/>
+              <a:t>FreeRTOS</a:t>
+            </a:r>
+            <a:r>
+              <a:rPr lang="de-CH" dirty="0"/>
+              <a:t> </a:t>
+            </a:r>
+            <a:r>
+              <a:rPr lang="de-CH" dirty="0" err="1"/>
+              <a:t>Architecture</a:t>
+            </a:r>
+            <a:endParaRPr lang="de-CH" dirty="0"/>
+          </a:p>
+        </p:txBody>
+      </p:sp>
+      <p:sp>
+        <p:nvSpPr>
+          <p:cNvPr id="3" name="Inhaltsplatzhalter 2"/>
+          <p:cNvSpPr>
+            <a:spLocks noGrp="1"/>
+          </p:cNvSpPr>
+          <p:nvPr>
+            <p:ph idx="1"/>
+          </p:nvPr>
+        </p:nvSpPr>
+        <p:spPr/>
+        <p:txBody>
+          <a:bodyPr/>
+          <a:lstStyle/>
+          <a:p>
+            <a:r>
+              <a:rPr lang="de-CH" b="1" dirty="0"/>
+              <a:t>Tasks</a:t>
+            </a:r>
+          </a:p>
+          <a:p>
+            <a:pPr lvl="1"/>
+            <a:r>
+              <a:rPr lang="en-US" dirty="0"/>
+              <a:t>Tasks are running with stack in the ’heap’</a:t>
+            </a:r>
+          </a:p>
+          <a:p>
+            <a:pPr lvl="1"/>
+            <a:endParaRPr lang="en-US" dirty="0"/>
+          </a:p>
+          <a:p>
+            <a:pPr lvl="1"/>
+            <a:r>
+              <a:rPr lang="en-US" dirty="0"/>
+              <a:t>Tasks are (usually) staying in an endless loop</a:t>
+            </a:r>
+          </a:p>
+          <a:p>
+            <a:pPr lvl="1"/>
+            <a:endParaRPr lang="en-US" dirty="0"/>
+          </a:p>
+          <a:p>
+            <a:pPr lvl="1"/>
+            <a:r>
+              <a:rPr lang="en-US" dirty="0"/>
+              <a:t>Software interrupt used to switch task context</a:t>
+            </a:r>
+            <a:endParaRPr lang="de-CH" b="1" dirty="0"/>
+          </a:p>
+        </p:txBody>
+      </p:sp>
+    </p:spTree>
+    <p:extLst>
+      <p:ext uri="{BB962C8B-B14F-4D97-AF65-F5344CB8AC3E}">
+        <p14:creationId xmlns:p14="http://schemas.microsoft.com/office/powerpoint/2010/main" val="2748932309"/>
+      </p:ext>
+    </p:extLst>
+  </p:cSld>
+  <p:clrMapOvr>
+    <a:masterClrMapping/>
+  </p:clrMapOvr>
+</p:sld>
+</file>
+
+<file path=ppt/slides/slide8.xml><?xml version="1.0" encoding="utf-8"?>
+<p:sld xmlns:a="http://schemas.openxmlformats.org/drawingml/2006/main" xmlns:r="http://schemas.openxmlformats.org/officeDocument/2006/relationships" xmlns:p="http://schemas.openxmlformats.org/presentationml/2006/main">
+  <p:cSld>
+    <p:spTree>
+      <p:nvGrpSpPr>
+        <p:cNvPr id="1" name=""/>
+        <p:cNvGrpSpPr/>
+        <p:nvPr/>
+      </p:nvGrpSpPr>
+      <p:grpSpPr>
+        <a:xfrm>
+          <a:off x="0" y="0"/>
+          <a:ext cx="0" cy="0"/>
+          <a:chOff x="0" y="0"/>
+          <a:chExt cx="0" cy="0"/>
+        </a:xfrm>
+      </p:grpSpPr>
+      <p:sp>
+        <p:nvSpPr>
+          <p:cNvPr id="2" name="Titel 1"/>
+          <p:cNvSpPr>
+            <a:spLocks noGrp="1"/>
+          </p:cNvSpPr>
+          <p:nvPr>
+            <p:ph type="title"/>
+          </p:nvPr>
+        </p:nvSpPr>
+        <p:spPr/>
+        <p:txBody>
+          <a:bodyPr/>
+          <a:lstStyle/>
+          <a:p>
+            <a:r>
+              <a:rPr lang="de-CH" b="1" dirty="0" err="1"/>
+              <a:t>FreeRTOS</a:t>
+            </a:r>
+            <a:r>
+              <a:rPr lang="de-CH" dirty="0"/>
+              <a:t> </a:t>
+            </a:r>
+            <a:r>
+              <a:rPr lang="de-CH" dirty="0" err="1"/>
+              <a:t>Architecture</a:t>
+            </a:r>
+            <a:endParaRPr lang="de-CH" dirty="0"/>
+          </a:p>
+        </p:txBody>
+      </p:sp>
+      <p:sp>
+        <p:nvSpPr>
+          <p:cNvPr id="3" name="Inhaltsplatzhalter 2"/>
+          <p:cNvSpPr>
+            <a:spLocks noGrp="1"/>
+          </p:cNvSpPr>
+          <p:nvPr>
+            <p:ph idx="1"/>
+          </p:nvPr>
+        </p:nvSpPr>
+        <p:spPr/>
+        <p:txBody>
+          <a:bodyPr/>
+          <a:lstStyle/>
+          <a:p>
+            <a:endParaRPr lang="de-CH" dirty="0"/>
+          </a:p>
+        </p:txBody>
+      </p:sp>
+      <p:pic>
+        <p:nvPicPr>
+          <p:cNvPr id="4" name="Grafik 3"/>
+          <p:cNvPicPr>
+            <a:picLocks noChangeAspect="1"/>
+          </p:cNvPicPr>
+          <p:nvPr/>
+        </p:nvPicPr>
+        <p:blipFill>
+          <a:blip r:embed="rId2"/>
+          <a:stretch>
+            <a:fillRect/>
+          </a:stretch>
+        </p:blipFill>
+        <p:spPr>
+          <a:xfrm>
+            <a:off x="3846996" y="2182745"/>
+            <a:ext cx="3232035" cy="3201899"/>
+          </a:xfrm>
+          <a:prstGeom prst="rect">
+            <a:avLst/>
+          </a:prstGeom>
+        </p:spPr>
+      </p:pic>
+    </p:spTree>
+    <p:extLst>
+      <p:ext uri="{BB962C8B-B14F-4D97-AF65-F5344CB8AC3E}">
+        <p14:creationId xmlns:p14="http://schemas.microsoft.com/office/powerpoint/2010/main" val="1951489824"/>
+      </p:ext>
+    </p:extLst>
+  </p:cSld>
+  <p:clrMapOvr>
+    <a:masterClrMapping/>
+  </p:clrMapOvr>
+</p:sld>
+</file>
+
+<file path=ppt/slides/slide9.xml><?xml version="1.0" encoding="utf-8"?>
+<p:sld xmlns:a="http://schemas.openxmlformats.org/drawingml/2006/main" xmlns:r="http://schemas.openxmlformats.org/officeDocument/2006/relationships" xmlns:p="http://schemas.openxmlformats.org/presentationml/2006/main">
+  <p:cSld>
+    <p:spTree>
+      <p:nvGrpSpPr>
+        <p:cNvPr id="1" name=""/>
+        <p:cNvGrpSpPr/>
+        <p:nvPr/>
+      </p:nvGrpSpPr>
+      <p:grpSpPr>
+        <a:xfrm>
+          <a:off x="0" y="0"/>
+          <a:ext cx="0" cy="0"/>
+          <a:chOff x="0" y="0"/>
+          <a:chExt cx="0" cy="0"/>
+        </a:xfrm>
+      </p:grpSpPr>
+      <p:sp>
+        <p:nvSpPr>
+          <p:cNvPr id="2" name="Titel 1"/>
+          <p:cNvSpPr>
+            <a:spLocks noGrp="1"/>
+          </p:cNvSpPr>
+          <p:nvPr>
+            <p:ph type="title"/>
+          </p:nvPr>
+        </p:nvSpPr>
+        <p:spPr/>
+        <p:txBody>
+          <a:bodyPr/>
+          <a:lstStyle/>
+          <a:p>
+            <a:r>
+              <a:rPr lang="de-CH" b="1" dirty="0" err="1"/>
+              <a:t>FreeRTOS</a:t>
+            </a:r>
+            <a:r>
+              <a:rPr lang="de-CH" dirty="0"/>
+              <a:t> </a:t>
+            </a:r>
+            <a:r>
+              <a:rPr lang="de-CH" dirty="0" err="1"/>
+              <a:t>Architecture</a:t>
+            </a:r>
+            <a:endParaRPr lang="de-CH" dirty="0"/>
+          </a:p>
+        </p:txBody>
+      </p:sp>
+      <p:sp>
+        <p:nvSpPr>
+          <p:cNvPr id="3" name="Inhaltsplatzhalter 2"/>
+          <p:cNvSpPr>
+            <a:spLocks noGrp="1"/>
+          </p:cNvSpPr>
+          <p:nvPr>
+            <p:ph idx="1"/>
+          </p:nvPr>
+        </p:nvSpPr>
+        <p:spPr/>
+        <p:txBody>
+          <a:bodyPr/>
+          <a:lstStyle/>
+          <a:p>
+            <a:r>
+              <a:rPr lang="de-CH" b="1" dirty="0"/>
+              <a:t>Kernel </a:t>
+            </a:r>
+            <a:r>
+              <a:rPr lang="de-CH" b="1" dirty="0" err="1"/>
+              <a:t>and</a:t>
+            </a:r>
+            <a:r>
+              <a:rPr lang="de-CH" b="1" dirty="0"/>
+              <a:t> Interrupts</a:t>
+            </a:r>
+          </a:p>
+          <a:p>
+            <a:pPr lvl="1"/>
+            <a:r>
+              <a:rPr lang="de-CH" b="1" dirty="0"/>
+              <a:t>Tick Interrupt</a:t>
+            </a:r>
+            <a:r>
+              <a:rPr lang="de-CH" dirty="0"/>
+              <a:t>: </a:t>
+            </a:r>
+            <a:r>
+              <a:rPr lang="de-CH" dirty="0" err="1"/>
+              <a:t>SysTick</a:t>
+            </a:r>
+            <a:endParaRPr lang="de-CH" dirty="0"/>
+          </a:p>
+          <a:p>
+            <a:pPr lvl="1"/>
+            <a:r>
+              <a:rPr lang="de-CH" b="1" dirty="0"/>
+              <a:t>Software Interrupt</a:t>
+            </a:r>
+            <a:r>
+              <a:rPr lang="de-CH" dirty="0"/>
+              <a:t>: </a:t>
+            </a:r>
+            <a:r>
+              <a:rPr lang="de-CH" dirty="0" err="1"/>
+              <a:t>SVCall</a:t>
+            </a:r>
+            <a:r>
+              <a:rPr lang="de-CH" dirty="0"/>
+              <a:t>, </a:t>
+            </a:r>
+            <a:r>
+              <a:rPr lang="de-CH" dirty="0" err="1"/>
+              <a:t>PendableSrvReq</a:t>
+            </a:r>
+            <a:endParaRPr lang="de-CH" dirty="0"/>
+          </a:p>
+          <a:p>
+            <a:pPr lvl="1"/>
+            <a:r>
+              <a:rPr lang="de-CH" dirty="0"/>
+              <a:t>Other </a:t>
+            </a:r>
+            <a:r>
+              <a:rPr lang="de-CH" dirty="0" err="1"/>
+              <a:t>interrupts</a:t>
+            </a:r>
+            <a:r>
+              <a:rPr lang="de-CH" dirty="0"/>
+              <a:t>: </a:t>
+            </a:r>
+            <a:r>
+              <a:rPr lang="de-CH" dirty="0" err="1"/>
+              <a:t>under</a:t>
+            </a:r>
+            <a:r>
+              <a:rPr lang="de-CH" dirty="0"/>
+              <a:t> </a:t>
+            </a:r>
+            <a:r>
+              <a:rPr lang="de-CH" dirty="0" err="1"/>
+              <a:t>application</a:t>
+            </a:r>
+            <a:r>
+              <a:rPr lang="de-CH" dirty="0"/>
+              <a:t> </a:t>
+            </a:r>
+            <a:r>
+              <a:rPr lang="de-CH" dirty="0" err="1"/>
+              <a:t>control</a:t>
+            </a:r>
+            <a:endParaRPr lang="de-CH" dirty="0"/>
+          </a:p>
+          <a:p>
+            <a:pPr lvl="1"/>
+            <a:r>
+              <a:rPr lang="en-US" dirty="0"/>
+              <a:t>Do </a:t>
+            </a:r>
+            <a:r>
+              <a:rPr lang="en-US" b="1" dirty="0"/>
+              <a:t>not </a:t>
+            </a:r>
+            <a:r>
+              <a:rPr lang="en-US" dirty="0"/>
+              <a:t>call RTOS API from ISR</a:t>
+            </a:r>
+            <a:endParaRPr lang="de-CH" dirty="0"/>
+          </a:p>
+          <a:p>
+            <a:pPr lvl="1"/>
+            <a:r>
+              <a:rPr lang="en-US" dirty="0"/>
+              <a:t>using PRIMASK to mask interrupts</a:t>
+            </a:r>
+          </a:p>
+          <a:p>
+            <a:pPr marL="201168" lvl="1" indent="0">
+              <a:buNone/>
+            </a:pPr>
+            <a:r>
+              <a:rPr lang="en-US" dirty="0"/>
+              <a:t>    </a:t>
+            </a:r>
+            <a:r>
+              <a:rPr lang="en-US" dirty="0" err="1"/>
+              <a:t>configMAX_SYSCALL_INTERRUPT_PRIORITY</a:t>
+            </a:r>
+            <a:endParaRPr lang="de-CH" dirty="0"/>
+          </a:p>
+        </p:txBody>
+      </p:sp>
+      <p:pic>
+        <p:nvPicPr>
+          <p:cNvPr id="4" name="Grafik 3"/>
+          <p:cNvPicPr>
+            <a:picLocks noChangeAspect="1"/>
+          </p:cNvPicPr>
+          <p:nvPr/>
+        </p:nvPicPr>
+        <p:blipFill>
+          <a:blip r:embed="rId2"/>
+          <a:stretch>
+            <a:fillRect/>
+          </a:stretch>
+        </p:blipFill>
+        <p:spPr>
+          <a:xfrm>
+            <a:off x="5606376" y="1786427"/>
+            <a:ext cx="6444325" cy="3449609"/>
+          </a:xfrm>
+          <a:prstGeom prst="rect">
+            <a:avLst/>
+          </a:prstGeom>
+        </p:spPr>
+      </p:pic>
+    </p:spTree>
+    <p:extLst>
+      <p:ext uri="{BB962C8B-B14F-4D97-AF65-F5344CB8AC3E}">
+        <p14:creationId xmlns:p14="http://schemas.microsoft.com/office/powerpoint/2010/main" val="2833264382"/>
       </p:ext>
     </p:extLst>
   </p:cSld>
@@ -3642,54 +5930,54 @@
 </file>
 
 <file path=ppt/theme/theme1.xml><?xml version="1.0" encoding="utf-8"?>
-<a:theme xmlns:a="http://schemas.openxmlformats.org/drawingml/2006/main" name="Office">
+<a:theme xmlns:a="http://schemas.openxmlformats.org/drawingml/2006/main" name="Rückblick">
   <a:themeElements>
-    <a:clrScheme name="Office">
+    <a:clrScheme name="Rückblick">
       <a:dk1>
-        <a:sysClr val="windowText" lastClr="000000"/>
+        <a:srgbClr val="000000"/>
       </a:dk1>
       <a:lt1>
         <a:sysClr val="window" lastClr="FFFFFF"/>
       </a:lt1>
       <a:dk2>
-        <a:srgbClr val="44546A"/>
+        <a:srgbClr val="637052"/>
       </a:dk2>
       <a:lt2>
-        <a:srgbClr val="E7E6E6"/>
+        <a:srgbClr val="CCDDEA"/>
       </a:lt2>
       <a:accent1>
-        <a:srgbClr val="5B9BD5"/>
+        <a:srgbClr val="E48312"/>
       </a:accent1>
       <a:accent2>
-        <a:srgbClr val="ED7D31"/>
+        <a:srgbClr val="BD582C"/>
       </a:accent2>
       <a:accent3>
-        <a:srgbClr val="A5A5A5"/>
+        <a:srgbClr val="865640"/>
       </a:accent3>
       <a:accent4>
-        <a:srgbClr val="FFC000"/>
+        <a:srgbClr val="9B8357"/>
       </a:accent4>
       <a:accent5>
-        <a:srgbClr val="4472C4"/>
+        <a:srgbClr val="C2BC80"/>
       </a:accent5>
       <a:accent6>
-        <a:srgbClr val="70AD47"/>
+        <a:srgbClr val="94A088"/>
       </a:accent6>
       <a:hlink>
-        <a:srgbClr val="0563C1"/>
+        <a:srgbClr val="2998E3"/>
       </a:hlink>
       <a:folHlink>
-        <a:srgbClr val="954F72"/>
+        <a:srgbClr val="8C8C8C"/>
       </a:folHlink>
     </a:clrScheme>
-    <a:fontScheme name="Office">
+    <a:fontScheme name="Rückblick">
       <a:majorFont>
         <a:latin typeface="Calibri Light" panose="020F0302020204030204"/>
         <a:ea typeface=""/>
         <a:cs typeface=""/>
-        <a:font script="Jpan" typeface="游ゴシック Light"/>
+        <a:font script="Jpan" typeface="ＭＳ Ｐゴシック"/>
         <a:font script="Hang" typeface="맑은 고딕"/>
-        <a:font script="Hans" typeface="等线 Light"/>
+        <a:font script="Hans" typeface="宋体"/>
         <a:font script="Hant" typeface="新細明體"/>
         <a:font script="Arab" typeface="Times New Roman"/>
         <a:font script="Hebr" typeface="Times New Roman"/>
@@ -3717,31 +6005,14 @@
         <a:font script="Viet" typeface="Times New Roman"/>
         <a:font script="Uigh" typeface="Microsoft Uighur"/>
         <a:font script="Geor" typeface="Sylfaen"/>
-        <a:font script="Armn" typeface="Arial"/>
-        <a:font script="Bugi" typeface="Leelawadee UI"/>
-        <a:font script="Bopo" typeface="Microsoft JhengHei"/>
-        <a:font script="Java" typeface="Javanese Text"/>
-        <a:font script="Lisu" typeface="Segoe UI"/>
-        <a:font script="Mymr" typeface="Myanmar Text"/>
-        <a:font script="Nkoo" typeface="Ebrima"/>
-        <a:font script="Olck" typeface="Nirmala UI"/>
-        <a:font script="Osma" typeface="Ebrima"/>
-        <a:font script="Phag" typeface="Phagspa"/>
-        <a:font script="Syrn" typeface="Estrangelo Edessa"/>
-        <a:font script="Syrj" typeface="Estrangelo Edessa"/>
-        <a:font script="Syre" typeface="Estrangelo Edessa"/>
-        <a:font script="Sora" typeface="Nirmala UI"/>
-        <a:font script="Tale" typeface="Microsoft Tai Le"/>
-        <a:font script="Talu" typeface="Microsoft New Tai Lue"/>
-        <a:font script="Tfng" typeface="Ebrima"/>
       </a:majorFont>
       <a:minorFont>
         <a:latin typeface="Calibri" panose="020F0502020204030204"/>
         <a:ea typeface=""/>
         <a:cs typeface=""/>
-        <a:font script="Jpan" typeface="游ゴシック"/>
+        <a:font script="Jpan" typeface="ＭＳ Ｐゴシック"/>
         <a:font script="Hang" typeface="맑은 고딕"/>
-        <a:font script="Hans" typeface="等线"/>
+        <a:font script="Hans" typeface="宋体"/>
         <a:font script="Hant" typeface="新細明體"/>
         <a:font script="Arab" typeface="Arial"/>
         <a:font script="Hebr" typeface="Arial"/>
@@ -3769,26 +6040,9 @@
         <a:font script="Viet" typeface="Arial"/>
         <a:font script="Uigh" typeface="Microsoft Uighur"/>
         <a:font script="Geor" typeface="Sylfaen"/>
-        <a:font script="Armn" typeface="Arial"/>
-        <a:font script="Bugi" typeface="Leelawadee UI"/>
-        <a:font script="Bopo" typeface="Microsoft JhengHei"/>
-        <a:font script="Java" typeface="Javanese Text"/>
-        <a:font script="Lisu" typeface="Segoe UI"/>
-        <a:font script="Mymr" typeface="Myanmar Text"/>
-        <a:font script="Nkoo" typeface="Ebrima"/>
-        <a:font script="Olck" typeface="Nirmala UI"/>
-        <a:font script="Osma" typeface="Ebrima"/>
-        <a:font script="Phag" typeface="Phagspa"/>
-        <a:font script="Syrn" typeface="Estrangelo Edessa"/>
-        <a:font script="Syrj" typeface="Estrangelo Edessa"/>
-        <a:font script="Syre" typeface="Estrangelo Edessa"/>
-        <a:font script="Sora" typeface="Nirmala UI"/>
-        <a:font script="Tale" typeface="Microsoft Tai Le"/>
-        <a:font script="Talu" typeface="Microsoft New Tai Lue"/>
-        <a:font script="Tfng" typeface="Ebrima"/>
       </a:minorFont>
     </a:fontScheme>
-    <a:fmtScheme name="Office">
+    <a:fmtScheme name="Rückblick">
       <a:fillStyleLst>
         <a:solidFill>
           <a:schemeClr val="phClr"/>
@@ -3797,76 +6051,81 @@
           <a:gsLst>
             <a:gs pos="0">
               <a:schemeClr val="phClr">
-                <a:lumMod val="110000"/>
-                <a:satMod val="105000"/>
-                <a:tint val="67000"/>
+                <a:tint val="65000"/>
+                <a:shade val="92000"/>
+                <a:satMod val="130000"/>
               </a:schemeClr>
             </a:gs>
-            <a:gs pos="50000">
+            <a:gs pos="45000">
               <a:schemeClr val="phClr">
-                <a:lumMod val="105000"/>
-                <a:satMod val="103000"/>
-                <a:tint val="73000"/>
+                <a:tint val="60000"/>
+                <a:shade val="99000"/>
+                <a:satMod val="120000"/>
               </a:schemeClr>
             </a:gs>
             <a:gs pos="100000">
               <a:schemeClr val="phClr">
-                <a:lumMod val="105000"/>
-                <a:satMod val="109000"/>
-                <a:tint val="81000"/>
+                <a:tint val="55000"/>
+                <a:satMod val="140000"/>
               </a:schemeClr>
             </a:gs>
           </a:gsLst>
-          <a:lin ang="5400000" scaled="0"/>
+          <a:path path="circle">
+            <a:fillToRect l="100000" t="100000" r="100000" b="100000"/>
+          </a:path>
         </a:gradFill>
         <a:gradFill rotWithShape="1">
           <a:gsLst>
             <a:gs pos="0">
               <a:schemeClr val="phClr">
-                <a:satMod val="103000"/>
-                <a:lumMod val="102000"/>
-                <a:tint val="94000"/>
+                <a:shade val="85000"/>
+                <a:satMod val="130000"/>
               </a:schemeClr>
             </a:gs>
-            <a:gs pos="50000">
+            <a:gs pos="34000">
               <a:schemeClr val="phClr">
-                <a:satMod val="110000"/>
-                <a:lumMod val="100000"/>
-                <a:shade val="100000"/>
+                <a:shade val="87000"/>
+                <a:satMod val="125000"/>
+              </a:schemeClr>
+            </a:gs>
+            <a:gs pos="70000">
+              <a:schemeClr val="phClr">
+                <a:tint val="100000"/>
+                <a:shade val="90000"/>
+                <a:satMod val="130000"/>
               </a:schemeClr>
             </a:gs>
             <a:gs pos="100000">
               <a:schemeClr val="phClr">
-                <a:lumMod val="99000"/>
-                <a:satMod val="120000"/>
-                <a:shade val="78000"/>
+                <a:tint val="100000"/>
+                <a:shade val="100000"/>
+                <a:satMod val="110000"/>
               </a:schemeClr>
             </a:gs>
           </a:gsLst>
-          <a:lin ang="5400000" scaled="0"/>
+          <a:path path="circle">
+            <a:fillToRect l="100000" t="100000" r="100000" b="100000"/>
+          </a:path>
         </a:gradFill>
       </a:fillStyleLst>
       <a:lnStyleLst>
-        <a:ln w="6350" cap="flat" cmpd="sng" algn="ctr">
-          <a:solidFill>
-            <a:schemeClr val="phClr"/>
-          </a:solidFill>
-          <a:prstDash val="solid"/>
-          <a:miter lim="800000"/>
-        </a:ln>
         <a:ln w="12700" cap="flat" cmpd="sng" algn="ctr">
           <a:solidFill>
             <a:schemeClr val="phClr"/>
           </a:solidFill>
           <a:prstDash val="solid"/>
-          <a:miter lim="800000"/>
         </a:ln>
-        <a:ln w="19050" cap="flat" cmpd="sng" algn="ctr">
+        <a:ln w="15875" cap="flat" cmpd="sng" algn="ctr">
           <a:solidFill>
             <a:schemeClr val="phClr"/>
           </a:solidFill>
           <a:prstDash val="solid"/>
-          <a:miter lim="800000"/>
+        </a:ln>
+        <a:ln w="25400" cap="flat" cmpd="sng" algn="ctr">
+          <a:solidFill>
+            <a:schemeClr val="phClr"/>
+          </a:solidFill>
+          <a:prstDash val="solid"/>
         </a:ln>
       </a:lnStyleLst>
       <a:effectStyleLst>
@@ -3874,16 +6133,33 @@
           <a:effectLst/>
         </a:effectStyle>
         <a:effectStyle>
-          <a:effectLst/>
+          <a:effectLst>
+            <a:outerShdw blurRad="38100" dist="25400" dir="2700000" algn="br" rotWithShape="0">
+              <a:srgbClr val="000000">
+                <a:alpha val="60000"/>
+              </a:srgbClr>
+            </a:outerShdw>
+          </a:effectLst>
         </a:effectStyle>
         <a:effectStyle>
           <a:effectLst>
-            <a:outerShdw blurRad="57150" dist="19050" dir="5400000" algn="ctr" rotWithShape="0">
+            <a:outerShdw blurRad="44450" dist="25400" dir="2700000" algn="br" rotWithShape="0">
               <a:srgbClr val="000000">
-                <a:alpha val="63000"/>
+                <a:alpha val="60000"/>
               </a:srgbClr>
             </a:outerShdw>
           </a:effectLst>
+          <a:scene3d>
+            <a:camera prst="orthographicFront">
+              <a:rot lat="0" lon="0" rev="0"/>
+            </a:camera>
+            <a:lightRig rig="threePt" dir="t">
+              <a:rot lat="0" lon="0" rev="19800000"/>
+            </a:lightRig>
+          </a:scene3d>
+          <a:sp3d prstMaterial="flat">
+            <a:bevelT w="25400" h="31750"/>
+          </a:sp3d>
         </a:effectStyle>
       </a:effectStyleLst>
       <a:bgFillStyleLst>
@@ -3892,36 +6168,36 @@
         </a:solidFill>
         <a:solidFill>
           <a:schemeClr val="phClr">
-            <a:tint val="95000"/>
-            <a:satMod val="170000"/>
+            <a:tint val="90000"/>
+            <a:shade val="97000"/>
+            <a:satMod val="130000"/>
           </a:schemeClr>
         </a:solidFill>
         <a:gradFill rotWithShape="1">
           <a:gsLst>
             <a:gs pos="0">
               <a:schemeClr val="phClr">
-                <a:tint val="93000"/>
-                <a:satMod val="150000"/>
-                <a:shade val="98000"/>
-                <a:lumMod val="102000"/>
+                <a:tint val="96000"/>
+                <a:shade val="99000"/>
+                <a:satMod val="140000"/>
               </a:schemeClr>
             </a:gs>
-            <a:gs pos="50000">
+            <a:gs pos="65000">
               <a:schemeClr val="phClr">
-                <a:tint val="98000"/>
+                <a:tint val="100000"/>
+                <a:shade val="80000"/>
                 <a:satMod val="130000"/>
-                <a:shade val="90000"/>
-                <a:lumMod val="103000"/>
               </a:schemeClr>
             </a:gs>
             <a:gs pos="100000">
               <a:schemeClr val="phClr">
-                <a:shade val="63000"/>
+                <a:tint val="100000"/>
+                <a:shade val="48000"/>
                 <a:satMod val="120000"/>
               </a:schemeClr>
             </a:gs>
           </a:gsLst>
-          <a:lin ang="5400000" scaled="0"/>
+          <a:lin ang="16200000" scaled="0"/>
         </a:gradFill>
       </a:bgFillStyleLst>
     </a:fmtScheme>
@@ -3930,7 +6206,7 @@
   <a:extraClrSchemeLst/>
   <a:extLst>
     <a:ext uri="{05A4C25C-085E-4340-85A3-A5531E510DB2}">
-      <thm15:themeFamily xmlns:thm15="http://schemas.microsoft.com/office/thememl/2012/main" name="Office Theme" id="{62F939B6-93AF-4DB8-9C6B-D6C7DFDC589F}" vid="{4A3C46E8-61CC-4603-A589-7422A47A8E4A}"/>
+      <thm15:themeFamily xmlns:thm15="http://schemas.microsoft.com/office/thememl/2012/main" name="Retrospect" id="{5F128B03-DCCA-4EEB-AB3B-CF2899314A46}" vid="{3F1AAB62-24C6-49D2-8E01-B56FAC9A3DCD}"/>
     </a:ext>
   </a:extLst>
 </a:theme>

--- a/Recap_SW5_Ineichen_Stecher.pptx
+++ b/Recap_SW5_Ineichen_Stecher.pptx
@@ -8,17 +8,19 @@
     <p:sldId id="256" r:id="rId2"/>
     <p:sldId id="257" r:id="rId3"/>
     <p:sldId id="258" r:id="rId4"/>
-    <p:sldId id="259" r:id="rId5"/>
-    <p:sldId id="261" r:id="rId6"/>
-    <p:sldId id="262" r:id="rId7"/>
-    <p:sldId id="263" r:id="rId8"/>
-    <p:sldId id="264" r:id="rId9"/>
-    <p:sldId id="265" r:id="rId10"/>
-    <p:sldId id="266" r:id="rId11"/>
-    <p:sldId id="267" r:id="rId12"/>
-    <p:sldId id="268" r:id="rId13"/>
-    <p:sldId id="269" r:id="rId14"/>
-    <p:sldId id="260" r:id="rId15"/>
+    <p:sldId id="270" r:id="rId5"/>
+    <p:sldId id="259" r:id="rId6"/>
+    <p:sldId id="261" r:id="rId7"/>
+    <p:sldId id="262" r:id="rId8"/>
+    <p:sldId id="263" r:id="rId9"/>
+    <p:sldId id="264" r:id="rId10"/>
+    <p:sldId id="265" r:id="rId11"/>
+    <p:sldId id="266" r:id="rId12"/>
+    <p:sldId id="267" r:id="rId13"/>
+    <p:sldId id="268" r:id="rId14"/>
+    <p:sldId id="269" r:id="rId15"/>
+    <p:sldId id="271" r:id="rId16"/>
+    <p:sldId id="260" r:id="rId17"/>
   </p:sldIdLst>
   <p:sldSz cx="12192000" cy="6858000"/>
   <p:notesSz cx="6858000" cy="9144000"/>
@@ -351,7 +353,7 @@
           <a:p>
             <a:fld id="{CFF0E3E0-6B59-4FD8-AEDD-9E53307F786E}" type="datetimeFigureOut">
               <a:rPr lang="de-CH" smtClean="0"/>
-              <a:t>23.10.2016</a:t>
+              <a:t>24.10.2016</a:t>
             </a:fld>
             <a:endParaRPr lang="de-CH"/>
           </a:p>
@@ -559,7 +561,7 @@
           <a:p>
             <a:fld id="{CFF0E3E0-6B59-4FD8-AEDD-9E53307F786E}" type="datetimeFigureOut">
               <a:rPr lang="de-CH" smtClean="0"/>
-              <a:t>23.10.2016</a:t>
+              <a:t>24.10.2016</a:t>
             </a:fld>
             <a:endParaRPr lang="de-CH"/>
           </a:p>
@@ -815,7 +817,7 @@
           <a:p>
             <a:fld id="{CFF0E3E0-6B59-4FD8-AEDD-9E53307F786E}" type="datetimeFigureOut">
               <a:rPr lang="de-CH" smtClean="0"/>
-              <a:t>23.10.2016</a:t>
+              <a:t>24.10.2016</a:t>
             </a:fld>
             <a:endParaRPr lang="de-CH"/>
           </a:p>
@@ -989,7 +991,7 @@
           <a:p>
             <a:fld id="{CFF0E3E0-6B59-4FD8-AEDD-9E53307F786E}" type="datetimeFigureOut">
               <a:rPr lang="de-CH" smtClean="0"/>
-              <a:t>23.10.2016</a:t>
+              <a:t>24.10.2016</a:t>
             </a:fld>
             <a:endParaRPr lang="de-CH"/>
           </a:p>
@@ -1332,7 +1334,7 @@
           <a:p>
             <a:fld id="{CFF0E3E0-6B59-4FD8-AEDD-9E53307F786E}" type="datetimeFigureOut">
               <a:rPr lang="de-CH" smtClean="0"/>
-              <a:t>23.10.2016</a:t>
+              <a:t>24.10.2016</a:t>
             </a:fld>
             <a:endParaRPr lang="de-CH"/>
           </a:p>
@@ -1607,7 +1609,7 @@
           <a:p>
             <a:fld id="{CFF0E3E0-6B59-4FD8-AEDD-9E53307F786E}" type="datetimeFigureOut">
               <a:rPr lang="de-CH" smtClean="0"/>
-              <a:t>23.10.2016</a:t>
+              <a:t>24.10.2016</a:t>
             </a:fld>
             <a:endParaRPr lang="de-CH"/>
           </a:p>
@@ -1986,7 +1988,7 @@
           <a:p>
             <a:fld id="{CFF0E3E0-6B59-4FD8-AEDD-9E53307F786E}" type="datetimeFigureOut">
               <a:rPr lang="de-CH" smtClean="0"/>
-              <a:t>23.10.2016</a:t>
+              <a:t>24.10.2016</a:t>
             </a:fld>
             <a:endParaRPr lang="de-CH"/>
           </a:p>
@@ -2104,7 +2106,7 @@
           <a:p>
             <a:fld id="{CFF0E3E0-6B59-4FD8-AEDD-9E53307F786E}" type="datetimeFigureOut">
               <a:rPr lang="de-CH" smtClean="0"/>
-              <a:t>23.10.2016</a:t>
+              <a:t>24.10.2016</a:t>
             </a:fld>
             <a:endParaRPr lang="de-CH"/>
           </a:p>
@@ -2275,7 +2277,7 @@
           <a:p>
             <a:fld id="{CFF0E3E0-6B59-4FD8-AEDD-9E53307F786E}" type="datetimeFigureOut">
               <a:rPr lang="de-CH" smtClean="0"/>
-              <a:t>23.10.2016</a:t>
+              <a:t>24.10.2016</a:t>
             </a:fld>
             <a:endParaRPr lang="de-CH"/>
           </a:p>
@@ -2629,7 +2631,7 @@
           <a:p>
             <a:fld id="{CFF0E3E0-6B59-4FD8-AEDD-9E53307F786E}" type="datetimeFigureOut">
               <a:rPr lang="de-CH" smtClean="0"/>
-              <a:t>23.10.2016</a:t>
+              <a:t>24.10.2016</a:t>
             </a:fld>
             <a:endParaRPr lang="de-CH"/>
           </a:p>
@@ -3011,7 +3013,7 @@
           <a:p>
             <a:fld id="{CFF0E3E0-6B59-4FD8-AEDD-9E53307F786E}" type="datetimeFigureOut">
               <a:rPr lang="de-CH" smtClean="0"/>
-              <a:t>23.10.2016</a:t>
+              <a:t>24.10.2016</a:t>
             </a:fld>
             <a:endParaRPr lang="de-CH"/>
           </a:p>
@@ -3298,7 +3300,7 @@
           <a:p>
             <a:fld id="{CFF0E3E0-6B59-4FD8-AEDD-9E53307F786E}" type="datetimeFigureOut">
               <a:rPr lang="de-CH" smtClean="0"/>
-              <a:t>23.10.2016</a:t>
+              <a:t>24.10.2016</a:t>
             </a:fld>
             <a:endParaRPr lang="de-CH"/>
           </a:p>
@@ -3927,9 +3929,246 @@
             </a:r>
             <a:r>
               <a:rPr lang="de-CH" dirty="0"/>
-              <a:t> Kernel Control	</a:t>
+              <a:t> </a:t>
+            </a:r>
+            <a:br>
+              <a:rPr lang="de-CH" dirty="0"/>
+            </a:br>
+            <a:r>
+              <a:rPr lang="de-CH" dirty="0" err="1"/>
+              <a:t>Architecture</a:t>
             </a:r>
             <a:endParaRPr lang="de-CH" dirty="0"/>
+          </a:p>
+        </p:txBody>
+      </p:sp>
+      <p:sp>
+        <p:nvSpPr>
+          <p:cNvPr id="3" name="Inhaltsplatzhalter 2"/>
+          <p:cNvSpPr>
+            <a:spLocks noGrp="1"/>
+          </p:cNvSpPr>
+          <p:nvPr>
+            <p:ph idx="1"/>
+          </p:nvPr>
+        </p:nvSpPr>
+        <p:spPr/>
+        <p:txBody>
+          <a:bodyPr/>
+          <a:lstStyle/>
+          <a:p>
+            <a:r>
+              <a:rPr lang="de-CH" b="1" dirty="0"/>
+              <a:t>Kernel </a:t>
+            </a:r>
+            <a:r>
+              <a:rPr lang="de-CH" b="1" dirty="0" err="1"/>
+              <a:t>and</a:t>
+            </a:r>
+            <a:r>
+              <a:rPr lang="de-CH" b="1" dirty="0"/>
+              <a:t> Interrupts</a:t>
+            </a:r>
+          </a:p>
+          <a:p>
+            <a:pPr lvl="1"/>
+            <a:r>
+              <a:rPr lang="de-CH" b="1" dirty="0"/>
+              <a:t>Tick Interrupt</a:t>
+            </a:r>
+            <a:r>
+              <a:rPr lang="de-CH" dirty="0"/>
+              <a:t>: </a:t>
+            </a:r>
+            <a:r>
+              <a:rPr lang="de-CH" dirty="0" err="1"/>
+              <a:t>SysTick</a:t>
+            </a:r>
+            <a:endParaRPr lang="de-CH" dirty="0"/>
+          </a:p>
+          <a:p>
+            <a:pPr lvl="1"/>
+            <a:r>
+              <a:rPr lang="de-CH" b="1" dirty="0"/>
+              <a:t>Software Interrupt</a:t>
+            </a:r>
+            <a:r>
+              <a:rPr lang="de-CH" dirty="0"/>
+              <a:t>: </a:t>
+            </a:r>
+            <a:r>
+              <a:rPr lang="de-CH" dirty="0" err="1"/>
+              <a:t>SVCall</a:t>
+            </a:r>
+            <a:r>
+              <a:rPr lang="de-CH" dirty="0"/>
+              <a:t>, </a:t>
+            </a:r>
+            <a:r>
+              <a:rPr lang="de-CH" dirty="0" err="1"/>
+              <a:t>PendableSrvReq</a:t>
+            </a:r>
+            <a:endParaRPr lang="de-CH" dirty="0"/>
+          </a:p>
+          <a:p>
+            <a:pPr lvl="1"/>
+            <a:r>
+              <a:rPr lang="de-CH" dirty="0"/>
+              <a:t>Other </a:t>
+            </a:r>
+            <a:r>
+              <a:rPr lang="de-CH" dirty="0" err="1"/>
+              <a:t>interrupts</a:t>
+            </a:r>
+            <a:r>
+              <a:rPr lang="de-CH" dirty="0"/>
+              <a:t>: </a:t>
+            </a:r>
+            <a:r>
+              <a:rPr lang="de-CH" dirty="0" err="1"/>
+              <a:t>under</a:t>
+            </a:r>
+            <a:r>
+              <a:rPr lang="de-CH" dirty="0"/>
+              <a:t> </a:t>
+            </a:r>
+            <a:r>
+              <a:rPr lang="de-CH" dirty="0" err="1"/>
+              <a:t>application</a:t>
+            </a:r>
+            <a:r>
+              <a:rPr lang="de-CH" dirty="0"/>
+              <a:t> </a:t>
+            </a:r>
+            <a:r>
+              <a:rPr lang="de-CH" dirty="0" err="1"/>
+              <a:t>control</a:t>
+            </a:r>
+            <a:endParaRPr lang="de-CH" dirty="0"/>
+          </a:p>
+          <a:p>
+            <a:pPr lvl="1"/>
+            <a:r>
+              <a:rPr lang="en-US" dirty="0"/>
+              <a:t>Do </a:t>
+            </a:r>
+            <a:r>
+              <a:rPr lang="en-US" b="1" dirty="0"/>
+              <a:t>not </a:t>
+            </a:r>
+            <a:r>
+              <a:rPr lang="en-US" dirty="0"/>
+              <a:t>call RTOS API from ISR</a:t>
+            </a:r>
+            <a:endParaRPr lang="de-CH" dirty="0"/>
+          </a:p>
+          <a:p>
+            <a:pPr lvl="1"/>
+            <a:r>
+              <a:rPr lang="en-US" dirty="0"/>
+              <a:t>using PRIMASK to mask interrupts</a:t>
+            </a:r>
+          </a:p>
+          <a:p>
+            <a:pPr marL="201168" lvl="1" indent="0">
+              <a:buNone/>
+            </a:pPr>
+            <a:r>
+              <a:rPr lang="en-US" dirty="0"/>
+              <a:t>    </a:t>
+            </a:r>
+            <a:r>
+              <a:rPr lang="en-US" dirty="0" err="1"/>
+              <a:t>configMAX_SYSCALL_INTERRUPT_PRIORITY</a:t>
+            </a:r>
+            <a:endParaRPr lang="de-CH" dirty="0"/>
+          </a:p>
+        </p:txBody>
+      </p:sp>
+      <p:pic>
+        <p:nvPicPr>
+          <p:cNvPr id="4" name="Grafik 3"/>
+          <p:cNvPicPr>
+            <a:picLocks noChangeAspect="1"/>
+          </p:cNvPicPr>
+          <p:nvPr/>
+        </p:nvPicPr>
+        <p:blipFill>
+          <a:blip r:embed="rId2"/>
+          <a:stretch>
+            <a:fillRect/>
+          </a:stretch>
+        </p:blipFill>
+        <p:spPr>
+          <a:xfrm>
+            <a:off x="5606376" y="1786427"/>
+            <a:ext cx="6444325" cy="3449609"/>
+          </a:xfrm>
+          <a:prstGeom prst="rect">
+            <a:avLst/>
+          </a:prstGeom>
+        </p:spPr>
+      </p:pic>
+    </p:spTree>
+    <p:extLst>
+      <p:ext uri="{BB962C8B-B14F-4D97-AF65-F5344CB8AC3E}">
+        <p14:creationId xmlns:p14="http://schemas.microsoft.com/office/powerpoint/2010/main" val="2833264382"/>
+      </p:ext>
+    </p:extLst>
+  </p:cSld>
+  <p:clrMapOvr>
+    <a:masterClrMapping/>
+  </p:clrMapOvr>
+</p:sld>
+</file>
+
+<file path=ppt/slides/slide11.xml><?xml version="1.0" encoding="utf-8"?>
+<p:sld xmlns:a="http://schemas.openxmlformats.org/drawingml/2006/main" xmlns:r="http://schemas.openxmlformats.org/officeDocument/2006/relationships" xmlns:p="http://schemas.openxmlformats.org/presentationml/2006/main">
+  <p:cSld>
+    <p:spTree>
+      <p:nvGrpSpPr>
+        <p:cNvPr id="1" name=""/>
+        <p:cNvGrpSpPr/>
+        <p:nvPr/>
+      </p:nvGrpSpPr>
+      <p:grpSpPr>
+        <a:xfrm>
+          <a:off x="0" y="0"/>
+          <a:ext cx="0" cy="0"/>
+          <a:chOff x="0" y="0"/>
+          <a:chExt cx="0" cy="0"/>
+        </a:xfrm>
+      </p:grpSpPr>
+      <p:sp>
+        <p:nvSpPr>
+          <p:cNvPr id="2" name="Titel 1"/>
+          <p:cNvSpPr>
+            <a:spLocks noGrp="1"/>
+          </p:cNvSpPr>
+          <p:nvPr>
+            <p:ph type="title"/>
+          </p:nvPr>
+        </p:nvSpPr>
+        <p:spPr/>
+        <p:txBody>
+          <a:bodyPr/>
+          <a:lstStyle/>
+          <a:p>
+            <a:r>
+              <a:rPr lang="de-CH" b="1" dirty="0" err="1"/>
+              <a:t>FreeRTOS</a:t>
+            </a:r>
+            <a:r>
+              <a:rPr lang="de-CH" dirty="0"/>
+              <a:t> </a:t>
+            </a:r>
+            <a:br>
+              <a:rPr lang="de-CH" dirty="0"/>
+            </a:br>
+            <a:r>
+              <a:rPr lang="de-CH" dirty="0"/>
+              <a:t>Kernel Control	</a:t>
+            </a:r>
           </a:p>
         </p:txBody>
       </p:sp>
@@ -4113,7 +4352,7 @@
 </p:sld>
 </file>
 
-<file path=ppt/slides/slide11.xml><?xml version="1.0" encoding="utf-8"?>
+<file path=ppt/slides/slide12.xml><?xml version="1.0" encoding="utf-8"?>
 <p:sld xmlns:a="http://schemas.openxmlformats.org/drawingml/2006/main" xmlns:r="http://schemas.openxmlformats.org/officeDocument/2006/relationships" xmlns:p="http://schemas.openxmlformats.org/presentationml/2006/main">
   <p:cSld>
     <p:spTree>
@@ -4151,9 +4390,15 @@
             </a:r>
             <a:r>
               <a:rPr lang="de-CH" dirty="0"/>
-              <a:t> Kernel Control	</a:t>
-            </a:r>
-            <a:endParaRPr lang="de-CH" dirty="0"/>
+              <a:t> </a:t>
+            </a:r>
+            <a:br>
+              <a:rPr lang="de-CH" dirty="0"/>
+            </a:br>
+            <a:r>
+              <a:rPr lang="de-CH" dirty="0"/>
+              <a:t>Kernel Control	</a:t>
+            </a:r>
           </a:p>
         </p:txBody>
       </p:sp>
@@ -4270,7 +4515,7 @@
 </p:sld>
 </file>
 
-<file path=ppt/slides/slide12.xml><?xml version="1.0" encoding="utf-8"?>
+<file path=ppt/slides/slide13.xml><?xml version="1.0" encoding="utf-8"?>
 <p:sld xmlns:a="http://schemas.openxmlformats.org/drawingml/2006/main" xmlns:r="http://schemas.openxmlformats.org/officeDocument/2006/relationships" xmlns:p="http://schemas.openxmlformats.org/presentationml/2006/main">
   <p:cSld>
     <p:spTree>
@@ -4308,9 +4553,15 @@
             </a:r>
             <a:r>
               <a:rPr lang="de-CH" dirty="0"/>
-              <a:t> Kernel Control	</a:t>
-            </a:r>
-            <a:endParaRPr lang="de-CH" dirty="0"/>
+              <a:t> </a:t>
+            </a:r>
+            <a:br>
+              <a:rPr lang="de-CH" dirty="0"/>
+            </a:br>
+            <a:r>
+              <a:rPr lang="de-CH" dirty="0"/>
+              <a:t>Kernel Control	</a:t>
+            </a:r>
           </a:p>
         </p:txBody>
       </p:sp>
@@ -4427,7 +4678,7 @@
 </p:sld>
 </file>
 
-<file path=ppt/slides/slide13.xml><?xml version="1.0" encoding="utf-8"?>
+<file path=ppt/slides/slide14.xml><?xml version="1.0" encoding="utf-8"?>
 <p:sld xmlns:a="http://schemas.openxmlformats.org/drawingml/2006/main" xmlns:r="http://schemas.openxmlformats.org/officeDocument/2006/relationships" xmlns:p="http://schemas.openxmlformats.org/presentationml/2006/main">
   <p:cSld>
     <p:spTree>
@@ -4465,9 +4716,15 @@
             </a:r>
             <a:r>
               <a:rPr lang="de-CH" dirty="0"/>
-              <a:t> Tasks</a:t>
-            </a:r>
-            <a:endParaRPr lang="de-CH" dirty="0"/>
+              <a:t> </a:t>
+            </a:r>
+            <a:br>
+              <a:rPr lang="de-CH" dirty="0"/>
+            </a:br>
+            <a:r>
+              <a:rPr lang="de-CH" dirty="0"/>
+              <a:t>Tasks</a:t>
+            </a:r>
           </a:p>
         </p:txBody>
       </p:sp>
@@ -4501,6 +4758,16 @@
             <a:endParaRPr lang="de-CH" b="1" dirty="0"/>
           </a:p>
           <a:p>
+            <a:r>
+              <a:rPr lang="en-US" dirty="0"/>
+              <a:t>Always run the highest-priority ready task</a:t>
+            </a:r>
+          </a:p>
+          <a:p>
+            <a:r>
+              <a:rPr lang="en-US" dirty="0"/>
+              <a:t>Multiple tasks with the same priority: time-slicing</a:t>
+            </a:r>
             <a:endParaRPr lang="de-CH" b="1" dirty="0"/>
           </a:p>
         </p:txBody>
@@ -4542,7 +4809,114 @@
 </p:sld>
 </file>
 
-<file path=ppt/slides/slide14.xml><?xml version="1.0" encoding="utf-8"?>
+<file path=ppt/slides/slide15.xml><?xml version="1.0" encoding="utf-8"?>
+<p:sld xmlns:a="http://schemas.openxmlformats.org/drawingml/2006/main" xmlns:r="http://schemas.openxmlformats.org/officeDocument/2006/relationships" xmlns:p="http://schemas.openxmlformats.org/presentationml/2006/main">
+  <p:cSld>
+    <p:spTree>
+      <p:nvGrpSpPr>
+        <p:cNvPr id="1" name=""/>
+        <p:cNvGrpSpPr/>
+        <p:nvPr/>
+      </p:nvGrpSpPr>
+      <p:grpSpPr>
+        <a:xfrm>
+          <a:off x="0" y="0"/>
+          <a:ext cx="0" cy="0"/>
+          <a:chOff x="0" y="0"/>
+          <a:chExt cx="0" cy="0"/>
+        </a:xfrm>
+      </p:grpSpPr>
+      <p:sp>
+        <p:nvSpPr>
+          <p:cNvPr id="2" name="Titel 1"/>
+          <p:cNvSpPr>
+            <a:spLocks noGrp="1"/>
+          </p:cNvSpPr>
+          <p:nvPr>
+            <p:ph type="title"/>
+          </p:nvPr>
+        </p:nvSpPr>
+        <p:spPr/>
+        <p:txBody>
+          <a:bodyPr/>
+          <a:lstStyle/>
+          <a:p>
+            <a:r>
+              <a:rPr lang="de-CH" b="1" dirty="0" err="1"/>
+              <a:t>FreeRTOS</a:t>
+            </a:r>
+            <a:r>
+              <a:rPr lang="de-CH" dirty="0"/>
+              <a:t> </a:t>
+            </a:r>
+            <a:br>
+              <a:rPr lang="de-CH" dirty="0"/>
+            </a:br>
+            <a:r>
+              <a:rPr lang="de-CH" dirty="0"/>
+              <a:t>Tasks</a:t>
+            </a:r>
+            <a:endParaRPr lang="de-CH" dirty="0"/>
+          </a:p>
+        </p:txBody>
+      </p:sp>
+      <p:sp>
+        <p:nvSpPr>
+          <p:cNvPr id="3" name="Inhaltsplatzhalter 2"/>
+          <p:cNvSpPr>
+            <a:spLocks noGrp="1"/>
+          </p:cNvSpPr>
+          <p:nvPr>
+            <p:ph idx="1"/>
+          </p:nvPr>
+        </p:nvSpPr>
+        <p:spPr/>
+        <p:txBody>
+          <a:bodyPr/>
+          <a:lstStyle/>
+          <a:p>
+            <a:endParaRPr lang="de-CH" dirty="0"/>
+          </a:p>
+        </p:txBody>
+      </p:sp>
+      <p:pic>
+        <p:nvPicPr>
+          <p:cNvPr id="4" name="Grafik 3"/>
+          <p:cNvPicPr>
+            <a:picLocks noChangeAspect="1"/>
+          </p:cNvPicPr>
+          <p:nvPr/>
+        </p:nvPicPr>
+        <p:blipFill>
+          <a:blip r:embed="rId2"/>
+          <a:stretch>
+            <a:fillRect/>
+          </a:stretch>
+        </p:blipFill>
+        <p:spPr>
+          <a:xfrm>
+            <a:off x="3441263" y="1792322"/>
+            <a:ext cx="4167104" cy="4470666"/>
+          </a:xfrm>
+          <a:prstGeom prst="rect">
+            <a:avLst/>
+          </a:prstGeom>
+        </p:spPr>
+      </p:pic>
+    </p:spTree>
+    <p:extLst>
+      <p:ext uri="{BB962C8B-B14F-4D97-AF65-F5344CB8AC3E}">
+        <p14:creationId xmlns:p14="http://schemas.microsoft.com/office/powerpoint/2010/main" val="99883334"/>
+      </p:ext>
+    </p:extLst>
+  </p:cSld>
+  <p:clrMapOvr>
+    <a:masterClrMapping/>
+  </p:clrMapOvr>
+</p:sld>
+</file>
+
+<file path=ppt/slides/slide16.xml><?xml version="1.0" encoding="utf-8"?>
 <p:sld xmlns:a="http://schemas.openxmlformats.org/drawingml/2006/main" xmlns:r="http://schemas.openxmlformats.org/officeDocument/2006/relationships" xmlns:p="http://schemas.openxmlformats.org/presentationml/2006/main">
   <p:cSld>
     <p:spTree>
@@ -5043,7 +5417,7 @@
         </p:blipFill>
         <p:spPr>
           <a:xfrm>
-            <a:off x="1843341" y="1428751"/>
+            <a:off x="1815420" y="2036024"/>
             <a:ext cx="8505317" cy="3817902"/>
           </a:xfrm>
           <a:prstGeom prst="rect">
@@ -5097,6 +5471,84 @@
           <a:lstStyle/>
           <a:p>
             <a:r>
+              <a:rPr lang="de-CH" dirty="0"/>
+              <a:t>RTOS Kernel</a:t>
+            </a:r>
+          </a:p>
+        </p:txBody>
+      </p:sp>
+      <p:pic>
+        <p:nvPicPr>
+          <p:cNvPr id="4" name="Inhaltsplatzhalter 3"/>
+          <p:cNvPicPr>
+            <a:picLocks noGrp="1" noChangeAspect="1"/>
+          </p:cNvPicPr>
+          <p:nvPr>
+            <p:ph idx="1"/>
+          </p:nvPr>
+        </p:nvPicPr>
+        <p:blipFill>
+          <a:blip r:embed="rId2"/>
+          <a:stretch>
+            <a:fillRect/>
+          </a:stretch>
+        </p:blipFill>
+        <p:spPr>
+          <a:xfrm>
+            <a:off x="2078691" y="2007271"/>
+            <a:ext cx="7784263" cy="3856314"/>
+          </a:xfrm>
+          <a:prstGeom prst="rect">
+            <a:avLst/>
+          </a:prstGeom>
+        </p:spPr>
+      </p:pic>
+    </p:spTree>
+    <p:extLst>
+      <p:ext uri="{BB962C8B-B14F-4D97-AF65-F5344CB8AC3E}">
+        <p14:creationId xmlns:p14="http://schemas.microsoft.com/office/powerpoint/2010/main" val="4092189812"/>
+      </p:ext>
+    </p:extLst>
+  </p:cSld>
+  <p:clrMapOvr>
+    <a:masterClrMapping/>
+  </p:clrMapOvr>
+</p:sld>
+</file>
+
+<file path=ppt/slides/slide5.xml><?xml version="1.0" encoding="utf-8"?>
+<p:sld xmlns:a="http://schemas.openxmlformats.org/drawingml/2006/main" xmlns:r="http://schemas.openxmlformats.org/officeDocument/2006/relationships" xmlns:p="http://schemas.openxmlformats.org/presentationml/2006/main">
+  <p:cSld>
+    <p:spTree>
+      <p:nvGrpSpPr>
+        <p:cNvPr id="1" name=""/>
+        <p:cNvGrpSpPr/>
+        <p:nvPr/>
+      </p:nvGrpSpPr>
+      <p:grpSpPr>
+        <a:xfrm>
+          <a:off x="0" y="0"/>
+          <a:ext cx="0" cy="0"/>
+          <a:chOff x="0" y="0"/>
+          <a:chExt cx="0" cy="0"/>
+        </a:xfrm>
+      </p:grpSpPr>
+      <p:sp>
+        <p:nvSpPr>
+          <p:cNvPr id="2" name="Titel 1"/>
+          <p:cNvSpPr>
+            <a:spLocks noGrp="1"/>
+          </p:cNvSpPr>
+          <p:nvPr>
+            <p:ph type="title"/>
+          </p:nvPr>
+        </p:nvSpPr>
+        <p:spPr/>
+        <p:txBody>
+          <a:bodyPr/>
+          <a:lstStyle/>
+          <a:p>
+            <a:r>
               <a:rPr lang="en-CA" dirty="0"/>
               <a:t>OS Process States</a:t>
             </a:r>
@@ -5143,174 +5595,6 @@
 </p:sld>
 </file>
 
-<file path=ppt/slides/slide5.xml><?xml version="1.0" encoding="utf-8"?>
-<p:sld xmlns:a="http://schemas.openxmlformats.org/drawingml/2006/main" xmlns:r="http://schemas.openxmlformats.org/officeDocument/2006/relationships" xmlns:p="http://schemas.openxmlformats.org/presentationml/2006/main">
-  <p:cSld>
-    <p:spTree>
-      <p:nvGrpSpPr>
-        <p:cNvPr id="1" name=""/>
-        <p:cNvGrpSpPr/>
-        <p:nvPr/>
-      </p:nvGrpSpPr>
-      <p:grpSpPr>
-        <a:xfrm>
-          <a:off x="0" y="0"/>
-          <a:ext cx="0" cy="0"/>
-          <a:chOff x="0" y="0"/>
-          <a:chExt cx="0" cy="0"/>
-        </a:xfrm>
-      </p:grpSpPr>
-      <p:sp>
-        <p:nvSpPr>
-          <p:cNvPr id="2" name="Titel 1"/>
-          <p:cNvSpPr>
-            <a:spLocks noGrp="1"/>
-          </p:cNvSpPr>
-          <p:nvPr>
-            <p:ph type="title"/>
-          </p:nvPr>
-        </p:nvSpPr>
-        <p:spPr/>
-        <p:txBody>
-          <a:bodyPr/>
-          <a:lstStyle/>
-          <a:p>
-            <a:r>
-              <a:rPr lang="de-CH" b="1" dirty="0" err="1"/>
-              <a:t>FreeRTOS</a:t>
-            </a:r>
-            <a:r>
-              <a:rPr lang="de-CH" dirty="0"/>
-              <a:t> </a:t>
-            </a:r>
-            <a:r>
-              <a:rPr lang="de-CH" dirty="0" err="1"/>
-              <a:t>Introduction</a:t>
-            </a:r>
-            <a:endParaRPr lang="de-CH" dirty="0"/>
-          </a:p>
-        </p:txBody>
-      </p:sp>
-      <p:sp>
-        <p:nvSpPr>
-          <p:cNvPr id="3" name="Inhaltsplatzhalter 2"/>
-          <p:cNvSpPr>
-            <a:spLocks noGrp="1"/>
-          </p:cNvSpPr>
-          <p:nvPr>
-            <p:ph idx="1"/>
-          </p:nvPr>
-        </p:nvSpPr>
-        <p:spPr/>
-        <p:txBody>
-          <a:bodyPr/>
-          <a:lstStyle/>
-          <a:p>
-            <a:r>
-              <a:rPr lang="de-CH" dirty="0"/>
-              <a:t>Open Source, </a:t>
-            </a:r>
-            <a:r>
-              <a:rPr lang="de-CH" dirty="0" err="1"/>
-              <a:t>free</a:t>
-            </a:r>
-            <a:r>
-              <a:rPr lang="de-CH" dirty="0"/>
-              <a:t>-</a:t>
-            </a:r>
-            <a:r>
-              <a:rPr lang="de-CH" dirty="0" err="1"/>
-              <a:t>of</a:t>
-            </a:r>
-            <a:r>
-              <a:rPr lang="de-CH" dirty="0"/>
-              <a:t>-charge</a:t>
-            </a:r>
-          </a:p>
-          <a:p>
-            <a:pPr lvl="1"/>
-            <a:r>
-              <a:rPr lang="de-CH" b="1" dirty="0" err="1"/>
-              <a:t>OpenRTOS</a:t>
-            </a:r>
-            <a:r>
-              <a:rPr lang="de-CH" dirty="0"/>
-              <a:t>: </a:t>
-            </a:r>
-            <a:r>
-              <a:rPr lang="de-CH" dirty="0" err="1"/>
-              <a:t>commercial</a:t>
-            </a:r>
-            <a:r>
-              <a:rPr lang="de-CH" dirty="0"/>
-              <a:t> </a:t>
-            </a:r>
-            <a:r>
-              <a:rPr lang="de-CH" dirty="0" err="1"/>
-              <a:t>supported</a:t>
-            </a:r>
-            <a:r>
-              <a:rPr lang="de-CH" dirty="0"/>
-              <a:t> </a:t>
-            </a:r>
-            <a:r>
-              <a:rPr lang="de-CH" dirty="0" err="1"/>
-              <a:t>version</a:t>
-            </a:r>
-            <a:endParaRPr lang="de-CH" dirty="0"/>
-          </a:p>
-          <a:p>
-            <a:pPr lvl="1"/>
-            <a:r>
-              <a:rPr lang="en-US" b="1" dirty="0" err="1"/>
-              <a:t>SafeRTOS</a:t>
-            </a:r>
-            <a:r>
-              <a:rPr lang="en-US" dirty="0"/>
-              <a:t>: special version dedicated to safety critical </a:t>
-            </a:r>
-            <a:r>
-              <a:rPr lang="de-CH" dirty="0" err="1"/>
-              <a:t>systems</a:t>
-            </a:r>
-            <a:endParaRPr lang="de-CH" dirty="0"/>
-          </a:p>
-          <a:p>
-            <a:pPr marL="457200" lvl="1" indent="0">
-              <a:buNone/>
-            </a:pPr>
-            <a:endParaRPr lang="de-CH" dirty="0"/>
-          </a:p>
-          <a:p>
-            <a:r>
-              <a:rPr lang="de-CH" dirty="0" err="1"/>
-              <a:t>Processor</a:t>
-            </a:r>
-            <a:r>
-              <a:rPr lang="de-CH" dirty="0"/>
-              <a:t> Expert </a:t>
-            </a:r>
-            <a:r>
-              <a:rPr lang="de-CH" dirty="0" err="1"/>
-              <a:t>component</a:t>
-            </a:r>
-            <a:endParaRPr lang="de-CH" dirty="0"/>
-          </a:p>
-        </p:txBody>
-      </p:sp>
-    </p:spTree>
-    <p:extLst>
-      <p:ext uri="{BB962C8B-B14F-4D97-AF65-F5344CB8AC3E}">
-        <p14:creationId xmlns:p14="http://schemas.microsoft.com/office/powerpoint/2010/main" val="1487994313"/>
-      </p:ext>
-    </p:extLst>
-  </p:cSld>
-  <p:clrMapOvr>
-    <a:masterClrMapping/>
-  </p:clrMapOvr>
-</p:sld>
-</file>
-
 <file path=ppt/slides/slide6.xml><?xml version="1.0" encoding="utf-8"?>
 <p:sld xmlns:a="http://schemas.openxmlformats.org/drawingml/2006/main" xmlns:r="http://schemas.openxmlformats.org/officeDocument/2006/relationships" xmlns:p="http://schemas.openxmlformats.org/presentationml/2006/main">
   <p:cSld>
@@ -5351,9 +5635,12 @@
               <a:rPr lang="de-CH" dirty="0"/>
               <a:t> </a:t>
             </a:r>
+            <a:br>
+              <a:rPr lang="de-CH" dirty="0"/>
+            </a:br>
             <a:r>
               <a:rPr lang="de-CH" dirty="0" err="1"/>
-              <a:t>Architecture</a:t>
+              <a:t>Introduction</a:t>
             </a:r>
             <a:endParaRPr lang="de-CH" dirty="0"/>
           </a:p>
@@ -5375,97 +5662,92 @@
           <a:lstStyle/>
           <a:p>
             <a:r>
-              <a:rPr lang="en-US" b="1" dirty="0"/>
-              <a:t>Kernel</a:t>
-            </a:r>
-            <a:endParaRPr lang="en-US" dirty="0"/>
+              <a:rPr lang="de-CH" dirty="0"/>
+              <a:t>Open Source, </a:t>
+            </a:r>
+            <a:r>
+              <a:rPr lang="de-CH" dirty="0" err="1"/>
+              <a:t>free</a:t>
+            </a:r>
+            <a:r>
+              <a:rPr lang="de-CH" dirty="0"/>
+              <a:t>-</a:t>
+            </a:r>
+            <a:r>
+              <a:rPr lang="de-CH" dirty="0" err="1"/>
+              <a:t>of</a:t>
+            </a:r>
+            <a:r>
+              <a:rPr lang="de-CH" dirty="0"/>
+              <a:t>-charge</a:t>
+            </a:r>
           </a:p>
           <a:p>
             <a:pPr lvl="1"/>
             <a:r>
+              <a:rPr lang="de-CH" b="1" dirty="0" err="1"/>
+              <a:t>OpenRTOS</a:t>
+            </a:r>
+            <a:r>
+              <a:rPr lang="de-CH" dirty="0"/>
+              <a:t>: </a:t>
+            </a:r>
+            <a:r>
+              <a:rPr lang="de-CH" dirty="0" err="1"/>
+              <a:t>commercial</a:t>
+            </a:r>
+            <a:r>
+              <a:rPr lang="de-CH" dirty="0"/>
+              <a:t> </a:t>
+            </a:r>
+            <a:r>
+              <a:rPr lang="de-CH" dirty="0" err="1"/>
+              <a:t>supported</a:t>
+            </a:r>
+            <a:r>
+              <a:rPr lang="de-CH" dirty="0"/>
+              <a:t> </a:t>
+            </a:r>
+            <a:r>
+              <a:rPr lang="de-CH" dirty="0" err="1"/>
+              <a:t>version</a:t>
+            </a:r>
+            <a:endParaRPr lang="de-CH" dirty="0"/>
+          </a:p>
+          <a:p>
+            <a:pPr lvl="1"/>
+            <a:r>
+              <a:rPr lang="en-US" b="1" dirty="0" err="1"/>
+              <a:t>SafeRTOS</a:t>
+            </a:r>
+            <a:r>
               <a:rPr lang="en-US" dirty="0"/>
-              <a:t>Small Kernel, </a:t>
-            </a:r>
-            <a:r>
-              <a:rPr lang="en-US" b="1" dirty="0"/>
-              <a:t>implemented in C</a:t>
-            </a:r>
-          </a:p>
-          <a:p>
-            <a:pPr lvl="1"/>
-            <a:endParaRPr lang="en-US" dirty="0"/>
-          </a:p>
-          <a:p>
-            <a:pPr lvl="1"/>
-            <a:r>
-              <a:rPr lang="en-US" dirty="0"/>
-              <a:t>Preemptive or cooperative scheduler mode (at compile </a:t>
+              <a:t>: special version dedicated to safety critical </a:t>
+            </a:r>
+            <a:r>
+              <a:rPr lang="de-CH" dirty="0" err="1"/>
+              <a:t>systems</a:t>
+            </a:r>
+            <a:endParaRPr lang="de-CH" dirty="0"/>
+          </a:p>
+          <a:p>
+            <a:pPr marL="457200" lvl="1" indent="0">
+              <a:buNone/>
+            </a:pPr>
+            <a:endParaRPr lang="de-CH" dirty="0"/>
+          </a:p>
+          <a:p>
+            <a:r>
+              <a:rPr lang="de-CH" dirty="0" err="1"/>
+              <a:t>Processor</a:t>
             </a:r>
             <a:r>
               <a:rPr lang="de-CH" dirty="0"/>
-              <a:t>time)</a:t>
-            </a:r>
-          </a:p>
-          <a:p>
-            <a:pPr lvl="1"/>
-            <a:endParaRPr lang="de-CH" dirty="0"/>
-          </a:p>
-          <a:p>
-            <a:pPr lvl="1"/>
-            <a:r>
-              <a:rPr lang="en-US" dirty="0"/>
-              <a:t>Kernel only needs </a:t>
-            </a:r>
-            <a:r>
-              <a:rPr lang="en-US" b="1" dirty="0"/>
-              <a:t>tick interrupt </a:t>
-            </a:r>
-            <a:r>
-              <a:rPr lang="en-US" dirty="0"/>
-              <a:t>and </a:t>
-            </a:r>
-            <a:r>
-              <a:rPr lang="en-US" b="1" dirty="0"/>
-              <a:t>software interrupt</a:t>
-            </a:r>
-          </a:p>
-          <a:p>
-            <a:pPr lvl="1"/>
-            <a:endParaRPr lang="en-US" b="1" dirty="0"/>
-          </a:p>
-          <a:p>
-            <a:pPr lvl="1"/>
-            <a:r>
-              <a:rPr lang="en-US" dirty="0"/>
-              <a:t>’Ticks’ provide time base for RTOS (Typically 10 </a:t>
-            </a:r>
-            <a:r>
-              <a:rPr lang="en-US" dirty="0" err="1"/>
-              <a:t>ms</a:t>
-            </a:r>
-            <a:r>
-              <a:rPr lang="en-US" dirty="0"/>
-              <a:t> or 1 </a:t>
-            </a:r>
-            <a:r>
-              <a:rPr lang="en-US" dirty="0" err="1"/>
-              <a:t>ms</a:t>
-            </a:r>
-            <a:r>
-              <a:rPr lang="en-US" dirty="0"/>
-              <a:t> tick period)</a:t>
-            </a:r>
-            <a:endParaRPr lang="en-US" b="1" dirty="0"/>
-          </a:p>
-          <a:p>
-            <a:pPr lvl="1"/>
-            <a:endParaRPr lang="en-US" b="1" dirty="0"/>
-          </a:p>
-          <a:p>
-            <a:pPr lvl="1"/>
-            <a:r>
-              <a:rPr lang="en-US" dirty="0"/>
-              <a:t>RTOS creates and runs in IDLE task</a:t>
+              <a:t> Expert </a:t>
+            </a:r>
+            <a:r>
+              <a:rPr lang="de-CH" dirty="0" err="1"/>
+              <a:t>component</a:t>
             </a:r>
             <a:endParaRPr lang="de-CH" dirty="0"/>
           </a:p>
@@ -5474,7 +5756,7 @@
     </p:spTree>
     <p:extLst>
       <p:ext uri="{BB962C8B-B14F-4D97-AF65-F5344CB8AC3E}">
-        <p14:creationId xmlns:p14="http://schemas.microsoft.com/office/powerpoint/2010/main" val="2675177845"/>
+        <p14:creationId xmlns:p14="http://schemas.microsoft.com/office/powerpoint/2010/main" val="1487994313"/>
       </p:ext>
     </p:extLst>
   </p:cSld>
@@ -5524,6 +5806,9 @@
               <a:rPr lang="de-CH" dirty="0"/>
               <a:t> </a:t>
             </a:r>
+            <a:br>
+              <a:rPr lang="de-CH" dirty="0"/>
+            </a:br>
             <a:r>
               <a:rPr lang="de-CH" dirty="0" err="1"/>
               <a:t>Architecture</a:t>
@@ -5548,15 +5833,20 @@
           <a:lstStyle/>
           <a:p>
             <a:r>
-              <a:rPr lang="de-CH" b="1" dirty="0"/>
-              <a:t>Tasks</a:t>
-            </a:r>
+              <a:rPr lang="en-US" b="1" dirty="0"/>
+              <a:t>Kernel</a:t>
+            </a:r>
+            <a:endParaRPr lang="en-US" dirty="0"/>
           </a:p>
           <a:p>
             <a:pPr lvl="1"/>
             <a:r>
               <a:rPr lang="en-US" dirty="0"/>
-              <a:t>Tasks are running with stack in the ’heap’</a:t>
+              <a:t>Small Kernel, </a:t>
+            </a:r>
+            <a:r>
+              <a:rPr lang="en-US" b="1" dirty="0"/>
+              <a:t>implemented in C</a:t>
             </a:r>
           </a:p>
           <a:p>
@@ -5567,27 +5857,82 @@
             <a:pPr lvl="1"/>
             <a:r>
               <a:rPr lang="en-US" dirty="0"/>
-              <a:t>Tasks are (usually) staying in an endless loop</a:t>
+              <a:t>Preemptive or cooperative scheduler mode (at compile </a:t>
+            </a:r>
+            <a:r>
+              <a:rPr lang="de-CH" dirty="0"/>
+              <a:t>time)</a:t>
             </a:r>
           </a:p>
           <a:p>
             <a:pPr lvl="1"/>
-            <a:endParaRPr lang="en-US" dirty="0"/>
+            <a:endParaRPr lang="de-CH" dirty="0"/>
           </a:p>
           <a:p>
             <a:pPr lvl="1"/>
             <a:r>
               <a:rPr lang="en-US" dirty="0"/>
-              <a:t>Software interrupt used to switch task context</a:t>
-            </a:r>
-            <a:endParaRPr lang="de-CH" b="1" dirty="0"/>
+              <a:t>Kernel only needs </a:t>
+            </a:r>
+            <a:r>
+              <a:rPr lang="en-US" b="1" dirty="0"/>
+              <a:t>tick interrupt </a:t>
+            </a:r>
+            <a:r>
+              <a:rPr lang="en-US" dirty="0"/>
+              <a:t>and </a:t>
+            </a:r>
+            <a:r>
+              <a:rPr lang="en-US" b="1" dirty="0"/>
+              <a:t>software interrupt</a:t>
+            </a:r>
+          </a:p>
+          <a:p>
+            <a:pPr lvl="1"/>
+            <a:endParaRPr lang="en-US" b="1" dirty="0"/>
+          </a:p>
+          <a:p>
+            <a:pPr lvl="1"/>
+            <a:r>
+              <a:rPr lang="en-US" dirty="0"/>
+              <a:t>’Ticks’ provide time base for RTOS (Typically 10 </a:t>
+            </a:r>
+            <a:r>
+              <a:rPr lang="en-US" dirty="0" err="1"/>
+              <a:t>ms</a:t>
+            </a:r>
+            <a:r>
+              <a:rPr lang="en-US" dirty="0"/>
+              <a:t> or 1 </a:t>
+            </a:r>
+            <a:r>
+              <a:rPr lang="en-US" dirty="0" err="1"/>
+              <a:t>ms</a:t>
+            </a:r>
+            <a:r>
+              <a:rPr lang="en-US" dirty="0"/>
+              <a:t> tick period)</a:t>
+            </a:r>
+            <a:endParaRPr lang="en-US" b="1" dirty="0"/>
+          </a:p>
+          <a:p>
+            <a:pPr lvl="1"/>
+            <a:endParaRPr lang="en-US" b="1" dirty="0"/>
+          </a:p>
+          <a:p>
+            <a:pPr lvl="1"/>
+            <a:r>
+              <a:rPr lang="en-US" dirty="0"/>
+              <a:t>RTOS creates and runs in IDLE task</a:t>
+            </a:r>
+            <a:endParaRPr lang="de-CH" dirty="0"/>
           </a:p>
         </p:txBody>
       </p:sp>
     </p:spTree>
     <p:extLst>
       <p:ext uri="{BB962C8B-B14F-4D97-AF65-F5344CB8AC3E}">
-        <p14:creationId xmlns:p14="http://schemas.microsoft.com/office/powerpoint/2010/main" val="2748932309"/>
+        <p14:creationId xmlns:p14="http://schemas.microsoft.com/office/powerpoint/2010/main" val="2675177845"/>
       </p:ext>
     </p:extLst>
   </p:cSld>
@@ -5637,6 +5982,125 @@
               <a:rPr lang="de-CH" dirty="0"/>
               <a:t> </a:t>
             </a:r>
+            <a:br>
+              <a:rPr lang="de-CH" dirty="0"/>
+            </a:br>
+            <a:r>
+              <a:rPr lang="de-CH" dirty="0" err="1"/>
+              <a:t>Architecture</a:t>
+            </a:r>
+            <a:endParaRPr lang="de-CH" dirty="0"/>
+          </a:p>
+        </p:txBody>
+      </p:sp>
+      <p:sp>
+        <p:nvSpPr>
+          <p:cNvPr id="3" name="Inhaltsplatzhalter 2"/>
+          <p:cNvSpPr>
+            <a:spLocks noGrp="1"/>
+          </p:cNvSpPr>
+          <p:nvPr>
+            <p:ph idx="1"/>
+          </p:nvPr>
+        </p:nvSpPr>
+        <p:spPr/>
+        <p:txBody>
+          <a:bodyPr/>
+          <a:lstStyle/>
+          <a:p>
+            <a:r>
+              <a:rPr lang="de-CH" b="1" dirty="0"/>
+              <a:t>Tasks</a:t>
+            </a:r>
+          </a:p>
+          <a:p>
+            <a:pPr lvl="1"/>
+            <a:r>
+              <a:rPr lang="en-US" dirty="0"/>
+              <a:t>Tasks are running with stack in the ’heap’</a:t>
+            </a:r>
+          </a:p>
+          <a:p>
+            <a:pPr lvl="1"/>
+            <a:endParaRPr lang="en-US" dirty="0"/>
+          </a:p>
+          <a:p>
+            <a:pPr lvl="1"/>
+            <a:r>
+              <a:rPr lang="en-US" dirty="0"/>
+              <a:t>Tasks are (usually) staying in an endless loop</a:t>
+            </a:r>
+          </a:p>
+          <a:p>
+            <a:pPr lvl="1"/>
+            <a:endParaRPr lang="en-US" dirty="0"/>
+          </a:p>
+          <a:p>
+            <a:pPr lvl="1"/>
+            <a:r>
+              <a:rPr lang="en-US" dirty="0"/>
+              <a:t>Software interrupt used to switch task context</a:t>
+            </a:r>
+            <a:endParaRPr lang="de-CH" b="1" dirty="0"/>
+          </a:p>
+        </p:txBody>
+      </p:sp>
+    </p:spTree>
+    <p:extLst>
+      <p:ext uri="{BB962C8B-B14F-4D97-AF65-F5344CB8AC3E}">
+        <p14:creationId xmlns:p14="http://schemas.microsoft.com/office/powerpoint/2010/main" val="2748932309"/>
+      </p:ext>
+    </p:extLst>
+  </p:cSld>
+  <p:clrMapOvr>
+    <a:masterClrMapping/>
+  </p:clrMapOvr>
+</p:sld>
+</file>
+
+<file path=ppt/slides/slide9.xml><?xml version="1.0" encoding="utf-8"?>
+<p:sld xmlns:a="http://schemas.openxmlformats.org/drawingml/2006/main" xmlns:r="http://schemas.openxmlformats.org/officeDocument/2006/relationships" xmlns:p="http://schemas.openxmlformats.org/presentationml/2006/main">
+  <p:cSld>
+    <p:spTree>
+      <p:nvGrpSpPr>
+        <p:cNvPr id="1" name=""/>
+        <p:cNvGrpSpPr/>
+        <p:nvPr/>
+      </p:nvGrpSpPr>
+      <p:grpSpPr>
+        <a:xfrm>
+          <a:off x="0" y="0"/>
+          <a:ext cx="0" cy="0"/>
+          <a:chOff x="0" y="0"/>
+          <a:chExt cx="0" cy="0"/>
+        </a:xfrm>
+      </p:grpSpPr>
+      <p:sp>
+        <p:nvSpPr>
+          <p:cNvPr id="2" name="Titel 1"/>
+          <p:cNvSpPr>
+            <a:spLocks noGrp="1"/>
+          </p:cNvSpPr>
+          <p:nvPr>
+            <p:ph type="title"/>
+          </p:nvPr>
+        </p:nvSpPr>
+        <p:spPr/>
+        <p:txBody>
+          <a:bodyPr/>
+          <a:lstStyle/>
+          <a:p>
+            <a:r>
+              <a:rPr lang="de-CH" b="1" dirty="0" err="1"/>
+              <a:t>FreeRTOS</a:t>
+            </a:r>
+            <a:r>
+              <a:rPr lang="de-CH" dirty="0"/>
+              <a:t> </a:t>
+            </a:r>
+            <a:br>
+              <a:rPr lang="de-CH" dirty="0"/>
+            </a:br>
             <a:r>
               <a:rPr lang="de-CH" dirty="0" err="1"/>
               <a:t>Architecture</a:t>
@@ -5692,234 +6156,6 @@
     <p:extLst>
       <p:ext uri="{BB962C8B-B14F-4D97-AF65-F5344CB8AC3E}">
         <p14:creationId xmlns:p14="http://schemas.microsoft.com/office/powerpoint/2010/main" val="1951489824"/>
-      </p:ext>
-    </p:extLst>
-  </p:cSld>
-  <p:clrMapOvr>
-    <a:masterClrMapping/>
-  </p:clrMapOvr>
-</p:sld>
-</file>
-
-<file path=ppt/slides/slide9.xml><?xml version="1.0" encoding="utf-8"?>
-<p:sld xmlns:a="http://schemas.openxmlformats.org/drawingml/2006/main" xmlns:r="http://schemas.openxmlformats.org/officeDocument/2006/relationships" xmlns:p="http://schemas.openxmlformats.org/presentationml/2006/main">
-  <p:cSld>
-    <p:spTree>
-      <p:nvGrpSpPr>
-        <p:cNvPr id="1" name=""/>
-        <p:cNvGrpSpPr/>
-        <p:nvPr/>
-      </p:nvGrpSpPr>
-      <p:grpSpPr>
-        <a:xfrm>
-          <a:off x="0" y="0"/>
-          <a:ext cx="0" cy="0"/>
-          <a:chOff x="0" y="0"/>
-          <a:chExt cx="0" cy="0"/>
-        </a:xfrm>
-      </p:grpSpPr>
-      <p:sp>
-        <p:nvSpPr>
-          <p:cNvPr id="2" name="Titel 1"/>
-          <p:cNvSpPr>
-            <a:spLocks noGrp="1"/>
-          </p:cNvSpPr>
-          <p:nvPr>
-            <p:ph type="title"/>
-          </p:nvPr>
-        </p:nvSpPr>
-        <p:spPr/>
-        <p:txBody>
-          <a:bodyPr/>
-          <a:lstStyle/>
-          <a:p>
-            <a:r>
-              <a:rPr lang="de-CH" b="1" dirty="0" err="1"/>
-              <a:t>FreeRTOS</a:t>
-            </a:r>
-            <a:r>
-              <a:rPr lang="de-CH" dirty="0"/>
-              <a:t> </a:t>
-            </a:r>
-            <a:r>
-              <a:rPr lang="de-CH" dirty="0" err="1"/>
-              <a:t>Architecture</a:t>
-            </a:r>
-            <a:endParaRPr lang="de-CH" dirty="0"/>
-          </a:p>
-        </p:txBody>
-      </p:sp>
-      <p:sp>
-        <p:nvSpPr>
-          <p:cNvPr id="3" name="Inhaltsplatzhalter 2"/>
-          <p:cNvSpPr>
-            <a:spLocks noGrp="1"/>
-          </p:cNvSpPr>
-          <p:nvPr>
-            <p:ph idx="1"/>
-          </p:nvPr>
-        </p:nvSpPr>
-        <p:spPr/>
-        <p:txBody>
-          <a:bodyPr/>
-          <a:lstStyle/>
-          <a:p>
-            <a:r>
-              <a:rPr lang="de-CH" b="1" dirty="0"/>
-              <a:t>Kernel </a:t>
-            </a:r>
-            <a:r>
-              <a:rPr lang="de-CH" b="1" dirty="0" err="1"/>
-              <a:t>and</a:t>
-            </a:r>
-            <a:r>
-              <a:rPr lang="de-CH" b="1" dirty="0"/>
-              <a:t> Interrupts</a:t>
-            </a:r>
-          </a:p>
-          <a:p>
-            <a:pPr lvl="1"/>
-            <a:r>
-              <a:rPr lang="de-CH" b="1" dirty="0"/>
-              <a:t>Tick Interrupt</a:t>
-            </a:r>
-            <a:r>
-              <a:rPr lang="de-CH" dirty="0"/>
-              <a:t>: </a:t>
-            </a:r>
-            <a:r>
-              <a:rPr lang="de-CH" dirty="0" err="1"/>
-              <a:t>SysTick</a:t>
-            </a:r>
-            <a:endParaRPr lang="de-CH" dirty="0"/>
-          </a:p>
-          <a:p>
-            <a:pPr lvl="1"/>
-            <a:r>
-              <a:rPr lang="de-CH" b="1" dirty="0"/>
-              <a:t>Software Interrupt</a:t>
-            </a:r>
-            <a:r>
-              <a:rPr lang="de-CH" dirty="0"/>
-              <a:t>: </a:t>
-            </a:r>
-            <a:r>
-              <a:rPr lang="de-CH" dirty="0" err="1"/>
-              <a:t>SVCall</a:t>
-            </a:r>
-            <a:r>
-              <a:rPr lang="de-CH" dirty="0"/>
-              <a:t>, </a:t>
-            </a:r>
-            <a:r>
-              <a:rPr lang="de-CH" dirty="0" err="1"/>
-              <a:t>PendableSrvReq</a:t>
-            </a:r>
-            <a:endParaRPr lang="de-CH" dirty="0"/>
-          </a:p>
-          <a:p>
-            <a:pPr lvl="1"/>
-            <a:r>
-              <a:rPr lang="de-CH" dirty="0"/>
-              <a:t>Other </a:t>
-            </a:r>
-            <a:r>
-              <a:rPr lang="de-CH" dirty="0" err="1"/>
-              <a:t>interrupts</a:t>
-            </a:r>
-            <a:r>
-              <a:rPr lang="de-CH" dirty="0"/>
-              <a:t>: </a:t>
-            </a:r>
-            <a:r>
-              <a:rPr lang="de-CH" dirty="0" err="1"/>
-              <a:t>under</a:t>
-            </a:r>
-            <a:r>
-              <a:rPr lang="de-CH" dirty="0"/>
-              <a:t> </a:t>
-            </a:r>
-            <a:r>
-              <a:rPr lang="de-CH" dirty="0" err="1"/>
-              <a:t>application</a:t>
-            </a:r>
-            <a:r>
-              <a:rPr lang="de-CH" dirty="0"/>
-              <a:t> </a:t>
-            </a:r>
-            <a:r>
-              <a:rPr lang="de-CH" dirty="0" err="1"/>
-              <a:t>control</a:t>
-            </a:r>
-            <a:endParaRPr lang="de-CH" dirty="0"/>
-          </a:p>
-          <a:p>
-            <a:pPr lvl="1"/>
-            <a:r>
-              <a:rPr lang="en-US" dirty="0"/>
-              <a:t>Do </a:t>
-            </a:r>
-            <a:r>
-              <a:rPr lang="en-US" b="1" dirty="0"/>
-              <a:t>not </a:t>
-            </a:r>
-            <a:r>
-              <a:rPr lang="en-US" dirty="0"/>
-              <a:t>call RTOS API from ISR</a:t>
-            </a:r>
-            <a:endParaRPr lang="de-CH" dirty="0"/>
-          </a:p>
-          <a:p>
-            <a:pPr lvl="1"/>
-            <a:r>
-              <a:rPr lang="en-US" dirty="0"/>
-              <a:t>using PRIMASK to mask interrupts</a:t>
-            </a:r>
-          </a:p>
-          <a:p>
-            <a:pPr marL="201168" lvl="1" indent="0">
-              <a:buNone/>
-            </a:pPr>
-            <a:r>
-              <a:rPr lang="en-US" dirty="0"/>
-              <a:t>    </a:t>
-            </a:r>
-            <a:r>
-              <a:rPr lang="en-US" dirty="0" err="1"/>
-              <a:t>configMAX_SYSCALL_INTERRUPT_PRIORITY</a:t>
-            </a:r>
-            <a:endParaRPr lang="de-CH" dirty="0"/>
-          </a:p>
-        </p:txBody>
-      </p:sp>
-      <p:pic>
-        <p:nvPicPr>
-          <p:cNvPr id="4" name="Grafik 3"/>
-          <p:cNvPicPr>
-            <a:picLocks noChangeAspect="1"/>
-          </p:cNvPicPr>
-          <p:nvPr/>
-        </p:nvPicPr>
-        <p:blipFill>
-          <a:blip r:embed="rId2"/>
-          <a:stretch>
-            <a:fillRect/>
-          </a:stretch>
-        </p:blipFill>
-        <p:spPr>
-          <a:xfrm>
-            <a:off x="5606376" y="1786427"/>
-            <a:ext cx="6444325" cy="3449609"/>
-          </a:xfrm>
-          <a:prstGeom prst="rect">
-            <a:avLst/>
-          </a:prstGeom>
-        </p:spPr>
-      </p:pic>
-    </p:spTree>
-    <p:extLst>
-      <p:ext uri="{BB962C8B-B14F-4D97-AF65-F5344CB8AC3E}">
-        <p14:creationId xmlns:p14="http://schemas.microsoft.com/office/powerpoint/2010/main" val="2833264382"/>
       </p:ext>
     </p:extLst>
   </p:cSld>

--- a/Recap_SW5_Ineichen_Stecher.pptx
+++ b/Recap_SW5_Ineichen_Stecher.pptx
@@ -20,7 +20,10 @@
     <p:sldId id="268" r:id="rId14"/>
     <p:sldId id="269" r:id="rId15"/>
     <p:sldId id="271" r:id="rId16"/>
-    <p:sldId id="260" r:id="rId17"/>
+    <p:sldId id="272" r:id="rId17"/>
+    <p:sldId id="273" r:id="rId18"/>
+    <p:sldId id="260" r:id="rId19"/>
+    <p:sldId id="274" r:id="rId20"/>
   </p:sldIdLst>
   <p:sldSz cx="12192000" cy="6858000"/>
   <p:notesSz cx="6858000" cy="9144000"/>
@@ -4856,7 +4859,6 @@
               <a:rPr lang="de-CH" dirty="0"/>
               <a:t>Tasks</a:t>
             </a:r>
-            <a:endParaRPr lang="de-CH" dirty="0"/>
           </a:p>
         </p:txBody>
       </p:sp>
@@ -4875,6 +4877,21 @@
           <a:bodyPr/>
           <a:lstStyle/>
           <a:p>
+            <a:pPr marL="0" indent="0">
+              <a:buNone/>
+            </a:pPr>
+            <a:r>
+              <a:rPr lang="en-US" dirty="0"/>
+              <a:t> </a:t>
+            </a:r>
+            <a:r>
+              <a:rPr lang="en-US" dirty="0" err="1"/>
+              <a:t>vTaskDelay</a:t>
+            </a:r>
+            <a:r>
+              <a:rPr lang="en-US" dirty="0"/>
+              <a:t>() it will block</a:t>
+            </a:r>
             <a:endParaRPr lang="de-CH" dirty="0"/>
           </a:p>
         </p:txBody>
@@ -4895,7 +4912,7 @@
         </p:blipFill>
         <p:spPr>
           <a:xfrm>
-            <a:off x="3441263" y="1792322"/>
+            <a:off x="5653971" y="1792322"/>
             <a:ext cx="4167104" cy="4470666"/>
           </a:xfrm>
           <a:prstGeom prst="rect">
@@ -4949,12 +4966,340 @@
           <a:lstStyle/>
           <a:p>
             <a:r>
-              <a:rPr lang="en-CA" dirty="0" err="1"/>
-              <a:t>Fragen</a:t>
-            </a:r>
+              <a:rPr lang="de-CH" b="1" dirty="0" err="1"/>
+              <a:t>FreeRTOS</a:t>
+            </a:r>
+            <a:r>
+              <a:rPr lang="de-CH" dirty="0"/>
+              <a:t> </a:t>
+            </a:r>
+            <a:br>
+              <a:rPr lang="de-CH" dirty="0"/>
+            </a:br>
+            <a:r>
+              <a:rPr lang="de-CH" dirty="0"/>
+              <a:t>Task </a:t>
+            </a:r>
+            <a:r>
+              <a:rPr lang="de-CH" dirty="0" err="1"/>
+              <a:t>creation</a:t>
+            </a:r>
+            <a:endParaRPr lang="de-CH" dirty="0"/>
+          </a:p>
+        </p:txBody>
+      </p:sp>
+      <p:sp>
+        <p:nvSpPr>
+          <p:cNvPr id="3" name="Inhaltsplatzhalter 2"/>
+          <p:cNvSpPr>
+            <a:spLocks noGrp="1"/>
+          </p:cNvSpPr>
+          <p:nvPr>
+            <p:ph idx="1"/>
+          </p:nvPr>
+        </p:nvSpPr>
+        <p:spPr/>
+        <p:txBody>
+          <a:bodyPr/>
+          <a:lstStyle/>
+          <a:p>
+            <a:endParaRPr lang="de-CH" dirty="0"/>
+          </a:p>
+        </p:txBody>
+      </p:sp>
+      <p:pic>
+        <p:nvPicPr>
+          <p:cNvPr id="5" name="Grafik 4"/>
+          <p:cNvPicPr>
+            <a:picLocks noChangeAspect="1"/>
+          </p:cNvPicPr>
+          <p:nvPr/>
+        </p:nvPicPr>
+        <p:blipFill>
+          <a:blip r:embed="rId2"/>
+          <a:stretch>
+            <a:fillRect/>
+          </a:stretch>
+        </p:blipFill>
+        <p:spPr>
+          <a:xfrm>
+            <a:off x="1431476" y="1737361"/>
+            <a:ext cx="9104649" cy="3834328"/>
+          </a:xfrm>
+          <a:prstGeom prst="rect">
+            <a:avLst/>
+          </a:prstGeom>
+        </p:spPr>
+      </p:pic>
+    </p:spTree>
+    <p:extLst>
+      <p:ext uri="{BB962C8B-B14F-4D97-AF65-F5344CB8AC3E}">
+        <p14:creationId xmlns:p14="http://schemas.microsoft.com/office/powerpoint/2010/main" val="1736594440"/>
+      </p:ext>
+    </p:extLst>
+  </p:cSld>
+  <p:clrMapOvr>
+    <a:masterClrMapping/>
+  </p:clrMapOvr>
+</p:sld>
+</file>
+
+<file path=ppt/slides/slide17.xml><?xml version="1.0" encoding="utf-8"?>
+<p:sld xmlns:a="http://schemas.openxmlformats.org/drawingml/2006/main" xmlns:r="http://schemas.openxmlformats.org/officeDocument/2006/relationships" xmlns:p="http://schemas.openxmlformats.org/presentationml/2006/main">
+  <p:cSld>
+    <p:spTree>
+      <p:nvGrpSpPr>
+        <p:cNvPr id="1" name=""/>
+        <p:cNvGrpSpPr/>
+        <p:nvPr/>
+      </p:nvGrpSpPr>
+      <p:grpSpPr>
+        <a:xfrm>
+          <a:off x="0" y="0"/>
+          <a:ext cx="0" cy="0"/>
+          <a:chOff x="0" y="0"/>
+          <a:chExt cx="0" cy="0"/>
+        </a:xfrm>
+      </p:grpSpPr>
+      <p:sp>
+        <p:nvSpPr>
+          <p:cNvPr id="2" name="Titel 1"/>
+          <p:cNvSpPr>
+            <a:spLocks noGrp="1"/>
+          </p:cNvSpPr>
+          <p:nvPr>
+            <p:ph type="title"/>
+          </p:nvPr>
+        </p:nvSpPr>
+        <p:spPr/>
+        <p:txBody>
+          <a:bodyPr/>
+          <a:lstStyle/>
+          <a:p>
+            <a:r>
+              <a:rPr lang="de-CH" b="1" dirty="0" err="1"/>
+              <a:t>FreeRTOS</a:t>
+            </a:r>
+            <a:r>
+              <a:rPr lang="de-CH" dirty="0"/>
+              <a:t> </a:t>
+            </a:r>
+            <a:br>
+              <a:rPr lang="de-CH" dirty="0"/>
+            </a:br>
+            <a:r>
+              <a:rPr lang="de-CH" dirty="0"/>
+              <a:t>Task</a:t>
+            </a:r>
+            <a:endParaRPr lang="de-CH" dirty="0"/>
+          </a:p>
+        </p:txBody>
+      </p:sp>
+      <p:sp>
+        <p:nvSpPr>
+          <p:cNvPr id="3" name="Inhaltsplatzhalter 2"/>
+          <p:cNvSpPr>
+            <a:spLocks noGrp="1"/>
+          </p:cNvSpPr>
+          <p:nvPr>
+            <p:ph idx="1"/>
+          </p:nvPr>
+        </p:nvSpPr>
+        <p:spPr/>
+        <p:txBody>
+          <a:bodyPr/>
+          <a:lstStyle/>
+          <a:p>
+            <a:endParaRPr lang="de-CH" dirty="0"/>
+          </a:p>
+          <a:p>
+            <a:endParaRPr lang="de-CH" dirty="0"/>
+          </a:p>
+          <a:p>
+            <a:endParaRPr lang="de-CH" dirty="0"/>
+          </a:p>
+          <a:p>
+            <a:endParaRPr lang="de-CH" dirty="0"/>
+          </a:p>
+          <a:p>
+            <a:endParaRPr lang="de-CH" dirty="0"/>
+          </a:p>
+          <a:p>
+            <a:endParaRPr lang="de-CH" dirty="0"/>
+          </a:p>
+        </p:txBody>
+      </p:sp>
+      <p:pic>
+        <p:nvPicPr>
+          <p:cNvPr id="4" name="Grafik 3"/>
+          <p:cNvPicPr>
+            <a:picLocks noChangeAspect="1"/>
+          </p:cNvPicPr>
+          <p:nvPr/>
+        </p:nvPicPr>
+        <p:blipFill>
+          <a:blip r:embed="rId2"/>
+          <a:stretch>
+            <a:fillRect/>
+          </a:stretch>
+        </p:blipFill>
+        <p:spPr>
+          <a:xfrm>
+            <a:off x="901327" y="1676501"/>
+            <a:ext cx="10450306" cy="2846927"/>
+          </a:xfrm>
+          <a:prstGeom prst="rect">
+            <a:avLst/>
+          </a:prstGeom>
+        </p:spPr>
+      </p:pic>
+      <p:pic>
+        <p:nvPicPr>
+          <p:cNvPr id="5" name="Grafik 4"/>
+          <p:cNvPicPr>
+            <a:picLocks noChangeAspect="1"/>
+          </p:cNvPicPr>
+          <p:nvPr/>
+        </p:nvPicPr>
+        <p:blipFill>
+          <a:blip r:embed="rId3"/>
+          <a:stretch>
+            <a:fillRect/>
+          </a:stretch>
+        </p:blipFill>
+        <p:spPr>
+          <a:xfrm>
+            <a:off x="1097280" y="4972423"/>
+            <a:ext cx="9944100" cy="447675"/>
+          </a:xfrm>
+          <a:prstGeom prst="rect">
+            <a:avLst/>
+          </a:prstGeom>
+        </p:spPr>
+      </p:pic>
+    </p:spTree>
+    <p:extLst>
+      <p:ext uri="{BB962C8B-B14F-4D97-AF65-F5344CB8AC3E}">
+        <p14:creationId xmlns:p14="http://schemas.microsoft.com/office/powerpoint/2010/main" val="3944069364"/>
+      </p:ext>
+    </p:extLst>
+  </p:cSld>
+  <p:clrMapOvr>
+    <a:masterClrMapping/>
+  </p:clrMapOvr>
+  <p:timing>
+    <p:tnLst>
+      <p:par>
+        <p:cTn id="1" dur="indefinite" restart="never" nodeType="tmRoot">
+          <p:childTnLst>
+            <p:seq concurrent="1" nextAc="seek">
+              <p:cTn id="2" dur="indefinite" nodeType="mainSeq">
+                <p:childTnLst>
+                  <p:par>
+                    <p:cTn id="3" fill="hold">
+                      <p:stCondLst>
+                        <p:cond delay="indefinite"/>
+                      </p:stCondLst>
+                      <p:childTnLst>
+                        <p:par>
+                          <p:cTn id="4" fill="hold">
+                            <p:stCondLst>
+                              <p:cond delay="0"/>
+                            </p:stCondLst>
+                            <p:childTnLst>
+                              <p:par>
+                                <p:cTn id="5" presetID="1" presetClass="entr" presetSubtype="0" fill="hold" nodeType="clickEffect">
+                                  <p:stCondLst>
+                                    <p:cond delay="0"/>
+                                  </p:stCondLst>
+                                  <p:childTnLst>
+                                    <p:set>
+                                      <p:cBhvr>
+                                        <p:cTn id="6" dur="1" fill="hold">
+                                          <p:stCondLst>
+                                            <p:cond delay="0"/>
+                                          </p:stCondLst>
+                                        </p:cTn>
+                                        <p:tgtEl>
+                                          <p:spTgt spid="5"/>
+                                        </p:tgtEl>
+                                        <p:attrNameLst>
+                                          <p:attrName>style.visibility</p:attrName>
+                                        </p:attrNameLst>
+                                      </p:cBhvr>
+                                      <p:to>
+                                        <p:strVal val="visible"/>
+                                      </p:to>
+                                    </p:set>
+                                  </p:childTnLst>
+                                </p:cTn>
+                              </p:par>
+                            </p:childTnLst>
+                          </p:cTn>
+                        </p:par>
+                      </p:childTnLst>
+                    </p:cTn>
+                  </p:par>
+                </p:childTnLst>
+              </p:cTn>
+              <p:prevCondLst>
+                <p:cond evt="onPrev" delay="0">
+                  <p:tgtEl>
+                    <p:sldTgt/>
+                  </p:tgtEl>
+                </p:cond>
+              </p:prevCondLst>
+              <p:nextCondLst>
+                <p:cond evt="onNext" delay="0">
+                  <p:tgtEl>
+                    <p:sldTgt/>
+                  </p:tgtEl>
+                </p:cond>
+              </p:nextCondLst>
+            </p:seq>
+          </p:childTnLst>
+        </p:cTn>
+      </p:par>
+    </p:tnLst>
+  </p:timing>
+</p:sld>
+</file>
+
+<file path=ppt/slides/slide18.xml><?xml version="1.0" encoding="utf-8"?>
+<p:sld xmlns:a="http://schemas.openxmlformats.org/drawingml/2006/main" xmlns:r="http://schemas.openxmlformats.org/officeDocument/2006/relationships" xmlns:p="http://schemas.openxmlformats.org/presentationml/2006/main">
+  <p:cSld>
+    <p:spTree>
+      <p:nvGrpSpPr>
+        <p:cNvPr id="1" name=""/>
+        <p:cNvGrpSpPr/>
+        <p:nvPr/>
+      </p:nvGrpSpPr>
+      <p:grpSpPr>
+        <a:xfrm>
+          <a:off x="0" y="0"/>
+          <a:ext cx="0" cy="0"/>
+          <a:chOff x="0" y="0"/>
+          <a:chExt cx="0" cy="0"/>
+        </a:xfrm>
+      </p:grpSpPr>
+      <p:sp>
+        <p:nvSpPr>
+          <p:cNvPr id="2" name="Titel 1"/>
+          <p:cNvSpPr>
+            <a:spLocks noGrp="1"/>
+          </p:cNvSpPr>
+          <p:nvPr>
+            <p:ph type="title"/>
+          </p:nvPr>
+        </p:nvSpPr>
+        <p:spPr/>
+        <p:txBody>
+          <a:bodyPr/>
+          <a:lstStyle/>
+          <a:p>
             <a:r>
               <a:rPr lang="en-CA" dirty="0"/>
-              <a:t>:</a:t>
+              <a:t>Questions:</a:t>
             </a:r>
             <a:endParaRPr lang="de-CH" dirty="0"/>
           </a:p>
@@ -5120,6 +5465,112 @@
               </a:rPr>
               <a:t>. </a:t>
             </a:r>
+          </a:p>
+          <a:p>
+            <a:pPr marL="0" indent="0">
+              <a:buNone/>
+            </a:pPr>
+            <a:endParaRPr lang="en-CA" dirty="0">
+              <a:sym typeface="Wingdings" panose="05000000000000000000" pitchFamily="2" charset="2"/>
+            </a:endParaRPr>
+          </a:p>
+          <a:p>
+            <a:pPr marL="0" indent="0">
+              <a:buNone/>
+            </a:pPr>
+            <a:endParaRPr lang="en-CA" dirty="0">
+              <a:sym typeface="Wingdings" panose="05000000000000000000" pitchFamily="2" charset="2"/>
+            </a:endParaRPr>
+          </a:p>
+          <a:p>
+            <a:pPr marL="0" indent="0">
+              <a:buNone/>
+            </a:pPr>
+            <a:r>
+              <a:rPr lang="en-CA" dirty="0">
+                <a:sym typeface="Wingdings" panose="05000000000000000000" pitchFamily="2" charset="2"/>
+              </a:rPr>
+              <a:t>What is </a:t>
+            </a:r>
+            <a:r>
+              <a:rPr lang="de-CH" dirty="0" err="1"/>
+              <a:t>Preemptive</a:t>
+            </a:r>
+            <a:r>
+              <a:rPr lang="de-CH" dirty="0"/>
+              <a:t> </a:t>
+            </a:r>
+            <a:r>
+              <a:rPr lang="de-CH" dirty="0" err="1"/>
+              <a:t>Scheduling</a:t>
+            </a:r>
+            <a:r>
+              <a:rPr lang="de-CH" dirty="0"/>
+              <a:t>?</a:t>
+            </a:r>
+          </a:p>
+          <a:p>
+            <a:pPr marL="0" indent="0">
+              <a:buNone/>
+            </a:pPr>
+            <a:r>
+              <a:rPr lang="en-US" dirty="0"/>
+              <a:t>Multiple tasks with the same priority: time-slicing</a:t>
+            </a:r>
+          </a:p>
+          <a:p>
+            <a:pPr marL="0" indent="0">
+              <a:buNone/>
+            </a:pPr>
+            <a:r>
+              <a:rPr lang="en-US" dirty="0"/>
+              <a:t>Always run the highest-priority ready task</a:t>
+            </a:r>
+          </a:p>
+          <a:p>
+            <a:pPr marL="0" indent="0">
+              <a:buNone/>
+            </a:pPr>
+            <a:endParaRPr lang="en-US" dirty="0"/>
+          </a:p>
+          <a:p>
+            <a:pPr marL="0" indent="0">
+              <a:buNone/>
+            </a:pPr>
+            <a:endParaRPr lang="de-CH" b="1" dirty="0"/>
+          </a:p>
+          <a:p>
+            <a:pPr marL="0" indent="0">
+              <a:buNone/>
+            </a:pPr>
+            <a:endParaRPr lang="de-CH" b="1" dirty="0"/>
+          </a:p>
+          <a:p>
+            <a:pPr marL="0" indent="0">
+              <a:buNone/>
+            </a:pPr>
+            <a:endParaRPr lang="de-CH" dirty="0"/>
+          </a:p>
+          <a:p>
+            <a:pPr marL="0" indent="0">
+              <a:buNone/>
+            </a:pPr>
+            <a:endParaRPr lang="en-CA" dirty="0">
+              <a:sym typeface="Wingdings" panose="05000000000000000000" pitchFamily="2" charset="2"/>
+            </a:endParaRPr>
+          </a:p>
+          <a:p>
+            <a:pPr marL="0" indent="0">
+              <a:buNone/>
+            </a:pPr>
+            <a:endParaRPr lang="en-CA" dirty="0">
+              <a:sym typeface="Wingdings" panose="05000000000000000000" pitchFamily="2" charset="2"/>
+            </a:endParaRPr>
+          </a:p>
+          <a:p>
+            <a:pPr marL="0" indent="0">
+              <a:buNone/>
+            </a:pPr>
             <a:endParaRPr lang="de-CH" dirty="0"/>
           </a:p>
         </p:txBody>
@@ -5128,6 +5579,94 @@
     <p:extLst>
       <p:ext uri="{BB962C8B-B14F-4D97-AF65-F5344CB8AC3E}">
         <p14:creationId xmlns:p14="http://schemas.microsoft.com/office/powerpoint/2010/main" val="2611258350"/>
+      </p:ext>
+    </p:extLst>
+  </p:cSld>
+  <p:clrMapOvr>
+    <a:masterClrMapping/>
+  </p:clrMapOvr>
+</p:sld>
+</file>
+
+<file path=ppt/slides/slide19.xml><?xml version="1.0" encoding="utf-8"?>
+<p:sld xmlns:a="http://schemas.openxmlformats.org/drawingml/2006/main" xmlns:r="http://schemas.openxmlformats.org/officeDocument/2006/relationships" xmlns:p="http://schemas.openxmlformats.org/presentationml/2006/main">
+  <p:cSld>
+    <p:spTree>
+      <p:nvGrpSpPr>
+        <p:cNvPr id="1" name=""/>
+        <p:cNvGrpSpPr/>
+        <p:nvPr/>
+      </p:nvGrpSpPr>
+      <p:grpSpPr>
+        <a:xfrm>
+          <a:off x="0" y="0"/>
+          <a:ext cx="0" cy="0"/>
+          <a:chOff x="0" y="0"/>
+          <a:chExt cx="0" cy="0"/>
+        </a:xfrm>
+      </p:grpSpPr>
+      <p:sp>
+        <p:nvSpPr>
+          <p:cNvPr id="2" name="Titel 1"/>
+          <p:cNvSpPr>
+            <a:spLocks noGrp="1"/>
+          </p:cNvSpPr>
+          <p:nvPr>
+            <p:ph type="title"/>
+          </p:nvPr>
+        </p:nvSpPr>
+        <p:spPr/>
+        <p:txBody>
+          <a:bodyPr/>
+          <a:lstStyle/>
+          <a:p>
+            <a:endParaRPr lang="de-CH"/>
+          </a:p>
+        </p:txBody>
+      </p:sp>
+      <p:sp>
+        <p:nvSpPr>
+          <p:cNvPr id="3" name="Inhaltsplatzhalter 2"/>
+          <p:cNvSpPr>
+            <a:spLocks noGrp="1"/>
+          </p:cNvSpPr>
+          <p:nvPr>
+            <p:ph idx="1"/>
+          </p:nvPr>
+        </p:nvSpPr>
+        <p:spPr/>
+        <p:txBody>
+          <a:bodyPr/>
+          <a:lstStyle/>
+          <a:p>
+            <a:r>
+              <a:rPr lang="en-US" dirty="0"/>
+              <a:t>How can you force a context switch ( switch Task )?</a:t>
+            </a:r>
+          </a:p>
+          <a:p>
+            <a:r>
+              <a:rPr lang="en-US"/>
+              <a:t>t</a:t>
+            </a:r>
+            <a:r>
+              <a:rPr lang="en-US"/>
+              <a:t>askYield</a:t>
+            </a:r>
+            <a:endParaRPr lang="en-US" dirty="0"/>
+          </a:p>
+          <a:p>
+            <a:endParaRPr lang="en-US" dirty="0"/>
+          </a:p>
+          <a:p>
+            <a:endParaRPr lang="de-CH" dirty="0"/>
+          </a:p>
+        </p:txBody>
+      </p:sp>
+    </p:spTree>
+    <p:extLst>
+      <p:ext uri="{BB962C8B-B14F-4D97-AF65-F5344CB8AC3E}">
+        <p14:creationId xmlns:p14="http://schemas.microsoft.com/office/powerpoint/2010/main" val="1165061231"/>
       </p:ext>
     </p:extLst>
   </p:cSld>

--- a/Recap_SW5_Ineichen_Stecher.pptx
+++ b/Recap_SW5_Ineichen_Stecher.pptx
@@ -7,8 +7,8 @@
   <p:sldIdLst>
     <p:sldId id="256" r:id="rId2"/>
     <p:sldId id="257" r:id="rId3"/>
-    <p:sldId id="258" r:id="rId4"/>
-    <p:sldId id="270" r:id="rId5"/>
+    <p:sldId id="270" r:id="rId4"/>
+    <p:sldId id="258" r:id="rId5"/>
     <p:sldId id="259" r:id="rId6"/>
     <p:sldId id="261" r:id="rId7"/>
     <p:sldId id="262" r:id="rId8"/>
@@ -5091,7 +5091,6 @@
               <a:rPr lang="de-CH" dirty="0"/>
               <a:t>Task</a:t>
             </a:r>
-            <a:endParaRPr lang="de-CH" dirty="0"/>
           </a:p>
         </p:txBody>
       </p:sp>
@@ -5324,147 +5323,54 @@
               <a:buNone/>
             </a:pPr>
             <a:r>
-              <a:rPr lang="en-CA" dirty="0"/>
-              <a:t>PREN </a:t>
-            </a:r>
-            <a:r>
               <a:rPr lang="en-CA" dirty="0">
                 <a:sym typeface="Wingdings" panose="05000000000000000000" pitchFamily="2" charset="2"/>
               </a:rPr>
-              <a:t> </a:t>
+              <a:t>What are Pros and Cons for using in PREN an RTOS?</a:t>
+            </a:r>
+          </a:p>
+          <a:p>
+            <a:pPr marL="0" indent="0">
+              <a:buNone/>
+            </a:pPr>
+            <a:r>
+              <a:rPr lang="en-CA" dirty="0">
+                <a:sym typeface="Wingdings" panose="05000000000000000000" pitchFamily="2" charset="2"/>
+              </a:rPr>
+              <a:t>+ Quasi-concurrent, </a:t>
             </a:r>
             <a:r>
               <a:rPr lang="en-CA" dirty="0" err="1">
                 <a:sym typeface="Wingdings" panose="05000000000000000000" pitchFamily="2" charset="2"/>
               </a:rPr>
-              <a:t>wieso</a:t>
+              <a:t>Priorityhandling</a:t>
             </a:r>
             <a:r>
               <a:rPr lang="en-CA" dirty="0">
                 <a:sym typeface="Wingdings" panose="05000000000000000000" pitchFamily="2" charset="2"/>
               </a:rPr>
-              <a:t> </a:t>
-            </a:r>
-            <a:r>
-              <a:rPr lang="en-CA" dirty="0" err="1">
-                <a:sym typeface="Wingdings" panose="05000000000000000000" pitchFamily="2" charset="2"/>
-              </a:rPr>
-              <a:t>sollte</a:t>
-            </a:r>
+              <a:t> with Tasks with ISR</a:t>
+            </a:r>
+          </a:p>
+          <a:p>
+            <a:pPr marL="0" indent="0">
+              <a:buNone/>
+            </a:pPr>
             <a:r>
               <a:rPr lang="en-CA" dirty="0">
                 <a:sym typeface="Wingdings" panose="05000000000000000000" pitchFamily="2" charset="2"/>
               </a:rPr>
-              <a:t> </a:t>
-            </a:r>
-            <a:r>
-              <a:rPr lang="en-CA" dirty="0" err="1">
+              <a:t>- Controller needed, Memory for </a:t>
+            </a:r>
+            <a:r>
+              <a:rPr lang="en-CA">
                 <a:sym typeface="Wingdings" panose="05000000000000000000" pitchFamily="2" charset="2"/>
               </a:rPr>
-              <a:t>ein</a:t>
-            </a:r>
-            <a:r>
-              <a:rPr lang="en-CA" dirty="0">
-                <a:sym typeface="Wingdings" panose="05000000000000000000" pitchFamily="2" charset="2"/>
-              </a:rPr>
-              <a:t> OS </a:t>
-            </a:r>
-            <a:r>
-              <a:rPr lang="en-CA" dirty="0" err="1">
-                <a:sym typeface="Wingdings" panose="05000000000000000000" pitchFamily="2" charset="2"/>
-              </a:rPr>
-              <a:t>oder</a:t>
-            </a:r>
-            <a:r>
-              <a:rPr lang="en-CA" dirty="0">
-                <a:sym typeface="Wingdings" panose="05000000000000000000" pitchFamily="2" charset="2"/>
-              </a:rPr>
-              <a:t> </a:t>
-            </a:r>
-            <a:r>
-              <a:rPr lang="en-CA" dirty="0" err="1">
-                <a:sym typeface="Wingdings" panose="05000000000000000000" pitchFamily="2" charset="2"/>
-              </a:rPr>
-              <a:t>wiso</a:t>
-            </a:r>
-            <a:r>
-              <a:rPr lang="en-CA" dirty="0">
-                <a:sym typeface="Wingdings" panose="05000000000000000000" pitchFamily="2" charset="2"/>
-              </a:rPr>
-              <a:t> </a:t>
-            </a:r>
-            <a:r>
-              <a:rPr lang="en-CA" dirty="0" err="1">
-                <a:sym typeface="Wingdings" panose="05000000000000000000" pitchFamily="2" charset="2"/>
-              </a:rPr>
-              <a:t>sollte</a:t>
-            </a:r>
-            <a:r>
-              <a:rPr lang="en-CA" dirty="0">
-                <a:sym typeface="Wingdings" panose="05000000000000000000" pitchFamily="2" charset="2"/>
-              </a:rPr>
-              <a:t> </a:t>
-            </a:r>
-            <a:r>
-              <a:rPr lang="en-CA" dirty="0" err="1">
-                <a:sym typeface="Wingdings" panose="05000000000000000000" pitchFamily="2" charset="2"/>
-              </a:rPr>
-              <a:t>ein</a:t>
-            </a:r>
-            <a:r>
-              <a:rPr lang="en-CA" dirty="0">
-                <a:sym typeface="Wingdings" panose="05000000000000000000" pitchFamily="2" charset="2"/>
-              </a:rPr>
-              <a:t> RTOS </a:t>
-            </a:r>
-            <a:r>
-              <a:rPr lang="en-CA" dirty="0" err="1">
-                <a:sym typeface="Wingdings" panose="05000000000000000000" pitchFamily="2" charset="2"/>
-              </a:rPr>
-              <a:t>verwendet</a:t>
-            </a:r>
-            <a:r>
-              <a:rPr lang="en-CA" dirty="0">
-                <a:sym typeface="Wingdings" panose="05000000000000000000" pitchFamily="2" charset="2"/>
-              </a:rPr>
-              <a:t> warden? Was </a:t>
-            </a:r>
-            <a:r>
-              <a:rPr lang="en-CA" dirty="0" err="1">
-                <a:sym typeface="Wingdings" panose="05000000000000000000" pitchFamily="2" charset="2"/>
-              </a:rPr>
-              <a:t>spricht</a:t>
-            </a:r>
-            <a:r>
-              <a:rPr lang="en-CA" dirty="0">
-                <a:sym typeface="Wingdings" panose="05000000000000000000" pitchFamily="2" charset="2"/>
-              </a:rPr>
-              <a:t> </a:t>
-            </a:r>
-            <a:r>
-              <a:rPr lang="en-CA" dirty="0" err="1">
-                <a:sym typeface="Wingdings" panose="05000000000000000000" pitchFamily="2" charset="2"/>
-              </a:rPr>
-              <a:t>dagegen</a:t>
-            </a:r>
-            <a:r>
-              <a:rPr lang="en-CA" dirty="0">
-                <a:sym typeface="Wingdings" panose="05000000000000000000" pitchFamily="2" charset="2"/>
-              </a:rPr>
-              <a:t> was </a:t>
-            </a:r>
-            <a:r>
-              <a:rPr lang="en-CA" dirty="0" err="1">
-                <a:sym typeface="Wingdings" panose="05000000000000000000" pitchFamily="2" charset="2"/>
-              </a:rPr>
-              <a:t>dafür</a:t>
-            </a:r>
-            <a:r>
-              <a:rPr lang="en-CA" dirty="0">
-                <a:sym typeface="Wingdings" panose="05000000000000000000" pitchFamily="2" charset="2"/>
-              </a:rPr>
-              <a:t>. </a:t>
-            </a:r>
+              <a:t>OS ??</a:t>
+            </a:r>
+            <a:endParaRPr lang="en-CA" dirty="0">
+              <a:sym typeface="Wingdings" panose="05000000000000000000" pitchFamily="2" charset="2"/>
+            </a:endParaRPr>
           </a:p>
           <a:p>
             <a:pPr marL="0" indent="0">
@@ -5646,17 +5552,40 @@
           </a:p>
           <a:p>
             <a:r>
-              <a:rPr lang="en-US"/>
-              <a:t>t</a:t>
-            </a:r>
-            <a:r>
-              <a:rPr lang="en-US"/>
-              <a:t>askYield</a:t>
+              <a:rPr lang="en-US" dirty="0" err="1"/>
+              <a:t>taskYield</a:t>
             </a:r>
             <a:endParaRPr lang="en-US" dirty="0"/>
           </a:p>
           <a:p>
             <a:endParaRPr lang="en-US" dirty="0"/>
+          </a:p>
+          <a:p>
+            <a:r>
+              <a:rPr lang="en-US" dirty="0"/>
+              <a:t>In which modes can the Scheduler put the Tasks?</a:t>
+            </a:r>
+          </a:p>
+          <a:p>
+            <a:r>
+              <a:rPr lang="en-US" dirty="0"/>
+              <a:t>Tick, Wait(), Yield(), Synch() </a:t>
+            </a:r>
+          </a:p>
+          <a:p>
+            <a:endParaRPr lang="en-US" dirty="0"/>
+          </a:p>
+          <a:p>
+            <a:r>
+              <a:rPr lang="en-US" dirty="0"/>
+              <a:t>How can a Task be destroyed?</a:t>
+            </a:r>
+          </a:p>
+          <a:p>
+            <a:r>
+              <a:rPr lang="en-US" dirty="0"/>
+              <a:t>It can’t. I can only be suspended</a:t>
+            </a:r>
           </a:p>
           <a:p>
             <a:endParaRPr lang="de-CH" dirty="0"/>
@@ -5705,16 +5634,24 @@
         </p:nvSpPr>
         <p:spPr/>
         <p:txBody>
-          <a:bodyPr/>
-          <a:lstStyle/>
-          <a:p>
-            <a:r>
-              <a:rPr lang="en-CA" dirty="0" err="1"/>
-              <a:t>Wieso</a:t>
-            </a:r>
-            <a:r>
+          <a:bodyPr>
+            <a:normAutofit fontScale="90000"/>
+          </a:bodyPr>
+          <a:lstStyle/>
+          <a:p>
+            <a:br>
               <a:rPr lang="en-CA" dirty="0"/>
-              <a:t> RTOS?</a:t>
+            </a:br>
+            <a:r>
+              <a:rPr lang="de-CH" b="1" dirty="0"/>
+              <a:t>RTOS</a:t>
+            </a:r>
+            <a:br>
+              <a:rPr lang="de-CH" b="1" dirty="0"/>
+            </a:br>
+            <a:r>
+              <a:rPr lang="en-CA" dirty="0"/>
+              <a:t>Why RTOS?</a:t>
             </a:r>
             <a:endParaRPr lang="de-CH" dirty="0"/>
           </a:p>
@@ -5730,52 +5667,46 @@
             <p:ph idx="1"/>
           </p:nvPr>
         </p:nvSpPr>
-        <p:spPr/>
+        <p:spPr>
+          <a:xfrm>
+            <a:off x="1097279" y="1845734"/>
+            <a:ext cx="10411852" cy="4023360"/>
+          </a:xfrm>
+        </p:spPr>
         <p:txBody>
           <a:bodyPr/>
           <a:lstStyle/>
           <a:p>
             <a:r>
               <a:rPr lang="en-CA" dirty="0"/>
-              <a:t>Synchronisation</a:t>
-            </a:r>
-          </a:p>
-          <a:p>
-            <a:r>
-              <a:rPr lang="en-CA" dirty="0" err="1"/>
-              <a:t>Quasigleichzeitig</a:t>
-            </a:r>
+              <a:t>Solves synchronization problems</a:t>
+            </a:r>
+          </a:p>
+          <a:p>
             <a:r>
               <a:rPr lang="en-CA" dirty="0"/>
-              <a:t> </a:t>
-            </a:r>
-          </a:p>
-          <a:p>
-            <a:r>
-              <a:rPr lang="en-CA" dirty="0" err="1"/>
-              <a:t>Hardwarenahe</a:t>
-            </a:r>
+              <a:t>Quasi-concurrent execution of services </a:t>
+            </a:r>
+          </a:p>
+          <a:p>
             <a:r>
               <a:rPr lang="en-CA" dirty="0"/>
-              <a:t> </a:t>
+              <a:t>Close to Hardware </a:t>
             </a:r>
             <a:r>
               <a:rPr lang="en-CA" dirty="0">
                 <a:sym typeface="Wingdings" panose="05000000000000000000" pitchFamily="2" charset="2"/>
               </a:rPr>
-              <a:t> </a:t>
-            </a:r>
-            <a:r>
-              <a:rPr lang="en-CA" dirty="0" err="1">
-                <a:sym typeface="Wingdings" panose="05000000000000000000" pitchFamily="2" charset="2"/>
-              </a:rPr>
-              <a:t>bessere</a:t>
-            </a:r>
+              <a:t> better performance</a:t>
+            </a:r>
+          </a:p>
+          <a:p>
+            <a:pPr lvl="1"/>
             <a:r>
               <a:rPr lang="en-CA" dirty="0">
                 <a:sym typeface="Wingdings" panose="05000000000000000000" pitchFamily="2" charset="2"/>
               </a:rPr>
-              <a:t> Performance</a:t>
+              <a:t>OS needs Driver</a:t>
             </a:r>
           </a:p>
           <a:p>
@@ -5784,101 +5715,27 @@
               <a:rPr lang="en-CA" dirty="0">
                 <a:sym typeface="Wingdings" panose="05000000000000000000" pitchFamily="2" charset="2"/>
               </a:rPr>
-              <a:t>OS </a:t>
-            </a:r>
-            <a:r>
-              <a:rPr lang="en-CA" dirty="0" err="1">
+              <a:t>RTOS direct connected</a:t>
+            </a:r>
+          </a:p>
+          <a:p>
+            <a:pPr marL="292608" lvl="1">
+              <a:buNone/>
+            </a:pPr>
+            <a:r>
+              <a:rPr lang="en-CA" sz="2000" dirty="0">
                 <a:sym typeface="Wingdings" panose="05000000000000000000" pitchFamily="2" charset="2"/>
               </a:rPr>
-              <a:t>würde</a:t>
-            </a:r>
+              <a:t>Correct Result at correct time, independent of System load, in a deterministic and foreseeable way</a:t>
+            </a:r>
+          </a:p>
+          <a:p>
             <a:r>
               <a:rPr lang="en-CA" dirty="0">
                 <a:sym typeface="Wingdings" panose="05000000000000000000" pitchFamily="2" charset="2"/>
               </a:rPr>
-              <a:t> </a:t>
-            </a:r>
-            <a:r>
-              <a:rPr lang="en-CA" dirty="0" err="1">
-                <a:sym typeface="Wingdings" panose="05000000000000000000" pitchFamily="2" charset="2"/>
-              </a:rPr>
-              <a:t>Treiber</a:t>
-            </a:r>
-            <a:r>
-              <a:rPr lang="en-CA" dirty="0">
-                <a:sym typeface="Wingdings" panose="05000000000000000000" pitchFamily="2" charset="2"/>
-              </a:rPr>
-              <a:t> </a:t>
-            </a:r>
-            <a:r>
-              <a:rPr lang="en-CA" dirty="0" err="1">
-                <a:sym typeface="Wingdings" panose="05000000000000000000" pitchFamily="2" charset="2"/>
-              </a:rPr>
-              <a:t>benötigen</a:t>
-            </a:r>
-            <a:endParaRPr lang="en-CA" dirty="0">
-              <a:sym typeface="Wingdings" panose="05000000000000000000" pitchFamily="2" charset="2"/>
-            </a:endParaRPr>
-          </a:p>
-          <a:p>
-            <a:pPr lvl="1"/>
-            <a:r>
-              <a:rPr lang="en-CA" dirty="0">
-                <a:sym typeface="Wingdings" panose="05000000000000000000" pitchFamily="2" charset="2"/>
-              </a:rPr>
-              <a:t>RTOS </a:t>
-            </a:r>
-            <a:r>
-              <a:rPr lang="en-CA" dirty="0" err="1">
-                <a:sym typeface="Wingdings" panose="05000000000000000000" pitchFamily="2" charset="2"/>
-              </a:rPr>
-              <a:t>direkt</a:t>
-            </a:r>
-            <a:r>
-              <a:rPr lang="en-CA" dirty="0">
-                <a:sym typeface="Wingdings" panose="05000000000000000000" pitchFamily="2" charset="2"/>
-              </a:rPr>
-              <a:t> </a:t>
-            </a:r>
-            <a:r>
-              <a:rPr lang="en-CA" dirty="0" err="1">
-                <a:sym typeface="Wingdings" panose="05000000000000000000" pitchFamily="2" charset="2"/>
-              </a:rPr>
-              <a:t>mit</a:t>
-            </a:r>
-            <a:r>
-              <a:rPr lang="en-CA" dirty="0">
-                <a:sym typeface="Wingdings" panose="05000000000000000000" pitchFamily="2" charset="2"/>
-              </a:rPr>
-              <a:t> Hardware</a:t>
-            </a:r>
-          </a:p>
-          <a:p>
-            <a:r>
-              <a:rPr lang="en-CA" dirty="0">
-                <a:sym typeface="Wingdings" panose="05000000000000000000" pitchFamily="2" charset="2"/>
-              </a:rPr>
-              <a:t>Low Power und </a:t>
-            </a:r>
-            <a:r>
-              <a:rPr lang="en-CA" dirty="0" err="1">
-                <a:sym typeface="Wingdings" panose="05000000000000000000" pitchFamily="2" charset="2"/>
-              </a:rPr>
-              <a:t>geringe</a:t>
-            </a:r>
-            <a:r>
-              <a:rPr lang="en-CA" dirty="0">
-                <a:sym typeface="Wingdings" panose="05000000000000000000" pitchFamily="2" charset="2"/>
-              </a:rPr>
-              <a:t> </a:t>
-            </a:r>
-            <a:r>
-              <a:rPr lang="en-CA" dirty="0" err="1">
-                <a:sym typeface="Wingdings" panose="05000000000000000000" pitchFamily="2" charset="2"/>
-              </a:rPr>
-              <a:t>Bootzeit</a:t>
-            </a:r>
-            <a:endParaRPr lang="en-CA" dirty="0"/>
+              <a:t>Requirements for standard OS and RTOS are different</a:t>
+            </a:r>
           </a:p>
           <a:p>
             <a:endParaRPr lang="de-CH" dirty="0"/>
@@ -5931,10 +5788,20 @@
           <a:lstStyle/>
           <a:p>
             <a:r>
-              <a:rPr lang="en-CA" dirty="0"/>
-              <a:t>Scheduler</a:t>
-            </a:r>
-            <a:endParaRPr lang="de-CH" dirty="0"/>
+              <a:rPr lang="de-CH" b="1" dirty="0"/>
+              <a:t>RTOS</a:t>
+            </a:r>
+            <a:r>
+              <a:rPr lang="de-CH" dirty="0"/>
+              <a:t> </a:t>
+            </a:r>
+            <a:br>
+              <a:rPr lang="de-CH" dirty="0"/>
+            </a:br>
+            <a:r>
+              <a:rPr lang="de-CH" dirty="0"/>
+              <a:t>Kernel</a:t>
+            </a:r>
           </a:p>
         </p:txBody>
       </p:sp>
@@ -5956,18 +5823,100 @@
         </p:blipFill>
         <p:spPr>
           <a:xfrm>
-            <a:off x="1815420" y="2036024"/>
-            <a:ext cx="8505317" cy="3817902"/>
+            <a:off x="4200964" y="1919348"/>
+            <a:ext cx="7784263" cy="3856314"/>
           </a:xfrm>
           <a:prstGeom prst="rect">
             <a:avLst/>
           </a:prstGeom>
         </p:spPr>
       </p:pic>
+      <p:sp>
+        <p:nvSpPr>
+          <p:cNvPr id="5" name="Textfeld 4"/>
+          <p:cNvSpPr txBox="1"/>
+          <p:nvPr/>
+        </p:nvSpPr>
+        <p:spPr>
+          <a:xfrm>
+            <a:off x="805063" y="2338754"/>
+            <a:ext cx="4225580" cy="923330"/>
+          </a:xfrm>
+          <a:prstGeom prst="rect">
+            <a:avLst/>
+          </a:prstGeom>
+          <a:noFill/>
+        </p:spPr>
+        <p:txBody>
+          <a:bodyPr wrap="none" rtlCol="0">
+            <a:spAutoFit/>
+          </a:bodyPr>
+          <a:lstStyle/>
+          <a:p>
+            <a:pPr marL="285750" indent="-285750">
+              <a:buFont typeface="Arial" panose="020B0604020202020204" pitchFamily="34" charset="0"/>
+              <a:buChar char="•"/>
+            </a:pPr>
+            <a:r>
+              <a:rPr lang="en-CA" dirty="0">
+                <a:solidFill>
+                  <a:schemeClr val="tx1">
+                    <a:lumMod val="75000"/>
+                    <a:lumOff val="25000"/>
+                  </a:schemeClr>
+                </a:solidFill>
+              </a:rPr>
+              <a:t>Catching Interrupts</a:t>
+            </a:r>
+          </a:p>
+          <a:p>
+            <a:pPr marL="285750" indent="-285750">
+              <a:buFont typeface="Arial" panose="020B0604020202020204" pitchFamily="34" charset="0"/>
+              <a:buChar char="•"/>
+            </a:pPr>
+            <a:r>
+              <a:rPr lang="en-CA" dirty="0">
+                <a:solidFill>
+                  <a:schemeClr val="tx1">
+                    <a:lumMod val="75000"/>
+                    <a:lumOff val="25000"/>
+                  </a:schemeClr>
+                </a:solidFill>
+              </a:rPr>
+              <a:t>Time base (Timer/Tick Interrupt)</a:t>
+            </a:r>
+          </a:p>
+          <a:p>
+            <a:pPr marL="285750" indent="-285750">
+              <a:buFont typeface="Arial" panose="020B0604020202020204" pitchFamily="34" charset="0"/>
+              <a:buChar char="•"/>
+            </a:pPr>
+            <a:r>
+              <a:rPr lang="en-CA" dirty="0">
+                <a:solidFill>
+                  <a:schemeClr val="tx1">
+                    <a:lumMod val="75000"/>
+                    <a:lumOff val="25000"/>
+                  </a:schemeClr>
+                </a:solidFill>
+              </a:rPr>
+              <a:t>System Call and Traps (Trigger Interrupt)</a:t>
+            </a:r>
+            <a:endParaRPr lang="de-CH" dirty="0">
+              <a:solidFill>
+                <a:schemeClr val="tx1">
+                  <a:lumMod val="75000"/>
+                  <a:lumOff val="25000"/>
+                </a:schemeClr>
+              </a:solidFill>
+            </a:endParaRPr>
+          </a:p>
+        </p:txBody>
+      </p:sp>
     </p:spTree>
     <p:extLst>
       <p:ext uri="{BB962C8B-B14F-4D97-AF65-F5344CB8AC3E}">
-        <p14:creationId xmlns:p14="http://schemas.microsoft.com/office/powerpoint/2010/main" val="1916690929"/>
+        <p14:creationId xmlns:p14="http://schemas.microsoft.com/office/powerpoint/2010/main" val="4092189812"/>
       </p:ext>
     </p:extLst>
   </p:cSld>
@@ -6010,9 +5959,17 @@
           <a:lstStyle/>
           <a:p>
             <a:r>
-              <a:rPr lang="de-CH" dirty="0"/>
-              <a:t>RTOS Kernel</a:t>
-            </a:r>
+              <a:rPr lang="de-CH" b="1" dirty="0"/>
+              <a:t>RTOS</a:t>
+            </a:r>
+            <a:br>
+              <a:rPr lang="de-CH" b="1" dirty="0"/>
+            </a:br>
+            <a:r>
+              <a:rPr lang="en-CA" dirty="0"/>
+              <a:t>Scheduler</a:t>
+            </a:r>
+            <a:endParaRPr lang="de-CH" dirty="0"/>
           </a:p>
         </p:txBody>
       </p:sp>
@@ -6034,18 +5991,100 @@
         </p:blipFill>
         <p:spPr>
           <a:xfrm>
-            <a:off x="2078691" y="2007271"/>
-            <a:ext cx="7784263" cy="3856314"/>
+            <a:off x="3143058" y="1930516"/>
+            <a:ext cx="8505317" cy="3817902"/>
           </a:xfrm>
           <a:prstGeom prst="rect">
             <a:avLst/>
           </a:prstGeom>
         </p:spPr>
       </p:pic>
+      <p:sp>
+        <p:nvSpPr>
+          <p:cNvPr id="5" name="Textfeld 4"/>
+          <p:cNvSpPr txBox="1"/>
+          <p:nvPr/>
+        </p:nvSpPr>
+        <p:spPr>
+          <a:xfrm>
+            <a:off x="1030268" y="2022231"/>
+            <a:ext cx="4386137" cy="923330"/>
+          </a:xfrm>
+          <a:prstGeom prst="rect">
+            <a:avLst/>
+          </a:prstGeom>
+          <a:noFill/>
+        </p:spPr>
+        <p:txBody>
+          <a:bodyPr wrap="none" rtlCol="0">
+            <a:spAutoFit/>
+          </a:bodyPr>
+          <a:lstStyle/>
+          <a:p>
+            <a:pPr marL="285750" indent="-285750">
+              <a:buFont typeface="Arial" panose="020B0604020202020204" pitchFamily="34" charset="0"/>
+              <a:buChar char="•"/>
+            </a:pPr>
+            <a:r>
+              <a:rPr lang="en-CA" dirty="0">
+                <a:solidFill>
+                  <a:schemeClr val="tx1">
+                    <a:lumMod val="75000"/>
+                    <a:lumOff val="25000"/>
+                  </a:schemeClr>
+                </a:solidFill>
+              </a:rPr>
+              <a:t>Tick passes control to scheduler</a:t>
+            </a:r>
+          </a:p>
+          <a:p>
+            <a:pPr marL="285750" indent="-285750">
+              <a:buFont typeface="Arial" panose="020B0604020202020204" pitchFamily="34" charset="0"/>
+              <a:buChar char="•"/>
+            </a:pPr>
+            <a:r>
+              <a:rPr lang="en-CA" dirty="0">
+                <a:solidFill>
+                  <a:schemeClr val="tx1">
+                    <a:lumMod val="75000"/>
+                    <a:lumOff val="25000"/>
+                  </a:schemeClr>
+                </a:solidFill>
+              </a:rPr>
+              <a:t>Scheduler can schedule other Task</a:t>
+            </a:r>
+          </a:p>
+          <a:p>
+            <a:pPr marL="285750" indent="-285750">
+              <a:buFont typeface="Arial" panose="020B0604020202020204" pitchFamily="34" charset="0"/>
+              <a:buChar char="•"/>
+            </a:pPr>
+            <a:r>
+              <a:rPr lang="en-CA" dirty="0">
+                <a:solidFill>
+                  <a:schemeClr val="tx1">
+                    <a:lumMod val="75000"/>
+                    <a:lumOff val="25000"/>
+                  </a:schemeClr>
+                </a:solidFill>
+              </a:rPr>
+              <a:t>Opportunities: Tick, Wait(), Yield(), Sync()</a:t>
+            </a:r>
+            <a:endParaRPr lang="de-CH" dirty="0">
+              <a:solidFill>
+                <a:schemeClr val="tx1">
+                  <a:lumMod val="75000"/>
+                  <a:lumOff val="25000"/>
+                </a:schemeClr>
+              </a:solidFill>
+            </a:endParaRPr>
+          </a:p>
+        </p:txBody>
+      </p:sp>
     </p:spTree>
     <p:extLst>
       <p:ext uri="{BB962C8B-B14F-4D97-AF65-F5344CB8AC3E}">
-        <p14:creationId xmlns:p14="http://schemas.microsoft.com/office/powerpoint/2010/main" val="4092189812"/>
+        <p14:creationId xmlns:p14="http://schemas.microsoft.com/office/powerpoint/2010/main" val="1916690929"/>
       </p:ext>
     </p:extLst>
   </p:cSld>
@@ -6088,6 +6127,13 @@
           <a:lstStyle/>
           <a:p>
             <a:r>
+              <a:rPr lang="de-CH" b="1" dirty="0"/>
+              <a:t>RTOS </a:t>
+            </a:r>
+            <a:br>
+              <a:rPr lang="de-CH" b="1" dirty="0"/>
+            </a:br>
+            <a:r>
               <a:rPr lang="en-CA" dirty="0"/>
               <a:t>OS Process States</a:t>
             </a:r>
@@ -6113,7 +6159,7 @@
         </p:blipFill>
         <p:spPr>
           <a:xfrm>
-            <a:off x="2222549" y="1690688"/>
+            <a:off x="2231341" y="1848950"/>
             <a:ext cx="7390823" cy="4122186"/>
           </a:xfrm>
           <a:prstGeom prst="rect">
@@ -6121,6 +6167,76 @@
           </a:prstGeom>
         </p:spPr>
       </p:pic>
+      <p:sp>
+        <p:nvSpPr>
+          <p:cNvPr id="3" name="Textfeld 2"/>
+          <p:cNvSpPr txBox="1"/>
+          <p:nvPr/>
+        </p:nvSpPr>
+        <p:spPr>
+          <a:xfrm>
+            <a:off x="936948" y="2215661"/>
+            <a:ext cx="2588786" cy="400110"/>
+          </a:xfrm>
+          <a:prstGeom prst="rect">
+            <a:avLst/>
+          </a:prstGeom>
+          <a:noFill/>
+        </p:spPr>
+        <p:txBody>
+          <a:bodyPr wrap="none" rtlCol="0">
+            <a:spAutoFit/>
+          </a:bodyPr>
+          <a:lstStyle/>
+          <a:p>
+            <a:pPr marL="285750" indent="-285750">
+              <a:buFont typeface="Arial" panose="020B0604020202020204" pitchFamily="34" charset="0"/>
+              <a:buChar char="•"/>
+            </a:pPr>
+            <a:r>
+              <a:rPr lang="en-CA" dirty="0">
+                <a:solidFill>
+                  <a:schemeClr val="tx1">
+                    <a:lumMod val="75000"/>
+                    <a:lumOff val="25000"/>
+                  </a:schemeClr>
+                </a:solidFill>
+              </a:rPr>
+              <a:t>Only </a:t>
+            </a:r>
+            <a:r>
+              <a:rPr lang="en-CA" sz="2000" dirty="0">
+                <a:solidFill>
+                  <a:schemeClr val="tx1">
+                    <a:lumMod val="75000"/>
+                    <a:lumOff val="25000"/>
+                  </a:schemeClr>
+                </a:solidFill>
+              </a:rPr>
+              <a:t>one</a:t>
+            </a:r>
+            <a:r>
+              <a:rPr lang="en-CA" dirty="0">
+                <a:solidFill>
+                  <a:schemeClr val="tx1">
+                    <a:lumMod val="75000"/>
+                    <a:lumOff val="25000"/>
+                  </a:schemeClr>
+                </a:solidFill>
+              </a:rPr>
+              <a:t> Task running</a:t>
+            </a:r>
+            <a:endParaRPr lang="de-CH" dirty="0">
+              <a:solidFill>
+                <a:schemeClr val="tx1">
+                  <a:lumMod val="75000"/>
+                  <a:lumOff val="25000"/>
+                </a:schemeClr>
+              </a:solidFill>
+            </a:endParaRPr>
+          </a:p>
+        </p:txBody>
+      </p:sp>
     </p:spTree>
     <p:extLst>
       <p:ext uri="{BB962C8B-B14F-4D97-AF65-F5344CB8AC3E}">

--- a/Recap_SW5_Ineichen_Stecher.pptx
+++ b/Recap_SW5_Ineichen_Stecher.pptx
@@ -4,26 +4,27 @@
   <p:sldMasterIdLst>
     <p:sldMasterId id="2147483660" r:id="rId1"/>
   </p:sldMasterIdLst>
+  <p:notesMasterIdLst>
+    <p:notesMasterId r:id="rId19"/>
+  </p:notesMasterIdLst>
   <p:sldIdLst>
     <p:sldId id="256" r:id="rId2"/>
     <p:sldId id="257" r:id="rId3"/>
     <p:sldId id="270" r:id="rId4"/>
     <p:sldId id="258" r:id="rId5"/>
     <p:sldId id="259" r:id="rId6"/>
-    <p:sldId id="261" r:id="rId7"/>
-    <p:sldId id="262" r:id="rId8"/>
-    <p:sldId id="263" r:id="rId9"/>
-    <p:sldId id="264" r:id="rId10"/>
-    <p:sldId id="265" r:id="rId11"/>
-    <p:sldId id="266" r:id="rId12"/>
-    <p:sldId id="267" r:id="rId13"/>
-    <p:sldId id="268" r:id="rId14"/>
-    <p:sldId id="269" r:id="rId15"/>
-    <p:sldId id="271" r:id="rId16"/>
-    <p:sldId id="272" r:id="rId17"/>
-    <p:sldId id="273" r:id="rId18"/>
-    <p:sldId id="260" r:id="rId19"/>
-    <p:sldId id="274" r:id="rId20"/>
+    <p:sldId id="262" r:id="rId7"/>
+    <p:sldId id="263" r:id="rId8"/>
+    <p:sldId id="265" r:id="rId9"/>
+    <p:sldId id="266" r:id="rId10"/>
+    <p:sldId id="267" r:id="rId11"/>
+    <p:sldId id="268" r:id="rId12"/>
+    <p:sldId id="269" r:id="rId13"/>
+    <p:sldId id="271" r:id="rId14"/>
+    <p:sldId id="272" r:id="rId15"/>
+    <p:sldId id="273" r:id="rId16"/>
+    <p:sldId id="260" r:id="rId17"/>
+    <p:sldId id="274" r:id="rId18"/>
   </p:sldIdLst>
   <p:sldSz cx="12192000" cy="6858000"/>
   <p:notesSz cx="6858000" cy="9144000"/>
@@ -130,6 +131,448 @@
 </p:presentation>
 </file>
 
+<file path=ppt/notesMasters/notesMaster1.xml><?xml version="1.0" encoding="utf-8"?>
+<p:notesMaster xmlns:a="http://schemas.openxmlformats.org/drawingml/2006/main" xmlns:r="http://schemas.openxmlformats.org/officeDocument/2006/relationships" xmlns:p="http://schemas.openxmlformats.org/presentationml/2006/main">
+  <p:cSld>
+    <p:bg>
+      <p:bgRef idx="1001">
+        <a:schemeClr val="bg1"/>
+      </p:bgRef>
+    </p:bg>
+    <p:spTree>
+      <p:nvGrpSpPr>
+        <p:cNvPr id="1" name=""/>
+        <p:cNvGrpSpPr/>
+        <p:nvPr/>
+      </p:nvGrpSpPr>
+      <p:grpSpPr>
+        <a:xfrm>
+          <a:off x="0" y="0"/>
+          <a:ext cx="0" cy="0"/>
+          <a:chOff x="0" y="0"/>
+          <a:chExt cx="0" cy="0"/>
+        </a:xfrm>
+      </p:grpSpPr>
+      <p:sp>
+        <p:nvSpPr>
+          <p:cNvPr id="2" name="Kopfzeilenplatzhalter 1"/>
+          <p:cNvSpPr>
+            <a:spLocks noGrp="1"/>
+          </p:cNvSpPr>
+          <p:nvPr>
+            <p:ph type="hdr" sz="quarter"/>
+          </p:nvPr>
+        </p:nvSpPr>
+        <p:spPr>
+          <a:xfrm>
+            <a:off x="0" y="0"/>
+            <a:ext cx="2971800" cy="458788"/>
+          </a:xfrm>
+          <a:prstGeom prst="rect">
+            <a:avLst/>
+          </a:prstGeom>
+        </p:spPr>
+        <p:txBody>
+          <a:bodyPr vert="horz" lIns="91440" tIns="45720" rIns="91440" bIns="45720" rtlCol="0"/>
+          <a:lstStyle>
+            <a:lvl1pPr algn="l">
+              <a:defRPr sz="1200"/>
+            </a:lvl1pPr>
+          </a:lstStyle>
+          <a:p>
+            <a:endParaRPr lang="de-CH"/>
+          </a:p>
+        </p:txBody>
+      </p:sp>
+      <p:sp>
+        <p:nvSpPr>
+          <p:cNvPr id="3" name="Datumsplatzhalter 2"/>
+          <p:cNvSpPr>
+            <a:spLocks noGrp="1"/>
+          </p:cNvSpPr>
+          <p:nvPr>
+            <p:ph type="dt" idx="1"/>
+          </p:nvPr>
+        </p:nvSpPr>
+        <p:spPr>
+          <a:xfrm>
+            <a:off x="3884613" y="0"/>
+            <a:ext cx="2971800" cy="458788"/>
+          </a:xfrm>
+          <a:prstGeom prst="rect">
+            <a:avLst/>
+          </a:prstGeom>
+        </p:spPr>
+        <p:txBody>
+          <a:bodyPr vert="horz" lIns="91440" tIns="45720" rIns="91440" bIns="45720" rtlCol="0"/>
+          <a:lstStyle>
+            <a:lvl1pPr algn="r">
+              <a:defRPr sz="1200"/>
+            </a:lvl1pPr>
+          </a:lstStyle>
+          <a:p>
+            <a:fld id="{6C024E82-8379-4655-9D6C-F4638CD4F191}" type="datetimeFigureOut">
+              <a:rPr lang="de-CH" smtClean="0"/>
+              <a:t>25.10.2016</a:t>
+            </a:fld>
+            <a:endParaRPr lang="de-CH"/>
+          </a:p>
+        </p:txBody>
+      </p:sp>
+      <p:sp>
+        <p:nvSpPr>
+          <p:cNvPr id="4" name="Folienbildplatzhalter 3"/>
+          <p:cNvSpPr>
+            <a:spLocks noGrp="1" noRot="1" noChangeAspect="1"/>
+          </p:cNvSpPr>
+          <p:nvPr>
+            <p:ph type="sldImg" idx="2"/>
+          </p:nvPr>
+        </p:nvSpPr>
+        <p:spPr>
+          <a:xfrm>
+            <a:off x="685800" y="1143000"/>
+            <a:ext cx="5486400" cy="3086100"/>
+          </a:xfrm>
+          <a:prstGeom prst="rect">
+            <a:avLst/>
+          </a:prstGeom>
+          <a:noFill/>
+          <a:ln w="12700">
+            <a:solidFill>
+              <a:prstClr val="black"/>
+            </a:solidFill>
+          </a:ln>
+        </p:spPr>
+        <p:txBody>
+          <a:bodyPr vert="horz" lIns="91440" tIns="45720" rIns="91440" bIns="45720" rtlCol="0" anchor="ctr"/>
+          <a:lstStyle/>
+          <a:p>
+            <a:endParaRPr lang="de-CH"/>
+          </a:p>
+        </p:txBody>
+      </p:sp>
+      <p:sp>
+        <p:nvSpPr>
+          <p:cNvPr id="5" name="Notizenplatzhalter 4"/>
+          <p:cNvSpPr>
+            <a:spLocks noGrp="1"/>
+          </p:cNvSpPr>
+          <p:nvPr>
+            <p:ph type="body" sz="quarter" idx="3"/>
+          </p:nvPr>
+        </p:nvSpPr>
+        <p:spPr>
+          <a:xfrm>
+            <a:off x="685800" y="4400550"/>
+            <a:ext cx="5486400" cy="3600450"/>
+          </a:xfrm>
+          <a:prstGeom prst="rect">
+            <a:avLst/>
+          </a:prstGeom>
+        </p:spPr>
+        <p:txBody>
+          <a:bodyPr vert="horz" lIns="91440" tIns="45720" rIns="91440" bIns="45720" rtlCol="0"/>
+          <a:lstStyle/>
+          <a:p>
+            <a:pPr lvl="0"/>
+            <a:r>
+              <a:rPr lang="de-DE"/>
+              <a:t>Formatvorlagen des Textmasters bearbeiten</a:t>
+            </a:r>
+          </a:p>
+          <a:p>
+            <a:pPr lvl="1"/>
+            <a:r>
+              <a:rPr lang="de-DE"/>
+              <a:t>Zweite Ebene</a:t>
+            </a:r>
+          </a:p>
+          <a:p>
+            <a:pPr lvl="2"/>
+            <a:r>
+              <a:rPr lang="de-DE"/>
+              <a:t>Dritte Ebene</a:t>
+            </a:r>
+          </a:p>
+          <a:p>
+            <a:pPr lvl="3"/>
+            <a:r>
+              <a:rPr lang="de-DE"/>
+              <a:t>Vierte Ebene</a:t>
+            </a:r>
+          </a:p>
+          <a:p>
+            <a:pPr lvl="4"/>
+            <a:r>
+              <a:rPr lang="de-DE"/>
+              <a:t>Fünfte Ebene</a:t>
+            </a:r>
+            <a:endParaRPr lang="de-CH"/>
+          </a:p>
+        </p:txBody>
+      </p:sp>
+      <p:sp>
+        <p:nvSpPr>
+          <p:cNvPr id="6" name="Fußzeilenplatzhalter 5"/>
+          <p:cNvSpPr>
+            <a:spLocks noGrp="1"/>
+          </p:cNvSpPr>
+          <p:nvPr>
+            <p:ph type="ftr" sz="quarter" idx="4"/>
+          </p:nvPr>
+        </p:nvSpPr>
+        <p:spPr>
+          <a:xfrm>
+            <a:off x="0" y="8685213"/>
+            <a:ext cx="2971800" cy="458787"/>
+          </a:xfrm>
+          <a:prstGeom prst="rect">
+            <a:avLst/>
+          </a:prstGeom>
+        </p:spPr>
+        <p:txBody>
+          <a:bodyPr vert="horz" lIns="91440" tIns="45720" rIns="91440" bIns="45720" rtlCol="0" anchor="b"/>
+          <a:lstStyle>
+            <a:lvl1pPr algn="l">
+              <a:defRPr sz="1200"/>
+            </a:lvl1pPr>
+          </a:lstStyle>
+          <a:p>
+            <a:endParaRPr lang="de-CH"/>
+          </a:p>
+        </p:txBody>
+      </p:sp>
+      <p:sp>
+        <p:nvSpPr>
+          <p:cNvPr id="7" name="Foliennummernplatzhalter 6"/>
+          <p:cNvSpPr>
+            <a:spLocks noGrp="1"/>
+          </p:cNvSpPr>
+          <p:nvPr>
+            <p:ph type="sldNum" sz="quarter" idx="5"/>
+          </p:nvPr>
+        </p:nvSpPr>
+        <p:spPr>
+          <a:xfrm>
+            <a:off x="3884613" y="8685213"/>
+            <a:ext cx="2971800" cy="458787"/>
+          </a:xfrm>
+          <a:prstGeom prst="rect">
+            <a:avLst/>
+          </a:prstGeom>
+        </p:spPr>
+        <p:txBody>
+          <a:bodyPr vert="horz" lIns="91440" tIns="45720" rIns="91440" bIns="45720" rtlCol="0" anchor="b"/>
+          <a:lstStyle>
+            <a:lvl1pPr algn="r">
+              <a:defRPr sz="1200"/>
+            </a:lvl1pPr>
+          </a:lstStyle>
+          <a:p>
+            <a:fld id="{F1F70B2C-B641-40EB-B295-6B68783F7EA2}" type="slidenum">
+              <a:rPr lang="de-CH" smtClean="0"/>
+              <a:t>‹Nr.›</a:t>
+            </a:fld>
+            <a:endParaRPr lang="de-CH"/>
+          </a:p>
+        </p:txBody>
+      </p:sp>
+    </p:spTree>
+    <p:extLst>
+      <p:ext uri="{BB962C8B-B14F-4D97-AF65-F5344CB8AC3E}">
+        <p14:creationId xmlns:p14="http://schemas.microsoft.com/office/powerpoint/2010/main" val="1401177459"/>
+      </p:ext>
+    </p:extLst>
+  </p:cSld>
+  <p:clrMap bg1="lt1" tx1="dk1" bg2="lt2" tx2="dk2" accent1="accent1" accent2="accent2" accent3="accent3" accent4="accent4" accent5="accent5" accent6="accent6" hlink="hlink" folHlink="folHlink"/>
+  <p:notesStyle>
+    <a:lvl1pPr marL="0" algn="l" defTabSz="914400" rtl="0" eaLnBrk="1" latinLnBrk="0" hangingPunct="1">
+      <a:defRPr sz="1200" kern="1200">
+        <a:solidFill>
+          <a:schemeClr val="tx1"/>
+        </a:solidFill>
+        <a:latin typeface="+mn-lt"/>
+        <a:ea typeface="+mn-ea"/>
+        <a:cs typeface="+mn-cs"/>
+      </a:defRPr>
+    </a:lvl1pPr>
+    <a:lvl2pPr marL="457200" algn="l" defTabSz="914400" rtl="0" eaLnBrk="1" latinLnBrk="0" hangingPunct="1">
+      <a:defRPr sz="1200" kern="1200">
+        <a:solidFill>
+          <a:schemeClr val="tx1"/>
+        </a:solidFill>
+        <a:latin typeface="+mn-lt"/>
+        <a:ea typeface="+mn-ea"/>
+        <a:cs typeface="+mn-cs"/>
+      </a:defRPr>
+    </a:lvl2pPr>
+    <a:lvl3pPr marL="914400" algn="l" defTabSz="914400" rtl="0" eaLnBrk="1" latinLnBrk="0" hangingPunct="1">
+      <a:defRPr sz="1200" kern="1200">
+        <a:solidFill>
+          <a:schemeClr val="tx1"/>
+        </a:solidFill>
+        <a:latin typeface="+mn-lt"/>
+        <a:ea typeface="+mn-ea"/>
+        <a:cs typeface="+mn-cs"/>
+      </a:defRPr>
+    </a:lvl3pPr>
+    <a:lvl4pPr marL="1371600" algn="l" defTabSz="914400" rtl="0" eaLnBrk="1" latinLnBrk="0" hangingPunct="1">
+      <a:defRPr sz="1200" kern="1200">
+        <a:solidFill>
+          <a:schemeClr val="tx1"/>
+        </a:solidFill>
+        <a:latin typeface="+mn-lt"/>
+        <a:ea typeface="+mn-ea"/>
+        <a:cs typeface="+mn-cs"/>
+      </a:defRPr>
+    </a:lvl4pPr>
+    <a:lvl5pPr marL="1828800" algn="l" defTabSz="914400" rtl="0" eaLnBrk="1" latinLnBrk="0" hangingPunct="1">
+      <a:defRPr sz="1200" kern="1200">
+        <a:solidFill>
+          <a:schemeClr val="tx1"/>
+        </a:solidFill>
+        <a:latin typeface="+mn-lt"/>
+        <a:ea typeface="+mn-ea"/>
+        <a:cs typeface="+mn-cs"/>
+      </a:defRPr>
+    </a:lvl5pPr>
+    <a:lvl6pPr marL="2286000" algn="l" defTabSz="914400" rtl="0" eaLnBrk="1" latinLnBrk="0" hangingPunct="1">
+      <a:defRPr sz="1200" kern="1200">
+        <a:solidFill>
+          <a:schemeClr val="tx1"/>
+        </a:solidFill>
+        <a:latin typeface="+mn-lt"/>
+        <a:ea typeface="+mn-ea"/>
+        <a:cs typeface="+mn-cs"/>
+      </a:defRPr>
+    </a:lvl6pPr>
+    <a:lvl7pPr marL="2743200" algn="l" defTabSz="914400" rtl="0" eaLnBrk="1" latinLnBrk="0" hangingPunct="1">
+      <a:defRPr sz="1200" kern="1200">
+        <a:solidFill>
+          <a:schemeClr val="tx1"/>
+        </a:solidFill>
+        <a:latin typeface="+mn-lt"/>
+        <a:ea typeface="+mn-ea"/>
+        <a:cs typeface="+mn-cs"/>
+      </a:defRPr>
+    </a:lvl7pPr>
+    <a:lvl8pPr marL="3200400" algn="l" defTabSz="914400" rtl="0" eaLnBrk="1" latinLnBrk="0" hangingPunct="1">
+      <a:defRPr sz="1200" kern="1200">
+        <a:solidFill>
+          <a:schemeClr val="tx1"/>
+        </a:solidFill>
+        <a:latin typeface="+mn-lt"/>
+        <a:ea typeface="+mn-ea"/>
+        <a:cs typeface="+mn-cs"/>
+      </a:defRPr>
+    </a:lvl8pPr>
+    <a:lvl9pPr marL="3657600" algn="l" defTabSz="914400" rtl="0" eaLnBrk="1" latinLnBrk="0" hangingPunct="1">
+      <a:defRPr sz="1200" kern="1200">
+        <a:solidFill>
+          <a:schemeClr val="tx1"/>
+        </a:solidFill>
+        <a:latin typeface="+mn-lt"/>
+        <a:ea typeface="+mn-ea"/>
+        <a:cs typeface="+mn-cs"/>
+      </a:defRPr>
+    </a:lvl9pPr>
+  </p:notesStyle>
+</p:notesMaster>
+</file>
+
+<file path=ppt/notesSlides/notesSlide1.xml><?xml version="1.0" encoding="utf-8"?>
+<p:notes xmlns:a="http://schemas.openxmlformats.org/drawingml/2006/main" xmlns:r="http://schemas.openxmlformats.org/officeDocument/2006/relationships" xmlns:p="http://schemas.openxmlformats.org/presentationml/2006/main">
+  <p:cSld>
+    <p:spTree>
+      <p:nvGrpSpPr>
+        <p:cNvPr id="1" name=""/>
+        <p:cNvGrpSpPr/>
+        <p:nvPr/>
+      </p:nvGrpSpPr>
+      <p:grpSpPr>
+        <a:xfrm>
+          <a:off x="0" y="0"/>
+          <a:ext cx="0" cy="0"/>
+          <a:chOff x="0" y="0"/>
+          <a:chExt cx="0" cy="0"/>
+        </a:xfrm>
+      </p:grpSpPr>
+      <p:sp>
+        <p:nvSpPr>
+          <p:cNvPr id="2" name="Folienbildplatzhalter 1"/>
+          <p:cNvSpPr>
+            <a:spLocks noGrp="1" noRot="1" noChangeAspect="1"/>
+          </p:cNvSpPr>
+          <p:nvPr>
+            <p:ph type="sldImg"/>
+          </p:nvPr>
+        </p:nvSpPr>
+        <p:spPr/>
+      </p:sp>
+      <p:sp>
+        <p:nvSpPr>
+          <p:cNvPr id="3" name="Notizenplatzhalter 2"/>
+          <p:cNvSpPr>
+            <a:spLocks noGrp="1"/>
+          </p:cNvSpPr>
+          <p:nvPr>
+            <p:ph type="body" idx="1"/>
+          </p:nvPr>
+        </p:nvSpPr>
+        <p:spPr/>
+        <p:txBody>
+          <a:bodyPr/>
+          <a:lstStyle/>
+          <a:p>
+            <a:r>
+              <a:rPr lang="de-CH" dirty="0"/>
+              <a:t>Bis hier</a:t>
+            </a:r>
+            <a:r>
+              <a:rPr lang="de-CH" baseline="0" dirty="0"/>
+              <a:t> Silvano</a:t>
+            </a:r>
+            <a:endParaRPr lang="de-CH" dirty="0"/>
+          </a:p>
+        </p:txBody>
+      </p:sp>
+      <p:sp>
+        <p:nvSpPr>
+          <p:cNvPr id="4" name="Foliennummernplatzhalter 3"/>
+          <p:cNvSpPr>
+            <a:spLocks noGrp="1"/>
+          </p:cNvSpPr>
+          <p:nvPr>
+            <p:ph type="sldNum" sz="quarter" idx="10"/>
+          </p:nvPr>
+        </p:nvSpPr>
+        <p:spPr/>
+        <p:txBody>
+          <a:bodyPr/>
+          <a:lstStyle/>
+          <a:p>
+            <a:fld id="{F1F70B2C-B641-40EB-B295-6B68783F7EA2}" type="slidenum">
+              <a:rPr lang="de-CH" smtClean="0"/>
+              <a:t>6</a:t>
+            </a:fld>
+            <a:endParaRPr lang="de-CH"/>
+          </a:p>
+        </p:txBody>
+      </p:sp>
+    </p:spTree>
+    <p:extLst>
+      <p:ext uri="{BB962C8B-B14F-4D97-AF65-F5344CB8AC3E}">
+        <p14:creationId xmlns:p14="http://schemas.microsoft.com/office/powerpoint/2010/main" val="272606401"/>
+      </p:ext>
+    </p:extLst>
+  </p:cSld>
+  <p:clrMapOvr>
+    <a:masterClrMapping/>
+  </p:clrMapOvr>
+</p:notes>
+</file>
+
 <file path=ppt/slideLayouts/slideLayout1.xml><?xml version="1.0" encoding="utf-8"?>
 <p:sldLayout xmlns:a="http://schemas.openxmlformats.org/drawingml/2006/main" xmlns:r="http://schemas.openxmlformats.org/officeDocument/2006/relationships" xmlns:p="http://schemas.openxmlformats.org/presentationml/2006/main" showMasterSp="0" type="title" preserve="1">
   <p:cSld name="Titelfolie">
@@ -356,7 +799,7 @@
           <a:p>
             <a:fld id="{CFF0E3E0-6B59-4FD8-AEDD-9E53307F786E}" type="datetimeFigureOut">
               <a:rPr lang="de-CH" smtClean="0"/>
-              <a:t>24.10.2016</a:t>
+              <a:t>25.10.2016</a:t>
             </a:fld>
             <a:endParaRPr lang="de-CH"/>
           </a:p>
@@ -564,7 +1007,7 @@
           <a:p>
             <a:fld id="{CFF0E3E0-6B59-4FD8-AEDD-9E53307F786E}" type="datetimeFigureOut">
               <a:rPr lang="de-CH" smtClean="0"/>
-              <a:t>24.10.2016</a:t>
+              <a:t>25.10.2016</a:t>
             </a:fld>
             <a:endParaRPr lang="de-CH"/>
           </a:p>
@@ -820,7 +1263,7 @@
           <a:p>
             <a:fld id="{CFF0E3E0-6B59-4FD8-AEDD-9E53307F786E}" type="datetimeFigureOut">
               <a:rPr lang="de-CH" smtClean="0"/>
-              <a:t>24.10.2016</a:t>
+              <a:t>25.10.2016</a:t>
             </a:fld>
             <a:endParaRPr lang="de-CH"/>
           </a:p>
@@ -994,7 +1437,7 @@
           <a:p>
             <a:fld id="{CFF0E3E0-6B59-4FD8-AEDD-9E53307F786E}" type="datetimeFigureOut">
               <a:rPr lang="de-CH" smtClean="0"/>
-              <a:t>24.10.2016</a:t>
+              <a:t>25.10.2016</a:t>
             </a:fld>
             <a:endParaRPr lang="de-CH"/>
           </a:p>
@@ -1337,7 +1780,7 @@
           <a:p>
             <a:fld id="{CFF0E3E0-6B59-4FD8-AEDD-9E53307F786E}" type="datetimeFigureOut">
               <a:rPr lang="de-CH" smtClean="0"/>
-              <a:t>24.10.2016</a:t>
+              <a:t>25.10.2016</a:t>
             </a:fld>
             <a:endParaRPr lang="de-CH"/>
           </a:p>
@@ -1612,7 +2055,7 @@
           <a:p>
             <a:fld id="{CFF0E3E0-6B59-4FD8-AEDD-9E53307F786E}" type="datetimeFigureOut">
               <a:rPr lang="de-CH" smtClean="0"/>
-              <a:t>24.10.2016</a:t>
+              <a:t>25.10.2016</a:t>
             </a:fld>
             <a:endParaRPr lang="de-CH"/>
           </a:p>
@@ -1991,7 +2434,7 @@
           <a:p>
             <a:fld id="{CFF0E3E0-6B59-4FD8-AEDD-9E53307F786E}" type="datetimeFigureOut">
               <a:rPr lang="de-CH" smtClean="0"/>
-              <a:t>24.10.2016</a:t>
+              <a:t>25.10.2016</a:t>
             </a:fld>
             <a:endParaRPr lang="de-CH"/>
           </a:p>
@@ -2109,7 +2552,7 @@
           <a:p>
             <a:fld id="{CFF0E3E0-6B59-4FD8-AEDD-9E53307F786E}" type="datetimeFigureOut">
               <a:rPr lang="de-CH" smtClean="0"/>
-              <a:t>24.10.2016</a:t>
+              <a:t>25.10.2016</a:t>
             </a:fld>
             <a:endParaRPr lang="de-CH"/>
           </a:p>
@@ -2280,7 +2723,7 @@
           <a:p>
             <a:fld id="{CFF0E3E0-6B59-4FD8-AEDD-9E53307F786E}" type="datetimeFigureOut">
               <a:rPr lang="de-CH" smtClean="0"/>
-              <a:t>24.10.2016</a:t>
+              <a:t>25.10.2016</a:t>
             </a:fld>
             <a:endParaRPr lang="de-CH"/>
           </a:p>
@@ -2634,7 +3077,7 @@
           <a:p>
             <a:fld id="{CFF0E3E0-6B59-4FD8-AEDD-9E53307F786E}" type="datetimeFigureOut">
               <a:rPr lang="de-CH" smtClean="0"/>
-              <a:t>24.10.2016</a:t>
+              <a:t>25.10.2016</a:t>
             </a:fld>
             <a:endParaRPr lang="de-CH"/>
           </a:p>
@@ -3016,7 +3459,7 @@
           <a:p>
             <a:fld id="{CFF0E3E0-6B59-4FD8-AEDD-9E53307F786E}" type="datetimeFigureOut">
               <a:rPr lang="de-CH" smtClean="0"/>
-              <a:t>24.10.2016</a:t>
+              <a:t>25.10.2016</a:t>
             </a:fld>
             <a:endParaRPr lang="de-CH"/>
           </a:p>
@@ -3303,7 +3746,7 @@
           <a:p>
             <a:fld id="{CFF0E3E0-6B59-4FD8-AEDD-9E53307F786E}" type="datetimeFigureOut">
               <a:rPr lang="de-CH" smtClean="0"/>
-              <a:t>24.10.2016</a:t>
+              <a:t>25.10.2016</a:t>
             </a:fld>
             <a:endParaRPr lang="de-CH"/>
           </a:p>
@@ -3938,467 +4381,6 @@
               <a:rPr lang="de-CH" dirty="0"/>
             </a:br>
             <a:r>
-              <a:rPr lang="de-CH" dirty="0" err="1"/>
-              <a:t>Architecture</a:t>
-            </a:r>
-            <a:endParaRPr lang="de-CH" dirty="0"/>
-          </a:p>
-        </p:txBody>
-      </p:sp>
-      <p:sp>
-        <p:nvSpPr>
-          <p:cNvPr id="3" name="Inhaltsplatzhalter 2"/>
-          <p:cNvSpPr>
-            <a:spLocks noGrp="1"/>
-          </p:cNvSpPr>
-          <p:nvPr>
-            <p:ph idx="1"/>
-          </p:nvPr>
-        </p:nvSpPr>
-        <p:spPr/>
-        <p:txBody>
-          <a:bodyPr/>
-          <a:lstStyle/>
-          <a:p>
-            <a:r>
-              <a:rPr lang="de-CH" b="1" dirty="0"/>
-              <a:t>Kernel </a:t>
-            </a:r>
-            <a:r>
-              <a:rPr lang="de-CH" b="1" dirty="0" err="1"/>
-              <a:t>and</a:t>
-            </a:r>
-            <a:r>
-              <a:rPr lang="de-CH" b="1" dirty="0"/>
-              <a:t> Interrupts</a:t>
-            </a:r>
-          </a:p>
-          <a:p>
-            <a:pPr lvl="1"/>
-            <a:r>
-              <a:rPr lang="de-CH" b="1" dirty="0"/>
-              <a:t>Tick Interrupt</a:t>
-            </a:r>
-            <a:r>
-              <a:rPr lang="de-CH" dirty="0"/>
-              <a:t>: </a:t>
-            </a:r>
-            <a:r>
-              <a:rPr lang="de-CH" dirty="0" err="1"/>
-              <a:t>SysTick</a:t>
-            </a:r>
-            <a:endParaRPr lang="de-CH" dirty="0"/>
-          </a:p>
-          <a:p>
-            <a:pPr lvl="1"/>
-            <a:r>
-              <a:rPr lang="de-CH" b="1" dirty="0"/>
-              <a:t>Software Interrupt</a:t>
-            </a:r>
-            <a:r>
-              <a:rPr lang="de-CH" dirty="0"/>
-              <a:t>: </a:t>
-            </a:r>
-            <a:r>
-              <a:rPr lang="de-CH" dirty="0" err="1"/>
-              <a:t>SVCall</a:t>
-            </a:r>
-            <a:r>
-              <a:rPr lang="de-CH" dirty="0"/>
-              <a:t>, </a:t>
-            </a:r>
-            <a:r>
-              <a:rPr lang="de-CH" dirty="0" err="1"/>
-              <a:t>PendableSrvReq</a:t>
-            </a:r>
-            <a:endParaRPr lang="de-CH" dirty="0"/>
-          </a:p>
-          <a:p>
-            <a:pPr lvl="1"/>
-            <a:r>
-              <a:rPr lang="de-CH" dirty="0"/>
-              <a:t>Other </a:t>
-            </a:r>
-            <a:r>
-              <a:rPr lang="de-CH" dirty="0" err="1"/>
-              <a:t>interrupts</a:t>
-            </a:r>
-            <a:r>
-              <a:rPr lang="de-CH" dirty="0"/>
-              <a:t>: </a:t>
-            </a:r>
-            <a:r>
-              <a:rPr lang="de-CH" dirty="0" err="1"/>
-              <a:t>under</a:t>
-            </a:r>
-            <a:r>
-              <a:rPr lang="de-CH" dirty="0"/>
-              <a:t> </a:t>
-            </a:r>
-            <a:r>
-              <a:rPr lang="de-CH" dirty="0" err="1"/>
-              <a:t>application</a:t>
-            </a:r>
-            <a:r>
-              <a:rPr lang="de-CH" dirty="0"/>
-              <a:t> </a:t>
-            </a:r>
-            <a:r>
-              <a:rPr lang="de-CH" dirty="0" err="1"/>
-              <a:t>control</a:t>
-            </a:r>
-            <a:endParaRPr lang="de-CH" dirty="0"/>
-          </a:p>
-          <a:p>
-            <a:pPr lvl="1"/>
-            <a:r>
-              <a:rPr lang="en-US" dirty="0"/>
-              <a:t>Do </a:t>
-            </a:r>
-            <a:r>
-              <a:rPr lang="en-US" b="1" dirty="0"/>
-              <a:t>not </a:t>
-            </a:r>
-            <a:r>
-              <a:rPr lang="en-US" dirty="0"/>
-              <a:t>call RTOS API from ISR</a:t>
-            </a:r>
-            <a:endParaRPr lang="de-CH" dirty="0"/>
-          </a:p>
-          <a:p>
-            <a:pPr lvl="1"/>
-            <a:r>
-              <a:rPr lang="en-US" dirty="0"/>
-              <a:t>using PRIMASK to mask interrupts</a:t>
-            </a:r>
-          </a:p>
-          <a:p>
-            <a:pPr marL="201168" lvl="1" indent="0">
-              <a:buNone/>
-            </a:pPr>
-            <a:r>
-              <a:rPr lang="en-US" dirty="0"/>
-              <a:t>    </a:t>
-            </a:r>
-            <a:r>
-              <a:rPr lang="en-US" dirty="0" err="1"/>
-              <a:t>configMAX_SYSCALL_INTERRUPT_PRIORITY</a:t>
-            </a:r>
-            <a:endParaRPr lang="de-CH" dirty="0"/>
-          </a:p>
-        </p:txBody>
-      </p:sp>
-      <p:pic>
-        <p:nvPicPr>
-          <p:cNvPr id="4" name="Grafik 3"/>
-          <p:cNvPicPr>
-            <a:picLocks noChangeAspect="1"/>
-          </p:cNvPicPr>
-          <p:nvPr/>
-        </p:nvPicPr>
-        <p:blipFill>
-          <a:blip r:embed="rId2"/>
-          <a:stretch>
-            <a:fillRect/>
-          </a:stretch>
-        </p:blipFill>
-        <p:spPr>
-          <a:xfrm>
-            <a:off x="5606376" y="1786427"/>
-            <a:ext cx="6444325" cy="3449609"/>
-          </a:xfrm>
-          <a:prstGeom prst="rect">
-            <a:avLst/>
-          </a:prstGeom>
-        </p:spPr>
-      </p:pic>
-    </p:spTree>
-    <p:extLst>
-      <p:ext uri="{BB962C8B-B14F-4D97-AF65-F5344CB8AC3E}">
-        <p14:creationId xmlns:p14="http://schemas.microsoft.com/office/powerpoint/2010/main" val="2833264382"/>
-      </p:ext>
-    </p:extLst>
-  </p:cSld>
-  <p:clrMapOvr>
-    <a:masterClrMapping/>
-  </p:clrMapOvr>
-</p:sld>
-</file>
-
-<file path=ppt/slides/slide11.xml><?xml version="1.0" encoding="utf-8"?>
-<p:sld xmlns:a="http://schemas.openxmlformats.org/drawingml/2006/main" xmlns:r="http://schemas.openxmlformats.org/officeDocument/2006/relationships" xmlns:p="http://schemas.openxmlformats.org/presentationml/2006/main">
-  <p:cSld>
-    <p:spTree>
-      <p:nvGrpSpPr>
-        <p:cNvPr id="1" name=""/>
-        <p:cNvGrpSpPr/>
-        <p:nvPr/>
-      </p:nvGrpSpPr>
-      <p:grpSpPr>
-        <a:xfrm>
-          <a:off x="0" y="0"/>
-          <a:ext cx="0" cy="0"/>
-          <a:chOff x="0" y="0"/>
-          <a:chExt cx="0" cy="0"/>
-        </a:xfrm>
-      </p:grpSpPr>
-      <p:sp>
-        <p:nvSpPr>
-          <p:cNvPr id="2" name="Titel 1"/>
-          <p:cNvSpPr>
-            <a:spLocks noGrp="1"/>
-          </p:cNvSpPr>
-          <p:nvPr>
-            <p:ph type="title"/>
-          </p:nvPr>
-        </p:nvSpPr>
-        <p:spPr/>
-        <p:txBody>
-          <a:bodyPr/>
-          <a:lstStyle/>
-          <a:p>
-            <a:r>
-              <a:rPr lang="de-CH" b="1" dirty="0" err="1"/>
-              <a:t>FreeRTOS</a:t>
-            </a:r>
-            <a:r>
-              <a:rPr lang="de-CH" dirty="0"/>
-              <a:t> </a:t>
-            </a:r>
-            <a:br>
-              <a:rPr lang="de-CH" dirty="0"/>
-            </a:br>
-            <a:r>
-              <a:rPr lang="de-CH" dirty="0"/>
-              <a:t>Kernel Control	</a:t>
-            </a:r>
-          </a:p>
-        </p:txBody>
-      </p:sp>
-      <p:sp>
-        <p:nvSpPr>
-          <p:cNvPr id="3" name="Inhaltsplatzhalter 2"/>
-          <p:cNvSpPr>
-            <a:spLocks noGrp="1"/>
-          </p:cNvSpPr>
-          <p:nvPr>
-            <p:ph idx="1"/>
-          </p:nvPr>
-        </p:nvSpPr>
-        <p:spPr/>
-        <p:txBody>
-          <a:bodyPr/>
-          <a:lstStyle/>
-          <a:p>
-            <a:endParaRPr lang="de-CH" dirty="0"/>
-          </a:p>
-          <a:p>
-            <a:endParaRPr lang="de-CH" dirty="0"/>
-          </a:p>
-          <a:p>
-            <a:pPr>
-              <a:buFont typeface="Arial" panose="020B0604020202020204" pitchFamily="34" charset="0"/>
-              <a:buChar char="•"/>
-            </a:pPr>
-            <a:r>
-              <a:rPr lang="de-CH" dirty="0"/>
-              <a:t>Starts </a:t>
-            </a:r>
-            <a:r>
-              <a:rPr lang="de-CH" dirty="0" err="1"/>
-              <a:t>the</a:t>
-            </a:r>
-            <a:r>
-              <a:rPr lang="de-CH" dirty="0"/>
-              <a:t> </a:t>
-            </a:r>
-            <a:r>
-              <a:rPr lang="de-CH" dirty="0" err="1"/>
-              <a:t>scheduler</a:t>
-            </a:r>
-            <a:r>
-              <a:rPr lang="de-CH" dirty="0"/>
-              <a:t> ( </a:t>
-            </a:r>
-            <a:r>
-              <a:rPr lang="de-CH" dirty="0" err="1"/>
-              <a:t>Init</a:t>
-            </a:r>
-            <a:r>
-              <a:rPr lang="de-CH" dirty="0"/>
-              <a:t> -&gt; </a:t>
-            </a:r>
-            <a:r>
-              <a:rPr lang="de-CH" dirty="0" err="1"/>
-              <a:t>Running</a:t>
-            </a:r>
-            <a:r>
-              <a:rPr lang="de-CH" dirty="0"/>
-              <a:t>)</a:t>
-            </a:r>
-          </a:p>
-          <a:p>
-            <a:pPr>
-              <a:buFont typeface="Arial" panose="020B0604020202020204" pitchFamily="34" charset="0"/>
-              <a:buChar char="•"/>
-            </a:pPr>
-            <a:r>
-              <a:rPr lang="de-CH" dirty="0" err="1"/>
-              <a:t>Creates</a:t>
-            </a:r>
-            <a:r>
-              <a:rPr lang="de-CH" dirty="0"/>
-              <a:t> IDLE </a:t>
-            </a:r>
-            <a:r>
-              <a:rPr lang="de-CH" dirty="0" err="1"/>
-              <a:t>task</a:t>
-            </a:r>
-            <a:r>
-              <a:rPr lang="de-CH" dirty="0"/>
-              <a:t> (</a:t>
-            </a:r>
-            <a:r>
-              <a:rPr lang="de-CH" dirty="0" err="1"/>
-              <a:t>configMINIMAL_STACK_SIZE</a:t>
-            </a:r>
-            <a:r>
-              <a:rPr lang="de-CH" dirty="0"/>
-              <a:t>, </a:t>
-            </a:r>
-            <a:r>
-              <a:rPr lang="de-CH" dirty="0" err="1"/>
-              <a:t>tskIDLE_PRIORITY</a:t>
-            </a:r>
-            <a:r>
-              <a:rPr lang="de-CH" dirty="0"/>
-              <a:t>)</a:t>
-            </a:r>
-          </a:p>
-          <a:p>
-            <a:pPr>
-              <a:buFont typeface="Arial" panose="020B0604020202020204" pitchFamily="34" charset="0"/>
-              <a:buChar char="•"/>
-            </a:pPr>
-            <a:r>
-              <a:rPr lang="en-US" dirty="0"/>
-              <a:t>Runs the highest priority task</a:t>
-            </a:r>
-            <a:endParaRPr lang="de-CH" dirty="0"/>
-          </a:p>
-          <a:p>
-            <a:endParaRPr lang="de-CH" dirty="0"/>
-          </a:p>
-          <a:p>
-            <a:endParaRPr lang="de-CH" dirty="0"/>
-          </a:p>
-        </p:txBody>
-      </p:sp>
-      <p:pic>
-        <p:nvPicPr>
-          <p:cNvPr id="5" name="Grafik 4"/>
-          <p:cNvPicPr>
-            <a:picLocks noChangeAspect="1"/>
-          </p:cNvPicPr>
-          <p:nvPr/>
-        </p:nvPicPr>
-        <p:blipFill>
-          <a:blip r:embed="rId2"/>
-          <a:stretch>
-            <a:fillRect/>
-          </a:stretch>
-        </p:blipFill>
-        <p:spPr>
-          <a:xfrm>
-            <a:off x="1097280" y="1845734"/>
-            <a:ext cx="9829800" cy="676275"/>
-          </a:xfrm>
-          <a:prstGeom prst="rect">
-            <a:avLst/>
-          </a:prstGeom>
-        </p:spPr>
-      </p:pic>
-      <p:pic>
-        <p:nvPicPr>
-          <p:cNvPr id="6" name="Grafik 5"/>
-          <p:cNvPicPr>
-            <a:picLocks noChangeAspect="1"/>
-          </p:cNvPicPr>
-          <p:nvPr/>
-        </p:nvPicPr>
-        <p:blipFill>
-          <a:blip r:embed="rId3"/>
-          <a:stretch>
-            <a:fillRect/>
-          </a:stretch>
-        </p:blipFill>
-        <p:spPr>
-          <a:xfrm>
-            <a:off x="1078230" y="4603886"/>
-            <a:ext cx="9867900" cy="714375"/>
-          </a:xfrm>
-          <a:prstGeom prst="rect">
-            <a:avLst/>
-          </a:prstGeom>
-        </p:spPr>
-      </p:pic>
-    </p:spTree>
-    <p:extLst>
-      <p:ext uri="{BB962C8B-B14F-4D97-AF65-F5344CB8AC3E}">
-        <p14:creationId xmlns:p14="http://schemas.microsoft.com/office/powerpoint/2010/main" val="4169378302"/>
-      </p:ext>
-    </p:extLst>
-  </p:cSld>
-  <p:clrMapOvr>
-    <a:masterClrMapping/>
-  </p:clrMapOvr>
-</p:sld>
-</file>
-
-<file path=ppt/slides/slide12.xml><?xml version="1.0" encoding="utf-8"?>
-<p:sld xmlns:a="http://schemas.openxmlformats.org/drawingml/2006/main" xmlns:r="http://schemas.openxmlformats.org/officeDocument/2006/relationships" xmlns:p="http://schemas.openxmlformats.org/presentationml/2006/main">
-  <p:cSld>
-    <p:spTree>
-      <p:nvGrpSpPr>
-        <p:cNvPr id="1" name=""/>
-        <p:cNvGrpSpPr/>
-        <p:nvPr/>
-      </p:nvGrpSpPr>
-      <p:grpSpPr>
-        <a:xfrm>
-          <a:off x="0" y="0"/>
-          <a:ext cx="0" cy="0"/>
-          <a:chOff x="0" y="0"/>
-          <a:chExt cx="0" cy="0"/>
-        </a:xfrm>
-      </p:grpSpPr>
-      <p:sp>
-        <p:nvSpPr>
-          <p:cNvPr id="2" name="Titel 1"/>
-          <p:cNvSpPr>
-            <a:spLocks noGrp="1"/>
-          </p:cNvSpPr>
-          <p:nvPr>
-            <p:ph type="title"/>
-          </p:nvPr>
-        </p:nvSpPr>
-        <p:spPr/>
-        <p:txBody>
-          <a:bodyPr/>
-          <a:lstStyle/>
-          <a:p>
-            <a:r>
-              <a:rPr lang="de-CH" b="1" dirty="0" err="1"/>
-              <a:t>FreeRTOS</a:t>
-            </a:r>
-            <a:r>
-              <a:rPr lang="de-CH" dirty="0"/>
-              <a:t> </a:t>
-            </a:r>
-            <a:br>
-              <a:rPr lang="de-CH" dirty="0"/>
-            </a:br>
-            <a:r>
               <a:rPr lang="de-CH" dirty="0"/>
               <a:t>Kernel Control	</a:t>
             </a:r>
@@ -4518,7 +4500,7 @@
 </p:sld>
 </file>
 
-<file path=ppt/slides/slide13.xml><?xml version="1.0" encoding="utf-8"?>
+<file path=ppt/slides/slide11.xml><?xml version="1.0" encoding="utf-8"?>
 <p:sld xmlns:a="http://schemas.openxmlformats.org/drawingml/2006/main" xmlns:r="http://schemas.openxmlformats.org/officeDocument/2006/relationships" xmlns:p="http://schemas.openxmlformats.org/presentationml/2006/main">
   <p:cSld>
     <p:spTree>
@@ -4620,25 +4602,303 @@
       </p:pic>
       <p:sp>
         <p:nvSpPr>
-          <p:cNvPr id="6" name="Rechteck 5"/>
-          <p:cNvSpPr/>
+          <p:cNvPr id="7" name="Inhaltsplatzhalter 2"/>
+          <p:cNvSpPr txBox="1">
+            <a:spLocks/>
+          </p:cNvSpPr>
           <p:nvPr/>
         </p:nvSpPr>
         <p:spPr>
           <a:xfrm>
-            <a:off x="1167612" y="4348799"/>
-            <a:ext cx="6096000" cy="923330"/>
+            <a:off x="1097280" y="1891620"/>
+            <a:ext cx="10063984" cy="3977473"/>
           </a:xfrm>
           <a:prstGeom prst="rect">
             <a:avLst/>
           </a:prstGeom>
         </p:spPr>
         <p:txBody>
-          <a:bodyPr>
-            <a:spAutoFit/>
+          <a:bodyPr vert="horz" lIns="0" tIns="45720" rIns="0" bIns="45720" rtlCol="0">
+            <a:normAutofit/>
           </a:bodyPr>
-          <a:lstStyle/>
-          <a:p>
+          <a:lstStyle>
+            <a:lvl1pPr marL="91440" indent="-91440" algn="l" defTabSz="914400" rtl="0" eaLnBrk="1" latinLnBrk="0" hangingPunct="1">
+              <a:lnSpc>
+                <a:spcPct val="90000"/>
+              </a:lnSpc>
+              <a:spcBef>
+                <a:spcPts val="1200"/>
+              </a:spcBef>
+              <a:spcAft>
+                <a:spcPts val="200"/>
+              </a:spcAft>
+              <a:buClr>
+                <a:schemeClr val="accent1"/>
+              </a:buClr>
+              <a:buSzPct val="100000"/>
+              <a:buFont typeface="Calibri" panose="020F0502020204030204" pitchFamily="34" charset="0"/>
+              <a:buChar char=" "/>
+              <a:defRPr sz="2000" kern="1200">
+                <a:solidFill>
+                  <a:schemeClr val="tx1">
+                    <a:lumMod val="75000"/>
+                    <a:lumOff val="25000"/>
+                  </a:schemeClr>
+                </a:solidFill>
+                <a:latin typeface="+mn-lt"/>
+                <a:ea typeface="+mn-ea"/>
+                <a:cs typeface="+mn-cs"/>
+              </a:defRPr>
+            </a:lvl1pPr>
+            <a:lvl2pPr marL="384048" indent="-182880" algn="l" defTabSz="914400" rtl="0" eaLnBrk="1" latinLnBrk="0" hangingPunct="1">
+              <a:lnSpc>
+                <a:spcPct val="90000"/>
+              </a:lnSpc>
+              <a:spcBef>
+                <a:spcPts val="200"/>
+              </a:spcBef>
+              <a:spcAft>
+                <a:spcPts val="400"/>
+              </a:spcAft>
+              <a:buClr>
+                <a:schemeClr val="accent1"/>
+              </a:buClr>
+              <a:buFont typeface="Calibri" pitchFamily="34" charset="0"/>
+              <a:buChar char="◦"/>
+              <a:defRPr sz="1800" kern="1200">
+                <a:solidFill>
+                  <a:schemeClr val="tx1">
+                    <a:lumMod val="75000"/>
+                    <a:lumOff val="25000"/>
+                  </a:schemeClr>
+                </a:solidFill>
+                <a:latin typeface="+mn-lt"/>
+                <a:ea typeface="+mn-ea"/>
+                <a:cs typeface="+mn-cs"/>
+              </a:defRPr>
+            </a:lvl2pPr>
+            <a:lvl3pPr marL="566928" indent="-182880" algn="l" defTabSz="914400" rtl="0" eaLnBrk="1" latinLnBrk="0" hangingPunct="1">
+              <a:lnSpc>
+                <a:spcPct val="90000"/>
+              </a:lnSpc>
+              <a:spcBef>
+                <a:spcPts val="200"/>
+              </a:spcBef>
+              <a:spcAft>
+                <a:spcPts val="400"/>
+              </a:spcAft>
+              <a:buClr>
+                <a:schemeClr val="accent1"/>
+              </a:buClr>
+              <a:buFont typeface="Calibri" pitchFamily="34" charset="0"/>
+              <a:buChar char="◦"/>
+              <a:defRPr sz="1400" kern="1200">
+                <a:solidFill>
+                  <a:schemeClr val="tx1">
+                    <a:lumMod val="75000"/>
+                    <a:lumOff val="25000"/>
+                  </a:schemeClr>
+                </a:solidFill>
+                <a:latin typeface="+mn-lt"/>
+                <a:ea typeface="+mn-ea"/>
+                <a:cs typeface="+mn-cs"/>
+              </a:defRPr>
+            </a:lvl3pPr>
+            <a:lvl4pPr marL="749808" indent="-182880" algn="l" defTabSz="914400" rtl="0" eaLnBrk="1" latinLnBrk="0" hangingPunct="1">
+              <a:lnSpc>
+                <a:spcPct val="90000"/>
+              </a:lnSpc>
+              <a:spcBef>
+                <a:spcPts val="200"/>
+              </a:spcBef>
+              <a:spcAft>
+                <a:spcPts val="400"/>
+              </a:spcAft>
+              <a:buClr>
+                <a:schemeClr val="accent1"/>
+              </a:buClr>
+              <a:buFont typeface="Calibri" pitchFamily="34" charset="0"/>
+              <a:buChar char="◦"/>
+              <a:defRPr sz="1400" kern="1200">
+                <a:solidFill>
+                  <a:schemeClr val="tx1">
+                    <a:lumMod val="75000"/>
+                    <a:lumOff val="25000"/>
+                  </a:schemeClr>
+                </a:solidFill>
+                <a:latin typeface="+mn-lt"/>
+                <a:ea typeface="+mn-ea"/>
+                <a:cs typeface="+mn-cs"/>
+              </a:defRPr>
+            </a:lvl4pPr>
+            <a:lvl5pPr marL="932688" indent="-182880" algn="l" defTabSz="914400" rtl="0" eaLnBrk="1" latinLnBrk="0" hangingPunct="1">
+              <a:lnSpc>
+                <a:spcPct val="90000"/>
+              </a:lnSpc>
+              <a:spcBef>
+                <a:spcPts val="200"/>
+              </a:spcBef>
+              <a:spcAft>
+                <a:spcPts val="400"/>
+              </a:spcAft>
+              <a:buClr>
+                <a:schemeClr val="accent1"/>
+              </a:buClr>
+              <a:buFont typeface="Calibri" pitchFamily="34" charset="0"/>
+              <a:buChar char="◦"/>
+              <a:defRPr sz="1400" kern="1200">
+                <a:solidFill>
+                  <a:schemeClr val="tx1">
+                    <a:lumMod val="75000"/>
+                    <a:lumOff val="25000"/>
+                  </a:schemeClr>
+                </a:solidFill>
+                <a:latin typeface="+mn-lt"/>
+                <a:ea typeface="+mn-ea"/>
+                <a:cs typeface="+mn-cs"/>
+              </a:defRPr>
+            </a:lvl5pPr>
+            <a:lvl6pPr marL="1100000" indent="-228600" algn="l" defTabSz="914400" rtl="0" eaLnBrk="1" latinLnBrk="0" hangingPunct="1">
+              <a:lnSpc>
+                <a:spcPct val="90000"/>
+              </a:lnSpc>
+              <a:spcBef>
+                <a:spcPts val="200"/>
+              </a:spcBef>
+              <a:spcAft>
+                <a:spcPts val="400"/>
+              </a:spcAft>
+              <a:buClr>
+                <a:schemeClr val="accent1"/>
+              </a:buClr>
+              <a:buFont typeface="Calibri" pitchFamily="34" charset="0"/>
+              <a:buChar char="◦"/>
+              <a:defRPr sz="1400" kern="1200">
+                <a:solidFill>
+                  <a:schemeClr val="tx1">
+                    <a:lumMod val="75000"/>
+                    <a:lumOff val="25000"/>
+                  </a:schemeClr>
+                </a:solidFill>
+                <a:latin typeface="+mn-lt"/>
+                <a:ea typeface="+mn-ea"/>
+                <a:cs typeface="+mn-cs"/>
+              </a:defRPr>
+            </a:lvl6pPr>
+            <a:lvl7pPr marL="1300000" indent="-228600" algn="l" defTabSz="914400" rtl="0" eaLnBrk="1" latinLnBrk="0" hangingPunct="1">
+              <a:lnSpc>
+                <a:spcPct val="90000"/>
+              </a:lnSpc>
+              <a:spcBef>
+                <a:spcPts val="200"/>
+              </a:spcBef>
+              <a:spcAft>
+                <a:spcPts val="400"/>
+              </a:spcAft>
+              <a:buClr>
+                <a:schemeClr val="accent1"/>
+              </a:buClr>
+              <a:buFont typeface="Calibri" pitchFamily="34" charset="0"/>
+              <a:buChar char="◦"/>
+              <a:defRPr sz="1400" kern="1200">
+                <a:solidFill>
+                  <a:schemeClr val="tx1">
+                    <a:lumMod val="75000"/>
+                    <a:lumOff val="25000"/>
+                  </a:schemeClr>
+                </a:solidFill>
+                <a:latin typeface="+mn-lt"/>
+                <a:ea typeface="+mn-ea"/>
+                <a:cs typeface="+mn-cs"/>
+              </a:defRPr>
+            </a:lvl7pPr>
+            <a:lvl8pPr marL="1500000" indent="-228600" algn="l" defTabSz="914400" rtl="0" eaLnBrk="1" latinLnBrk="0" hangingPunct="1">
+              <a:lnSpc>
+                <a:spcPct val="90000"/>
+              </a:lnSpc>
+              <a:spcBef>
+                <a:spcPts val="200"/>
+              </a:spcBef>
+              <a:spcAft>
+                <a:spcPts val="400"/>
+              </a:spcAft>
+              <a:buClr>
+                <a:schemeClr val="accent1"/>
+              </a:buClr>
+              <a:buFont typeface="Calibri" pitchFamily="34" charset="0"/>
+              <a:buChar char="◦"/>
+              <a:defRPr sz="1400" kern="1200">
+                <a:solidFill>
+                  <a:schemeClr val="tx1">
+                    <a:lumMod val="75000"/>
+                    <a:lumOff val="25000"/>
+                  </a:schemeClr>
+                </a:solidFill>
+                <a:latin typeface="+mn-lt"/>
+                <a:ea typeface="+mn-ea"/>
+                <a:cs typeface="+mn-cs"/>
+              </a:defRPr>
+            </a:lvl8pPr>
+            <a:lvl9pPr marL="1700000" indent="-228600" algn="l" defTabSz="914400" rtl="0" eaLnBrk="1" latinLnBrk="0" hangingPunct="1">
+              <a:lnSpc>
+                <a:spcPct val="90000"/>
+              </a:lnSpc>
+              <a:spcBef>
+                <a:spcPts val="200"/>
+              </a:spcBef>
+              <a:spcAft>
+                <a:spcPts val="400"/>
+              </a:spcAft>
+              <a:buClr>
+                <a:schemeClr val="accent1"/>
+              </a:buClr>
+              <a:buFont typeface="Calibri" pitchFamily="34" charset="0"/>
+              <a:buChar char="◦"/>
+              <a:defRPr sz="1400" kern="1200">
+                <a:solidFill>
+                  <a:schemeClr val="tx1">
+                    <a:lumMod val="75000"/>
+                    <a:lumOff val="25000"/>
+                  </a:schemeClr>
+                </a:solidFill>
+                <a:latin typeface="+mn-lt"/>
+                <a:ea typeface="+mn-ea"/>
+                <a:cs typeface="+mn-cs"/>
+              </a:defRPr>
+            </a:lvl9pPr>
+          </a:lstStyle>
+          <a:p>
+            <a:endParaRPr lang="de-CH" b="1" dirty="0"/>
+          </a:p>
+          <a:p>
+            <a:endParaRPr lang="de-CH" b="1" dirty="0"/>
+          </a:p>
+          <a:p>
+            <a:endParaRPr lang="de-CH" b="1" dirty="0"/>
+          </a:p>
+          <a:p>
+            <a:endParaRPr lang="de-CH" b="1" dirty="0"/>
+          </a:p>
+          <a:p>
+            <a:pPr marL="0" indent="0">
+              <a:buNone/>
+            </a:pPr>
+            <a:endParaRPr lang="de-CH" b="1" dirty="0"/>
+          </a:p>
+          <a:p>
+            <a:pPr marL="0" indent="0">
+              <a:buNone/>
+            </a:pPr>
+            <a:endParaRPr lang="de-CH" b="1" dirty="0"/>
+          </a:p>
+          <a:p>
+            <a:pPr marL="0" indent="0">
+              <a:buNone/>
+            </a:pPr>
+            <a:r>
+              <a:rPr lang="de-CH" b="1" dirty="0"/>
+              <a:t> </a:t>
+            </a:r>
             <a:r>
               <a:rPr lang="de-CH" b="1" dirty="0" err="1"/>
               <a:t>taskYield</a:t>
@@ -4662,8 +4922,11 @@
             </a:pPr>
             <a:r>
               <a:rPr lang="en-US" dirty="0"/>
-              <a:t>I Required for cooperative multitasking</a:t>
-            </a:r>
+              <a:t>Required for cooperative multitasking</a:t>
+            </a:r>
+            <a:endParaRPr lang="de-CH" dirty="0"/>
+          </a:p>
+          <a:p>
             <a:endParaRPr lang="de-CH" dirty="0"/>
           </a:p>
         </p:txBody>
@@ -4681,7 +4944,7 @@
 </p:sld>
 </file>
 
-<file path=ppt/slides/slide14.xml><?xml version="1.0" encoding="utf-8"?>
+<file path=ppt/slides/slide12.xml><?xml version="1.0" encoding="utf-8"?>
 <p:sld xmlns:a="http://schemas.openxmlformats.org/drawingml/2006/main" xmlns:r="http://schemas.openxmlformats.org/officeDocument/2006/relationships" xmlns:p="http://schemas.openxmlformats.org/presentationml/2006/main">
   <p:cSld>
     <p:spTree>
@@ -4812,7 +5075,7 @@
 </p:sld>
 </file>
 
-<file path=ppt/slides/slide15.xml><?xml version="1.0" encoding="utf-8"?>
+<file path=ppt/slides/slide13.xml><?xml version="1.0" encoding="utf-8"?>
 <p:sld xmlns:a="http://schemas.openxmlformats.org/drawingml/2006/main" xmlns:r="http://schemas.openxmlformats.org/officeDocument/2006/relationships" xmlns:p="http://schemas.openxmlformats.org/presentationml/2006/main">
   <p:cSld>
     <p:spTree>
@@ -4877,9 +5140,11 @@
           <a:bodyPr/>
           <a:lstStyle/>
           <a:p>
-            <a:pPr marL="0" indent="0">
-              <a:buNone/>
-            </a:pPr>
+            <a:pPr lvl="1"/>
+            <a:endParaRPr lang="en-US" dirty="0"/>
+          </a:p>
+          <a:p>
+            <a:pPr lvl="1"/>
             <a:r>
               <a:rPr lang="en-US" dirty="0"/>
               <a:t> </a:t>
@@ -4890,8 +5155,11 @@
             </a:r>
             <a:r>
               <a:rPr lang="en-US" dirty="0"/>
-              <a:t>() it will block</a:t>
-            </a:r>
+              <a:t>() =&gt; blocked</a:t>
+            </a:r>
+          </a:p>
+          <a:p>
+            <a:pPr lvl="1"/>
             <a:endParaRPr lang="de-CH" dirty="0"/>
           </a:p>
         </p:txBody>
@@ -4912,7 +5180,7 @@
         </p:blipFill>
         <p:spPr>
           <a:xfrm>
-            <a:off x="5653971" y="1792322"/>
+            <a:off x="4641849" y="1796873"/>
             <a:ext cx="4167104" cy="4470666"/>
           </a:xfrm>
           <a:prstGeom prst="rect">
@@ -4933,7 +5201,7 @@
 </p:sld>
 </file>
 
-<file path=ppt/slides/slide16.xml><?xml version="1.0" encoding="utf-8"?>
+<file path=ppt/slides/slide14.xml><?xml version="1.0" encoding="utf-8"?>
 <p:sld xmlns:a="http://schemas.openxmlformats.org/drawingml/2006/main" xmlns:r="http://schemas.openxmlformats.org/officeDocument/2006/relationships" xmlns:p="http://schemas.openxmlformats.org/presentationml/2006/main">
   <p:cSld>
     <p:spTree>
@@ -5031,6 +5299,51 @@
           </a:prstGeom>
         </p:spPr>
       </p:pic>
+      <p:sp>
+        <p:nvSpPr>
+          <p:cNvPr id="4" name="Rechteck 3"/>
+          <p:cNvSpPr/>
+          <p:nvPr/>
+        </p:nvSpPr>
+        <p:spPr>
+          <a:xfrm>
+            <a:off x="2980525" y="2673398"/>
+            <a:ext cx="1696177" cy="376929"/>
+          </a:xfrm>
+          <a:prstGeom prst="rect">
+            <a:avLst/>
+          </a:prstGeom>
+          <a:solidFill>
+            <a:srgbClr val="EB260B">
+              <a:alpha val="34118"/>
+            </a:srgbClr>
+          </a:solidFill>
+        </p:spPr>
+        <p:style>
+          <a:lnRef idx="2">
+            <a:schemeClr val="accent1">
+              <a:shade val="50000"/>
+            </a:schemeClr>
+          </a:lnRef>
+          <a:fillRef idx="1">
+            <a:schemeClr val="accent1"/>
+          </a:fillRef>
+          <a:effectRef idx="0">
+            <a:schemeClr val="accent1"/>
+          </a:effectRef>
+          <a:fontRef idx="minor">
+            <a:schemeClr val="lt1"/>
+          </a:fontRef>
+        </p:style>
+        <p:txBody>
+          <a:bodyPr rtlCol="0" anchor="ctr"/>
+          <a:lstStyle/>
+          <a:p>
+            <a:pPr algn="ctr"/>
+            <a:endParaRPr lang="de-CH" dirty="0"/>
+          </a:p>
+        </p:txBody>
+      </p:sp>
     </p:spTree>
     <p:extLst>
       <p:ext uri="{BB962C8B-B14F-4D97-AF65-F5344CB8AC3E}">
@@ -5044,7 +5357,7 @@
 </p:sld>
 </file>
 
-<file path=ppt/slides/slide17.xml><?xml version="1.0" encoding="utf-8"?>
+<file path=ppt/slides/slide15.xml><?xml version="1.0" encoding="utf-8"?>
 <p:sld xmlns:a="http://schemas.openxmlformats.org/drawingml/2006/main" xmlns:r="http://schemas.openxmlformats.org/officeDocument/2006/relationships" xmlns:p="http://schemas.openxmlformats.org/presentationml/2006/main">
   <p:cSld>
     <p:spTree>
@@ -5264,7 +5577,7 @@
 </p:sld>
 </file>
 
-<file path=ppt/slides/slide18.xml><?xml version="1.0" encoding="utf-8"?>
+<file path=ppt/slides/slide16.xml><?xml version="1.0" encoding="utf-8"?>
 <p:sld xmlns:a="http://schemas.openxmlformats.org/drawingml/2006/main" xmlns:r="http://schemas.openxmlformats.org/officeDocument/2006/relationships" xmlns:p="http://schemas.openxmlformats.org/presentationml/2006/main">
   <p:cSld>
     <p:spTree>
@@ -5316,7 +5629,9 @@
         </p:nvSpPr>
         <p:spPr/>
         <p:txBody>
-          <a:bodyPr/>
+          <a:bodyPr>
+            <a:normAutofit/>
+          </a:bodyPr>
           <a:lstStyle/>
           <a:p>
             <a:pPr marL="0" indent="0">
@@ -5326,51 +5641,59 @@
               <a:rPr lang="en-CA" dirty="0">
                 <a:sym typeface="Wingdings" panose="05000000000000000000" pitchFamily="2" charset="2"/>
               </a:rPr>
-              <a:t>What are Pros and Cons for using in PREN an RTOS?</a:t>
-            </a:r>
-          </a:p>
-          <a:p>
-            <a:pPr marL="0" indent="0">
-              <a:buNone/>
-            </a:pPr>
+              <a:t>What does RTOS mean?</a:t>
+            </a:r>
+          </a:p>
+          <a:p>
+            <a:pPr lvl="1"/>
+            <a:r>
+              <a:rPr lang="en-CA" b="1" dirty="0">
+                <a:sym typeface="Wingdings" panose="05000000000000000000" pitchFamily="2" charset="2"/>
+              </a:rPr>
+              <a:t>R</a:t>
+            </a:r>
             <a:r>
               <a:rPr lang="en-CA" dirty="0">
                 <a:sym typeface="Wingdings" panose="05000000000000000000" pitchFamily="2" charset="2"/>
               </a:rPr>
-              <a:t>+ Quasi-concurrent, </a:t>
-            </a:r>
-            <a:r>
-              <a:rPr lang="en-CA" dirty="0" err="1">
+              <a:t>eal </a:t>
+            </a:r>
+            <a:r>
+              <a:rPr lang="en-CA" b="1" dirty="0">
                 <a:sym typeface="Wingdings" panose="05000000000000000000" pitchFamily="2" charset="2"/>
               </a:rPr>
-              <a:t>Priorityhandling</a:t>
+              <a:t>T</a:t>
             </a:r>
             <a:r>
               <a:rPr lang="en-CA" dirty="0">
                 <a:sym typeface="Wingdings" panose="05000000000000000000" pitchFamily="2" charset="2"/>
               </a:rPr>
-              <a:t> with Tasks with ISR</a:t>
-            </a:r>
-          </a:p>
-          <a:p>
-            <a:pPr marL="0" indent="0">
-              <a:buNone/>
-            </a:pPr>
+              <a:t>ime </a:t>
+            </a:r>
+            <a:r>
+              <a:rPr lang="en-CA" b="1" dirty="0">
+                <a:sym typeface="Wingdings" panose="05000000000000000000" pitchFamily="2" charset="2"/>
+              </a:rPr>
+              <a:t>O</a:t>
+            </a:r>
             <a:r>
               <a:rPr lang="en-CA" dirty="0">
                 <a:sym typeface="Wingdings" panose="05000000000000000000" pitchFamily="2" charset="2"/>
               </a:rPr>
-              <a:t>- Controller needed, Memory for </a:t>
-            </a:r>
-            <a:r>
-              <a:rPr lang="en-CA">
+              <a:t>peration </a:t>
+            </a:r>
+            <a:r>
+              <a:rPr lang="en-CA" b="1" dirty="0">
                 <a:sym typeface="Wingdings" panose="05000000000000000000" pitchFamily="2" charset="2"/>
               </a:rPr>
-              <a:t>OS ??</a:t>
-            </a:r>
-            <a:endParaRPr lang="en-CA" dirty="0">
-              <a:sym typeface="Wingdings" panose="05000000000000000000" pitchFamily="2" charset="2"/>
-            </a:endParaRPr>
+              <a:t>S</a:t>
+            </a:r>
+            <a:r>
+              <a:rPr lang="en-CA" dirty="0">
+                <a:sym typeface="Wingdings" panose="05000000000000000000" pitchFamily="2" charset="2"/>
+              </a:rPr>
+              <a:t>ystem</a:t>
+            </a:r>
           </a:p>
           <a:p>
             <a:pPr marL="0" indent="0">
@@ -5384,6 +5707,47 @@
             <a:pPr marL="0" indent="0">
               <a:buNone/>
             </a:pPr>
+            <a:r>
+              <a:rPr lang="en-CA" dirty="0">
+                <a:sym typeface="Wingdings" panose="05000000000000000000" pitchFamily="2" charset="2"/>
+              </a:rPr>
+              <a:t>What are Pros and Cons for using </a:t>
+            </a:r>
+            <a:r>
+              <a:rPr lang="en-CA" dirty="0">
+                <a:sym typeface="Wingdings" panose="05000000000000000000" pitchFamily="2" charset="2"/>
+              </a:rPr>
+              <a:t>RTOS </a:t>
+            </a:r>
+            <a:r>
+              <a:rPr lang="en-CA" dirty="0">
+                <a:sym typeface="Wingdings" panose="05000000000000000000" pitchFamily="2" charset="2"/>
+              </a:rPr>
+              <a:t>in PREN?</a:t>
+            </a:r>
+          </a:p>
+          <a:p>
+            <a:pPr lvl="1"/>
+            <a:r>
+              <a:rPr lang="en-CA" dirty="0">
+                <a:sym typeface="Wingdings" panose="05000000000000000000" pitchFamily="2" charset="2"/>
+              </a:rPr>
+              <a:t>+ Quasi-concurrent</a:t>
+            </a:r>
+          </a:p>
+          <a:p>
+            <a:pPr lvl="1"/>
+            <a:r>
+              <a:rPr lang="en-CA" dirty="0">
+                <a:sym typeface="Wingdings" panose="05000000000000000000" pitchFamily="2" charset="2"/>
+              </a:rPr>
+              <a:t>- Uses more Memory</a:t>
+            </a:r>
+          </a:p>
+          <a:p>
+            <a:pPr marL="0" indent="0">
+              <a:buNone/>
+            </a:pPr>
             <a:endParaRPr lang="en-CA" dirty="0">
               <a:sym typeface="Wingdings" panose="05000000000000000000" pitchFamily="2" charset="2"/>
             </a:endParaRPr>
@@ -5416,18 +5780,14 @@
             </a:r>
           </a:p>
           <a:p>
-            <a:pPr marL="0" indent="0">
-              <a:buNone/>
-            </a:pPr>
+            <a:pPr lvl="1"/>
             <a:r>
               <a:rPr lang="en-US" dirty="0"/>
               <a:t>Multiple tasks with the same priority: time-slicing</a:t>
             </a:r>
           </a:p>
           <a:p>
-            <a:pPr marL="0" indent="0">
-              <a:buNone/>
-            </a:pPr>
+            <a:pPr lvl="1"/>
             <a:r>
               <a:rPr lang="en-US" dirty="0"/>
               <a:t>Always run the highest-priority ready task</a:t>
@@ -5491,10 +5851,347 @@
   <p:clrMapOvr>
     <a:masterClrMapping/>
   </p:clrMapOvr>
+  <p:timing>
+    <p:tnLst>
+      <p:par>
+        <p:cTn id="1" dur="indefinite" restart="never" nodeType="tmRoot">
+          <p:childTnLst>
+            <p:seq concurrent="1" nextAc="seek">
+              <p:cTn id="2" dur="indefinite" nodeType="mainSeq">
+                <p:childTnLst>
+                  <p:par>
+                    <p:cTn id="3" fill="hold">
+                      <p:stCondLst>
+                        <p:cond delay="indefinite"/>
+                      </p:stCondLst>
+                      <p:childTnLst>
+                        <p:par>
+                          <p:cTn id="4" fill="hold">
+                            <p:stCondLst>
+                              <p:cond delay="0"/>
+                            </p:stCondLst>
+                            <p:childTnLst>
+                              <p:par>
+                                <p:cTn id="5" presetID="1" presetClass="entr" presetSubtype="0" fill="hold" nodeType="clickEffect">
+                                  <p:stCondLst>
+                                    <p:cond delay="0"/>
+                                  </p:stCondLst>
+                                  <p:childTnLst>
+                                    <p:set>
+                                      <p:cBhvr>
+                                        <p:cTn id="6" dur="1" fill="hold">
+                                          <p:stCondLst>
+                                            <p:cond delay="0"/>
+                                          </p:stCondLst>
+                                        </p:cTn>
+                                        <p:tgtEl>
+                                          <p:spTgt spid="3">
+                                            <p:txEl>
+                                              <p:pRg st="1" end="1"/>
+                                            </p:txEl>
+                                          </p:spTgt>
+                                        </p:tgtEl>
+                                        <p:attrNameLst>
+                                          <p:attrName>style.visibility</p:attrName>
+                                        </p:attrNameLst>
+                                      </p:cBhvr>
+                                      <p:to>
+                                        <p:strVal val="visible"/>
+                                      </p:to>
+                                    </p:set>
+                                  </p:childTnLst>
+                                </p:cTn>
+                              </p:par>
+                            </p:childTnLst>
+                          </p:cTn>
+                        </p:par>
+                      </p:childTnLst>
+                    </p:cTn>
+                  </p:par>
+                  <p:par>
+                    <p:cTn id="7" fill="hold">
+                      <p:stCondLst>
+                        <p:cond delay="indefinite"/>
+                      </p:stCondLst>
+                      <p:childTnLst>
+                        <p:par>
+                          <p:cTn id="8" fill="hold">
+                            <p:stCondLst>
+                              <p:cond delay="0"/>
+                            </p:stCondLst>
+                            <p:childTnLst>
+                              <p:par>
+                                <p:cTn id="9" presetID="1" presetClass="entr" presetSubtype="0" fill="hold" nodeType="clickEffect">
+                                  <p:stCondLst>
+                                    <p:cond delay="0"/>
+                                  </p:stCondLst>
+                                  <p:childTnLst>
+                                    <p:set>
+                                      <p:cBhvr>
+                                        <p:cTn id="10" dur="1" fill="hold">
+                                          <p:stCondLst>
+                                            <p:cond delay="0"/>
+                                          </p:stCondLst>
+                                        </p:cTn>
+                                        <p:tgtEl>
+                                          <p:spTgt spid="3">
+                                            <p:txEl>
+                                              <p:pRg st="3" end="3"/>
+                                            </p:txEl>
+                                          </p:spTgt>
+                                        </p:tgtEl>
+                                        <p:attrNameLst>
+                                          <p:attrName>style.visibility</p:attrName>
+                                        </p:attrNameLst>
+                                      </p:cBhvr>
+                                      <p:to>
+                                        <p:strVal val="visible"/>
+                                      </p:to>
+                                    </p:set>
+                                  </p:childTnLst>
+                                </p:cTn>
+                              </p:par>
+                            </p:childTnLst>
+                          </p:cTn>
+                        </p:par>
+                      </p:childTnLst>
+                    </p:cTn>
+                  </p:par>
+                  <p:par>
+                    <p:cTn id="11" fill="hold">
+                      <p:stCondLst>
+                        <p:cond delay="indefinite"/>
+                      </p:stCondLst>
+                      <p:childTnLst>
+                        <p:par>
+                          <p:cTn id="12" fill="hold">
+                            <p:stCondLst>
+                              <p:cond delay="0"/>
+                            </p:stCondLst>
+                            <p:childTnLst>
+                              <p:par>
+                                <p:cTn id="13" presetID="1" presetClass="entr" presetSubtype="0" fill="hold" nodeType="clickEffect">
+                                  <p:stCondLst>
+                                    <p:cond delay="0"/>
+                                  </p:stCondLst>
+                                  <p:childTnLst>
+                                    <p:set>
+                                      <p:cBhvr>
+                                        <p:cTn id="14" dur="1" fill="hold">
+                                          <p:stCondLst>
+                                            <p:cond delay="0"/>
+                                          </p:stCondLst>
+                                        </p:cTn>
+                                        <p:tgtEl>
+                                          <p:spTgt spid="3">
+                                            <p:txEl>
+                                              <p:pRg st="4" end="4"/>
+                                            </p:txEl>
+                                          </p:spTgt>
+                                        </p:tgtEl>
+                                        <p:attrNameLst>
+                                          <p:attrName>style.visibility</p:attrName>
+                                        </p:attrNameLst>
+                                      </p:cBhvr>
+                                      <p:to>
+                                        <p:strVal val="visible"/>
+                                      </p:to>
+                                    </p:set>
+                                  </p:childTnLst>
+                                </p:cTn>
+                              </p:par>
+                              <p:par>
+                                <p:cTn id="15" presetID="1" presetClass="entr" presetSubtype="0" fill="hold" nodeType="withEffect">
+                                  <p:stCondLst>
+                                    <p:cond delay="0"/>
+                                  </p:stCondLst>
+                                  <p:childTnLst>
+                                    <p:set>
+                                      <p:cBhvr>
+                                        <p:cTn id="16" dur="1" fill="hold">
+                                          <p:stCondLst>
+                                            <p:cond delay="0"/>
+                                          </p:stCondLst>
+                                        </p:cTn>
+                                        <p:tgtEl>
+                                          <p:spTgt spid="3">
+                                            <p:txEl>
+                                              <p:pRg st="5" end="5"/>
+                                            </p:txEl>
+                                          </p:spTgt>
+                                        </p:tgtEl>
+                                        <p:attrNameLst>
+                                          <p:attrName>style.visibility</p:attrName>
+                                        </p:attrNameLst>
+                                      </p:cBhvr>
+                                      <p:to>
+                                        <p:strVal val="visible"/>
+                                      </p:to>
+                                    </p:set>
+                                  </p:childTnLst>
+                                </p:cTn>
+                              </p:par>
+                            </p:childTnLst>
+                          </p:cTn>
+                        </p:par>
+                      </p:childTnLst>
+                    </p:cTn>
+                  </p:par>
+                  <p:par>
+                    <p:cTn id="17" fill="hold">
+                      <p:stCondLst>
+                        <p:cond delay="indefinite"/>
+                      </p:stCondLst>
+                      <p:childTnLst>
+                        <p:par>
+                          <p:cTn id="18" fill="hold">
+                            <p:stCondLst>
+                              <p:cond delay="0"/>
+                            </p:stCondLst>
+                            <p:childTnLst>
+                              <p:par>
+                                <p:cTn id="19" presetID="1" presetClass="entr" presetSubtype="0" fill="hold" nodeType="clickEffect">
+                                  <p:stCondLst>
+                                    <p:cond delay="0"/>
+                                  </p:stCondLst>
+                                  <p:childTnLst>
+                                    <p:set>
+                                      <p:cBhvr>
+                                        <p:cTn id="20" dur="1" fill="hold">
+                                          <p:stCondLst>
+                                            <p:cond delay="0"/>
+                                          </p:stCondLst>
+                                        </p:cTn>
+                                        <p:tgtEl>
+                                          <p:spTgt spid="3">
+                                            <p:txEl>
+                                              <p:pRg st="7" end="7"/>
+                                            </p:txEl>
+                                          </p:spTgt>
+                                        </p:tgtEl>
+                                        <p:attrNameLst>
+                                          <p:attrName>style.visibility</p:attrName>
+                                        </p:attrNameLst>
+                                      </p:cBhvr>
+                                      <p:to>
+                                        <p:strVal val="visible"/>
+                                      </p:to>
+                                    </p:set>
+                                  </p:childTnLst>
+                                </p:cTn>
+                              </p:par>
+                            </p:childTnLst>
+                          </p:cTn>
+                        </p:par>
+                      </p:childTnLst>
+                    </p:cTn>
+                  </p:par>
+                  <p:par>
+                    <p:cTn id="21" fill="hold">
+                      <p:stCondLst>
+                        <p:cond delay="indefinite"/>
+                      </p:stCondLst>
+                      <p:childTnLst>
+                        <p:par>
+                          <p:cTn id="22" fill="hold">
+                            <p:stCondLst>
+                              <p:cond delay="0"/>
+                            </p:stCondLst>
+                            <p:childTnLst>
+                              <p:par>
+                                <p:cTn id="23" presetID="1" presetClass="entr" presetSubtype="0" fill="hold" nodeType="clickEffect">
+                                  <p:stCondLst>
+                                    <p:cond delay="0"/>
+                                  </p:stCondLst>
+                                  <p:childTnLst>
+                                    <p:set>
+                                      <p:cBhvr>
+                                        <p:cTn id="24" dur="1" fill="hold">
+                                          <p:stCondLst>
+                                            <p:cond delay="0"/>
+                                          </p:stCondLst>
+                                        </p:cTn>
+                                        <p:tgtEl>
+                                          <p:spTgt spid="3">
+                                            <p:txEl>
+                                              <p:pRg st="8" end="8"/>
+                                            </p:txEl>
+                                          </p:spTgt>
+                                        </p:tgtEl>
+                                        <p:attrNameLst>
+                                          <p:attrName>style.visibility</p:attrName>
+                                        </p:attrNameLst>
+                                      </p:cBhvr>
+                                      <p:to>
+                                        <p:strVal val="visible"/>
+                                      </p:to>
+                                    </p:set>
+                                  </p:childTnLst>
+                                </p:cTn>
+                              </p:par>
+                              <p:par>
+                                <p:cTn id="25" presetID="1" presetClass="entr" presetSubtype="0" fill="hold" nodeType="withEffect">
+                                  <p:stCondLst>
+                                    <p:cond delay="0"/>
+                                  </p:stCondLst>
+                                  <p:childTnLst>
+                                    <p:set>
+                                      <p:cBhvr>
+                                        <p:cTn id="26" dur="1" fill="hold">
+                                          <p:stCondLst>
+                                            <p:cond delay="0"/>
+                                          </p:stCondLst>
+                                        </p:cTn>
+                                        <p:tgtEl>
+                                          <p:spTgt spid="3">
+                                            <p:txEl>
+                                              <p:pRg st="9" end="9"/>
+                                            </p:txEl>
+                                          </p:spTgt>
+                                        </p:tgtEl>
+                                        <p:attrNameLst>
+                                          <p:attrName>style.visibility</p:attrName>
+                                        </p:attrNameLst>
+                                      </p:cBhvr>
+                                      <p:to>
+                                        <p:strVal val="visible"/>
+                                      </p:to>
+                                    </p:set>
+                                  </p:childTnLst>
+                                </p:cTn>
+                              </p:par>
+                            </p:childTnLst>
+                          </p:cTn>
+                        </p:par>
+                      </p:childTnLst>
+                    </p:cTn>
+                  </p:par>
+                </p:childTnLst>
+              </p:cTn>
+              <p:prevCondLst>
+                <p:cond evt="onPrev" delay="0">
+                  <p:tgtEl>
+                    <p:sldTgt/>
+                  </p:tgtEl>
+                </p:cond>
+              </p:prevCondLst>
+              <p:nextCondLst>
+                <p:cond evt="onNext" delay="0">
+                  <p:tgtEl>
+                    <p:sldTgt/>
+                  </p:tgtEl>
+                </p:cond>
+              </p:nextCondLst>
+            </p:seq>
+          </p:childTnLst>
+        </p:cTn>
+      </p:par>
+    </p:tnLst>
+  </p:timing>
 </p:sld>
 </file>
 
-<file path=ppt/slides/slide19.xml><?xml version="1.0" encoding="utf-8"?>
+<file path=ppt/slides/slide17.xml><?xml version="1.0" encoding="utf-8"?>
 <p:sld xmlns:a="http://schemas.openxmlformats.org/drawingml/2006/main" xmlns:r="http://schemas.openxmlformats.org/officeDocument/2006/relationships" xmlns:p="http://schemas.openxmlformats.org/presentationml/2006/main">
   <p:cSld>
     <p:spTree>
@@ -5547,10 +6244,11 @@
           <a:p>
             <a:r>
               <a:rPr lang="en-US" dirty="0"/>
-              <a:t>How can you force a context switch ( switch Task )?</a:t>
-            </a:r>
-          </a:p>
-          <a:p>
+              <a:t>How can a Task force a context switch ( switch Task )?</a:t>
+            </a:r>
+          </a:p>
+          <a:p>
+            <a:pPr lvl="1"/>
             <a:r>
               <a:rPr lang="en-US" dirty="0" err="1"/>
               <a:t>taskYield</a:t>
@@ -5558,34 +6256,35 @@
             <a:endParaRPr lang="en-US" dirty="0"/>
           </a:p>
           <a:p>
+            <a:pPr marL="0" indent="0">
+              <a:buNone/>
+            </a:pPr>
             <a:endParaRPr lang="en-US" dirty="0"/>
           </a:p>
           <a:p>
             <a:r>
               <a:rPr lang="en-US" dirty="0"/>
-              <a:t>In which modes can the Scheduler put the Tasks?</a:t>
-            </a:r>
-          </a:p>
-          <a:p>
+              <a:t>How can you prevent, that your Task ends?</a:t>
+            </a:r>
+          </a:p>
+          <a:p>
+            <a:pPr lvl="1"/>
             <a:r>
               <a:rPr lang="en-US" dirty="0"/>
-              <a:t>Tick, Wait(), Yield(), Synch() </a:t>
+              <a:t>For(;;){}</a:t>
             </a:r>
           </a:p>
           <a:p>
             <a:endParaRPr lang="en-US" dirty="0"/>
           </a:p>
           <a:p>
-            <a:r>
-              <a:rPr lang="en-US" dirty="0"/>
-              <a:t>How can a Task be destroyed?</a:t>
-            </a:r>
-          </a:p>
-          <a:p>
-            <a:r>
-              <a:rPr lang="en-US" dirty="0"/>
-              <a:t>It can’t. I can only be suspended</a:t>
-            </a:r>
+            <a:pPr marL="0" indent="0">
+              <a:buNone/>
+            </a:pPr>
+            <a:endParaRPr lang="en-US" dirty="0"/>
+          </a:p>
+          <a:p>
+            <a:endParaRPr lang="en-US" dirty="0"/>
           </a:p>
           <a:p>
             <a:endParaRPr lang="de-CH" dirty="0"/>
@@ -5602,6 +6301,183 @@
   <p:clrMapOvr>
     <a:masterClrMapping/>
   </p:clrMapOvr>
+  <p:timing>
+    <p:tnLst>
+      <p:par>
+        <p:cTn id="1" dur="indefinite" restart="never" nodeType="tmRoot">
+          <p:childTnLst>
+            <p:seq concurrent="1" nextAc="seek">
+              <p:cTn id="2" dur="indefinite" nodeType="mainSeq">
+                <p:childTnLst>
+                  <p:par>
+                    <p:cTn id="3" fill="hold">
+                      <p:stCondLst>
+                        <p:cond delay="indefinite"/>
+                      </p:stCondLst>
+                      <p:childTnLst>
+                        <p:par>
+                          <p:cTn id="4" fill="hold">
+                            <p:stCondLst>
+                              <p:cond delay="0"/>
+                            </p:stCondLst>
+                            <p:childTnLst>
+                              <p:par>
+                                <p:cTn id="5" presetID="1" presetClass="entr" presetSubtype="0" fill="hold" nodeType="clickEffect">
+                                  <p:stCondLst>
+                                    <p:cond delay="0"/>
+                                  </p:stCondLst>
+                                  <p:childTnLst>
+                                    <p:set>
+                                      <p:cBhvr>
+                                        <p:cTn id="6" dur="1" fill="hold">
+                                          <p:stCondLst>
+                                            <p:cond delay="0"/>
+                                          </p:stCondLst>
+                                        </p:cTn>
+                                        <p:tgtEl>
+                                          <p:spTgt spid="3">
+                                            <p:txEl>
+                                              <p:pRg st="1" end="1"/>
+                                            </p:txEl>
+                                          </p:spTgt>
+                                        </p:tgtEl>
+                                        <p:attrNameLst>
+                                          <p:attrName>style.visibility</p:attrName>
+                                        </p:attrNameLst>
+                                      </p:cBhvr>
+                                      <p:to>
+                                        <p:strVal val="visible"/>
+                                      </p:to>
+                                    </p:set>
+                                  </p:childTnLst>
+                                </p:cTn>
+                              </p:par>
+                            </p:childTnLst>
+                          </p:cTn>
+                        </p:par>
+                      </p:childTnLst>
+                    </p:cTn>
+                  </p:par>
+                  <p:par>
+                    <p:cTn id="7" fill="hold">
+                      <p:stCondLst>
+                        <p:cond delay="indefinite"/>
+                      </p:stCondLst>
+                      <p:childTnLst>
+                        <p:par>
+                          <p:cTn id="8" fill="hold">
+                            <p:stCondLst>
+                              <p:cond delay="0"/>
+                            </p:stCondLst>
+                            <p:childTnLst>
+                              <p:par>
+                                <p:cTn id="9" presetID="1" presetClass="entr" presetSubtype="0" fill="hold" nodeType="clickEffect">
+                                  <p:stCondLst>
+                                    <p:cond delay="0"/>
+                                  </p:stCondLst>
+                                  <p:childTnLst>
+                                    <p:set>
+                                      <p:cBhvr>
+                                        <p:cTn id="10" dur="1" fill="hold">
+                                          <p:stCondLst>
+                                            <p:cond delay="0"/>
+                                          </p:stCondLst>
+                                        </p:cTn>
+                                        <p:tgtEl>
+                                          <p:spTgt spid="3">
+                                            <p:txEl>
+                                              <p:pRg st="3" end="3"/>
+                                            </p:txEl>
+                                          </p:spTgt>
+                                        </p:tgtEl>
+                                        <p:attrNameLst>
+                                          <p:attrName>style.visibility</p:attrName>
+                                        </p:attrNameLst>
+                                      </p:cBhvr>
+                                      <p:to>
+                                        <p:strVal val="visible"/>
+                                      </p:to>
+                                    </p:set>
+                                  </p:childTnLst>
+                                </p:cTn>
+                              </p:par>
+                            </p:childTnLst>
+                          </p:cTn>
+                        </p:par>
+                      </p:childTnLst>
+                    </p:cTn>
+                  </p:par>
+                  <p:par>
+                    <p:cTn id="11" fill="hold">
+                      <p:stCondLst>
+                        <p:cond delay="indefinite"/>
+                      </p:stCondLst>
+                      <p:childTnLst>
+                        <p:par>
+                          <p:cTn id="12" fill="hold">
+                            <p:stCondLst>
+                              <p:cond delay="0"/>
+                            </p:stCondLst>
+                            <p:childTnLst>
+                              <p:par>
+                                <p:cTn id="13" presetID="1" presetClass="entr" presetSubtype="0" fill="hold" nodeType="clickEffect">
+                                  <p:stCondLst>
+                                    <p:cond delay="0"/>
+                                  </p:stCondLst>
+                                  <p:childTnLst>
+                                    <p:set>
+                                      <p:cBhvr>
+                                        <p:cTn id="14" dur="1" fill="hold">
+                                          <p:stCondLst>
+                                            <p:cond delay="0"/>
+                                          </p:stCondLst>
+                                        </p:cTn>
+                                        <p:tgtEl>
+                                          <p:spTgt spid="3">
+                                            <p:txEl>
+                                              <p:pRg st="4" end="4"/>
+                                            </p:txEl>
+                                          </p:spTgt>
+                                        </p:tgtEl>
+                                        <p:attrNameLst>
+                                          <p:attrName>style.visibility</p:attrName>
+                                        </p:attrNameLst>
+                                      </p:cBhvr>
+                                      <p:to>
+                                        <p:strVal val="visible"/>
+                                      </p:to>
+                                    </p:set>
+                                  </p:childTnLst>
+                                </p:cTn>
+                              </p:par>
+                            </p:childTnLst>
+                          </p:cTn>
+                        </p:par>
+                      </p:childTnLst>
+                    </p:cTn>
+                  </p:par>
+                </p:childTnLst>
+              </p:cTn>
+              <p:prevCondLst>
+                <p:cond evt="onPrev" delay="0">
+                  <p:tgtEl>
+                    <p:sldTgt/>
+                  </p:tgtEl>
+                </p:cond>
+              </p:prevCondLst>
+              <p:nextCondLst>
+                <p:cond evt="onNext" delay="0">
+                  <p:tgtEl>
+                    <p:sldTgt/>
+                  </p:tgtEl>
+                </p:cond>
+              </p:nextCondLst>
+            </p:seq>
+          </p:childTnLst>
+        </p:cTn>
+      </p:par>
+    </p:tnLst>
+  </p:timing>
 </p:sld>
 </file>
 
@@ -5674,7 +6550,9 @@
           </a:xfrm>
         </p:spPr>
         <p:txBody>
-          <a:bodyPr/>
+          <a:bodyPr>
+            <a:normAutofit lnSpcReduction="10000"/>
+          </a:bodyPr>
           <a:lstStyle/>
           <a:p>
             <a:r>
@@ -5683,10 +6561,16 @@
             </a:r>
           </a:p>
           <a:p>
+            <a:endParaRPr lang="en-CA" dirty="0"/>
+          </a:p>
+          <a:p>
             <a:r>
               <a:rPr lang="en-CA" dirty="0"/>
               <a:t>Quasi-concurrent execution of services </a:t>
             </a:r>
+          </a:p>
+          <a:p>
+            <a:endParaRPr lang="en-CA" dirty="0"/>
           </a:p>
           <a:p>
             <a:r>
@@ -5719,6 +6603,12 @@
             </a:r>
           </a:p>
           <a:p>
+            <a:pPr lvl="1"/>
+            <a:endParaRPr lang="en-CA" dirty="0">
+              <a:sym typeface="Wingdings" panose="05000000000000000000" pitchFamily="2" charset="2"/>
+            </a:endParaRPr>
+          </a:p>
+          <a:p>
             <a:pPr marL="292608" lvl="1">
               <a:buNone/>
             </a:pPr>
@@ -5728,6 +6618,14 @@
               </a:rPr>
               <a:t>Correct Result at correct time, independent of System load, in a deterministic and foreseeable way</a:t>
             </a:r>
+          </a:p>
+          <a:p>
+            <a:pPr marL="292608" lvl="1">
+              <a:buNone/>
+            </a:pPr>
+            <a:endParaRPr lang="en-CA" sz="2000" dirty="0">
+              <a:sym typeface="Wingdings" panose="05000000000000000000" pitchFamily="2" charset="2"/>
+            </a:endParaRPr>
           </a:p>
           <a:p>
             <a:r>
@@ -6295,7 +7193,7 @@
             </a:br>
             <a:r>
               <a:rPr lang="de-CH" dirty="0" err="1"/>
-              <a:t>Introduction</a:t>
+              <a:t>Architecture</a:t>
             </a:r>
             <a:endParaRPr lang="de-CH" dirty="0"/>
           </a:p>
@@ -6317,93 +7215,106 @@
           <a:lstStyle/>
           <a:p>
             <a:r>
+              <a:rPr lang="en-US" b="1" dirty="0"/>
+              <a:t>Kernel</a:t>
+            </a:r>
+            <a:endParaRPr lang="en-US" dirty="0"/>
+          </a:p>
+          <a:p>
+            <a:pPr lvl="1"/>
+            <a:r>
+              <a:rPr lang="en-US" dirty="0"/>
+              <a:t>Small Kernel, </a:t>
+            </a:r>
+            <a:r>
+              <a:rPr lang="en-US" b="1" dirty="0"/>
+              <a:t>implemented in C</a:t>
+            </a:r>
+          </a:p>
+          <a:p>
+            <a:pPr lvl="1"/>
+            <a:endParaRPr lang="en-US" dirty="0"/>
+          </a:p>
+          <a:p>
+            <a:pPr lvl="1"/>
+            <a:r>
+              <a:rPr lang="en-US" b="1" dirty="0"/>
+              <a:t>Preemptive</a:t>
+            </a:r>
+            <a:r>
+              <a:rPr lang="en-US" dirty="0"/>
+              <a:t> or </a:t>
+            </a:r>
+            <a:r>
+              <a:rPr lang="en-US" b="1" dirty="0"/>
+              <a:t>cooperative</a:t>
+            </a:r>
+            <a:r>
+              <a:rPr lang="en-US" dirty="0"/>
+              <a:t> scheduler mode (at compile </a:t>
+            </a:r>
+            <a:r>
               <a:rPr lang="de-CH" dirty="0"/>
-              <a:t>Open Source, </a:t>
-            </a:r>
-            <a:r>
-              <a:rPr lang="de-CH" dirty="0" err="1"/>
-              <a:t>free</a:t>
-            </a:r>
-            <a:r>
-              <a:rPr lang="de-CH" dirty="0"/>
-              <a:t>-</a:t>
-            </a:r>
-            <a:r>
-              <a:rPr lang="de-CH" dirty="0" err="1"/>
-              <a:t>of</a:t>
-            </a:r>
-            <a:r>
-              <a:rPr lang="de-CH" dirty="0"/>
-              <a:t>-charge</a:t>
+              <a:t>time)</a:t>
             </a:r>
           </a:p>
           <a:p>
             <a:pPr lvl="1"/>
-            <a:r>
-              <a:rPr lang="de-CH" b="1" dirty="0" err="1"/>
-              <a:t>OpenRTOS</a:t>
-            </a:r>
-            <a:r>
-              <a:rPr lang="de-CH" dirty="0"/>
-              <a:t>: </a:t>
-            </a:r>
-            <a:r>
-              <a:rPr lang="de-CH" dirty="0" err="1"/>
-              <a:t>commercial</a:t>
-            </a:r>
-            <a:r>
-              <a:rPr lang="de-CH" dirty="0"/>
-              <a:t> </a:t>
-            </a:r>
-            <a:r>
-              <a:rPr lang="de-CH" dirty="0" err="1"/>
-              <a:t>supported</a:t>
-            </a:r>
-            <a:r>
-              <a:rPr lang="de-CH" dirty="0"/>
-              <a:t> </a:t>
-            </a:r>
-            <a:r>
-              <a:rPr lang="de-CH" dirty="0" err="1"/>
-              <a:t>version</a:t>
-            </a:r>
             <a:endParaRPr lang="de-CH" dirty="0"/>
           </a:p>
           <a:p>
             <a:pPr lvl="1"/>
             <a:r>
-              <a:rPr lang="en-US" b="1" dirty="0" err="1"/>
-              <a:t>SafeRTOS</a:t>
-            </a:r>
-            <a:r>
               <a:rPr lang="en-US" dirty="0"/>
-              <a:t>: special version dedicated to safety critical </a:t>
-            </a:r>
-            <a:r>
-              <a:rPr lang="de-CH" dirty="0" err="1"/>
-              <a:t>systems</a:t>
-            </a:r>
-            <a:endParaRPr lang="de-CH" dirty="0"/>
-          </a:p>
-          <a:p>
-            <a:pPr marL="457200" lvl="1" indent="0">
-              <a:buNone/>
-            </a:pPr>
-            <a:endParaRPr lang="de-CH" dirty="0"/>
-          </a:p>
-          <a:p>
-            <a:r>
-              <a:rPr lang="de-CH" dirty="0" err="1"/>
-              <a:t>Processor</a:t>
-            </a:r>
-            <a:r>
-              <a:rPr lang="de-CH" dirty="0"/>
-              <a:t> Expert </a:t>
-            </a:r>
-            <a:r>
-              <a:rPr lang="de-CH" dirty="0" err="1"/>
-              <a:t>component</a:t>
-            </a:r>
+              <a:t>Kernel only needs </a:t>
+            </a:r>
+            <a:r>
+              <a:rPr lang="en-US" b="1" dirty="0"/>
+              <a:t>tick interrupt </a:t>
+            </a:r>
+            <a:r>
+              <a:rPr lang="en-US" dirty="0"/>
+              <a:t>and </a:t>
+            </a:r>
+            <a:r>
+              <a:rPr lang="en-US" b="1" dirty="0"/>
+              <a:t>software interrupt</a:t>
+            </a:r>
+          </a:p>
+          <a:p>
+            <a:pPr lvl="1"/>
+            <a:endParaRPr lang="en-US" b="1" dirty="0"/>
+          </a:p>
+          <a:p>
+            <a:pPr lvl="1"/>
+            <a:r>
+              <a:rPr lang="en-US" dirty="0"/>
+              <a:t>’Ticks’ provide time base for RTOS (Typically 10 </a:t>
+            </a:r>
+            <a:r>
+              <a:rPr lang="en-US" dirty="0" err="1"/>
+              <a:t>ms</a:t>
+            </a:r>
+            <a:r>
+              <a:rPr lang="en-US" dirty="0"/>
+              <a:t> or 1 </a:t>
+            </a:r>
+            <a:r>
+              <a:rPr lang="en-US" dirty="0" err="1"/>
+              <a:t>ms</a:t>
+            </a:r>
+            <a:r>
+              <a:rPr lang="en-US" dirty="0"/>
+              <a:t> tick period)</a:t>
+            </a:r>
+            <a:endParaRPr lang="en-US" b="1" dirty="0"/>
+          </a:p>
+          <a:p>
+            <a:pPr lvl="1"/>
+            <a:endParaRPr lang="en-US" b="1" dirty="0"/>
+          </a:p>
+          <a:p>
+            <a:pPr lvl="1"/>
             <a:endParaRPr lang="de-CH" dirty="0"/>
           </a:p>
         </p:txBody>
@@ -6411,7 +7322,7 @@
     </p:spTree>
     <p:extLst>
       <p:ext uri="{BB962C8B-B14F-4D97-AF65-F5344CB8AC3E}">
-        <p14:creationId xmlns:p14="http://schemas.microsoft.com/office/powerpoint/2010/main" val="1487994313"/>
+        <p14:creationId xmlns:p14="http://schemas.microsoft.com/office/powerpoint/2010/main" val="2675177845"/>
       </p:ext>
     </p:extLst>
   </p:cSld>
@@ -6488,20 +7399,15 @@
           <a:lstStyle/>
           <a:p>
             <a:r>
-              <a:rPr lang="en-US" b="1" dirty="0"/>
-              <a:t>Kernel</a:t>
-            </a:r>
-            <a:endParaRPr lang="en-US" dirty="0"/>
+              <a:rPr lang="de-CH" b="1" dirty="0"/>
+              <a:t>Tasks</a:t>
+            </a:r>
           </a:p>
           <a:p>
             <a:pPr lvl="1"/>
             <a:r>
               <a:rPr lang="en-US" dirty="0"/>
-              <a:t>Small Kernel, </a:t>
-            </a:r>
-            <a:r>
-              <a:rPr lang="en-US" b="1" dirty="0"/>
-              <a:t>implemented in C</a:t>
+              <a:t>Tasks are running with stack in the ’heap’</a:t>
             </a:r>
           </a:p>
           <a:p>
@@ -6512,82 +7418,27 @@
             <a:pPr lvl="1"/>
             <a:r>
               <a:rPr lang="en-US" dirty="0"/>
-              <a:t>Preemptive or cooperative scheduler mode (at compile </a:t>
-            </a:r>
-            <a:r>
-              <a:rPr lang="de-CH" dirty="0"/>
-              <a:t>time)</a:t>
+              <a:t>Tasks are (usually) staying in an endless loop</a:t>
             </a:r>
           </a:p>
           <a:p>
             <a:pPr lvl="1"/>
-            <a:endParaRPr lang="de-CH" dirty="0"/>
+            <a:endParaRPr lang="en-US" dirty="0"/>
           </a:p>
           <a:p>
             <a:pPr lvl="1"/>
             <a:r>
               <a:rPr lang="en-US" dirty="0"/>
-              <a:t>Kernel only needs </a:t>
-            </a:r>
-            <a:r>
-              <a:rPr lang="en-US" b="1" dirty="0"/>
-              <a:t>tick interrupt </a:t>
-            </a:r>
-            <a:r>
-              <a:rPr lang="en-US" dirty="0"/>
-              <a:t>and </a:t>
-            </a:r>
-            <a:r>
-              <a:rPr lang="en-US" b="1" dirty="0"/>
-              <a:t>software interrupt</a:t>
-            </a:r>
-          </a:p>
-          <a:p>
-            <a:pPr lvl="1"/>
-            <a:endParaRPr lang="en-US" b="1" dirty="0"/>
-          </a:p>
-          <a:p>
-            <a:pPr lvl="1"/>
-            <a:r>
-              <a:rPr lang="en-US" dirty="0"/>
-              <a:t>’Ticks’ provide time base for RTOS (Typically 10 </a:t>
-            </a:r>
-            <a:r>
-              <a:rPr lang="en-US" dirty="0" err="1"/>
-              <a:t>ms</a:t>
-            </a:r>
-            <a:r>
-              <a:rPr lang="en-US" dirty="0"/>
-              <a:t> or 1 </a:t>
-            </a:r>
-            <a:r>
-              <a:rPr lang="en-US" dirty="0" err="1"/>
-              <a:t>ms</a:t>
-            </a:r>
-            <a:r>
-              <a:rPr lang="en-US" dirty="0"/>
-              <a:t> tick period)</a:t>
-            </a:r>
-            <a:endParaRPr lang="en-US" b="1" dirty="0"/>
-          </a:p>
-          <a:p>
-            <a:pPr lvl="1"/>
-            <a:endParaRPr lang="en-US" b="1" dirty="0"/>
-          </a:p>
-          <a:p>
-            <a:pPr lvl="1"/>
-            <a:r>
-              <a:rPr lang="en-US" dirty="0"/>
-              <a:t>RTOS creates and runs in IDLE task</a:t>
-            </a:r>
-            <a:endParaRPr lang="de-CH" dirty="0"/>
+              <a:t>Software interrupt used to switch task context</a:t>
+            </a:r>
+            <a:endParaRPr lang="de-CH" b="1" dirty="0"/>
           </a:p>
         </p:txBody>
       </p:sp>
     </p:spTree>
     <p:extLst>
       <p:ext uri="{BB962C8B-B14F-4D97-AF65-F5344CB8AC3E}">
-        <p14:creationId xmlns:p14="http://schemas.microsoft.com/office/powerpoint/2010/main" val="2675177845"/>
+        <p14:creationId xmlns:p14="http://schemas.microsoft.com/office/powerpoint/2010/main" val="2748932309"/>
       </p:ext>
     </p:extLst>
   </p:cSld>
@@ -6665,45 +7516,136 @@
           <a:p>
             <a:r>
               <a:rPr lang="de-CH" b="1" dirty="0"/>
-              <a:t>Tasks</a:t>
+              <a:t>Kernel </a:t>
+            </a:r>
+            <a:r>
+              <a:rPr lang="de-CH" b="1" dirty="0" err="1"/>
+              <a:t>and</a:t>
+            </a:r>
+            <a:r>
+              <a:rPr lang="de-CH" b="1" dirty="0"/>
+              <a:t> Interrupts</a:t>
             </a:r>
           </a:p>
           <a:p>
             <a:pPr lvl="1"/>
             <a:r>
+              <a:rPr lang="de-CH" b="1" dirty="0"/>
+              <a:t>Tick Interrupt</a:t>
+            </a:r>
+            <a:r>
+              <a:rPr lang="de-CH" dirty="0"/>
+              <a:t>: </a:t>
+            </a:r>
+            <a:r>
+              <a:rPr lang="de-CH" dirty="0" err="1"/>
+              <a:t>SysTick</a:t>
+            </a:r>
+            <a:endParaRPr lang="de-CH" dirty="0"/>
+          </a:p>
+          <a:p>
+            <a:pPr lvl="1"/>
+            <a:endParaRPr lang="de-CH" dirty="0"/>
+          </a:p>
+          <a:p>
+            <a:pPr lvl="1"/>
+            <a:r>
+              <a:rPr lang="de-CH" b="1" dirty="0"/>
+              <a:t>Software Interrupt</a:t>
+            </a:r>
+            <a:r>
+              <a:rPr lang="de-CH" dirty="0"/>
+              <a:t>: </a:t>
+            </a:r>
+            <a:r>
+              <a:rPr lang="de-CH" dirty="0" err="1"/>
+              <a:t>SVCall</a:t>
+            </a:r>
+            <a:r>
+              <a:rPr lang="de-CH" dirty="0"/>
+              <a:t>, </a:t>
+            </a:r>
+            <a:r>
+              <a:rPr lang="de-CH" dirty="0" err="1"/>
+              <a:t>PendableSrvReq</a:t>
+            </a:r>
+            <a:endParaRPr lang="de-CH" dirty="0"/>
+          </a:p>
+          <a:p>
+            <a:pPr marL="201168" lvl="1" indent="0">
+              <a:buNone/>
+            </a:pPr>
+            <a:endParaRPr lang="de-CH" dirty="0"/>
+          </a:p>
+          <a:p>
+            <a:pPr lvl="1"/>
+            <a:r>
               <a:rPr lang="en-US" dirty="0"/>
-              <a:t>Tasks are running with stack in the ’heap’</a:t>
+              <a:t>Do </a:t>
+            </a:r>
+            <a:r>
+              <a:rPr lang="en-US" b="1" dirty="0"/>
+              <a:t>not </a:t>
+            </a:r>
+            <a:r>
+              <a:rPr lang="en-US" dirty="0"/>
+              <a:t>call RTOS API from ISR</a:t>
             </a:r>
           </a:p>
           <a:p>
             <a:pPr lvl="1"/>
-            <a:endParaRPr lang="en-US" dirty="0"/>
+            <a:endParaRPr lang="de-CH" dirty="0"/>
           </a:p>
           <a:p>
             <a:pPr lvl="1"/>
             <a:r>
-              <a:rPr lang="en-US" dirty="0"/>
-              <a:t>Tasks are (usually) staying in an endless loop</a:t>
-            </a:r>
-          </a:p>
-          <a:p>
-            <a:pPr lvl="1"/>
-            <a:endParaRPr lang="en-US" dirty="0"/>
-          </a:p>
-          <a:p>
-            <a:pPr lvl="1"/>
-            <a:r>
-              <a:rPr lang="en-US" dirty="0"/>
-              <a:t>Software interrupt used to switch task context</a:t>
-            </a:r>
-            <a:endParaRPr lang="de-CH" b="1" dirty="0"/>
-          </a:p>
-        </p:txBody>
-      </p:sp>
+              <a:rPr lang="de-CH" dirty="0"/>
+              <a:t>Cortex-M0+: Kernel </a:t>
+            </a:r>
+            <a:r>
+              <a:rPr lang="de-CH" dirty="0" err="1"/>
+              <a:t>disables</a:t>
+            </a:r>
+            <a:r>
+              <a:rPr lang="de-CH" dirty="0"/>
+              <a:t> global </a:t>
+            </a:r>
+            <a:r>
+              <a:rPr lang="de-CH" dirty="0" err="1"/>
+              <a:t>interrupts</a:t>
+            </a:r>
+            <a:endParaRPr lang="de-CH" dirty="0"/>
+          </a:p>
+        </p:txBody>
+      </p:sp>
+      <p:pic>
+        <p:nvPicPr>
+          <p:cNvPr id="4" name="Grafik 3"/>
+          <p:cNvPicPr>
+            <a:picLocks noChangeAspect="1"/>
+          </p:cNvPicPr>
+          <p:nvPr/>
+        </p:nvPicPr>
+        <p:blipFill>
+          <a:blip r:embed="rId2"/>
+          <a:stretch>
+            <a:fillRect/>
+          </a:stretch>
+        </p:blipFill>
+        <p:spPr>
+          <a:xfrm>
+            <a:off x="5606376" y="1786427"/>
+            <a:ext cx="6444325" cy="3449609"/>
+          </a:xfrm>
+          <a:prstGeom prst="rect">
+            <a:avLst/>
+          </a:prstGeom>
+        </p:spPr>
+      </p:pic>
     </p:spTree>
     <p:extLst>
       <p:ext uri="{BB962C8B-B14F-4D97-AF65-F5344CB8AC3E}">
-        <p14:creationId xmlns:p14="http://schemas.microsoft.com/office/powerpoint/2010/main" val="2748932309"/>
+        <p14:creationId xmlns:p14="http://schemas.microsoft.com/office/powerpoint/2010/main" val="2833264382"/>
       </p:ext>
     </p:extLst>
   </p:cSld>
@@ -6757,10 +7699,9 @@
               <a:rPr lang="de-CH" dirty="0"/>
             </a:br>
             <a:r>
-              <a:rPr lang="de-CH" dirty="0" err="1"/>
-              <a:t>Architecture</a:t>
-            </a:r>
-            <a:endParaRPr lang="de-CH" dirty="0"/>
+              <a:rPr lang="de-CH" dirty="0"/>
+              <a:t>Kernel Control	</a:t>
+            </a:r>
           </a:p>
         </p:txBody>
       </p:sp>
@@ -6781,11 +7722,111 @@
           <a:p>
             <a:endParaRPr lang="de-CH" dirty="0"/>
           </a:p>
+          <a:p>
+            <a:endParaRPr lang="de-CH" dirty="0"/>
+          </a:p>
+          <a:p>
+            <a:pPr>
+              <a:buFont typeface="Arial" panose="020B0604020202020204" pitchFamily="34" charset="0"/>
+              <a:buChar char="•"/>
+            </a:pPr>
+            <a:r>
+              <a:rPr lang="de-CH" dirty="0"/>
+              <a:t>Starts </a:t>
+            </a:r>
+            <a:r>
+              <a:rPr lang="de-CH" dirty="0" err="1"/>
+              <a:t>the</a:t>
+            </a:r>
+            <a:r>
+              <a:rPr lang="de-CH" dirty="0"/>
+              <a:t> </a:t>
+            </a:r>
+            <a:r>
+              <a:rPr lang="de-CH" dirty="0" err="1"/>
+              <a:t>scheduler</a:t>
+            </a:r>
+            <a:r>
+              <a:rPr lang="de-CH" dirty="0"/>
+              <a:t> ( </a:t>
+            </a:r>
+            <a:r>
+              <a:rPr lang="de-CH" dirty="0" err="1"/>
+              <a:t>Init</a:t>
+            </a:r>
+            <a:r>
+              <a:rPr lang="de-CH" dirty="0"/>
+              <a:t> -&gt; </a:t>
+            </a:r>
+            <a:r>
+              <a:rPr lang="de-CH" dirty="0" err="1"/>
+              <a:t>Running</a:t>
+            </a:r>
+            <a:r>
+              <a:rPr lang="de-CH" dirty="0"/>
+              <a:t>)</a:t>
+            </a:r>
+          </a:p>
+          <a:p>
+            <a:pPr>
+              <a:buFont typeface="Arial" panose="020B0604020202020204" pitchFamily="34" charset="0"/>
+              <a:buChar char="•"/>
+            </a:pPr>
+            <a:r>
+              <a:rPr lang="de-CH" dirty="0" err="1"/>
+              <a:t>Creates</a:t>
+            </a:r>
+            <a:r>
+              <a:rPr lang="de-CH" dirty="0"/>
+              <a:t> IDLE </a:t>
+            </a:r>
+            <a:r>
+              <a:rPr lang="de-CH" dirty="0" err="1"/>
+              <a:t>task</a:t>
+            </a:r>
+            <a:r>
+              <a:rPr lang="de-CH" dirty="0"/>
+              <a:t> (</a:t>
+            </a:r>
+            <a:r>
+              <a:rPr lang="de-CH" dirty="0" err="1"/>
+              <a:t>configMINIMAL_STACK_SIZE</a:t>
+            </a:r>
+            <a:r>
+              <a:rPr lang="de-CH" dirty="0"/>
+              <a:t>, </a:t>
+            </a:r>
+            <a:r>
+              <a:rPr lang="de-CH" dirty="0" err="1"/>
+              <a:t>tskIDLE_PRIORITY</a:t>
+            </a:r>
+            <a:r>
+              <a:rPr lang="de-CH" dirty="0"/>
+              <a:t>)</a:t>
+            </a:r>
+          </a:p>
+          <a:p>
+            <a:pPr>
+              <a:buFont typeface="Arial" panose="020B0604020202020204" pitchFamily="34" charset="0"/>
+              <a:buChar char="•"/>
+            </a:pPr>
+            <a:r>
+              <a:rPr lang="en-US" dirty="0"/>
+              <a:t>Runs the highest priority task</a:t>
+            </a:r>
+            <a:endParaRPr lang="de-CH" dirty="0"/>
+          </a:p>
+          <a:p>
+            <a:endParaRPr lang="de-CH" dirty="0"/>
+          </a:p>
+          <a:p>
+            <a:endParaRPr lang="de-CH" dirty="0"/>
+          </a:p>
         </p:txBody>
       </p:sp>
       <p:pic>
         <p:nvPicPr>
-          <p:cNvPr id="4" name="Grafik 3"/>
+          <p:cNvPr id="5" name="Grafik 4"/>
           <p:cNvPicPr>
             <a:picLocks noChangeAspect="1"/>
           </p:cNvPicPr>
@@ -6799,8 +7840,32 @@
         </p:blipFill>
         <p:spPr>
           <a:xfrm>
-            <a:off x="3846996" y="2182745"/>
-            <a:ext cx="3232035" cy="3201899"/>
+            <a:off x="1097280" y="1845734"/>
+            <a:ext cx="9829800" cy="676275"/>
+          </a:xfrm>
+          <a:prstGeom prst="rect">
+            <a:avLst/>
+          </a:prstGeom>
+        </p:spPr>
+      </p:pic>
+      <p:pic>
+        <p:nvPicPr>
+          <p:cNvPr id="6" name="Grafik 5"/>
+          <p:cNvPicPr>
+            <a:picLocks noChangeAspect="1"/>
+          </p:cNvPicPr>
+          <p:nvPr/>
+        </p:nvPicPr>
+        <p:blipFill>
+          <a:blip r:embed="rId3"/>
+          <a:stretch>
+            <a:fillRect/>
+          </a:stretch>
+        </p:blipFill>
+        <p:spPr>
+          <a:xfrm>
+            <a:off x="1078230" y="4603886"/>
+            <a:ext cx="9867900" cy="714375"/>
           </a:xfrm>
           <a:prstGeom prst="rect">
             <a:avLst/>
@@ -6810,7 +7875,7 @@
     </p:spTree>
     <p:extLst>
       <p:ext uri="{BB962C8B-B14F-4D97-AF65-F5344CB8AC3E}">
-        <p14:creationId xmlns:p14="http://schemas.microsoft.com/office/powerpoint/2010/main" val="1951489824"/>
+        <p14:creationId xmlns:p14="http://schemas.microsoft.com/office/powerpoint/2010/main" val="4169378302"/>
       </p:ext>
     </p:extLst>
   </p:cSld>
@@ -7101,4 +8166,299 @@
     </a:ext>
   </a:extLst>
 </a:theme>
+</file>
+
+<file path=ppt/theme/theme2.xml><?xml version="1.0" encoding="utf-8"?>
+<a:theme xmlns:a="http://schemas.openxmlformats.org/drawingml/2006/main" name="Office">
+  <a:themeElements>
+    <a:clrScheme name="Office">
+      <a:dk1>
+        <a:sysClr val="windowText" lastClr="000000"/>
+      </a:dk1>
+      <a:lt1>
+        <a:sysClr val="window" lastClr="FFFFFF"/>
+      </a:lt1>
+      <a:dk2>
+        <a:srgbClr val="44546A"/>
+      </a:dk2>
+      <a:lt2>
+        <a:srgbClr val="E7E6E6"/>
+      </a:lt2>
+      <a:accent1>
+        <a:srgbClr val="5B9BD5"/>
+      </a:accent1>
+      <a:accent2>
+        <a:srgbClr val="ED7D31"/>
+      </a:accent2>
+      <a:accent3>
+        <a:srgbClr val="A5A5A5"/>
+      </a:accent3>
+      <a:accent4>
+        <a:srgbClr val="FFC000"/>
+      </a:accent4>
+      <a:accent5>
+        <a:srgbClr val="4472C4"/>
+      </a:accent5>
+      <a:accent6>
+        <a:srgbClr val="70AD47"/>
+      </a:accent6>
+      <a:hlink>
+        <a:srgbClr val="0563C1"/>
+      </a:hlink>
+      <a:folHlink>
+        <a:srgbClr val="954F72"/>
+      </a:folHlink>
+    </a:clrScheme>
+    <a:fontScheme name="Office">
+      <a:majorFont>
+        <a:latin typeface="Calibri Light" panose="020F0302020204030204"/>
+        <a:ea typeface=""/>
+        <a:cs typeface=""/>
+        <a:font script="Jpan" typeface="游ゴシック Light"/>
+        <a:font script="Hang" typeface="맑은 고딕"/>
+        <a:font script="Hans" typeface="等线 Light"/>
+        <a:font script="Hant" typeface="新細明體"/>
+        <a:font script="Arab" typeface="Times New Roman"/>
+        <a:font script="Hebr" typeface="Times New Roman"/>
+        <a:font script="Thai" typeface="Angsana New"/>
+        <a:font script="Ethi" typeface="Nyala"/>
+        <a:font script="Beng" typeface="Vrinda"/>
+        <a:font script="Gujr" typeface="Shruti"/>
+        <a:font script="Khmr" typeface="MoolBoran"/>
+        <a:font script="Knda" typeface="Tunga"/>
+        <a:font script="Guru" typeface="Raavi"/>
+        <a:font script="Cans" typeface="Euphemia"/>
+        <a:font script="Cher" typeface="Plantagenet Cherokee"/>
+        <a:font script="Yiii" typeface="Microsoft Yi Baiti"/>
+        <a:font script="Tibt" typeface="Microsoft Himalaya"/>
+        <a:font script="Thaa" typeface="MV Boli"/>
+        <a:font script="Deva" typeface="Mangal"/>
+        <a:font script="Telu" typeface="Gautami"/>
+        <a:font script="Taml" typeface="Latha"/>
+        <a:font script="Syrc" typeface="Estrangelo Edessa"/>
+        <a:font script="Orya" typeface="Kalinga"/>
+        <a:font script="Mlym" typeface="Kartika"/>
+        <a:font script="Laoo" typeface="DokChampa"/>
+        <a:font script="Sinh" typeface="Iskoola Pota"/>
+        <a:font script="Mong" typeface="Mongolian Baiti"/>
+        <a:font script="Viet" typeface="Times New Roman"/>
+        <a:font script="Uigh" typeface="Microsoft Uighur"/>
+        <a:font script="Geor" typeface="Sylfaen"/>
+        <a:font script="Armn" typeface="Arial"/>
+        <a:font script="Bugi" typeface="Leelawadee UI"/>
+        <a:font script="Bopo" typeface="Microsoft JhengHei"/>
+        <a:font script="Java" typeface="Javanese Text"/>
+        <a:font script="Lisu" typeface="Segoe UI"/>
+        <a:font script="Mymr" typeface="Myanmar Text"/>
+        <a:font script="Nkoo" typeface="Ebrima"/>
+        <a:font script="Olck" typeface="Nirmala UI"/>
+        <a:font script="Osma" typeface="Ebrima"/>
+        <a:font script="Phag" typeface="Phagspa"/>
+        <a:font script="Syrn" typeface="Estrangelo Edessa"/>
+        <a:font script="Syrj" typeface="Estrangelo Edessa"/>
+        <a:font script="Syre" typeface="Estrangelo Edessa"/>
+        <a:font script="Sora" typeface="Nirmala UI"/>
+        <a:font script="Tale" typeface="Microsoft Tai Le"/>
+        <a:font script="Talu" typeface="Microsoft New Tai Lue"/>
+        <a:font script="Tfng" typeface="Ebrima"/>
+      </a:majorFont>
+      <a:minorFont>
+        <a:latin typeface="Calibri" panose="020F0502020204030204"/>
+        <a:ea typeface=""/>
+        <a:cs typeface=""/>
+        <a:font script="Jpan" typeface="游ゴシック"/>
+        <a:font script="Hang" typeface="맑은 고딕"/>
+        <a:font script="Hans" typeface="等线"/>
+        <a:font script="Hant" typeface="新細明體"/>
+        <a:font script="Arab" typeface="Arial"/>
+        <a:font script="Hebr" typeface="Arial"/>
+        <a:font script="Thai" typeface="Cordia New"/>
+        <a:font script="Ethi" typeface="Nyala"/>
+        <a:font script="Beng" typeface="Vrinda"/>
+        <a:font script="Gujr" typeface="Shruti"/>
+        <a:font script="Khmr" typeface="DaunPenh"/>
+        <a:font script="Knda" typeface="Tunga"/>
+        <a:font script="Guru" typeface="Raavi"/>
+        <a:font script="Cans" typeface="Euphemia"/>
+        <a:font script="Cher" typeface="Plantagenet Cherokee"/>
+        <a:font script="Yiii" typeface="Microsoft Yi Baiti"/>
+        <a:font script="Tibt" typeface="Microsoft Himalaya"/>
+        <a:font script="Thaa" typeface="MV Boli"/>
+        <a:font script="Deva" typeface="Mangal"/>
+        <a:font script="Telu" typeface="Gautami"/>
+        <a:font script="Taml" typeface="Latha"/>
+        <a:font script="Syrc" typeface="Estrangelo Edessa"/>
+        <a:font script="Orya" typeface="Kalinga"/>
+        <a:font script="Mlym" typeface="Kartika"/>
+        <a:font script="Laoo" typeface="DokChampa"/>
+        <a:font script="Sinh" typeface="Iskoola Pota"/>
+        <a:font script="Mong" typeface="Mongolian Baiti"/>
+        <a:font script="Viet" typeface="Arial"/>
+        <a:font script="Uigh" typeface="Microsoft Uighur"/>
+        <a:font script="Geor" typeface="Sylfaen"/>
+        <a:font script="Armn" typeface="Arial"/>
+        <a:font script="Bugi" typeface="Leelawadee UI"/>
+        <a:font script="Bopo" typeface="Microsoft JhengHei"/>
+        <a:font script="Java" typeface="Javanese Text"/>
+        <a:font script="Lisu" typeface="Segoe UI"/>
+        <a:font script="Mymr" typeface="Myanmar Text"/>
+        <a:font script="Nkoo" typeface="Ebrima"/>
+        <a:font script="Olck" typeface="Nirmala UI"/>
+        <a:font script="Osma" typeface="Ebrima"/>
+        <a:font script="Phag" typeface="Phagspa"/>
+        <a:font script="Syrn" typeface="Estrangelo Edessa"/>
+        <a:font script="Syrj" typeface="Estrangelo Edessa"/>
+        <a:font script="Syre" typeface="Estrangelo Edessa"/>
+        <a:font script="Sora" typeface="Nirmala UI"/>
+        <a:font script="Tale" typeface="Microsoft Tai Le"/>
+        <a:font script="Talu" typeface="Microsoft New Tai Lue"/>
+        <a:font script="Tfng" typeface="Ebrima"/>
+      </a:minorFont>
+    </a:fontScheme>
+    <a:fmtScheme name="Office">
+      <a:fillStyleLst>
+        <a:solidFill>
+          <a:schemeClr val="phClr"/>
+        </a:solidFill>
+        <a:gradFill rotWithShape="1">
+          <a:gsLst>
+            <a:gs pos="0">
+              <a:schemeClr val="phClr">
+                <a:lumMod val="110000"/>
+                <a:satMod val="105000"/>
+                <a:tint val="67000"/>
+              </a:schemeClr>
+            </a:gs>
+            <a:gs pos="50000">
+              <a:schemeClr val="phClr">
+                <a:lumMod val="105000"/>
+                <a:satMod val="103000"/>
+                <a:tint val="73000"/>
+              </a:schemeClr>
+            </a:gs>
+            <a:gs pos="100000">
+              <a:schemeClr val="phClr">
+                <a:lumMod val="105000"/>
+                <a:satMod val="109000"/>
+                <a:tint val="81000"/>
+              </a:schemeClr>
+            </a:gs>
+          </a:gsLst>
+          <a:lin ang="5400000" scaled="0"/>
+        </a:gradFill>
+        <a:gradFill rotWithShape="1">
+          <a:gsLst>
+            <a:gs pos="0">
+              <a:schemeClr val="phClr">
+                <a:satMod val="103000"/>
+                <a:lumMod val="102000"/>
+                <a:tint val="94000"/>
+              </a:schemeClr>
+            </a:gs>
+            <a:gs pos="50000">
+              <a:schemeClr val="phClr">
+                <a:satMod val="110000"/>
+                <a:lumMod val="100000"/>
+                <a:shade val="100000"/>
+              </a:schemeClr>
+            </a:gs>
+            <a:gs pos="100000">
+              <a:schemeClr val="phClr">
+                <a:lumMod val="99000"/>
+                <a:satMod val="120000"/>
+                <a:shade val="78000"/>
+              </a:schemeClr>
+            </a:gs>
+          </a:gsLst>
+          <a:lin ang="5400000" scaled="0"/>
+        </a:gradFill>
+      </a:fillStyleLst>
+      <a:lnStyleLst>
+        <a:ln w="6350" cap="flat" cmpd="sng" algn="ctr">
+          <a:solidFill>
+            <a:schemeClr val="phClr"/>
+          </a:solidFill>
+          <a:prstDash val="solid"/>
+          <a:miter lim="800000"/>
+        </a:ln>
+        <a:ln w="12700" cap="flat" cmpd="sng" algn="ctr">
+          <a:solidFill>
+            <a:schemeClr val="phClr"/>
+          </a:solidFill>
+          <a:prstDash val="solid"/>
+          <a:miter lim="800000"/>
+        </a:ln>
+        <a:ln w="19050" cap="flat" cmpd="sng" algn="ctr">
+          <a:solidFill>
+            <a:schemeClr val="phClr"/>
+          </a:solidFill>
+          <a:prstDash val="solid"/>
+          <a:miter lim="800000"/>
+        </a:ln>
+      </a:lnStyleLst>
+      <a:effectStyleLst>
+        <a:effectStyle>
+          <a:effectLst/>
+        </a:effectStyle>
+        <a:effectStyle>
+          <a:effectLst/>
+        </a:effectStyle>
+        <a:effectStyle>
+          <a:effectLst>
+            <a:outerShdw blurRad="57150" dist="19050" dir="5400000" algn="ctr" rotWithShape="0">
+              <a:srgbClr val="000000">
+                <a:alpha val="63000"/>
+              </a:srgbClr>
+            </a:outerShdw>
+          </a:effectLst>
+        </a:effectStyle>
+      </a:effectStyleLst>
+      <a:bgFillStyleLst>
+        <a:solidFill>
+          <a:schemeClr val="phClr"/>
+        </a:solidFill>
+        <a:solidFill>
+          <a:schemeClr val="phClr">
+            <a:tint val="95000"/>
+            <a:satMod val="170000"/>
+          </a:schemeClr>
+        </a:solidFill>
+        <a:gradFill rotWithShape="1">
+          <a:gsLst>
+            <a:gs pos="0">
+              <a:schemeClr val="phClr">
+                <a:tint val="93000"/>
+                <a:satMod val="150000"/>
+                <a:shade val="98000"/>
+                <a:lumMod val="102000"/>
+              </a:schemeClr>
+            </a:gs>
+            <a:gs pos="50000">
+              <a:schemeClr val="phClr">
+                <a:tint val="98000"/>
+                <a:satMod val="130000"/>
+                <a:shade val="90000"/>
+                <a:lumMod val="103000"/>
+              </a:schemeClr>
+            </a:gs>
+            <a:gs pos="100000">
+              <a:schemeClr val="phClr">
+                <a:shade val="63000"/>
+                <a:satMod val="120000"/>
+              </a:schemeClr>
+            </a:gs>
+          </a:gsLst>
+          <a:lin ang="5400000" scaled="0"/>
+        </a:gradFill>
+      </a:bgFillStyleLst>
+    </a:fmtScheme>
+  </a:themeElements>
+  <a:objectDefaults/>
+  <a:extraClrSchemeLst/>
+  <a:extLst>
+    <a:ext uri="{05A4C25C-085E-4340-85A3-A5531E510DB2}">
+      <thm15:themeFamily xmlns:thm15="http://schemas.microsoft.com/office/thememl/2012/main" name="Office Theme" id="{62F939B6-93AF-4DB8-9C6B-D6C7DFDC589F}" vid="{4A3C46E8-61CC-4603-A589-7422A47A8E4A}"/>
+    </a:ext>
+  </a:extLst>
+</a:theme>
 </file>
--- a/Recap_SW5_Ineichen_Stecher.pptx
+++ b/Recap_SW5_Ineichen_Stecher.pptx
@@ -5,7 +5,7 @@
     <p:sldMasterId id="2147483660" r:id="rId1"/>
   </p:sldMasterIdLst>
   <p:notesMasterIdLst>
-    <p:notesMasterId r:id="rId19"/>
+    <p:notesMasterId r:id="rId18"/>
   </p:notesMasterIdLst>
   <p:sldIdLst>
     <p:sldId id="256" r:id="rId2"/>
@@ -15,16 +15,15 @@
     <p:sldId id="259" r:id="rId6"/>
     <p:sldId id="262" r:id="rId7"/>
     <p:sldId id="263" r:id="rId8"/>
-    <p:sldId id="265" r:id="rId9"/>
-    <p:sldId id="266" r:id="rId10"/>
-    <p:sldId id="267" r:id="rId11"/>
-    <p:sldId id="268" r:id="rId12"/>
-    <p:sldId id="269" r:id="rId13"/>
-    <p:sldId id="271" r:id="rId14"/>
-    <p:sldId id="272" r:id="rId15"/>
-    <p:sldId id="273" r:id="rId16"/>
-    <p:sldId id="260" r:id="rId17"/>
-    <p:sldId id="274" r:id="rId18"/>
+    <p:sldId id="266" r:id="rId9"/>
+    <p:sldId id="267" r:id="rId10"/>
+    <p:sldId id="268" r:id="rId11"/>
+    <p:sldId id="269" r:id="rId12"/>
+    <p:sldId id="271" r:id="rId13"/>
+    <p:sldId id="272" r:id="rId14"/>
+    <p:sldId id="273" r:id="rId15"/>
+    <p:sldId id="260" r:id="rId16"/>
+    <p:sldId id="274" r:id="rId17"/>
   </p:sldIdLst>
   <p:sldSz cx="12192000" cy="6858000"/>
   <p:notesSz cx="6858000" cy="9144000"/>
@@ -4387,65 +4386,15 @@
           </a:p>
         </p:txBody>
       </p:sp>
-      <p:sp>
-        <p:nvSpPr>
-          <p:cNvPr id="3" name="Inhaltsplatzhalter 2"/>
-          <p:cNvSpPr>
-            <a:spLocks noGrp="1"/>
-          </p:cNvSpPr>
-          <p:nvPr>
-            <p:ph idx="1"/>
-          </p:nvPr>
-        </p:nvSpPr>
-        <p:spPr/>
-        <p:txBody>
-          <a:bodyPr/>
-          <a:lstStyle/>
-          <a:p>
-            <a:endParaRPr lang="en-US" dirty="0"/>
-          </a:p>
-          <a:p>
-            <a:endParaRPr lang="en-US" dirty="0"/>
-          </a:p>
-          <a:p>
-            <a:pPr>
-              <a:buFont typeface="Arial" panose="020B0604020202020204" pitchFamily="34" charset="0"/>
-              <a:buChar char="•"/>
-            </a:pPr>
-            <a:r>
-              <a:rPr lang="en-US" dirty="0"/>
-              <a:t>Puts the kernel from Active to Suspended state</a:t>
-            </a:r>
-          </a:p>
-          <a:p>
-            <a:endParaRPr lang="de-CH" dirty="0"/>
-          </a:p>
-          <a:p>
-            <a:endParaRPr lang="de-CH" dirty="0"/>
-          </a:p>
-          <a:p>
-            <a:endParaRPr lang="de-CH" dirty="0"/>
-          </a:p>
-          <a:p>
-            <a:pPr>
-              <a:buFont typeface="Arial" panose="020B0604020202020204" pitchFamily="34" charset="0"/>
-              <a:buChar char="•"/>
-            </a:pPr>
-            <a:r>
-              <a:rPr lang="en-US" dirty="0"/>
-              <a:t>Puts the kernel from Suspended to Active state</a:t>
-            </a:r>
-            <a:endParaRPr lang="de-CH" dirty="0"/>
-          </a:p>
-        </p:txBody>
-      </p:sp>
       <p:pic>
         <p:nvPicPr>
-          <p:cNvPr id="4" name="Grafik 3"/>
+          <p:cNvPr id="4" name="Inhaltsplatzhalter 3"/>
           <p:cNvPicPr>
-            <a:picLocks noChangeAspect="1"/>
+            <a:picLocks noGrp="1" noChangeAspect="1"/>
           </p:cNvPicPr>
-          <p:nvPr/>
+          <p:nvPr>
+            <p:ph idx="1"/>
+          </p:nvPr>
         </p:nvPicPr>
         <p:blipFill>
           <a:blip r:embed="rId2"/>
@@ -4455,120 +4404,7 @@
         </p:blipFill>
         <p:spPr>
           <a:xfrm>
-            <a:off x="1097280" y="1890965"/>
-            <a:ext cx="9867900" cy="714375"/>
-          </a:xfrm>
-          <a:prstGeom prst="rect">
-            <a:avLst/>
-          </a:prstGeom>
-        </p:spPr>
-      </p:pic>
-      <p:pic>
-        <p:nvPicPr>
-          <p:cNvPr id="5" name="Grafik 4"/>
-          <p:cNvPicPr>
-            <a:picLocks noChangeAspect="1"/>
-          </p:cNvPicPr>
-          <p:nvPr/>
-        </p:nvPicPr>
-        <p:blipFill>
-          <a:blip r:embed="rId3"/>
-          <a:stretch>
-            <a:fillRect/>
-          </a:stretch>
-        </p:blipFill>
-        <p:spPr>
-          <a:xfrm>
-            <a:off x="1097280" y="3686428"/>
-            <a:ext cx="9877425" cy="781050"/>
-          </a:xfrm>
-          <a:prstGeom prst="rect">
-            <a:avLst/>
-          </a:prstGeom>
-        </p:spPr>
-      </p:pic>
-    </p:spTree>
-    <p:extLst>
-      <p:ext uri="{BB962C8B-B14F-4D97-AF65-F5344CB8AC3E}">
-        <p14:creationId xmlns:p14="http://schemas.microsoft.com/office/powerpoint/2010/main" val="4215636376"/>
-      </p:ext>
-    </p:extLst>
-  </p:cSld>
-  <p:clrMapOvr>
-    <a:masterClrMapping/>
-  </p:clrMapOvr>
-</p:sld>
-</file>
-
-<file path=ppt/slides/slide11.xml><?xml version="1.0" encoding="utf-8"?>
-<p:sld xmlns:a="http://schemas.openxmlformats.org/drawingml/2006/main" xmlns:r="http://schemas.openxmlformats.org/officeDocument/2006/relationships" xmlns:p="http://schemas.openxmlformats.org/presentationml/2006/main">
-  <p:cSld>
-    <p:spTree>
-      <p:nvGrpSpPr>
-        <p:cNvPr id="1" name=""/>
-        <p:cNvGrpSpPr/>
-        <p:nvPr/>
-      </p:nvGrpSpPr>
-      <p:grpSpPr>
-        <a:xfrm>
-          <a:off x="0" y="0"/>
-          <a:ext cx="0" cy="0"/>
-          <a:chOff x="0" y="0"/>
-          <a:chExt cx="0" cy="0"/>
-        </a:xfrm>
-      </p:grpSpPr>
-      <p:sp>
-        <p:nvSpPr>
-          <p:cNvPr id="2" name="Titel 1"/>
-          <p:cNvSpPr>
-            <a:spLocks noGrp="1"/>
-          </p:cNvSpPr>
-          <p:nvPr>
-            <p:ph type="title"/>
-          </p:nvPr>
-        </p:nvSpPr>
-        <p:spPr/>
-        <p:txBody>
-          <a:bodyPr/>
-          <a:lstStyle/>
-          <a:p>
-            <a:r>
-              <a:rPr lang="de-CH" b="1" dirty="0" err="1"/>
-              <a:t>FreeRTOS</a:t>
-            </a:r>
-            <a:r>
-              <a:rPr lang="de-CH" dirty="0"/>
-              <a:t> </a:t>
-            </a:r>
-            <a:br>
-              <a:rPr lang="de-CH" dirty="0"/>
-            </a:br>
-            <a:r>
-              <a:rPr lang="de-CH" dirty="0"/>
-              <a:t>Kernel Control	</a:t>
-            </a:r>
-          </a:p>
-        </p:txBody>
-      </p:sp>
-      <p:pic>
-        <p:nvPicPr>
-          <p:cNvPr id="4" name="Inhaltsplatzhalter 3"/>
-          <p:cNvPicPr>
-            <a:picLocks noGrp="1" noChangeAspect="1"/>
-          </p:cNvPicPr>
-          <p:nvPr>
-            <p:ph idx="1"/>
-          </p:nvPr>
-        </p:nvPicPr>
-        <p:blipFill>
-          <a:blip r:embed="rId2"/>
-          <a:stretch>
-            <a:fillRect/>
-          </a:stretch>
-        </p:blipFill>
-        <p:spPr>
-          <a:xfrm>
-            <a:off x="1167612" y="2094996"/>
+            <a:off x="1167612" y="1865732"/>
             <a:ext cx="5181600" cy="933450"/>
           </a:xfrm>
           <a:prstGeom prst="rect">
@@ -4592,7 +4428,7 @@
         </p:blipFill>
         <p:spPr>
           <a:xfrm>
-            <a:off x="1167612" y="3250831"/>
+            <a:off x="1167612" y="2949556"/>
             <a:ext cx="5876925" cy="828675"/>
           </a:xfrm>
           <a:prstGeom prst="rect">
@@ -4610,8 +4446,8 @@
         </p:nvSpPr>
         <p:spPr>
           <a:xfrm>
-            <a:off x="1097280" y="1891620"/>
-            <a:ext cx="10063984" cy="3977473"/>
+            <a:off x="1097280" y="1799303"/>
+            <a:ext cx="10063984" cy="4069790"/>
           </a:xfrm>
           <a:prstGeom prst="rect">
             <a:avLst/>
@@ -4619,7 +4455,7 @@
         </p:spPr>
         <p:txBody>
           <a:bodyPr vert="horz" lIns="0" tIns="45720" rIns="0" bIns="45720" rtlCol="0">
-            <a:normAutofit/>
+            <a:normAutofit lnSpcReduction="10000"/>
           </a:bodyPr>
           <a:lstStyle>
             <a:lvl1pPr marL="91440" indent="-91440" algn="l" defTabSz="914400" rtl="0" eaLnBrk="1" latinLnBrk="0" hangingPunct="1">
@@ -4899,10 +4735,11 @@
               <a:rPr lang="de-CH" b="1" dirty="0"/>
               <a:t> </a:t>
             </a:r>
-            <a:r>
-              <a:rPr lang="de-CH" b="1" dirty="0" err="1"/>
-              <a:t>taskYield</a:t>
-            </a:r>
+          </a:p>
+          <a:p>
+            <a:pPr marL="0" indent="0">
+              <a:buNone/>
+            </a:pPr>
             <a:endParaRPr lang="de-CH" b="1" dirty="0"/>
           </a:p>
           <a:p>
@@ -4931,10 +4768,212 @@
           </a:p>
         </p:txBody>
       </p:sp>
+      <p:pic>
+        <p:nvPicPr>
+          <p:cNvPr id="3" name="Grafik 2"/>
+          <p:cNvPicPr>
+            <a:picLocks noChangeAspect="1"/>
+          </p:cNvPicPr>
+          <p:nvPr/>
+        </p:nvPicPr>
+        <p:blipFill>
+          <a:blip r:embed="rId4"/>
+          <a:stretch>
+            <a:fillRect/>
+          </a:stretch>
+        </p:blipFill>
+        <p:spPr>
+          <a:xfrm>
+            <a:off x="1167612" y="3928605"/>
+            <a:ext cx="7120982" cy="957217"/>
+          </a:xfrm>
+          <a:prstGeom prst="rect">
+            <a:avLst/>
+          </a:prstGeom>
+        </p:spPr>
+      </p:pic>
+      <p:sp>
+        <p:nvSpPr>
+          <p:cNvPr id="8" name="Rechteck 7"/>
+          <p:cNvSpPr/>
+          <p:nvPr/>
+        </p:nvSpPr>
+        <p:spPr>
+          <a:xfrm>
+            <a:off x="2582318" y="3949435"/>
+            <a:ext cx="1960185" cy="416088"/>
+          </a:xfrm>
+          <a:prstGeom prst="rect">
+            <a:avLst/>
+          </a:prstGeom>
+          <a:solidFill>
+            <a:srgbClr val="EB260B">
+              <a:alpha val="34118"/>
+            </a:srgbClr>
+          </a:solidFill>
+        </p:spPr>
+        <p:style>
+          <a:lnRef idx="2">
+            <a:schemeClr val="accent1">
+              <a:shade val="50000"/>
+            </a:schemeClr>
+          </a:lnRef>
+          <a:fillRef idx="1">
+            <a:schemeClr val="accent1"/>
+          </a:fillRef>
+          <a:effectRef idx="0">
+            <a:schemeClr val="accent1"/>
+          </a:effectRef>
+          <a:fontRef idx="minor">
+            <a:schemeClr val="lt1"/>
+          </a:fontRef>
+        </p:style>
+        <p:txBody>
+          <a:bodyPr rtlCol="0" anchor="ctr"/>
+          <a:lstStyle/>
+          <a:p>
+            <a:pPr algn="ctr"/>
+            <a:endParaRPr lang="de-CH" dirty="0"/>
+          </a:p>
+        </p:txBody>
+      </p:sp>
     </p:spTree>
     <p:extLst>
       <p:ext uri="{BB962C8B-B14F-4D97-AF65-F5344CB8AC3E}">
         <p14:creationId xmlns:p14="http://schemas.microsoft.com/office/powerpoint/2010/main" val="738134327"/>
+      </p:ext>
+    </p:extLst>
+  </p:cSld>
+  <p:clrMapOvr>
+    <a:masterClrMapping/>
+  </p:clrMapOvr>
+</p:sld>
+</file>
+
+<file path=ppt/slides/slide11.xml><?xml version="1.0" encoding="utf-8"?>
+<p:sld xmlns:a="http://schemas.openxmlformats.org/drawingml/2006/main" xmlns:r="http://schemas.openxmlformats.org/officeDocument/2006/relationships" xmlns:p="http://schemas.openxmlformats.org/presentationml/2006/main">
+  <p:cSld>
+    <p:spTree>
+      <p:nvGrpSpPr>
+        <p:cNvPr id="1" name=""/>
+        <p:cNvGrpSpPr/>
+        <p:nvPr/>
+      </p:nvGrpSpPr>
+      <p:grpSpPr>
+        <a:xfrm>
+          <a:off x="0" y="0"/>
+          <a:ext cx="0" cy="0"/>
+          <a:chOff x="0" y="0"/>
+          <a:chExt cx="0" cy="0"/>
+        </a:xfrm>
+      </p:grpSpPr>
+      <p:sp>
+        <p:nvSpPr>
+          <p:cNvPr id="2" name="Titel 1"/>
+          <p:cNvSpPr>
+            <a:spLocks noGrp="1"/>
+          </p:cNvSpPr>
+          <p:nvPr>
+            <p:ph type="title"/>
+          </p:nvPr>
+        </p:nvSpPr>
+        <p:spPr/>
+        <p:txBody>
+          <a:bodyPr/>
+          <a:lstStyle/>
+          <a:p>
+            <a:r>
+              <a:rPr lang="de-CH" b="1" dirty="0" err="1"/>
+              <a:t>FreeRTOS</a:t>
+            </a:r>
+            <a:r>
+              <a:rPr lang="de-CH" dirty="0"/>
+              <a:t> </a:t>
+            </a:r>
+            <a:br>
+              <a:rPr lang="de-CH" dirty="0"/>
+            </a:br>
+            <a:r>
+              <a:rPr lang="de-CH" dirty="0"/>
+              <a:t>Tasks</a:t>
+            </a:r>
+          </a:p>
+        </p:txBody>
+      </p:sp>
+      <p:sp>
+        <p:nvSpPr>
+          <p:cNvPr id="3" name="Inhaltsplatzhalter 2"/>
+          <p:cNvSpPr>
+            <a:spLocks noGrp="1"/>
+          </p:cNvSpPr>
+          <p:nvPr>
+            <p:ph idx="1"/>
+          </p:nvPr>
+        </p:nvSpPr>
+        <p:spPr/>
+        <p:txBody>
+          <a:bodyPr/>
+          <a:lstStyle/>
+          <a:p>
+            <a:r>
+              <a:rPr lang="de-CH" b="1" dirty="0" err="1"/>
+              <a:t>Preemptive</a:t>
+            </a:r>
+            <a:r>
+              <a:rPr lang="de-CH" b="1" dirty="0"/>
+              <a:t> </a:t>
+            </a:r>
+            <a:r>
+              <a:rPr lang="de-CH" b="1" dirty="0" err="1"/>
+              <a:t>Scheduling</a:t>
+            </a:r>
+            <a:endParaRPr lang="de-CH" b="1" dirty="0"/>
+          </a:p>
+          <a:p>
+            <a:pPr lvl="1"/>
+            <a:r>
+              <a:rPr lang="en-US" dirty="0"/>
+              <a:t>Always run the highest-priority ready task</a:t>
+            </a:r>
+          </a:p>
+          <a:p>
+            <a:pPr lvl="1"/>
+            <a:r>
+              <a:rPr lang="en-US" dirty="0"/>
+              <a:t>Multiple tasks with the same priority: time-slicing</a:t>
+            </a:r>
+            <a:endParaRPr lang="de-CH" b="1" dirty="0"/>
+          </a:p>
+        </p:txBody>
+      </p:sp>
+      <p:pic>
+        <p:nvPicPr>
+          <p:cNvPr id="4" name="Grafik 3"/>
+          <p:cNvPicPr>
+            <a:picLocks noChangeAspect="1"/>
+          </p:cNvPicPr>
+          <p:nvPr/>
+        </p:nvPicPr>
+        <p:blipFill>
+          <a:blip r:embed="rId2"/>
+          <a:stretch>
+            <a:fillRect/>
+          </a:stretch>
+        </p:blipFill>
+        <p:spPr>
+          <a:xfrm>
+            <a:off x="1194343" y="3195665"/>
+            <a:ext cx="8908302" cy="2673429"/>
+          </a:xfrm>
+          <a:prstGeom prst="rect">
+            <a:avLst/>
+          </a:prstGeom>
+        </p:spPr>
+      </p:pic>
+    </p:spTree>
+    <p:extLst>
+      <p:ext uri="{BB962C8B-B14F-4D97-AF65-F5344CB8AC3E}">
+        <p14:creationId xmlns:p14="http://schemas.microsoft.com/office/powerpoint/2010/main" val="424869207"/>
       </p:ext>
     </p:extLst>
   </p:cSld>
@@ -5009,32 +5048,27 @@
           <a:bodyPr/>
           <a:lstStyle/>
           <a:p>
-            <a:r>
-              <a:rPr lang="de-CH" b="1" dirty="0" err="1"/>
-              <a:t>Preemptive</a:t>
-            </a:r>
-            <a:r>
-              <a:rPr lang="de-CH" b="1" dirty="0"/>
+            <a:pPr lvl="1"/>
+            <a:endParaRPr lang="en-US" dirty="0"/>
+          </a:p>
+          <a:p>
+            <a:pPr lvl="1"/>
+            <a:r>
+              <a:rPr lang="en-US" dirty="0"/>
               <a:t> </a:t>
             </a:r>
             <a:r>
-              <a:rPr lang="de-CH" b="1" dirty="0" err="1"/>
-              <a:t>Scheduling</a:t>
-            </a:r>
-            <a:endParaRPr lang="de-CH" b="1" dirty="0"/>
-          </a:p>
-          <a:p>
+              <a:rPr lang="en-US" dirty="0" err="1"/>
+              <a:t>vTaskDelay</a:t>
+            </a:r>
             <a:r>
               <a:rPr lang="en-US" dirty="0"/>
-              <a:t>Always run the highest-priority ready task</a:t>
-            </a:r>
-          </a:p>
-          <a:p>
-            <a:r>
-              <a:rPr lang="en-US" dirty="0"/>
-              <a:t>Multiple tasks with the same priority: time-slicing</a:t>
-            </a:r>
-            <a:endParaRPr lang="de-CH" b="1" dirty="0"/>
+              <a:t>() =&gt; blocked</a:t>
+            </a:r>
+          </a:p>
+          <a:p>
+            <a:pPr lvl="1"/>
+            <a:endParaRPr lang="de-CH" dirty="0"/>
           </a:p>
         </p:txBody>
       </p:sp>
@@ -5054,133 +5088,7 @@
         </p:blipFill>
         <p:spPr>
           <a:xfrm>
-            <a:off x="1194343" y="3542429"/>
-            <a:ext cx="7752828" cy="2326665"/>
-          </a:xfrm>
-          <a:prstGeom prst="rect">
-            <a:avLst/>
-          </a:prstGeom>
-        </p:spPr>
-      </p:pic>
-    </p:spTree>
-    <p:extLst>
-      <p:ext uri="{BB962C8B-B14F-4D97-AF65-F5344CB8AC3E}">
-        <p14:creationId xmlns:p14="http://schemas.microsoft.com/office/powerpoint/2010/main" val="424869207"/>
-      </p:ext>
-    </p:extLst>
-  </p:cSld>
-  <p:clrMapOvr>
-    <a:masterClrMapping/>
-  </p:clrMapOvr>
-</p:sld>
-</file>
-
-<file path=ppt/slides/slide13.xml><?xml version="1.0" encoding="utf-8"?>
-<p:sld xmlns:a="http://schemas.openxmlformats.org/drawingml/2006/main" xmlns:r="http://schemas.openxmlformats.org/officeDocument/2006/relationships" xmlns:p="http://schemas.openxmlformats.org/presentationml/2006/main">
-  <p:cSld>
-    <p:spTree>
-      <p:nvGrpSpPr>
-        <p:cNvPr id="1" name=""/>
-        <p:cNvGrpSpPr/>
-        <p:nvPr/>
-      </p:nvGrpSpPr>
-      <p:grpSpPr>
-        <a:xfrm>
-          <a:off x="0" y="0"/>
-          <a:ext cx="0" cy="0"/>
-          <a:chOff x="0" y="0"/>
-          <a:chExt cx="0" cy="0"/>
-        </a:xfrm>
-      </p:grpSpPr>
-      <p:sp>
-        <p:nvSpPr>
-          <p:cNvPr id="2" name="Titel 1"/>
-          <p:cNvSpPr>
-            <a:spLocks noGrp="1"/>
-          </p:cNvSpPr>
-          <p:nvPr>
-            <p:ph type="title"/>
-          </p:nvPr>
-        </p:nvSpPr>
-        <p:spPr/>
-        <p:txBody>
-          <a:bodyPr/>
-          <a:lstStyle/>
-          <a:p>
-            <a:r>
-              <a:rPr lang="de-CH" b="1" dirty="0" err="1"/>
-              <a:t>FreeRTOS</a:t>
-            </a:r>
-            <a:r>
-              <a:rPr lang="de-CH" dirty="0"/>
-              <a:t> </a:t>
-            </a:r>
-            <a:br>
-              <a:rPr lang="de-CH" dirty="0"/>
-            </a:br>
-            <a:r>
-              <a:rPr lang="de-CH" dirty="0"/>
-              <a:t>Tasks</a:t>
-            </a:r>
-          </a:p>
-        </p:txBody>
-      </p:sp>
-      <p:sp>
-        <p:nvSpPr>
-          <p:cNvPr id="3" name="Inhaltsplatzhalter 2"/>
-          <p:cNvSpPr>
-            <a:spLocks noGrp="1"/>
-          </p:cNvSpPr>
-          <p:nvPr>
-            <p:ph idx="1"/>
-          </p:nvPr>
-        </p:nvSpPr>
-        <p:spPr/>
-        <p:txBody>
-          <a:bodyPr/>
-          <a:lstStyle/>
-          <a:p>
-            <a:pPr lvl="1"/>
-            <a:endParaRPr lang="en-US" dirty="0"/>
-          </a:p>
-          <a:p>
-            <a:pPr lvl="1"/>
-            <a:r>
-              <a:rPr lang="en-US" dirty="0"/>
-              <a:t> </a:t>
-            </a:r>
-            <a:r>
-              <a:rPr lang="en-US" dirty="0" err="1"/>
-              <a:t>vTaskDelay</a:t>
-            </a:r>
-            <a:r>
-              <a:rPr lang="en-US" dirty="0"/>
-              <a:t>() =&gt; blocked</a:t>
-            </a:r>
-          </a:p>
-          <a:p>
-            <a:pPr lvl="1"/>
-            <a:endParaRPr lang="de-CH" dirty="0"/>
-          </a:p>
-        </p:txBody>
-      </p:sp>
-      <p:pic>
-        <p:nvPicPr>
-          <p:cNvPr id="4" name="Grafik 3"/>
-          <p:cNvPicPr>
-            <a:picLocks noChangeAspect="1"/>
-          </p:cNvPicPr>
-          <p:nvPr/>
-        </p:nvPicPr>
-        <p:blipFill>
-          <a:blip r:embed="rId2"/>
-          <a:stretch>
-            <a:fillRect/>
-          </a:stretch>
-        </p:blipFill>
-        <p:spPr>
-          <a:xfrm>
-            <a:off x="4641849" y="1796873"/>
+            <a:off x="3823313" y="1845734"/>
             <a:ext cx="4167104" cy="4470666"/>
           </a:xfrm>
           <a:prstGeom prst="rect">
@@ -5201,7 +5109,7 @@
 </p:sld>
 </file>
 
-<file path=ppt/slides/slide14.xml><?xml version="1.0" encoding="utf-8"?>
+<file path=ppt/slides/slide13.xml><?xml version="1.0" encoding="utf-8"?>
 <p:sld xmlns:a="http://schemas.openxmlformats.org/drawingml/2006/main" xmlns:r="http://schemas.openxmlformats.org/officeDocument/2006/relationships" xmlns:p="http://schemas.openxmlformats.org/presentationml/2006/main">
   <p:cSld>
     <p:spTree>
@@ -5357,7 +5265,7 @@
 </p:sld>
 </file>
 
-<file path=ppt/slides/slide15.xml><?xml version="1.0" encoding="utf-8"?>
+<file path=ppt/slides/slide14.xml><?xml version="1.0" encoding="utf-8"?>
 <p:sld xmlns:a="http://schemas.openxmlformats.org/drawingml/2006/main" xmlns:r="http://schemas.openxmlformats.org/officeDocument/2006/relationships" xmlns:p="http://schemas.openxmlformats.org/presentationml/2006/main">
   <p:cSld>
     <p:spTree>
@@ -5577,7 +5485,7 @@
 </p:sld>
 </file>
 
-<file path=ppt/slides/slide16.xml><?xml version="1.0" encoding="utf-8"?>
+<file path=ppt/slides/slide15.xml><?xml version="1.0" encoding="utf-8"?>
 <p:sld xmlns:a="http://schemas.openxmlformats.org/drawingml/2006/main" xmlns:r="http://schemas.openxmlformats.org/officeDocument/2006/relationships" xmlns:p="http://schemas.openxmlformats.org/presentationml/2006/main">
   <p:cSld>
     <p:spTree>
@@ -5711,19 +5619,7 @@
               <a:rPr lang="en-CA" dirty="0">
                 <a:sym typeface="Wingdings" panose="05000000000000000000" pitchFamily="2" charset="2"/>
               </a:rPr>
-              <a:t>What are Pros and Cons for using </a:t>
-            </a:r>
-            <a:r>
-              <a:rPr lang="en-CA" dirty="0">
-                <a:sym typeface="Wingdings" panose="05000000000000000000" pitchFamily="2" charset="2"/>
-              </a:rPr>
-              <a:t>RTOS </a:t>
-            </a:r>
-            <a:r>
-              <a:rPr lang="en-CA" dirty="0">
-                <a:sym typeface="Wingdings" panose="05000000000000000000" pitchFamily="2" charset="2"/>
-              </a:rPr>
-              <a:t>in PREN?</a:t>
+              <a:t>What are Pros and Cons for using RTOS in PREN?</a:t>
             </a:r>
           </a:p>
           <a:p>
@@ -6191,7 +6087,7 @@
 </p:sld>
 </file>
 
-<file path=ppt/slides/slide17.xml><?xml version="1.0" encoding="utf-8"?>
+<file path=ppt/slides/slide16.xml><?xml version="1.0" encoding="utf-8"?>
 <p:sld xmlns:a="http://schemas.openxmlformats.org/drawingml/2006/main" xmlns:r="http://schemas.openxmlformats.org/officeDocument/2006/relationships" xmlns:p="http://schemas.openxmlformats.org/presentationml/2006/main">
   <p:cSld>
     <p:spTree>
@@ -7398,6 +7294,9 @@
           <a:bodyPr/>
           <a:lstStyle/>
           <a:p>
+            <a:endParaRPr lang="de-CH" b="1" dirty="0"/>
+          </a:p>
+          <a:p>
             <a:r>
               <a:rPr lang="de-CH" b="1" dirty="0"/>
               <a:t>Tasks</a:t>
@@ -7449,213 +7348,6 @@
 </file>
 
 <file path=ppt/slides/slide8.xml><?xml version="1.0" encoding="utf-8"?>
-<p:sld xmlns:a="http://schemas.openxmlformats.org/drawingml/2006/main" xmlns:r="http://schemas.openxmlformats.org/officeDocument/2006/relationships" xmlns:p="http://schemas.openxmlformats.org/presentationml/2006/main">
-  <p:cSld>
-    <p:spTree>
-      <p:nvGrpSpPr>
-        <p:cNvPr id="1" name=""/>
-        <p:cNvGrpSpPr/>
-        <p:nvPr/>
-      </p:nvGrpSpPr>
-      <p:grpSpPr>
-        <a:xfrm>
-          <a:off x="0" y="0"/>
-          <a:ext cx="0" cy="0"/>
-          <a:chOff x="0" y="0"/>
-          <a:chExt cx="0" cy="0"/>
-        </a:xfrm>
-      </p:grpSpPr>
-      <p:sp>
-        <p:nvSpPr>
-          <p:cNvPr id="2" name="Titel 1"/>
-          <p:cNvSpPr>
-            <a:spLocks noGrp="1"/>
-          </p:cNvSpPr>
-          <p:nvPr>
-            <p:ph type="title"/>
-          </p:nvPr>
-        </p:nvSpPr>
-        <p:spPr/>
-        <p:txBody>
-          <a:bodyPr/>
-          <a:lstStyle/>
-          <a:p>
-            <a:r>
-              <a:rPr lang="de-CH" b="1" dirty="0" err="1"/>
-              <a:t>FreeRTOS</a:t>
-            </a:r>
-            <a:r>
-              <a:rPr lang="de-CH" dirty="0"/>
-              <a:t> </a:t>
-            </a:r>
-            <a:br>
-              <a:rPr lang="de-CH" dirty="0"/>
-            </a:br>
-            <a:r>
-              <a:rPr lang="de-CH" dirty="0" err="1"/>
-              <a:t>Architecture</a:t>
-            </a:r>
-            <a:endParaRPr lang="de-CH" dirty="0"/>
-          </a:p>
-        </p:txBody>
-      </p:sp>
-      <p:sp>
-        <p:nvSpPr>
-          <p:cNvPr id="3" name="Inhaltsplatzhalter 2"/>
-          <p:cNvSpPr>
-            <a:spLocks noGrp="1"/>
-          </p:cNvSpPr>
-          <p:nvPr>
-            <p:ph idx="1"/>
-          </p:nvPr>
-        </p:nvSpPr>
-        <p:spPr/>
-        <p:txBody>
-          <a:bodyPr/>
-          <a:lstStyle/>
-          <a:p>
-            <a:r>
-              <a:rPr lang="de-CH" b="1" dirty="0"/>
-              <a:t>Kernel </a:t>
-            </a:r>
-            <a:r>
-              <a:rPr lang="de-CH" b="1" dirty="0" err="1"/>
-              <a:t>and</a:t>
-            </a:r>
-            <a:r>
-              <a:rPr lang="de-CH" b="1" dirty="0"/>
-              <a:t> Interrupts</a:t>
-            </a:r>
-          </a:p>
-          <a:p>
-            <a:pPr lvl="1"/>
-            <a:r>
-              <a:rPr lang="de-CH" b="1" dirty="0"/>
-              <a:t>Tick Interrupt</a:t>
-            </a:r>
-            <a:r>
-              <a:rPr lang="de-CH" dirty="0"/>
-              <a:t>: </a:t>
-            </a:r>
-            <a:r>
-              <a:rPr lang="de-CH" dirty="0" err="1"/>
-              <a:t>SysTick</a:t>
-            </a:r>
-            <a:endParaRPr lang="de-CH" dirty="0"/>
-          </a:p>
-          <a:p>
-            <a:pPr lvl="1"/>
-            <a:endParaRPr lang="de-CH" dirty="0"/>
-          </a:p>
-          <a:p>
-            <a:pPr lvl="1"/>
-            <a:r>
-              <a:rPr lang="de-CH" b="1" dirty="0"/>
-              <a:t>Software Interrupt</a:t>
-            </a:r>
-            <a:r>
-              <a:rPr lang="de-CH" dirty="0"/>
-              <a:t>: </a:t>
-            </a:r>
-            <a:r>
-              <a:rPr lang="de-CH" dirty="0" err="1"/>
-              <a:t>SVCall</a:t>
-            </a:r>
-            <a:r>
-              <a:rPr lang="de-CH" dirty="0"/>
-              <a:t>, </a:t>
-            </a:r>
-            <a:r>
-              <a:rPr lang="de-CH" dirty="0" err="1"/>
-              <a:t>PendableSrvReq</a:t>
-            </a:r>
-            <a:endParaRPr lang="de-CH" dirty="0"/>
-          </a:p>
-          <a:p>
-            <a:pPr marL="201168" lvl="1" indent="0">
-              <a:buNone/>
-            </a:pPr>
-            <a:endParaRPr lang="de-CH" dirty="0"/>
-          </a:p>
-          <a:p>
-            <a:pPr lvl="1"/>
-            <a:r>
-              <a:rPr lang="en-US" dirty="0"/>
-              <a:t>Do </a:t>
-            </a:r>
-            <a:r>
-              <a:rPr lang="en-US" b="1" dirty="0"/>
-              <a:t>not </a:t>
-            </a:r>
-            <a:r>
-              <a:rPr lang="en-US" dirty="0"/>
-              <a:t>call RTOS API from ISR</a:t>
-            </a:r>
-          </a:p>
-          <a:p>
-            <a:pPr lvl="1"/>
-            <a:endParaRPr lang="de-CH" dirty="0"/>
-          </a:p>
-          <a:p>
-            <a:pPr lvl="1"/>
-            <a:r>
-              <a:rPr lang="de-CH" dirty="0"/>
-              <a:t>Cortex-M0+: Kernel </a:t>
-            </a:r>
-            <a:r>
-              <a:rPr lang="de-CH" dirty="0" err="1"/>
-              <a:t>disables</a:t>
-            </a:r>
-            <a:r>
-              <a:rPr lang="de-CH" dirty="0"/>
-              <a:t> global </a:t>
-            </a:r>
-            <a:r>
-              <a:rPr lang="de-CH" dirty="0" err="1"/>
-              <a:t>interrupts</a:t>
-            </a:r>
-            <a:endParaRPr lang="de-CH" dirty="0"/>
-          </a:p>
-        </p:txBody>
-      </p:sp>
-      <p:pic>
-        <p:nvPicPr>
-          <p:cNvPr id="4" name="Grafik 3"/>
-          <p:cNvPicPr>
-            <a:picLocks noChangeAspect="1"/>
-          </p:cNvPicPr>
-          <p:nvPr/>
-        </p:nvPicPr>
-        <p:blipFill>
-          <a:blip r:embed="rId2"/>
-          <a:stretch>
-            <a:fillRect/>
-          </a:stretch>
-        </p:blipFill>
-        <p:spPr>
-          <a:xfrm>
-            <a:off x="5606376" y="1786427"/>
-            <a:ext cx="6444325" cy="3449609"/>
-          </a:xfrm>
-          <a:prstGeom prst="rect">
-            <a:avLst/>
-          </a:prstGeom>
-        </p:spPr>
-      </p:pic>
-    </p:spTree>
-    <p:extLst>
-      <p:ext uri="{BB962C8B-B14F-4D97-AF65-F5344CB8AC3E}">
-        <p14:creationId xmlns:p14="http://schemas.microsoft.com/office/powerpoint/2010/main" val="2833264382"/>
-      </p:ext>
-    </p:extLst>
-  </p:cSld>
-  <p:clrMapOvr>
-    <a:masterClrMapping/>
-  </p:clrMapOvr>
-</p:sld>
-</file>
-
-<file path=ppt/slides/slide9.xml><?xml version="1.0" encoding="utf-8"?>
 <p:sld xmlns:a="http://schemas.openxmlformats.org/drawingml/2006/main" xmlns:r="http://schemas.openxmlformats.org/officeDocument/2006/relationships" xmlns:p="http://schemas.openxmlformats.org/presentationml/2006/main">
   <p:cSld>
     <p:spTree>
@@ -7876,6 +7568,169 @@
     <p:extLst>
       <p:ext uri="{BB962C8B-B14F-4D97-AF65-F5344CB8AC3E}">
         <p14:creationId xmlns:p14="http://schemas.microsoft.com/office/powerpoint/2010/main" val="4169378302"/>
+      </p:ext>
+    </p:extLst>
+  </p:cSld>
+  <p:clrMapOvr>
+    <a:masterClrMapping/>
+  </p:clrMapOvr>
+</p:sld>
+</file>
+
+<file path=ppt/slides/slide9.xml><?xml version="1.0" encoding="utf-8"?>
+<p:sld xmlns:a="http://schemas.openxmlformats.org/drawingml/2006/main" xmlns:r="http://schemas.openxmlformats.org/officeDocument/2006/relationships" xmlns:p="http://schemas.openxmlformats.org/presentationml/2006/main">
+  <p:cSld>
+    <p:spTree>
+      <p:nvGrpSpPr>
+        <p:cNvPr id="1" name=""/>
+        <p:cNvGrpSpPr/>
+        <p:nvPr/>
+      </p:nvGrpSpPr>
+      <p:grpSpPr>
+        <a:xfrm>
+          <a:off x="0" y="0"/>
+          <a:ext cx="0" cy="0"/>
+          <a:chOff x="0" y="0"/>
+          <a:chExt cx="0" cy="0"/>
+        </a:xfrm>
+      </p:grpSpPr>
+      <p:sp>
+        <p:nvSpPr>
+          <p:cNvPr id="2" name="Titel 1"/>
+          <p:cNvSpPr>
+            <a:spLocks noGrp="1"/>
+          </p:cNvSpPr>
+          <p:nvPr>
+            <p:ph type="title"/>
+          </p:nvPr>
+        </p:nvSpPr>
+        <p:spPr/>
+        <p:txBody>
+          <a:bodyPr/>
+          <a:lstStyle/>
+          <a:p>
+            <a:r>
+              <a:rPr lang="de-CH" b="1" dirty="0" err="1"/>
+              <a:t>FreeRTOS</a:t>
+            </a:r>
+            <a:r>
+              <a:rPr lang="de-CH" dirty="0"/>
+              <a:t> </a:t>
+            </a:r>
+            <a:br>
+              <a:rPr lang="de-CH" dirty="0"/>
+            </a:br>
+            <a:r>
+              <a:rPr lang="de-CH" dirty="0"/>
+              <a:t>Kernel Control	</a:t>
+            </a:r>
+          </a:p>
+        </p:txBody>
+      </p:sp>
+      <p:sp>
+        <p:nvSpPr>
+          <p:cNvPr id="3" name="Inhaltsplatzhalter 2"/>
+          <p:cNvSpPr>
+            <a:spLocks noGrp="1"/>
+          </p:cNvSpPr>
+          <p:nvPr>
+            <p:ph idx="1"/>
+          </p:nvPr>
+        </p:nvSpPr>
+        <p:spPr/>
+        <p:txBody>
+          <a:bodyPr/>
+          <a:lstStyle/>
+          <a:p>
+            <a:endParaRPr lang="en-US" dirty="0"/>
+          </a:p>
+          <a:p>
+            <a:endParaRPr lang="en-US" dirty="0"/>
+          </a:p>
+          <a:p>
+            <a:pPr>
+              <a:buFont typeface="Arial" panose="020B0604020202020204" pitchFamily="34" charset="0"/>
+              <a:buChar char="•"/>
+            </a:pPr>
+            <a:r>
+              <a:rPr lang="en-US" dirty="0"/>
+              <a:t>Puts the kernel from Active to Suspended state</a:t>
+            </a:r>
+          </a:p>
+          <a:p>
+            <a:endParaRPr lang="de-CH" dirty="0"/>
+          </a:p>
+          <a:p>
+            <a:endParaRPr lang="de-CH" dirty="0"/>
+          </a:p>
+          <a:p>
+            <a:endParaRPr lang="de-CH" dirty="0"/>
+          </a:p>
+          <a:p>
+            <a:pPr>
+              <a:buFont typeface="Arial" panose="020B0604020202020204" pitchFamily="34" charset="0"/>
+              <a:buChar char="•"/>
+            </a:pPr>
+            <a:r>
+              <a:rPr lang="en-US" dirty="0"/>
+              <a:t>Puts the kernel from Suspended to Active state</a:t>
+            </a:r>
+            <a:endParaRPr lang="de-CH" dirty="0"/>
+          </a:p>
+        </p:txBody>
+      </p:sp>
+      <p:pic>
+        <p:nvPicPr>
+          <p:cNvPr id="4" name="Grafik 3"/>
+          <p:cNvPicPr>
+            <a:picLocks noChangeAspect="1"/>
+          </p:cNvPicPr>
+          <p:nvPr/>
+        </p:nvPicPr>
+        <p:blipFill>
+          <a:blip r:embed="rId2"/>
+          <a:stretch>
+            <a:fillRect/>
+          </a:stretch>
+        </p:blipFill>
+        <p:spPr>
+          <a:xfrm>
+            <a:off x="1097280" y="1890965"/>
+            <a:ext cx="9867900" cy="714375"/>
+          </a:xfrm>
+          <a:prstGeom prst="rect">
+            <a:avLst/>
+          </a:prstGeom>
+        </p:spPr>
+      </p:pic>
+      <p:pic>
+        <p:nvPicPr>
+          <p:cNvPr id="5" name="Grafik 4"/>
+          <p:cNvPicPr>
+            <a:picLocks noChangeAspect="1"/>
+          </p:cNvPicPr>
+          <p:nvPr/>
+        </p:nvPicPr>
+        <p:blipFill>
+          <a:blip r:embed="rId3"/>
+          <a:stretch>
+            <a:fillRect/>
+          </a:stretch>
+        </p:blipFill>
+        <p:spPr>
+          <a:xfrm>
+            <a:off x="1097280" y="3686428"/>
+            <a:ext cx="9877425" cy="781050"/>
+          </a:xfrm>
+          <a:prstGeom prst="rect">
+            <a:avLst/>
+          </a:prstGeom>
+        </p:spPr>
+      </p:pic>
+    </p:spTree>
+    <p:extLst>
+      <p:ext uri="{BB962C8B-B14F-4D97-AF65-F5344CB8AC3E}">
+        <p14:creationId xmlns:p14="http://schemas.microsoft.com/office/powerpoint/2010/main" val="4215636376"/>
       </p:ext>
     </p:extLst>
   </p:cSld>

--- a/Recap_SW5_Ineichen_Stecher.pptx
+++ b/Recap_SW5_Ineichen_Stecher.pptx
@@ -212,7 +212,7 @@
           <a:p>
             <a:fld id="{6C024E82-8379-4655-9D6C-F4638CD4F191}" type="datetimeFigureOut">
               <a:rPr lang="de-CH" smtClean="0"/>
-              <a:t>25.10.2016</a:t>
+              <a:t>26.10.2016</a:t>
             </a:fld>
             <a:endParaRPr lang="de-CH"/>
           </a:p>
@@ -525,6 +525,556 @@
           <a:lstStyle/>
           <a:p>
             <a:r>
+              <a:rPr lang="en-CA" dirty="0" err="1"/>
+              <a:t>Wir</a:t>
+            </a:r>
+            <a:r>
+              <a:rPr lang="en-CA" dirty="0"/>
+              <a:t> </a:t>
+            </a:r>
+            <a:r>
+              <a:rPr lang="en-CA" dirty="0" err="1"/>
+              <a:t>nehmen</a:t>
+            </a:r>
+            <a:r>
+              <a:rPr lang="en-CA" dirty="0"/>
+              <a:t> </a:t>
+            </a:r>
+            <a:r>
+              <a:rPr lang="en-CA" dirty="0" err="1"/>
+              <a:t>es</a:t>
+            </a:r>
+            <a:r>
+              <a:rPr lang="en-CA" dirty="0"/>
+              <a:t> </a:t>
+            </a:r>
+            <a:r>
+              <a:rPr lang="en-CA" dirty="0" err="1"/>
+              <a:t>als</a:t>
+            </a:r>
+            <a:r>
+              <a:rPr lang="en-CA" baseline="0" dirty="0"/>
+              <a:t> fast </a:t>
+            </a:r>
+            <a:r>
+              <a:rPr lang="en-CA" baseline="0" dirty="0" err="1"/>
+              <a:t>gleichzeitig</a:t>
+            </a:r>
+            <a:r>
+              <a:rPr lang="en-CA" baseline="0" dirty="0"/>
+              <a:t> </a:t>
+            </a:r>
+            <a:r>
+              <a:rPr lang="en-CA" baseline="0" dirty="0" err="1"/>
+              <a:t>wahr</a:t>
+            </a:r>
+            <a:endParaRPr lang="en-CA" baseline="0" dirty="0"/>
+          </a:p>
+          <a:p>
+            <a:r>
+              <a:rPr lang="en-CA" baseline="0" dirty="0" err="1"/>
+              <a:t>Ist</a:t>
+            </a:r>
+            <a:r>
+              <a:rPr lang="en-CA" baseline="0" dirty="0"/>
+              <a:t> </a:t>
+            </a:r>
+            <a:r>
+              <a:rPr lang="en-CA" baseline="0" dirty="0" err="1"/>
+              <a:t>nicht</a:t>
+            </a:r>
+            <a:r>
+              <a:rPr lang="en-CA" baseline="0" dirty="0"/>
+              <a:t> AS FAST AS POSSIBLE</a:t>
+            </a:r>
+          </a:p>
+          <a:p>
+            <a:r>
+              <a:rPr lang="en-CA" baseline="0" dirty="0"/>
+              <a:t>General purpose OS </a:t>
+            </a:r>
+            <a:r>
+              <a:rPr lang="en-CA" baseline="0" dirty="0" err="1"/>
+              <a:t>kann</a:t>
+            </a:r>
+            <a:r>
+              <a:rPr lang="en-CA" baseline="0" dirty="0"/>
+              <a:t> das </a:t>
+            </a:r>
+            <a:r>
+              <a:rPr lang="en-CA" baseline="0" dirty="0" err="1"/>
+              <a:t>nicht</a:t>
+            </a:r>
+            <a:r>
+              <a:rPr lang="en-CA" baseline="0" dirty="0"/>
+              <a:t> </a:t>
+            </a:r>
+            <a:r>
+              <a:rPr lang="en-CA" baseline="0" dirty="0" err="1"/>
+              <a:t>erfüllen</a:t>
+            </a:r>
+            <a:r>
+              <a:rPr lang="en-CA" baseline="0" dirty="0"/>
+              <a:t> </a:t>
+            </a:r>
+            <a:endParaRPr lang="de-CH" dirty="0"/>
+          </a:p>
+        </p:txBody>
+      </p:sp>
+      <p:sp>
+        <p:nvSpPr>
+          <p:cNvPr id="4" name="Foliennummernplatzhalter 3"/>
+          <p:cNvSpPr>
+            <a:spLocks noGrp="1"/>
+          </p:cNvSpPr>
+          <p:nvPr>
+            <p:ph type="sldNum" sz="quarter" idx="10"/>
+          </p:nvPr>
+        </p:nvSpPr>
+        <p:spPr/>
+        <p:txBody>
+          <a:bodyPr/>
+          <a:lstStyle/>
+          <a:p>
+            <a:fld id="{F1F70B2C-B641-40EB-B295-6B68783F7EA2}" type="slidenum">
+              <a:rPr lang="de-CH" smtClean="0"/>
+              <a:t>2</a:t>
+            </a:fld>
+            <a:endParaRPr lang="de-CH"/>
+          </a:p>
+        </p:txBody>
+      </p:sp>
+    </p:spTree>
+    <p:extLst>
+      <p:ext uri="{BB962C8B-B14F-4D97-AF65-F5344CB8AC3E}">
+        <p14:creationId xmlns:p14="http://schemas.microsoft.com/office/powerpoint/2010/main" val="1730405232"/>
+      </p:ext>
+    </p:extLst>
+  </p:cSld>
+  <p:clrMapOvr>
+    <a:masterClrMapping/>
+  </p:clrMapOvr>
+</p:notes>
+</file>
+
+<file path=ppt/notesSlides/notesSlide2.xml><?xml version="1.0" encoding="utf-8"?>
+<p:notes xmlns:a="http://schemas.openxmlformats.org/drawingml/2006/main" xmlns:r="http://schemas.openxmlformats.org/officeDocument/2006/relationships" xmlns:p="http://schemas.openxmlformats.org/presentationml/2006/main">
+  <p:cSld>
+    <p:spTree>
+      <p:nvGrpSpPr>
+        <p:cNvPr id="1" name=""/>
+        <p:cNvGrpSpPr/>
+        <p:nvPr/>
+      </p:nvGrpSpPr>
+      <p:grpSpPr>
+        <a:xfrm>
+          <a:off x="0" y="0"/>
+          <a:ext cx="0" cy="0"/>
+          <a:chOff x="0" y="0"/>
+          <a:chExt cx="0" cy="0"/>
+        </a:xfrm>
+      </p:grpSpPr>
+      <p:sp>
+        <p:nvSpPr>
+          <p:cNvPr id="2" name="Folienbildplatzhalter 1"/>
+          <p:cNvSpPr>
+            <a:spLocks noGrp="1" noRot="1" noChangeAspect="1"/>
+          </p:cNvSpPr>
+          <p:nvPr>
+            <p:ph type="sldImg"/>
+          </p:nvPr>
+        </p:nvSpPr>
+        <p:spPr/>
+      </p:sp>
+      <p:sp>
+        <p:nvSpPr>
+          <p:cNvPr id="3" name="Notizenplatzhalter 2"/>
+          <p:cNvSpPr>
+            <a:spLocks noGrp="1"/>
+          </p:cNvSpPr>
+          <p:nvPr>
+            <p:ph type="body" idx="1"/>
+          </p:nvPr>
+        </p:nvSpPr>
+        <p:spPr/>
+        <p:txBody>
+          <a:bodyPr/>
+          <a:lstStyle/>
+          <a:p>
+            <a:r>
+              <a:rPr lang="en-CA" dirty="0" err="1"/>
+              <a:t>Diese</a:t>
+            </a:r>
+            <a:r>
+              <a:rPr lang="en-CA" baseline="0" dirty="0"/>
+              <a:t> </a:t>
+            </a:r>
+            <a:r>
+              <a:rPr lang="en-CA" baseline="0" dirty="0" err="1"/>
+              <a:t>drei</a:t>
+            </a:r>
+            <a:r>
+              <a:rPr lang="en-CA" baseline="0" dirty="0"/>
+              <a:t> </a:t>
+            </a:r>
+            <a:r>
+              <a:rPr lang="en-CA" baseline="0" dirty="0" err="1"/>
+              <a:t>Eingänge</a:t>
+            </a:r>
+            <a:r>
+              <a:rPr lang="en-CA" baseline="0" dirty="0"/>
+              <a:t> hat der Kernel </a:t>
+            </a:r>
+          </a:p>
+          <a:p>
+            <a:r>
+              <a:rPr lang="en-CA" baseline="0" dirty="0" err="1"/>
+              <a:t>Aufgaben</a:t>
+            </a:r>
+            <a:r>
+              <a:rPr lang="en-CA" baseline="0" dirty="0"/>
+              <a:t>: </a:t>
+            </a:r>
+            <a:r>
+              <a:rPr lang="en-CA" baseline="0" dirty="0" err="1"/>
+              <a:t>verteilt</a:t>
+            </a:r>
+            <a:r>
+              <a:rPr lang="en-CA" baseline="0" dirty="0"/>
+              <a:t> die </a:t>
+            </a:r>
+            <a:r>
+              <a:rPr lang="en-CA" baseline="0" dirty="0" err="1"/>
+              <a:t>Ressourcen</a:t>
+            </a:r>
+            <a:r>
+              <a:rPr lang="en-CA" baseline="0" dirty="0"/>
+              <a:t>, </a:t>
+            </a:r>
+            <a:r>
+              <a:rPr lang="en-CA" baseline="0" dirty="0" err="1"/>
+              <a:t>Kontrolle</a:t>
+            </a:r>
+            <a:r>
+              <a:rPr lang="en-CA" baseline="0" dirty="0"/>
+              <a:t> des </a:t>
+            </a:r>
+            <a:r>
+              <a:rPr lang="en-CA" baseline="0" dirty="0" err="1"/>
+              <a:t>Zugriffs</a:t>
+            </a:r>
+            <a:endParaRPr lang="en-CA" baseline="0" dirty="0"/>
+          </a:p>
+          <a:p>
+            <a:endParaRPr lang="de-CH" dirty="0"/>
+          </a:p>
+        </p:txBody>
+      </p:sp>
+      <p:sp>
+        <p:nvSpPr>
+          <p:cNvPr id="4" name="Foliennummernplatzhalter 3"/>
+          <p:cNvSpPr>
+            <a:spLocks noGrp="1"/>
+          </p:cNvSpPr>
+          <p:nvPr>
+            <p:ph type="sldNum" sz="quarter" idx="10"/>
+          </p:nvPr>
+        </p:nvSpPr>
+        <p:spPr/>
+        <p:txBody>
+          <a:bodyPr/>
+          <a:lstStyle/>
+          <a:p>
+            <a:fld id="{F1F70B2C-B641-40EB-B295-6B68783F7EA2}" type="slidenum">
+              <a:rPr lang="de-CH" smtClean="0"/>
+              <a:t>3</a:t>
+            </a:fld>
+            <a:endParaRPr lang="de-CH"/>
+          </a:p>
+        </p:txBody>
+      </p:sp>
+    </p:spTree>
+    <p:extLst>
+      <p:ext uri="{BB962C8B-B14F-4D97-AF65-F5344CB8AC3E}">
+        <p14:creationId xmlns:p14="http://schemas.microsoft.com/office/powerpoint/2010/main" val="1144308308"/>
+      </p:ext>
+    </p:extLst>
+  </p:cSld>
+  <p:clrMapOvr>
+    <a:masterClrMapping/>
+  </p:clrMapOvr>
+</p:notes>
+</file>
+
+<file path=ppt/notesSlides/notesSlide3.xml><?xml version="1.0" encoding="utf-8"?>
+<p:notes xmlns:a="http://schemas.openxmlformats.org/drawingml/2006/main" xmlns:r="http://schemas.openxmlformats.org/officeDocument/2006/relationships" xmlns:p="http://schemas.openxmlformats.org/presentationml/2006/main">
+  <p:cSld>
+    <p:spTree>
+      <p:nvGrpSpPr>
+        <p:cNvPr id="1" name=""/>
+        <p:cNvGrpSpPr/>
+        <p:nvPr/>
+      </p:nvGrpSpPr>
+      <p:grpSpPr>
+        <a:xfrm>
+          <a:off x="0" y="0"/>
+          <a:ext cx="0" cy="0"/>
+          <a:chOff x="0" y="0"/>
+          <a:chExt cx="0" cy="0"/>
+        </a:xfrm>
+      </p:grpSpPr>
+      <p:sp>
+        <p:nvSpPr>
+          <p:cNvPr id="2" name="Folienbildplatzhalter 1"/>
+          <p:cNvSpPr>
+            <a:spLocks noGrp="1" noRot="1" noChangeAspect="1"/>
+          </p:cNvSpPr>
+          <p:nvPr>
+            <p:ph type="sldImg"/>
+          </p:nvPr>
+        </p:nvSpPr>
+        <p:spPr/>
+      </p:sp>
+      <p:sp>
+        <p:nvSpPr>
+          <p:cNvPr id="3" name="Notizenplatzhalter 2"/>
+          <p:cNvSpPr>
+            <a:spLocks noGrp="1"/>
+          </p:cNvSpPr>
+          <p:nvPr>
+            <p:ph type="body" idx="1"/>
+          </p:nvPr>
+        </p:nvSpPr>
+        <p:spPr/>
+        <p:txBody>
+          <a:bodyPr/>
+          <a:lstStyle/>
+          <a:p>
+            <a:r>
+              <a:rPr lang="en-CA" dirty="0"/>
+              <a:t>Der</a:t>
+            </a:r>
+            <a:r>
+              <a:rPr lang="en-CA" baseline="0" dirty="0"/>
+              <a:t> Scheduler </a:t>
+            </a:r>
+            <a:r>
+              <a:rPr lang="en-CA" baseline="0" dirty="0" err="1"/>
+              <a:t>sagt</a:t>
+            </a:r>
+            <a:r>
+              <a:rPr lang="en-CA" baseline="0" dirty="0"/>
+              <a:t> </a:t>
+            </a:r>
+            <a:r>
+              <a:rPr lang="en-CA" baseline="0" dirty="0" err="1"/>
+              <a:t>welcher</a:t>
+            </a:r>
+            <a:r>
+              <a:rPr lang="en-CA" baseline="0" dirty="0"/>
+              <a:t> </a:t>
+            </a:r>
+            <a:r>
+              <a:rPr lang="en-CA" baseline="0" dirty="0" err="1"/>
+              <a:t>Tast</a:t>
+            </a:r>
+            <a:r>
+              <a:rPr lang="en-CA" baseline="0" dirty="0"/>
+              <a:t> nun </a:t>
+            </a:r>
+            <a:r>
+              <a:rPr lang="en-CA" baseline="0" dirty="0" err="1"/>
+              <a:t>zeit</a:t>
+            </a:r>
+            <a:r>
+              <a:rPr lang="en-CA" baseline="0" dirty="0"/>
+              <a:t> </a:t>
+            </a:r>
+            <a:r>
+              <a:rPr lang="en-CA" baseline="0" dirty="0" err="1"/>
+              <a:t>bekommt</a:t>
+            </a:r>
+            <a:r>
+              <a:rPr lang="en-CA" baseline="0" dirty="0"/>
+              <a:t> </a:t>
+            </a:r>
+            <a:r>
+              <a:rPr lang="en-CA" baseline="0" dirty="0" err="1"/>
+              <a:t>zum</a:t>
+            </a:r>
+            <a:r>
+              <a:rPr lang="en-CA" baseline="0" dirty="0"/>
+              <a:t> </a:t>
+            </a:r>
+            <a:r>
+              <a:rPr lang="en-CA" baseline="0" dirty="0" err="1"/>
+              <a:t>rechnen</a:t>
+            </a:r>
+            <a:r>
+              <a:rPr lang="en-CA" baseline="0" dirty="0"/>
+              <a:t>, </a:t>
+            </a:r>
+            <a:r>
+              <a:rPr lang="en-CA" baseline="0" dirty="0" err="1"/>
+              <a:t>verschiedene</a:t>
+            </a:r>
+            <a:r>
+              <a:rPr lang="en-CA" baseline="0" dirty="0"/>
+              <a:t> </a:t>
+            </a:r>
+            <a:r>
+              <a:rPr lang="en-CA" baseline="0" dirty="0" err="1"/>
+              <a:t>Prinzipien</a:t>
+            </a:r>
+            <a:r>
+              <a:rPr lang="en-CA" baseline="0" dirty="0"/>
+              <a:t> (</a:t>
+            </a:r>
+            <a:r>
+              <a:rPr lang="en-CA" baseline="0" dirty="0" err="1"/>
+              <a:t>Roud</a:t>
+            </a:r>
+            <a:r>
+              <a:rPr lang="en-CA" baseline="0" dirty="0"/>
+              <a:t> Robin) </a:t>
+            </a:r>
+            <a:r>
+              <a:rPr lang="en-CA" baseline="0" dirty="0" err="1"/>
+              <a:t>nach</a:t>
+            </a:r>
+            <a:r>
+              <a:rPr lang="en-CA" baseline="0" dirty="0"/>
+              <a:t> </a:t>
+            </a:r>
+            <a:r>
+              <a:rPr lang="en-CA" baseline="0" dirty="0" err="1"/>
+              <a:t>einer</a:t>
+            </a:r>
+            <a:r>
+              <a:rPr lang="en-CA" baseline="0" dirty="0"/>
+              <a:t> </a:t>
+            </a:r>
+            <a:r>
+              <a:rPr lang="en-CA" baseline="0" dirty="0" err="1"/>
+              <a:t>gewissen</a:t>
+            </a:r>
+            <a:r>
+              <a:rPr lang="en-CA" baseline="0" dirty="0"/>
+              <a:t> Zeit </a:t>
+            </a:r>
+            <a:r>
+              <a:rPr lang="en-CA" baseline="0" dirty="0" err="1"/>
+              <a:t>kommt</a:t>
+            </a:r>
+            <a:r>
+              <a:rPr lang="en-CA" baseline="0" dirty="0"/>
+              <a:t> </a:t>
+            </a:r>
+            <a:r>
+              <a:rPr lang="en-CA" baseline="0" dirty="0" err="1"/>
+              <a:t>nächster</a:t>
+            </a:r>
+            <a:r>
+              <a:rPr lang="en-CA" baseline="0" dirty="0"/>
+              <a:t> </a:t>
+            </a:r>
+            <a:r>
+              <a:rPr lang="en-CA" baseline="0" dirty="0" err="1"/>
+              <a:t>hinter</a:t>
+            </a:r>
+            <a:r>
+              <a:rPr lang="en-CA" baseline="0" dirty="0"/>
+              <a:t> </a:t>
+            </a:r>
+            <a:r>
+              <a:rPr lang="en-CA" baseline="0" dirty="0" err="1"/>
+              <a:t>anfangen</a:t>
+            </a:r>
+            <a:endParaRPr lang="de-CH" dirty="0"/>
+          </a:p>
+        </p:txBody>
+      </p:sp>
+      <p:sp>
+        <p:nvSpPr>
+          <p:cNvPr id="4" name="Foliennummernplatzhalter 3"/>
+          <p:cNvSpPr>
+            <a:spLocks noGrp="1"/>
+          </p:cNvSpPr>
+          <p:nvPr>
+            <p:ph type="sldNum" sz="quarter" idx="10"/>
+          </p:nvPr>
+        </p:nvSpPr>
+        <p:spPr/>
+        <p:txBody>
+          <a:bodyPr/>
+          <a:lstStyle/>
+          <a:p>
+            <a:fld id="{F1F70B2C-B641-40EB-B295-6B68783F7EA2}" type="slidenum">
+              <a:rPr lang="de-CH" smtClean="0"/>
+              <a:t>4</a:t>
+            </a:fld>
+            <a:endParaRPr lang="de-CH"/>
+          </a:p>
+        </p:txBody>
+      </p:sp>
+    </p:spTree>
+    <p:extLst>
+      <p:ext uri="{BB962C8B-B14F-4D97-AF65-F5344CB8AC3E}">
+        <p14:creationId xmlns:p14="http://schemas.microsoft.com/office/powerpoint/2010/main" val="4135802671"/>
+      </p:ext>
+    </p:extLst>
+  </p:cSld>
+  <p:clrMapOvr>
+    <a:masterClrMapping/>
+  </p:clrMapOvr>
+</p:notes>
+</file>
+
+<file path=ppt/notesSlides/notesSlide4.xml><?xml version="1.0" encoding="utf-8"?>
+<p:notes xmlns:a="http://schemas.openxmlformats.org/drawingml/2006/main" xmlns:r="http://schemas.openxmlformats.org/officeDocument/2006/relationships" xmlns:p="http://schemas.openxmlformats.org/presentationml/2006/main">
+  <p:cSld>
+    <p:spTree>
+      <p:nvGrpSpPr>
+        <p:cNvPr id="1" name=""/>
+        <p:cNvGrpSpPr/>
+        <p:nvPr/>
+      </p:nvGrpSpPr>
+      <p:grpSpPr>
+        <a:xfrm>
+          <a:off x="0" y="0"/>
+          <a:ext cx="0" cy="0"/>
+          <a:chOff x="0" y="0"/>
+          <a:chExt cx="0" cy="0"/>
+        </a:xfrm>
+      </p:grpSpPr>
+      <p:sp>
+        <p:nvSpPr>
+          <p:cNvPr id="2" name="Folienbildplatzhalter 1"/>
+          <p:cNvSpPr>
+            <a:spLocks noGrp="1" noRot="1" noChangeAspect="1"/>
+          </p:cNvSpPr>
+          <p:nvPr>
+            <p:ph type="sldImg"/>
+          </p:nvPr>
+        </p:nvSpPr>
+        <p:spPr/>
+      </p:sp>
+      <p:sp>
+        <p:nvSpPr>
+          <p:cNvPr id="3" name="Notizenplatzhalter 2"/>
+          <p:cNvSpPr>
+            <a:spLocks noGrp="1"/>
+          </p:cNvSpPr>
+          <p:nvPr>
+            <p:ph type="body" idx="1"/>
+          </p:nvPr>
+        </p:nvSpPr>
+        <p:spPr/>
+        <p:txBody>
+          <a:bodyPr/>
+          <a:lstStyle/>
+          <a:p>
+            <a:r>
               <a:rPr lang="de-CH" dirty="0"/>
               <a:t>Bis hier</a:t>
             </a:r>
@@ -532,7 +1082,98 @@
               <a:rPr lang="de-CH" baseline="0" dirty="0"/>
               <a:t> Silvano</a:t>
             </a:r>
-            <a:endParaRPr lang="de-CH" dirty="0"/>
+          </a:p>
+          <a:p>
+            <a:r>
+              <a:rPr lang="en-CA" baseline="0" dirty="0" err="1"/>
+              <a:t>Es</a:t>
+            </a:r>
+            <a:r>
+              <a:rPr lang="en-CA" baseline="0" dirty="0"/>
+              <a:t> </a:t>
+            </a:r>
+            <a:r>
+              <a:rPr lang="en-CA" baseline="0" dirty="0" err="1"/>
+              <a:t>gibt</a:t>
+            </a:r>
+            <a:r>
+              <a:rPr lang="en-CA" baseline="0" dirty="0"/>
+              <a:t> </a:t>
+            </a:r>
+            <a:r>
+              <a:rPr lang="en-CA" baseline="0" dirty="0" err="1"/>
+              <a:t>zwei</a:t>
+            </a:r>
+            <a:r>
+              <a:rPr lang="en-CA" baseline="0" dirty="0"/>
+              <a:t> </a:t>
+            </a:r>
+            <a:r>
+              <a:rPr lang="en-CA" baseline="0" dirty="0" err="1"/>
+              <a:t>arten</a:t>
+            </a:r>
+            <a:r>
+              <a:rPr lang="en-CA" baseline="0" dirty="0"/>
+              <a:t> </a:t>
+            </a:r>
+            <a:r>
+              <a:rPr lang="en-CA" baseline="0" dirty="0" err="1"/>
+              <a:t>preemtive</a:t>
+            </a:r>
+            <a:r>
+              <a:rPr lang="en-CA" baseline="0" dirty="0"/>
+              <a:t> and cooperative</a:t>
+            </a:r>
+          </a:p>
+          <a:p>
+            <a:r>
+              <a:rPr lang="en-CA" baseline="0" dirty="0" err="1"/>
+              <a:t>Haben</a:t>
+            </a:r>
+            <a:r>
+              <a:rPr lang="en-CA" baseline="0" dirty="0"/>
+              <a:t> </a:t>
+            </a:r>
+            <a:r>
+              <a:rPr lang="en-CA" baseline="0" dirty="0" err="1"/>
+              <a:t>wir</a:t>
+            </a:r>
+            <a:r>
+              <a:rPr lang="en-CA" baseline="0" dirty="0"/>
+              <a:t> </a:t>
+            </a:r>
+            <a:r>
+              <a:rPr lang="en-CA" baseline="0" dirty="0" err="1"/>
+              <a:t>vorhere</a:t>
+            </a:r>
+            <a:r>
+              <a:rPr lang="en-CA" baseline="0" dirty="0"/>
+              <a:t> </a:t>
+            </a:r>
+            <a:r>
+              <a:rPr lang="en-CA" baseline="0" dirty="0" err="1"/>
+              <a:t>schon</a:t>
+            </a:r>
+            <a:r>
+              <a:rPr lang="en-CA" baseline="0" dirty="0"/>
+              <a:t> </a:t>
+            </a:r>
+            <a:r>
+              <a:rPr lang="en-CA" baseline="0" dirty="0" err="1"/>
+              <a:t>gesehen</a:t>
+            </a:r>
+            <a:r>
+              <a:rPr lang="en-CA" baseline="0" dirty="0"/>
+              <a:t> </a:t>
+            </a:r>
+            <a:r>
+              <a:rPr lang="en-CA" baseline="0" dirty="0" err="1"/>
+              <a:t>mit</a:t>
+            </a:r>
+            <a:r>
+              <a:rPr lang="en-CA" baseline="0" dirty="0"/>
+              <a:t> Interrupts</a:t>
+            </a:r>
           </a:p>
         </p:txBody>
       </p:sp>
@@ -798,7 +1439,7 @@
           <a:p>
             <a:fld id="{CFF0E3E0-6B59-4FD8-AEDD-9E53307F786E}" type="datetimeFigureOut">
               <a:rPr lang="de-CH" smtClean="0"/>
-              <a:t>25.10.2016</a:t>
+              <a:t>26.10.2016</a:t>
             </a:fld>
             <a:endParaRPr lang="de-CH"/>
           </a:p>
@@ -1006,7 +1647,7 @@
           <a:p>
             <a:fld id="{CFF0E3E0-6B59-4FD8-AEDD-9E53307F786E}" type="datetimeFigureOut">
               <a:rPr lang="de-CH" smtClean="0"/>
-              <a:t>25.10.2016</a:t>
+              <a:t>26.10.2016</a:t>
             </a:fld>
             <a:endParaRPr lang="de-CH"/>
           </a:p>
@@ -1262,7 +1903,7 @@
           <a:p>
             <a:fld id="{CFF0E3E0-6B59-4FD8-AEDD-9E53307F786E}" type="datetimeFigureOut">
               <a:rPr lang="de-CH" smtClean="0"/>
-              <a:t>25.10.2016</a:t>
+              <a:t>26.10.2016</a:t>
             </a:fld>
             <a:endParaRPr lang="de-CH"/>
           </a:p>
@@ -1436,7 +2077,7 @@
           <a:p>
             <a:fld id="{CFF0E3E0-6B59-4FD8-AEDD-9E53307F786E}" type="datetimeFigureOut">
               <a:rPr lang="de-CH" smtClean="0"/>
-              <a:t>25.10.2016</a:t>
+              <a:t>26.10.2016</a:t>
             </a:fld>
             <a:endParaRPr lang="de-CH"/>
           </a:p>
@@ -1779,7 +2420,7 @@
           <a:p>
             <a:fld id="{CFF0E3E0-6B59-4FD8-AEDD-9E53307F786E}" type="datetimeFigureOut">
               <a:rPr lang="de-CH" smtClean="0"/>
-              <a:t>25.10.2016</a:t>
+              <a:t>26.10.2016</a:t>
             </a:fld>
             <a:endParaRPr lang="de-CH"/>
           </a:p>
@@ -2054,7 +2695,7 @@
           <a:p>
             <a:fld id="{CFF0E3E0-6B59-4FD8-AEDD-9E53307F786E}" type="datetimeFigureOut">
               <a:rPr lang="de-CH" smtClean="0"/>
-              <a:t>25.10.2016</a:t>
+              <a:t>26.10.2016</a:t>
             </a:fld>
             <a:endParaRPr lang="de-CH"/>
           </a:p>
@@ -2433,7 +3074,7 @@
           <a:p>
             <a:fld id="{CFF0E3E0-6B59-4FD8-AEDD-9E53307F786E}" type="datetimeFigureOut">
               <a:rPr lang="de-CH" smtClean="0"/>
-              <a:t>25.10.2016</a:t>
+              <a:t>26.10.2016</a:t>
             </a:fld>
             <a:endParaRPr lang="de-CH"/>
           </a:p>
@@ -2551,7 +3192,7 @@
           <a:p>
             <a:fld id="{CFF0E3E0-6B59-4FD8-AEDD-9E53307F786E}" type="datetimeFigureOut">
               <a:rPr lang="de-CH" smtClean="0"/>
-              <a:t>25.10.2016</a:t>
+              <a:t>26.10.2016</a:t>
             </a:fld>
             <a:endParaRPr lang="de-CH"/>
           </a:p>
@@ -2722,7 +3363,7 @@
           <a:p>
             <a:fld id="{CFF0E3E0-6B59-4FD8-AEDD-9E53307F786E}" type="datetimeFigureOut">
               <a:rPr lang="de-CH" smtClean="0"/>
-              <a:t>25.10.2016</a:t>
+              <a:t>26.10.2016</a:t>
             </a:fld>
             <a:endParaRPr lang="de-CH"/>
           </a:p>
@@ -3076,7 +3717,7 @@
           <a:p>
             <a:fld id="{CFF0E3E0-6B59-4FD8-AEDD-9E53307F786E}" type="datetimeFigureOut">
               <a:rPr lang="de-CH" smtClean="0"/>
-              <a:t>25.10.2016</a:t>
+              <a:t>26.10.2016</a:t>
             </a:fld>
             <a:endParaRPr lang="de-CH"/>
           </a:p>
@@ -3458,7 +4099,7 @@
           <a:p>
             <a:fld id="{CFF0E3E0-6B59-4FD8-AEDD-9E53307F786E}" type="datetimeFigureOut">
               <a:rPr lang="de-CH" smtClean="0"/>
-              <a:t>25.10.2016</a:t>
+              <a:t>26.10.2016</a:t>
             </a:fld>
             <a:endParaRPr lang="de-CH"/>
           </a:p>
@@ -3745,7 +4386,7 @@
           <a:p>
             <a:fld id="{CFF0E3E0-6B59-4FD8-AEDD-9E53307F786E}" type="datetimeFigureOut">
               <a:rPr lang="de-CH" smtClean="0"/>
-              <a:t>25.10.2016</a:t>
+              <a:t>26.10.2016</a:t>
             </a:fld>
             <a:endParaRPr lang="de-CH"/>
           </a:p>
@@ -6447,34 +7088,34 @@
         </p:spPr>
         <p:txBody>
           <a:bodyPr>
-            <a:normAutofit lnSpcReduction="10000"/>
+            <a:normAutofit fontScale="85000" lnSpcReduction="20000"/>
           </a:bodyPr>
           <a:lstStyle/>
           <a:p>
             <a:r>
-              <a:rPr lang="en-CA" dirty="0"/>
+              <a:rPr lang="en-CA" sz="2300" dirty="0"/>
               <a:t>Solves synchronization problems</a:t>
             </a:r>
           </a:p>
           <a:p>
-            <a:endParaRPr lang="en-CA" dirty="0"/>
-          </a:p>
-          <a:p>
-            <a:r>
-              <a:rPr lang="en-CA" dirty="0"/>
+            <a:endParaRPr lang="en-CA" sz="2300" dirty="0"/>
+          </a:p>
+          <a:p>
+            <a:r>
+              <a:rPr lang="en-CA" sz="2300" dirty="0"/>
               <a:t>Quasi-concurrent execution of services </a:t>
             </a:r>
           </a:p>
           <a:p>
-            <a:endParaRPr lang="en-CA" dirty="0"/>
-          </a:p>
-          <a:p>
-            <a:r>
-              <a:rPr lang="en-CA" dirty="0"/>
+            <a:endParaRPr lang="en-CA" sz="2300" dirty="0"/>
+          </a:p>
+          <a:p>
+            <a:r>
+              <a:rPr lang="en-CA" sz="2300" dirty="0"/>
               <a:t>Close to Hardware </a:t>
             </a:r>
             <a:r>
-              <a:rPr lang="en-CA" dirty="0">
+              <a:rPr lang="en-CA" sz="2300" dirty="0">
                 <a:sym typeface="Wingdings" panose="05000000000000000000" pitchFamily="2" charset="2"/>
               </a:rPr>
               <a:t> better performance</a:t>
@@ -6483,7 +7124,7 @@
           <a:p>
             <a:pPr lvl="1"/>
             <a:r>
-              <a:rPr lang="en-CA" dirty="0">
+              <a:rPr lang="en-CA" sz="2300" dirty="0">
                 <a:sym typeface="Wingdings" panose="05000000000000000000" pitchFamily="2" charset="2"/>
               </a:rPr>
               <a:t>OS needs Driver</a:t>
@@ -6492,7 +7133,7 @@
           <a:p>
             <a:pPr lvl="1"/>
             <a:r>
-              <a:rPr lang="en-CA" dirty="0">
+              <a:rPr lang="en-CA" sz="2300" dirty="0">
                 <a:sym typeface="Wingdings" panose="05000000000000000000" pitchFamily="2" charset="2"/>
               </a:rPr>
               <a:t>RTOS direct connected</a:t>
@@ -6500,7 +7141,7 @@
           </a:p>
           <a:p>
             <a:pPr lvl="1"/>
-            <a:endParaRPr lang="en-CA" dirty="0">
+            <a:endParaRPr lang="en-CA" sz="2300" dirty="0">
               <a:sym typeface="Wingdings" panose="05000000000000000000" pitchFamily="2" charset="2"/>
             </a:endParaRPr>
           </a:p>
@@ -6509,7 +7150,7 @@
               <a:buNone/>
             </a:pPr>
             <a:r>
-              <a:rPr lang="en-CA" sz="2000" dirty="0">
+              <a:rPr lang="en-CA" sz="2300" dirty="0">
                 <a:sym typeface="Wingdings" panose="05000000000000000000" pitchFamily="2" charset="2"/>
               </a:rPr>
               <a:t>Correct Result at correct time, independent of System load, in a deterministic and foreseeable way</a:t>
@@ -6519,13 +7160,13 @@
             <a:pPr marL="292608" lvl="1">
               <a:buNone/>
             </a:pPr>
-            <a:endParaRPr lang="en-CA" sz="2000" dirty="0">
+            <a:endParaRPr lang="en-CA" sz="2300" dirty="0">
               <a:sym typeface="Wingdings" panose="05000000000000000000" pitchFamily="2" charset="2"/>
             </a:endParaRPr>
           </a:p>
           <a:p>
             <a:r>
-              <a:rPr lang="en-CA" dirty="0">
+              <a:rPr lang="en-CA" sz="2300" dirty="0">
                 <a:sym typeface="Wingdings" panose="05000000000000000000" pitchFamily="2" charset="2"/>
               </a:rPr>
               <a:t>Requirements for standard OS and RTOS are different</a:t>
@@ -6610,7 +7251,7 @@
           </p:nvPr>
         </p:nvPicPr>
         <p:blipFill>
-          <a:blip r:embed="rId2"/>
+          <a:blip r:embed="rId3"/>
           <a:stretch>
             <a:fillRect/>
           </a:stretch>
@@ -6778,7 +7419,7 @@
           </p:nvPr>
         </p:nvPicPr>
         <p:blipFill>
-          <a:blip r:embed="rId2"/>
+          <a:blip r:embed="rId3"/>
           <a:stretch>
             <a:fillRect/>
           </a:stretch>
@@ -7107,111 +7748,113 @@
         </p:nvSpPr>
         <p:spPr/>
         <p:txBody>
-          <a:bodyPr/>
+          <a:bodyPr>
+            <a:normAutofit/>
+          </a:bodyPr>
           <a:lstStyle/>
           <a:p>
             <a:r>
-              <a:rPr lang="en-US" b="1" dirty="0"/>
+              <a:rPr lang="en-US" sz="2400" b="1" dirty="0"/>
               <a:t>Kernel</a:t>
             </a:r>
-            <a:endParaRPr lang="en-US" dirty="0"/>
+            <a:endParaRPr lang="en-US" sz="2400" dirty="0"/>
           </a:p>
           <a:p>
             <a:pPr lvl="1"/>
             <a:r>
-              <a:rPr lang="en-US" dirty="0"/>
+              <a:rPr lang="en-US" sz="2000" dirty="0"/>
               <a:t>Small Kernel, </a:t>
             </a:r>
             <a:r>
-              <a:rPr lang="en-US" b="1" dirty="0"/>
+              <a:rPr lang="en-US" sz="2000" b="1" dirty="0"/>
               <a:t>implemented in C</a:t>
             </a:r>
           </a:p>
           <a:p>
             <a:pPr lvl="1"/>
-            <a:endParaRPr lang="en-US" dirty="0"/>
+            <a:endParaRPr lang="en-US" sz="2000" dirty="0"/>
           </a:p>
           <a:p>
             <a:pPr lvl="1"/>
             <a:r>
-              <a:rPr lang="en-US" b="1" dirty="0"/>
+              <a:rPr lang="en-US" sz="2000" b="1" dirty="0"/>
               <a:t>Preemptive</a:t>
             </a:r>
             <a:r>
-              <a:rPr lang="en-US" dirty="0"/>
+              <a:rPr lang="en-US" sz="2000" dirty="0"/>
               <a:t> or </a:t>
             </a:r>
             <a:r>
-              <a:rPr lang="en-US" b="1" dirty="0"/>
+              <a:rPr lang="en-US" sz="2000" b="1" dirty="0"/>
               <a:t>cooperative</a:t>
             </a:r>
             <a:r>
-              <a:rPr lang="en-US" dirty="0"/>
+              <a:rPr lang="en-US" sz="2000" dirty="0"/>
               <a:t> scheduler mode (at compile </a:t>
             </a:r>
             <a:r>
-              <a:rPr lang="de-CH" dirty="0"/>
+              <a:rPr lang="de-CH" sz="2000" dirty="0"/>
               <a:t>time)</a:t>
             </a:r>
           </a:p>
           <a:p>
             <a:pPr lvl="1"/>
-            <a:endParaRPr lang="de-CH" dirty="0"/>
+            <a:endParaRPr lang="de-CH" sz="2000" dirty="0"/>
           </a:p>
           <a:p>
             <a:pPr lvl="1"/>
             <a:r>
-              <a:rPr lang="en-US" dirty="0"/>
+              <a:rPr lang="en-US" sz="2000" dirty="0"/>
               <a:t>Kernel only needs </a:t>
             </a:r>
             <a:r>
-              <a:rPr lang="en-US" b="1" dirty="0"/>
+              <a:rPr lang="en-US" sz="2000" b="1" dirty="0"/>
               <a:t>tick interrupt </a:t>
             </a:r>
             <a:r>
-              <a:rPr lang="en-US" dirty="0"/>
+              <a:rPr lang="en-US" sz="2000" dirty="0"/>
               <a:t>and </a:t>
             </a:r>
             <a:r>
-              <a:rPr lang="en-US" b="1" dirty="0"/>
+              <a:rPr lang="en-US" sz="2000" b="1" dirty="0"/>
               <a:t>software interrupt</a:t>
             </a:r>
           </a:p>
           <a:p>
             <a:pPr lvl="1"/>
-            <a:endParaRPr lang="en-US" b="1" dirty="0"/>
+            <a:endParaRPr lang="en-US" sz="2000" b="1" dirty="0"/>
           </a:p>
           <a:p>
             <a:pPr lvl="1"/>
             <a:r>
-              <a:rPr lang="en-US" dirty="0"/>
+              <a:rPr lang="en-US" sz="2000" dirty="0"/>
               <a:t>’Ticks’ provide time base for RTOS (Typically 10 </a:t>
             </a:r>
             <a:r>
-              <a:rPr lang="en-US" dirty="0" err="1"/>
+              <a:rPr lang="en-US" sz="2000" dirty="0" err="1"/>
               <a:t>ms</a:t>
             </a:r>
             <a:r>
-              <a:rPr lang="en-US" dirty="0"/>
+              <a:rPr lang="en-US" sz="2000" dirty="0"/>
               <a:t> or 1 </a:t>
             </a:r>
             <a:r>
-              <a:rPr lang="en-US" dirty="0" err="1"/>
+              <a:rPr lang="en-US" sz="2000" dirty="0" err="1"/>
               <a:t>ms</a:t>
             </a:r>
             <a:r>
-              <a:rPr lang="en-US" dirty="0"/>
+              <a:rPr lang="en-US" sz="2000" dirty="0"/>
               <a:t> tick period)</a:t>
             </a:r>
-            <a:endParaRPr lang="en-US" b="1" dirty="0"/>
+            <a:endParaRPr lang="en-US" sz="2000" b="1" dirty="0"/>
           </a:p>
           <a:p>
             <a:pPr lvl="1"/>
-            <a:endParaRPr lang="en-US" b="1" dirty="0"/>
+            <a:endParaRPr lang="en-US" sz="2000" b="1" dirty="0"/>
           </a:p>
           <a:p>
             <a:pPr lvl="1"/>
-            <a:endParaRPr lang="de-CH" dirty="0"/>
+            <a:endParaRPr lang="de-CH" sz="2000" dirty="0"/>
           </a:p>
         </p:txBody>
       </p:sp>
@@ -7291,46 +7934,48 @@
         </p:nvSpPr>
         <p:spPr/>
         <p:txBody>
-          <a:bodyPr/>
+          <a:bodyPr>
+            <a:normAutofit/>
+          </a:bodyPr>
           <a:lstStyle/>
           <a:p>
-            <a:endParaRPr lang="de-CH" b="1" dirty="0"/>
-          </a:p>
-          <a:p>
-            <a:r>
-              <a:rPr lang="de-CH" b="1" dirty="0"/>
+            <a:endParaRPr lang="de-CH" sz="2400" b="1" dirty="0"/>
+          </a:p>
+          <a:p>
+            <a:r>
+              <a:rPr lang="de-CH" sz="2400" b="1" dirty="0"/>
               <a:t>Tasks</a:t>
             </a:r>
           </a:p>
           <a:p>
             <a:pPr lvl="1"/>
             <a:r>
-              <a:rPr lang="en-US" dirty="0"/>
+              <a:rPr lang="en-US" sz="2000" dirty="0"/>
               <a:t>Tasks are running with stack in the ’heap’</a:t>
             </a:r>
           </a:p>
           <a:p>
             <a:pPr lvl="1"/>
-            <a:endParaRPr lang="en-US" dirty="0"/>
+            <a:endParaRPr lang="en-US" sz="2000" dirty="0"/>
           </a:p>
           <a:p>
             <a:pPr lvl="1"/>
             <a:r>
-              <a:rPr lang="en-US" dirty="0"/>
+              <a:rPr lang="en-US" sz="2000" dirty="0"/>
               <a:t>Tasks are (usually) staying in an endless loop</a:t>
             </a:r>
           </a:p>
           <a:p>
             <a:pPr lvl="1"/>
-            <a:endParaRPr lang="en-US" dirty="0"/>
+            <a:endParaRPr lang="en-US" sz="2000" dirty="0"/>
           </a:p>
           <a:p>
             <a:pPr lvl="1"/>
             <a:r>
-              <a:rPr lang="en-US" dirty="0"/>
+              <a:rPr lang="en-US" sz="2000" dirty="0"/>
               <a:t>Software interrupt used to switch task context</a:t>
             </a:r>
-            <a:endParaRPr lang="de-CH" b="1" dirty="0"/>
+            <a:endParaRPr lang="de-CH" sz="2000" b="1" dirty="0"/>
           </a:p>
         </p:txBody>
       </p:sp>
